--- a/Presentation/Final Project Presentation Bingyu-Jiahui 3.pptx
+++ b/Presentation/Final Project Presentation Bingyu-Jiahui 3.pptx
@@ -6,7 +6,7 @@
     <p:sldMasterId id="2147483660" r:id="rId2"/>
   </p:sldMasterIdLst>
   <p:notesMasterIdLst>
-    <p:notesMasterId r:id="rId37"/>
+    <p:notesMasterId r:id="rId36"/>
   </p:notesMasterIdLst>
   <p:sldIdLst>
     <p:sldId id="256" r:id="rId3"/>
@@ -17,32 +17,31 @@
     <p:sldId id="335" r:id="rId8"/>
     <p:sldId id="336" r:id="rId9"/>
     <p:sldId id="340" r:id="rId10"/>
-    <p:sldId id="337" r:id="rId11"/>
-    <p:sldId id="339" r:id="rId12"/>
-    <p:sldId id="338" r:id="rId13"/>
-    <p:sldId id="341" r:id="rId14"/>
-    <p:sldId id="342" r:id="rId15"/>
-    <p:sldId id="349" r:id="rId16"/>
-    <p:sldId id="356" r:id="rId17"/>
-    <p:sldId id="357" r:id="rId18"/>
-    <p:sldId id="358" r:id="rId19"/>
-    <p:sldId id="359" r:id="rId20"/>
-    <p:sldId id="360" r:id="rId21"/>
-    <p:sldId id="362" r:id="rId22"/>
-    <p:sldId id="363" r:id="rId23"/>
-    <p:sldId id="344" r:id="rId24"/>
-    <p:sldId id="350" r:id="rId25"/>
-    <p:sldId id="347" r:id="rId26"/>
-    <p:sldId id="364" r:id="rId27"/>
-    <p:sldId id="346" r:id="rId28"/>
-    <p:sldId id="345" r:id="rId29"/>
-    <p:sldId id="352" r:id="rId30"/>
-    <p:sldId id="354" r:id="rId31"/>
-    <p:sldId id="365" r:id="rId32"/>
-    <p:sldId id="355" r:id="rId33"/>
-    <p:sldId id="366" r:id="rId34"/>
-    <p:sldId id="331" r:id="rId35"/>
-    <p:sldId id="269" r:id="rId36"/>
+    <p:sldId id="367" r:id="rId11"/>
+    <p:sldId id="337" r:id="rId12"/>
+    <p:sldId id="339" r:id="rId13"/>
+    <p:sldId id="338" r:id="rId14"/>
+    <p:sldId id="349" r:id="rId15"/>
+    <p:sldId id="356" r:id="rId16"/>
+    <p:sldId id="357" r:id="rId17"/>
+    <p:sldId id="358" r:id="rId18"/>
+    <p:sldId id="359" r:id="rId19"/>
+    <p:sldId id="360" r:id="rId20"/>
+    <p:sldId id="362" r:id="rId21"/>
+    <p:sldId id="363" r:id="rId22"/>
+    <p:sldId id="344" r:id="rId23"/>
+    <p:sldId id="350" r:id="rId24"/>
+    <p:sldId id="347" r:id="rId25"/>
+    <p:sldId id="364" r:id="rId26"/>
+    <p:sldId id="346" r:id="rId27"/>
+    <p:sldId id="345" r:id="rId28"/>
+    <p:sldId id="352" r:id="rId29"/>
+    <p:sldId id="354" r:id="rId30"/>
+    <p:sldId id="365" r:id="rId31"/>
+    <p:sldId id="355" r:id="rId32"/>
+    <p:sldId id="366" r:id="rId33"/>
+    <p:sldId id="331" r:id="rId34"/>
+    <p:sldId id="269" r:id="rId35"/>
   </p:sldIdLst>
   <p:sldSz cx="12192000" cy="6858000"/>
   <p:notesSz cx="6858000" cy="9144000"/>
@@ -149,14 +148,6 @@
 </p:presentation>
 </file>
 
-<file path=ppt/revisionInfo.xml><?xml version="1.0" encoding="utf-8"?>
-<p1510:revInfo xmlns:a="http://schemas.openxmlformats.org/drawingml/2006/main" xmlns:r="http://schemas.openxmlformats.org/officeDocument/2006/relationships" xmlns:p1510="http://schemas.microsoft.com/office/powerpoint/2015/10/main">
-  <p1510:revLst>
-    <p1510:client id="{387C08D2-1C90-4593-8D28-09CB1E713E52}" v="16" dt="2025-04-08T02:00:42.502"/>
-  </p1510:revLst>
-</p1510:revInfo>
-</file>
-
 <file path=ppt/changesInfos/changesInfo1.xml><?xml version="1.0" encoding="utf-8"?>
 <pc:chgInfo xmlns:a="http://schemas.openxmlformats.org/drawingml/2006/main" xmlns:r="http://schemas.openxmlformats.org/officeDocument/2006/relationships" xmlns:ac="http://schemas.microsoft.com/office/drawing/2013/main/command" xmlns:pc="http://schemas.microsoft.com/office/powerpoint/2013/main/command">
   <pc:docChgLst>
@@ -196,36 +187,12 @@
             <ac:spMk id="21" creationId="{BE1506AA-E480-5E7E-BE1F-29619D321463}"/>
           </ac:spMkLst>
         </pc:spChg>
-        <pc:picChg chg="del">
-          <ac:chgData name="Bingyu Zhang" userId="fda6ca84-5139-482b-a86b-d5d57185776f" providerId="ADAL" clId="{387C08D2-1C90-4593-8D28-09CB1E713E52}" dt="2025-04-08T01:21:21.869" v="0" actId="478"/>
-          <ac:picMkLst>
-            <pc:docMk/>
-            <pc:sldMk cId="2233278333" sldId="336"/>
-            <ac:picMk id="6" creationId="{C1F9EEEA-06B1-1E63-AFF4-57C22BEAB2BD}"/>
-          </ac:picMkLst>
-        </pc:picChg>
         <pc:picChg chg="add mod">
           <ac:chgData name="Bingyu Zhang" userId="fda6ca84-5139-482b-a86b-d5d57185776f" providerId="ADAL" clId="{387C08D2-1C90-4593-8D28-09CB1E713E52}" dt="2025-04-08T01:46:58.580" v="568" actId="1076"/>
           <ac:picMkLst>
             <pc:docMk/>
             <pc:sldMk cId="2233278333" sldId="336"/>
             <ac:picMk id="7" creationId="{D5D7760A-284D-5460-2EF2-6450F4316A66}"/>
-          </ac:picMkLst>
-        </pc:picChg>
-        <pc:picChg chg="del">
-          <ac:chgData name="Bingyu Zhang" userId="fda6ca84-5139-482b-a86b-d5d57185776f" providerId="ADAL" clId="{387C08D2-1C90-4593-8D28-09CB1E713E52}" dt="2025-04-08T01:25:25.188" v="7" actId="478"/>
-          <ac:picMkLst>
-            <pc:docMk/>
-            <pc:sldMk cId="2233278333" sldId="336"/>
-            <ac:picMk id="8" creationId="{5424D892-6B8D-BA0F-82FD-A568AECC3B04}"/>
-          </ac:picMkLst>
-        </pc:picChg>
-        <pc:picChg chg="del mod">
-          <ac:chgData name="Bingyu Zhang" userId="fda6ca84-5139-482b-a86b-d5d57185776f" providerId="ADAL" clId="{387C08D2-1C90-4593-8D28-09CB1E713E52}" dt="2025-04-08T01:25:26.854" v="9" actId="478"/>
-          <ac:picMkLst>
-            <pc:docMk/>
-            <pc:sldMk cId="2233278333" sldId="336"/>
-            <ac:picMk id="10" creationId="{73B0E8F1-99CC-FD30-34C7-81773E36AF55}"/>
           </ac:picMkLst>
         </pc:picChg>
         <pc:picChg chg="add mod">
@@ -259,14 +226,6 @@
           <pc:docMk/>
           <pc:sldMk cId="222934439" sldId="337"/>
         </pc:sldMkLst>
-        <pc:spChg chg="add del mod">
-          <ac:chgData name="Bingyu Zhang" userId="fda6ca84-5139-482b-a86b-d5d57185776f" providerId="ADAL" clId="{387C08D2-1C90-4593-8D28-09CB1E713E52}" dt="2025-04-08T01:41:38.306" v="399" actId="478"/>
-          <ac:spMkLst>
-            <pc:docMk/>
-            <pc:sldMk cId="222934439" sldId="337"/>
-            <ac:spMk id="12" creationId="{A0C2AB39-05C3-4BAD-E769-899CE319D350}"/>
-          </ac:spMkLst>
-        </pc:spChg>
         <pc:spChg chg="add mod">
           <ac:chgData name="Bingyu Zhang" userId="fda6ca84-5139-482b-a86b-d5d57185776f" providerId="ADAL" clId="{387C08D2-1C90-4593-8D28-09CB1E713E52}" dt="2025-04-08T01:42:32.827" v="505" actId="14100"/>
           <ac:spMkLst>
@@ -314,14 +273,6 @@
             <ac:spMk id="5" creationId="{C6335998-4436-33A3-E240-F3B63F064D3E}"/>
           </ac:spMkLst>
         </pc:spChg>
-        <pc:spChg chg="add del mod">
-          <ac:chgData name="Bingyu Zhang" userId="fda6ca84-5139-482b-a86b-d5d57185776f" providerId="ADAL" clId="{387C08D2-1C90-4593-8D28-09CB1E713E52}" dt="2025-04-08T01:52:58.222" v="661" actId="478"/>
-          <ac:spMkLst>
-            <pc:docMk/>
-            <pc:sldMk cId="4052945160" sldId="338"/>
-            <ac:spMk id="6" creationId="{B168B1CF-5EF8-A9A2-FB5E-0007759F3F5B}"/>
-          </ac:spMkLst>
-        </pc:spChg>
         <pc:spChg chg="mod">
           <ac:chgData name="Bingyu Zhang" userId="fda6ca84-5139-482b-a86b-d5d57185776f" providerId="ADAL" clId="{387C08D2-1C90-4593-8D28-09CB1E713E52}" dt="2025-04-08T01:51:08.710" v="628" actId="20577"/>
           <ac:spMkLst>
@@ -338,22 +289,6 @@
             <ac:spMk id="17" creationId="{F8A2340A-46F2-BF03-CD33-BDEEEC208483}"/>
           </ac:spMkLst>
         </pc:spChg>
-        <pc:picChg chg="add del mod">
-          <ac:chgData name="Bingyu Zhang" userId="fda6ca84-5139-482b-a86b-d5d57185776f" providerId="ADAL" clId="{387C08D2-1C90-4593-8D28-09CB1E713E52}" dt="2025-04-08T01:51:06.685" v="624" actId="22"/>
-          <ac:picMkLst>
-            <pc:docMk/>
-            <pc:sldMk cId="4052945160" sldId="338"/>
-            <ac:picMk id="3" creationId="{3EBB96F2-91CB-05C7-891A-0798B2B17BCF}"/>
-          </ac:picMkLst>
-        </pc:picChg>
-        <pc:picChg chg="add del">
-          <ac:chgData name="Bingyu Zhang" userId="fda6ca84-5139-482b-a86b-d5d57185776f" providerId="ADAL" clId="{387C08D2-1C90-4593-8D28-09CB1E713E52}" dt="2025-04-08T01:53:10.968" v="663" actId="478"/>
-          <ac:picMkLst>
-            <pc:docMk/>
-            <pc:sldMk cId="4052945160" sldId="338"/>
-            <ac:picMk id="9" creationId="{84CE4041-8A51-7044-87C7-000EC01AEEC0}"/>
-          </ac:picMkLst>
-        </pc:picChg>
         <pc:picChg chg="add del mod ord">
           <ac:chgData name="Bingyu Zhang" userId="fda6ca84-5139-482b-a86b-d5d57185776f" providerId="ADAL" clId="{387C08D2-1C90-4593-8D28-09CB1E713E52}" dt="2025-04-08T01:52:44.582" v="658" actId="1076"/>
           <ac:picMkLst>
@@ -369,14 +304,6 @@
           <pc:docMk/>
           <pc:sldMk cId="1130664272" sldId="339"/>
         </pc:sldMkLst>
-        <pc:spChg chg="mod">
-          <ac:chgData name="Bingyu Zhang" userId="fda6ca84-5139-482b-a86b-d5d57185776f" providerId="ADAL" clId="{387C08D2-1C90-4593-8D28-09CB1E713E52}" dt="2025-04-08T01:45:39.973" v="557" actId="5793"/>
-          <ac:spMkLst>
-            <pc:docMk/>
-            <pc:sldMk cId="1130664272" sldId="339"/>
-            <ac:spMk id="2" creationId="{0FF2CA66-1455-AAB4-1D43-E392668DB56A}"/>
-          </ac:spMkLst>
-        </pc:spChg>
         <pc:spChg chg="add mod">
           <ac:chgData name="Bingyu Zhang" userId="fda6ca84-5139-482b-a86b-d5d57185776f" providerId="ADAL" clId="{387C08D2-1C90-4593-8D28-09CB1E713E52}" dt="2025-04-08T01:48:27.021" v="601" actId="1076"/>
           <ac:spMkLst>
@@ -385,14 +312,6 @@
             <ac:spMk id="11" creationId="{CC9CE4F8-573C-7BAA-625B-92FB56BBD4CB}"/>
           </ac:spMkLst>
         </pc:spChg>
-        <pc:picChg chg="del">
-          <ac:chgData name="Bingyu Zhang" userId="fda6ca84-5139-482b-a86b-d5d57185776f" providerId="ADAL" clId="{387C08D2-1C90-4593-8D28-09CB1E713E52}" dt="2025-04-08T01:45:02.623" v="513" actId="478"/>
-          <ac:picMkLst>
-            <pc:docMk/>
-            <pc:sldMk cId="1130664272" sldId="339"/>
-            <ac:picMk id="6" creationId="{F29C0487-AD8E-3802-C8D6-2686A93CB07C}"/>
-          </ac:picMkLst>
-        </pc:picChg>
         <pc:picChg chg="add mod">
           <ac:chgData name="Bingyu Zhang" userId="fda6ca84-5139-482b-a86b-d5d57185776f" providerId="ADAL" clId="{387C08D2-1C90-4593-8D28-09CB1E713E52}" dt="2025-04-08T01:45:09.574" v="518" actId="1076"/>
           <ac:picMkLst>
@@ -440,14 +359,6 @@
             <ac:picMk id="6" creationId="{7F90E139-1BFD-9CD3-961E-BB37619E216A}"/>
           </ac:picMkLst>
         </pc:picChg>
-        <pc:picChg chg="del">
-          <ac:chgData name="Bingyu Zhang" userId="fda6ca84-5139-482b-a86b-d5d57185776f" providerId="ADAL" clId="{387C08D2-1C90-4593-8D28-09CB1E713E52}" dt="2025-04-08T01:26:50.339" v="55" actId="478"/>
-          <ac:picMkLst>
-            <pc:docMk/>
-            <pc:sldMk cId="3152689108" sldId="340"/>
-            <ac:picMk id="7" creationId="{0897BBA4-0B0B-3A1D-9AA5-2A1B39945680}"/>
-          </ac:picMkLst>
-        </pc:picChg>
         <pc:picChg chg="add mod modCrop">
           <ac:chgData name="Bingyu Zhang" userId="fda6ca84-5139-482b-a86b-d5d57185776f" providerId="ADAL" clId="{387C08D2-1C90-4593-8D28-09CB1E713E52}" dt="2025-04-08T01:43:13.258" v="512" actId="1038"/>
           <ac:picMkLst>
@@ -456,22 +367,6 @@
             <ac:picMk id="9" creationId="{1F8CF213-0BC2-AEDF-8356-0B7DB2047673}"/>
           </ac:picMkLst>
         </pc:picChg>
-        <pc:picChg chg="del">
-          <ac:chgData name="Bingyu Zhang" userId="fda6ca84-5139-482b-a86b-d5d57185776f" providerId="ADAL" clId="{387C08D2-1C90-4593-8D28-09CB1E713E52}" dt="2025-04-08T01:26:48.631" v="54" actId="478"/>
-          <ac:picMkLst>
-            <pc:docMk/>
-            <pc:sldMk cId="3152689108" sldId="340"/>
-            <ac:picMk id="11" creationId="{758E64BA-369C-2811-122E-BBBEE5E8E747}"/>
-          </ac:picMkLst>
-        </pc:picChg>
-        <pc:cxnChg chg="del">
-          <ac:chgData name="Bingyu Zhang" userId="fda6ca84-5139-482b-a86b-d5d57185776f" providerId="ADAL" clId="{387C08D2-1C90-4593-8D28-09CB1E713E52}" dt="2025-04-08T01:27:08.360" v="56" actId="478"/>
-          <ac:cxnSpMkLst>
-            <pc:docMk/>
-            <pc:sldMk cId="3152689108" sldId="340"/>
-            <ac:cxnSpMk id="13" creationId="{DF23E208-6A36-536E-84AC-9EEF204A25FC}"/>
-          </ac:cxnSpMkLst>
-        </pc:cxnChg>
       </pc:sldChg>
       <pc:sldChg chg="addSp delSp modSp add mod">
         <pc:chgData name="Bingyu Zhang" userId="fda6ca84-5139-482b-a86b-d5d57185776f" providerId="ADAL" clId="{387C08D2-1C90-4593-8D28-09CB1E713E52}" dt="2025-04-08T01:58:07.833" v="772" actId="20577"/>
@@ -479,38 +374,6 @@
           <pc:docMk/>
           <pc:sldMk cId="3609543657" sldId="341"/>
         </pc:sldMkLst>
-        <pc:spChg chg="mod">
-          <ac:chgData name="Bingyu Zhang" userId="fda6ca84-5139-482b-a86b-d5d57185776f" providerId="ADAL" clId="{387C08D2-1C90-4593-8D28-09CB1E713E52}" dt="2025-04-08T01:58:07.833" v="772" actId="20577"/>
-          <ac:spMkLst>
-            <pc:docMk/>
-            <pc:sldMk cId="3609543657" sldId="341"/>
-            <ac:spMk id="7" creationId="{258B70F3-20AC-66EC-BD2A-8E1B87664DEE}"/>
-          </ac:spMkLst>
-        </pc:spChg>
-        <pc:spChg chg="mod">
-          <ac:chgData name="Bingyu Zhang" userId="fda6ca84-5139-482b-a86b-d5d57185776f" providerId="ADAL" clId="{387C08D2-1C90-4593-8D28-09CB1E713E52}" dt="2025-04-08T01:53:33.358" v="711" actId="14100"/>
-          <ac:spMkLst>
-            <pc:docMk/>
-            <pc:sldMk cId="3609543657" sldId="341"/>
-            <ac:spMk id="17" creationId="{562B1531-4CF8-53E2-258D-34FDF72D5E88}"/>
-          </ac:spMkLst>
-        </pc:spChg>
-        <pc:picChg chg="add mod">
-          <ac:chgData name="Bingyu Zhang" userId="fda6ca84-5139-482b-a86b-d5d57185776f" providerId="ADAL" clId="{387C08D2-1C90-4593-8D28-09CB1E713E52}" dt="2025-04-08T01:54:05.517" v="716" actId="14100"/>
-          <ac:picMkLst>
-            <pc:docMk/>
-            <pc:sldMk cId="3609543657" sldId="341"/>
-            <ac:picMk id="3" creationId="{AC28AC03-8461-ED0C-E426-0746C86A153C}"/>
-          </ac:picMkLst>
-        </pc:picChg>
-        <pc:picChg chg="del">
-          <ac:chgData name="Bingyu Zhang" userId="fda6ca84-5139-482b-a86b-d5d57185776f" providerId="ADAL" clId="{387C08D2-1C90-4593-8D28-09CB1E713E52}" dt="2025-04-08T01:53:17.947" v="665" actId="478"/>
-          <ac:picMkLst>
-            <pc:docMk/>
-            <pc:sldMk cId="3609543657" sldId="341"/>
-            <ac:picMk id="15" creationId="{7D0EB7D4-4E35-7541-3EA5-382412951B36}"/>
-          </ac:picMkLst>
-        </pc:picChg>
       </pc:sldChg>
       <pc:sldChg chg="addSp delSp modSp add mod">
         <pc:chgData name="Bingyu Zhang" userId="fda6ca84-5139-482b-a86b-d5d57185776f" providerId="ADAL" clId="{387C08D2-1C90-4593-8D28-09CB1E713E52}" dt="2025-04-08T02:02:18.542" v="965" actId="20577"/>
@@ -518,70 +381,6 @@
           <pc:docMk/>
           <pc:sldMk cId="1785034602" sldId="342"/>
         </pc:sldMkLst>
-        <pc:spChg chg="mod">
-          <ac:chgData name="Bingyu Zhang" userId="fda6ca84-5139-482b-a86b-d5d57185776f" providerId="ADAL" clId="{387C08D2-1C90-4593-8D28-09CB1E713E52}" dt="2025-04-08T01:58:32.423" v="804" actId="14100"/>
-          <ac:spMkLst>
-            <pc:docMk/>
-            <pc:sldMk cId="1785034602" sldId="342"/>
-            <ac:spMk id="7" creationId="{573CCB3A-EE98-8552-94FA-05C123C35191}"/>
-          </ac:spMkLst>
-        </pc:spChg>
-        <pc:spChg chg="add del mod">
-          <ac:chgData name="Bingyu Zhang" userId="fda6ca84-5139-482b-a86b-d5d57185776f" providerId="ADAL" clId="{387C08D2-1C90-4593-8D28-09CB1E713E52}" dt="2025-04-08T02:00:30.862" v="877" actId="478"/>
-          <ac:spMkLst>
-            <pc:docMk/>
-            <pc:sldMk cId="1785034602" sldId="342"/>
-            <ac:spMk id="10" creationId="{85C57459-9C0D-F4E8-ABD4-3496013E7AB5}"/>
-          </ac:spMkLst>
-        </pc:spChg>
-        <pc:spChg chg="add mod">
-          <ac:chgData name="Bingyu Zhang" userId="fda6ca84-5139-482b-a86b-d5d57185776f" providerId="ADAL" clId="{387C08D2-1C90-4593-8D28-09CB1E713E52}" dt="2025-04-08T02:00:40.021" v="900" actId="20577"/>
-          <ac:spMkLst>
-            <pc:docMk/>
-            <pc:sldMk cId="1785034602" sldId="342"/>
-            <ac:spMk id="11" creationId="{3E568A60-8573-C3DB-E9BD-B50AC40F21C5}"/>
-          </ac:spMkLst>
-        </pc:spChg>
-        <pc:spChg chg="add mod">
-          <ac:chgData name="Bingyu Zhang" userId="fda6ca84-5139-482b-a86b-d5d57185776f" providerId="ADAL" clId="{387C08D2-1C90-4593-8D28-09CB1E713E52}" dt="2025-04-08T02:02:18.542" v="965" actId="20577"/>
-          <ac:spMkLst>
-            <pc:docMk/>
-            <pc:sldMk cId="1785034602" sldId="342"/>
-            <ac:spMk id="12" creationId="{513D5C83-E767-FFA3-0526-65193D702225}"/>
-          </ac:spMkLst>
-        </pc:spChg>
-        <pc:spChg chg="del mod">
-          <ac:chgData name="Bingyu Zhang" userId="fda6ca84-5139-482b-a86b-d5d57185776f" providerId="ADAL" clId="{387C08D2-1C90-4593-8D28-09CB1E713E52}" dt="2025-04-08T01:58:27.018" v="797" actId="478"/>
-          <ac:spMkLst>
-            <pc:docMk/>
-            <pc:sldMk cId="1785034602" sldId="342"/>
-            <ac:spMk id="17" creationId="{1CC49361-0EC9-C25C-57A1-464BFE9052F7}"/>
-          </ac:spMkLst>
-        </pc:spChg>
-        <pc:picChg chg="del">
-          <ac:chgData name="Bingyu Zhang" userId="fda6ca84-5139-482b-a86b-d5d57185776f" providerId="ADAL" clId="{387C08D2-1C90-4593-8D28-09CB1E713E52}" dt="2025-04-08T01:54:09.992" v="718" actId="478"/>
-          <ac:picMkLst>
-            <pc:docMk/>
-            <pc:sldMk cId="1785034602" sldId="342"/>
-            <ac:picMk id="3" creationId="{3C0DE7A9-B7B1-C2A7-697F-76CA887F70E6}"/>
-          </ac:picMkLst>
-        </pc:picChg>
-        <pc:picChg chg="add mod">
-          <ac:chgData name="Bingyu Zhang" userId="fda6ca84-5139-482b-a86b-d5d57185776f" providerId="ADAL" clId="{387C08D2-1C90-4593-8D28-09CB1E713E52}" dt="2025-04-08T01:59:11.075" v="805" actId="1076"/>
-          <ac:picMkLst>
-            <pc:docMk/>
-            <pc:sldMk cId="1785034602" sldId="342"/>
-            <ac:picMk id="6" creationId="{264DE573-084C-35B5-BD0C-12D65CA23EFF}"/>
-          </ac:picMkLst>
-        </pc:picChg>
-        <pc:picChg chg="add mod">
-          <ac:chgData name="Bingyu Zhang" userId="fda6ca84-5139-482b-a86b-d5d57185776f" providerId="ADAL" clId="{387C08D2-1C90-4593-8D28-09CB1E713E52}" dt="2025-04-08T02:00:45.502" v="902" actId="1076"/>
-          <ac:picMkLst>
-            <pc:docMk/>
-            <pc:sldMk cId="1785034602" sldId="342"/>
-            <ac:picMk id="9" creationId="{145E0D42-2AEE-75FF-16D3-5013BA10B021}"/>
-          </ac:picMkLst>
-        </pc:picChg>
       </pc:sldChg>
     </pc:docChg>
   </pc:docChgLst>
@@ -604,14 +403,6 @@
             <pc:docMk/>
             <pc:sldMk cId="222934439" sldId="337"/>
             <ac:spMk id="7" creationId="{82519B99-C14E-2612-50B6-6643106BC63A}"/>
-          </ac:spMkLst>
-        </pc:spChg>
-        <pc:spChg chg="add mod">
-          <ac:chgData name="Bingyu Zhang" userId="fda6ca84-5139-482b-a86b-d5d57185776f" providerId="ADAL" clId="{4D8F0789-808B-4E5A-B2E1-C872EDF0D184}" dt="2025-03-31T20:22:59.326" v="114" actId="1076"/>
-          <ac:spMkLst>
-            <pc:docMk/>
-            <pc:sldMk cId="222934439" sldId="337"/>
-            <ac:spMk id="8" creationId="{1BB5C858-44D7-F384-A490-8DA0FB9B1699}"/>
           </ac:spMkLst>
         </pc:spChg>
         <pc:spChg chg="add del mod">
@@ -660,12 +451,43 @@
           <pc:docMk/>
           <pc:sldMk cId="1130664272" sldId="339"/>
         </pc:sldMkLst>
-        <pc:spChg chg="add mod">
-          <ac:chgData name="Bingyu Zhang" userId="fda6ca84-5139-482b-a86b-d5d57185776f" providerId="ADAL" clId="{4D8F0789-808B-4E5A-B2E1-C872EDF0D184}" dt="2025-03-31T20:26:15.792" v="202" actId="14100"/>
+      </pc:sldChg>
+    </pc:docChg>
+  </pc:docChgLst>
+  <pc:docChgLst>
+    <pc:chgData name="Bingyu Zhang" userId="fda6ca84-5139-482b-a86b-d5d57185776f" providerId="ADAL" clId="{A1623D22-09C1-4FB1-9B4A-34A2BCA388C4}"/>
+    <pc:docChg chg="modSld">
+      <pc:chgData name="Bingyu Zhang" userId="fda6ca84-5139-482b-a86b-d5d57185776f" providerId="ADAL" clId="{A1623D22-09C1-4FB1-9B4A-34A2BCA388C4}" dt="2025-04-29T02:50:46.380" v="15" actId="1035"/>
+      <pc:docMkLst>
+        <pc:docMk/>
+      </pc:docMkLst>
+      <pc:sldChg chg="modSp mod">
+        <pc:chgData name="Bingyu Zhang" userId="fda6ca84-5139-482b-a86b-d5d57185776f" providerId="ADAL" clId="{A1623D22-09C1-4FB1-9B4A-34A2BCA388C4}" dt="2025-04-29T02:50:46.380" v="15" actId="1035"/>
+        <pc:sldMkLst>
+          <pc:docMk/>
+          <pc:sldMk cId="4252675085" sldId="359"/>
+        </pc:sldMkLst>
+        <pc:picChg chg="mod">
+          <ac:chgData name="Bingyu Zhang" userId="fda6ca84-5139-482b-a86b-d5d57185776f" providerId="ADAL" clId="{A1623D22-09C1-4FB1-9B4A-34A2BCA388C4}" dt="2025-04-29T02:50:46.380" v="15" actId="1035"/>
+          <ac:picMkLst>
+            <pc:docMk/>
+            <pc:sldMk cId="4252675085" sldId="359"/>
+            <ac:picMk id="3" creationId="{BDD0FE9B-031A-3905-5EB1-8F834BC051A9}"/>
+          </ac:picMkLst>
+        </pc:picChg>
+      </pc:sldChg>
+      <pc:sldChg chg="modSp mod">
+        <pc:chgData name="Bingyu Zhang" userId="fda6ca84-5139-482b-a86b-d5d57185776f" providerId="ADAL" clId="{A1623D22-09C1-4FB1-9B4A-34A2BCA388C4}" dt="2025-04-29T02:49:13.833" v="0" actId="403"/>
+        <pc:sldMkLst>
+          <pc:docMk/>
+          <pc:sldMk cId="505455240" sldId="367"/>
+        </pc:sldMkLst>
+        <pc:spChg chg="mod">
+          <ac:chgData name="Bingyu Zhang" userId="fda6ca84-5139-482b-a86b-d5d57185776f" providerId="ADAL" clId="{A1623D22-09C1-4FB1-9B4A-34A2BCA388C4}" dt="2025-04-29T02:49:13.833" v="0" actId="403"/>
           <ac:spMkLst>
             <pc:docMk/>
-            <pc:sldMk cId="1130664272" sldId="339"/>
-            <ac:spMk id="2" creationId="{0FF2CA66-1455-AAB4-1D43-E392668DB56A}"/>
+            <pc:sldMk cId="505455240" sldId="367"/>
+            <ac:spMk id="6" creationId="{F7AAB60D-7E0E-275D-AFB9-F33AF1D6E7A9}"/>
           </ac:spMkLst>
         </pc:spChg>
       </pc:sldChg>
@@ -756,7 +578,7 @@
           <a:p>
             <a:fld id="{CCAEB7AD-9273-4B69-AFFF-2DCADD8F9761}" type="datetimeFigureOut">
               <a:rPr lang="zh-CN" altLang="en-US" smtClean="0"/>
-              <a:t>2025/4/27</a:t>
+              <a:t>2025/4/28</a:t>
             </a:fld>
             <a:endParaRPr lang="zh-CN" altLang="en-US"/>
           </a:p>
@@ -1199,7 +1021,7 @@
         <p:cNvPr id="1" name="">
           <a:extLst>
             <a:ext uri="{FF2B5EF4-FFF2-40B4-BE49-F238E27FC236}">
-              <a16:creationId xmlns:a16="http://schemas.microsoft.com/office/drawing/2014/main" id="{AC4D2323-19E4-19D6-0A0B-469977061F6E}"/>
+              <a16:creationId xmlns:a16="http://schemas.microsoft.com/office/drawing/2014/main" id="{E3922460-D867-4283-C559-14D2FDAF1F6C}"/>
             </a:ext>
           </a:extLst>
         </p:cNvPr>
@@ -1219,7 +1041,7 @@
           <p:cNvPr id="2" name="幻灯片图像占位符 1">
             <a:extLst>
               <a:ext uri="{FF2B5EF4-FFF2-40B4-BE49-F238E27FC236}">
-                <a16:creationId xmlns:a16="http://schemas.microsoft.com/office/drawing/2014/main" id="{FF09A84C-BF35-2F33-89EE-D620BCAFD242}"/>
+                <a16:creationId xmlns:a16="http://schemas.microsoft.com/office/drawing/2014/main" id="{3EC8C88A-52E5-B11D-B5D9-8FCE6D205E29}"/>
               </a:ext>
             </a:extLst>
           </p:cNvPr>
@@ -1237,7 +1059,7 @@
           <p:cNvPr id="3" name="备注占位符 2">
             <a:extLst>
               <a:ext uri="{FF2B5EF4-FFF2-40B4-BE49-F238E27FC236}">
-                <a16:creationId xmlns:a16="http://schemas.microsoft.com/office/drawing/2014/main" id="{50947B83-C018-9431-8097-E22177426339}"/>
+                <a16:creationId xmlns:a16="http://schemas.microsoft.com/office/drawing/2014/main" id="{63E27CF8-B602-0103-6261-D64777B355BD}"/>
               </a:ext>
             </a:extLst>
           </p:cNvPr>
@@ -1262,7 +1084,7 @@
           <p:cNvPr id="4" name="灯片编号占位符 3">
             <a:extLst>
               <a:ext uri="{FF2B5EF4-FFF2-40B4-BE49-F238E27FC236}">
-                <a16:creationId xmlns:a16="http://schemas.microsoft.com/office/drawing/2014/main" id="{342CEAD5-F951-2E8B-0224-AEAF8D9EE253}"/>
+                <a16:creationId xmlns:a16="http://schemas.microsoft.com/office/drawing/2014/main" id="{F7128D7E-C42A-3CF2-3080-177CF81E8D79}"/>
               </a:ext>
             </a:extLst>
           </p:cNvPr>
@@ -1349,7 +1171,7 @@
     </p:spTree>
     <p:extLst>
       <p:ext uri="{BB962C8B-B14F-4D97-AF65-F5344CB8AC3E}">
-        <p14:creationId xmlns:p14="http://schemas.microsoft.com/office/powerpoint/2010/main" val="2605555390"/>
+        <p14:creationId xmlns:p14="http://schemas.microsoft.com/office/powerpoint/2010/main" val="3926255515"/>
       </p:ext>
     </p:extLst>
   </p:cSld>
@@ -1367,7 +1189,7 @@
         <p:cNvPr id="1" name="">
           <a:extLst>
             <a:ext uri="{FF2B5EF4-FFF2-40B4-BE49-F238E27FC236}">
-              <a16:creationId xmlns:a16="http://schemas.microsoft.com/office/drawing/2014/main" id="{AAB0D271-6E9A-7909-9424-31BAD8A7122E}"/>
+              <a16:creationId xmlns:a16="http://schemas.microsoft.com/office/drawing/2014/main" id="{AC4D2323-19E4-19D6-0A0B-469977061F6E}"/>
             </a:ext>
           </a:extLst>
         </p:cNvPr>
@@ -1387,7 +1209,7 @@
           <p:cNvPr id="2" name="幻灯片图像占位符 1">
             <a:extLst>
               <a:ext uri="{FF2B5EF4-FFF2-40B4-BE49-F238E27FC236}">
-                <a16:creationId xmlns:a16="http://schemas.microsoft.com/office/drawing/2014/main" id="{A1FBB6F3-C914-A21D-8166-B1FE7BB8D3C7}"/>
+                <a16:creationId xmlns:a16="http://schemas.microsoft.com/office/drawing/2014/main" id="{FF09A84C-BF35-2F33-89EE-D620BCAFD242}"/>
               </a:ext>
             </a:extLst>
           </p:cNvPr>
@@ -1405,7 +1227,7 @@
           <p:cNvPr id="3" name="备注占位符 2">
             <a:extLst>
               <a:ext uri="{FF2B5EF4-FFF2-40B4-BE49-F238E27FC236}">
-                <a16:creationId xmlns:a16="http://schemas.microsoft.com/office/drawing/2014/main" id="{AFFF4EFA-7ABE-032B-6143-00831F3D7620}"/>
+                <a16:creationId xmlns:a16="http://schemas.microsoft.com/office/drawing/2014/main" id="{50947B83-C018-9431-8097-E22177426339}"/>
               </a:ext>
             </a:extLst>
           </p:cNvPr>
@@ -1430,7 +1252,7 @@
           <p:cNvPr id="4" name="灯片编号占位符 3">
             <a:extLst>
               <a:ext uri="{FF2B5EF4-FFF2-40B4-BE49-F238E27FC236}">
-                <a16:creationId xmlns:a16="http://schemas.microsoft.com/office/drawing/2014/main" id="{E19FC650-62B9-B391-652B-26FDD2E44C4C}"/>
+                <a16:creationId xmlns:a16="http://schemas.microsoft.com/office/drawing/2014/main" id="{342CEAD5-F951-2E8B-0224-AEAF8D9EE253}"/>
               </a:ext>
             </a:extLst>
           </p:cNvPr>
@@ -1517,7 +1339,7 @@
     </p:spTree>
     <p:extLst>
       <p:ext uri="{BB962C8B-B14F-4D97-AF65-F5344CB8AC3E}">
-        <p14:creationId xmlns:p14="http://schemas.microsoft.com/office/powerpoint/2010/main" val="20505573"/>
+        <p14:creationId xmlns:p14="http://schemas.microsoft.com/office/powerpoint/2010/main" val="2605555390"/>
       </p:ext>
     </p:extLst>
   </p:cSld>
@@ -1535,7 +1357,7 @@
         <p:cNvPr id="1" name="">
           <a:extLst>
             <a:ext uri="{FF2B5EF4-FFF2-40B4-BE49-F238E27FC236}">
-              <a16:creationId xmlns:a16="http://schemas.microsoft.com/office/drawing/2014/main" id="{852A424C-2B46-20F7-E28E-2C8EC7928C4B}"/>
+              <a16:creationId xmlns:a16="http://schemas.microsoft.com/office/drawing/2014/main" id="{D994EA1A-363D-73A2-7295-A797F36FCB46}"/>
             </a:ext>
           </a:extLst>
         </p:cNvPr>
@@ -1555,7 +1377,7 @@
           <p:cNvPr id="2" name="幻灯片图像占位符 1">
             <a:extLst>
               <a:ext uri="{FF2B5EF4-FFF2-40B4-BE49-F238E27FC236}">
-                <a16:creationId xmlns:a16="http://schemas.microsoft.com/office/drawing/2014/main" id="{179D7888-1785-113B-D373-6278598BEA20}"/>
+                <a16:creationId xmlns:a16="http://schemas.microsoft.com/office/drawing/2014/main" id="{3DE48C63-150D-CE79-8042-0C3CD6DCF750}"/>
               </a:ext>
             </a:extLst>
           </p:cNvPr>
@@ -1573,7 +1395,7 @@
           <p:cNvPr id="3" name="备注占位符 2">
             <a:extLst>
               <a:ext uri="{FF2B5EF4-FFF2-40B4-BE49-F238E27FC236}">
-                <a16:creationId xmlns:a16="http://schemas.microsoft.com/office/drawing/2014/main" id="{CA9DF074-1EBE-E9A8-F37B-F002A1BE80D6}"/>
+                <a16:creationId xmlns:a16="http://schemas.microsoft.com/office/drawing/2014/main" id="{0DDFD543-06A4-599A-60E4-DBBF9E6E381F}"/>
               </a:ext>
             </a:extLst>
           </p:cNvPr>
@@ -1598,7 +1420,7 @@
           <p:cNvPr id="4" name="灯片编号占位符 3">
             <a:extLst>
               <a:ext uri="{FF2B5EF4-FFF2-40B4-BE49-F238E27FC236}">
-                <a16:creationId xmlns:a16="http://schemas.microsoft.com/office/drawing/2014/main" id="{62DDA9C2-EABD-5EB7-5E4C-CA3916777C4D}"/>
+                <a16:creationId xmlns:a16="http://schemas.microsoft.com/office/drawing/2014/main" id="{ED63E39F-A104-B847-C8E7-72302094D79D}"/>
               </a:ext>
             </a:extLst>
           </p:cNvPr>
@@ -1685,7 +1507,7 @@
     </p:spTree>
     <p:extLst>
       <p:ext uri="{BB962C8B-B14F-4D97-AF65-F5344CB8AC3E}">
-        <p14:creationId xmlns:p14="http://schemas.microsoft.com/office/powerpoint/2010/main" val="931767064"/>
+        <p14:creationId xmlns:p14="http://schemas.microsoft.com/office/powerpoint/2010/main" val="567078021"/>
       </p:ext>
     </p:extLst>
   </p:cSld>
@@ -1703,7 +1525,7 @@
         <p:cNvPr id="1" name="">
           <a:extLst>
             <a:ext uri="{FF2B5EF4-FFF2-40B4-BE49-F238E27FC236}">
-              <a16:creationId xmlns:a16="http://schemas.microsoft.com/office/drawing/2014/main" id="{D994EA1A-363D-73A2-7295-A797F36FCB46}"/>
+              <a16:creationId xmlns:a16="http://schemas.microsoft.com/office/drawing/2014/main" id="{0C6AD1E2-1FC8-089E-4694-96E358C6B640}"/>
             </a:ext>
           </a:extLst>
         </p:cNvPr>
@@ -1723,7 +1545,7 @@
           <p:cNvPr id="2" name="幻灯片图像占位符 1">
             <a:extLst>
               <a:ext uri="{FF2B5EF4-FFF2-40B4-BE49-F238E27FC236}">
-                <a16:creationId xmlns:a16="http://schemas.microsoft.com/office/drawing/2014/main" id="{3DE48C63-150D-CE79-8042-0C3CD6DCF750}"/>
+                <a16:creationId xmlns:a16="http://schemas.microsoft.com/office/drawing/2014/main" id="{87AB3906-86CC-7AEB-40F1-B2C938BF7B47}"/>
               </a:ext>
             </a:extLst>
           </p:cNvPr>
@@ -1741,7 +1563,7 @@
           <p:cNvPr id="3" name="备注占位符 2">
             <a:extLst>
               <a:ext uri="{FF2B5EF4-FFF2-40B4-BE49-F238E27FC236}">
-                <a16:creationId xmlns:a16="http://schemas.microsoft.com/office/drawing/2014/main" id="{0DDFD543-06A4-599A-60E4-DBBF9E6E381F}"/>
+                <a16:creationId xmlns:a16="http://schemas.microsoft.com/office/drawing/2014/main" id="{8FBCB7C4-7810-BD35-1DFA-3378B54489E0}"/>
               </a:ext>
             </a:extLst>
           </p:cNvPr>
@@ -1766,7 +1588,7 @@
           <p:cNvPr id="4" name="灯片编号占位符 3">
             <a:extLst>
               <a:ext uri="{FF2B5EF4-FFF2-40B4-BE49-F238E27FC236}">
-                <a16:creationId xmlns:a16="http://schemas.microsoft.com/office/drawing/2014/main" id="{ED63E39F-A104-B847-C8E7-72302094D79D}"/>
+                <a16:creationId xmlns:a16="http://schemas.microsoft.com/office/drawing/2014/main" id="{8ACAA116-B1F4-E1A0-FB5A-AB127CF53DC3}"/>
               </a:ext>
             </a:extLst>
           </p:cNvPr>
@@ -1853,7 +1675,7 @@
     </p:spTree>
     <p:extLst>
       <p:ext uri="{BB962C8B-B14F-4D97-AF65-F5344CB8AC3E}">
-        <p14:creationId xmlns:p14="http://schemas.microsoft.com/office/powerpoint/2010/main" val="567078021"/>
+        <p14:creationId xmlns:p14="http://schemas.microsoft.com/office/powerpoint/2010/main" val="154147857"/>
       </p:ext>
     </p:extLst>
   </p:cSld>
@@ -1871,7 +1693,7 @@
         <p:cNvPr id="1" name="">
           <a:extLst>
             <a:ext uri="{FF2B5EF4-FFF2-40B4-BE49-F238E27FC236}">
-              <a16:creationId xmlns:a16="http://schemas.microsoft.com/office/drawing/2014/main" id="{0C6AD1E2-1FC8-089E-4694-96E358C6B640}"/>
+              <a16:creationId xmlns:a16="http://schemas.microsoft.com/office/drawing/2014/main" id="{8BBEE8A4-3BED-9FF1-2BCF-8E0F94EF73D5}"/>
             </a:ext>
           </a:extLst>
         </p:cNvPr>
@@ -1891,7 +1713,7 @@
           <p:cNvPr id="2" name="幻灯片图像占位符 1">
             <a:extLst>
               <a:ext uri="{FF2B5EF4-FFF2-40B4-BE49-F238E27FC236}">
-                <a16:creationId xmlns:a16="http://schemas.microsoft.com/office/drawing/2014/main" id="{87AB3906-86CC-7AEB-40F1-B2C938BF7B47}"/>
+                <a16:creationId xmlns:a16="http://schemas.microsoft.com/office/drawing/2014/main" id="{88B1A243-1F5F-77F7-9812-AC83B7A0EAB7}"/>
               </a:ext>
             </a:extLst>
           </p:cNvPr>
@@ -1909,7 +1731,7 @@
           <p:cNvPr id="3" name="备注占位符 2">
             <a:extLst>
               <a:ext uri="{FF2B5EF4-FFF2-40B4-BE49-F238E27FC236}">
-                <a16:creationId xmlns:a16="http://schemas.microsoft.com/office/drawing/2014/main" id="{8FBCB7C4-7810-BD35-1DFA-3378B54489E0}"/>
+                <a16:creationId xmlns:a16="http://schemas.microsoft.com/office/drawing/2014/main" id="{EBB67EA4-DD7A-D1B2-AEB4-D97AE4C29F6D}"/>
               </a:ext>
             </a:extLst>
           </p:cNvPr>
@@ -1934,7 +1756,7 @@
           <p:cNvPr id="4" name="灯片编号占位符 3">
             <a:extLst>
               <a:ext uri="{FF2B5EF4-FFF2-40B4-BE49-F238E27FC236}">
-                <a16:creationId xmlns:a16="http://schemas.microsoft.com/office/drawing/2014/main" id="{8ACAA116-B1F4-E1A0-FB5A-AB127CF53DC3}"/>
+                <a16:creationId xmlns:a16="http://schemas.microsoft.com/office/drawing/2014/main" id="{95D9FACD-4521-A7A6-F13B-527E4D0CE5CA}"/>
               </a:ext>
             </a:extLst>
           </p:cNvPr>
@@ -2021,7 +1843,7 @@
     </p:spTree>
     <p:extLst>
       <p:ext uri="{BB962C8B-B14F-4D97-AF65-F5344CB8AC3E}">
-        <p14:creationId xmlns:p14="http://schemas.microsoft.com/office/powerpoint/2010/main" val="154147857"/>
+        <p14:creationId xmlns:p14="http://schemas.microsoft.com/office/powerpoint/2010/main" val="3654538624"/>
       </p:ext>
     </p:extLst>
   </p:cSld>
@@ -2039,7 +1861,7 @@
         <p:cNvPr id="1" name="">
           <a:extLst>
             <a:ext uri="{FF2B5EF4-FFF2-40B4-BE49-F238E27FC236}">
-              <a16:creationId xmlns:a16="http://schemas.microsoft.com/office/drawing/2014/main" id="{8BBEE8A4-3BED-9FF1-2BCF-8E0F94EF73D5}"/>
+              <a16:creationId xmlns:a16="http://schemas.microsoft.com/office/drawing/2014/main" id="{7617DEE7-BBBC-8B87-0ADE-1778713B047B}"/>
             </a:ext>
           </a:extLst>
         </p:cNvPr>
@@ -2059,7 +1881,7 @@
           <p:cNvPr id="2" name="幻灯片图像占位符 1">
             <a:extLst>
               <a:ext uri="{FF2B5EF4-FFF2-40B4-BE49-F238E27FC236}">
-                <a16:creationId xmlns:a16="http://schemas.microsoft.com/office/drawing/2014/main" id="{88B1A243-1F5F-77F7-9812-AC83B7A0EAB7}"/>
+                <a16:creationId xmlns:a16="http://schemas.microsoft.com/office/drawing/2014/main" id="{0A8C9A12-16FD-B1FE-8212-C1621221FD9D}"/>
               </a:ext>
             </a:extLst>
           </p:cNvPr>
@@ -2077,7 +1899,7 @@
           <p:cNvPr id="3" name="备注占位符 2">
             <a:extLst>
               <a:ext uri="{FF2B5EF4-FFF2-40B4-BE49-F238E27FC236}">
-                <a16:creationId xmlns:a16="http://schemas.microsoft.com/office/drawing/2014/main" id="{EBB67EA4-DD7A-D1B2-AEB4-D97AE4C29F6D}"/>
+                <a16:creationId xmlns:a16="http://schemas.microsoft.com/office/drawing/2014/main" id="{07B82AEA-75A8-1397-88E6-3E2884EF04A8}"/>
               </a:ext>
             </a:extLst>
           </p:cNvPr>
@@ -2102,7 +1924,7 @@
           <p:cNvPr id="4" name="灯片编号占位符 3">
             <a:extLst>
               <a:ext uri="{FF2B5EF4-FFF2-40B4-BE49-F238E27FC236}">
-                <a16:creationId xmlns:a16="http://schemas.microsoft.com/office/drawing/2014/main" id="{95D9FACD-4521-A7A6-F13B-527E4D0CE5CA}"/>
+                <a16:creationId xmlns:a16="http://schemas.microsoft.com/office/drawing/2014/main" id="{95D4DEBF-12C8-9393-7F3C-94AE5611B4DC}"/>
               </a:ext>
             </a:extLst>
           </p:cNvPr>
@@ -2189,7 +2011,7 @@
     </p:spTree>
     <p:extLst>
       <p:ext uri="{BB962C8B-B14F-4D97-AF65-F5344CB8AC3E}">
-        <p14:creationId xmlns:p14="http://schemas.microsoft.com/office/powerpoint/2010/main" val="3654538624"/>
+        <p14:creationId xmlns:p14="http://schemas.microsoft.com/office/powerpoint/2010/main" val="2011795514"/>
       </p:ext>
     </p:extLst>
   </p:cSld>
@@ -2207,7 +2029,7 @@
         <p:cNvPr id="1" name="">
           <a:extLst>
             <a:ext uri="{FF2B5EF4-FFF2-40B4-BE49-F238E27FC236}">
-              <a16:creationId xmlns:a16="http://schemas.microsoft.com/office/drawing/2014/main" id="{7617DEE7-BBBC-8B87-0ADE-1778713B047B}"/>
+              <a16:creationId xmlns:a16="http://schemas.microsoft.com/office/drawing/2014/main" id="{D1969D61-C921-1E7F-A482-A90DAF5E4C9F}"/>
             </a:ext>
           </a:extLst>
         </p:cNvPr>
@@ -2227,7 +2049,7 @@
           <p:cNvPr id="2" name="幻灯片图像占位符 1">
             <a:extLst>
               <a:ext uri="{FF2B5EF4-FFF2-40B4-BE49-F238E27FC236}">
-                <a16:creationId xmlns:a16="http://schemas.microsoft.com/office/drawing/2014/main" id="{0A8C9A12-16FD-B1FE-8212-C1621221FD9D}"/>
+                <a16:creationId xmlns:a16="http://schemas.microsoft.com/office/drawing/2014/main" id="{7A71BDB8-B88D-6FA4-3B9E-E9F3843B2CA6}"/>
               </a:ext>
             </a:extLst>
           </p:cNvPr>
@@ -2245,7 +2067,7 @@
           <p:cNvPr id="3" name="备注占位符 2">
             <a:extLst>
               <a:ext uri="{FF2B5EF4-FFF2-40B4-BE49-F238E27FC236}">
-                <a16:creationId xmlns:a16="http://schemas.microsoft.com/office/drawing/2014/main" id="{07B82AEA-75A8-1397-88E6-3E2884EF04A8}"/>
+                <a16:creationId xmlns:a16="http://schemas.microsoft.com/office/drawing/2014/main" id="{492F58A0-3318-3139-2655-91565E348B4A}"/>
               </a:ext>
             </a:extLst>
           </p:cNvPr>
@@ -2270,7 +2092,7 @@
           <p:cNvPr id="4" name="灯片编号占位符 3">
             <a:extLst>
               <a:ext uri="{FF2B5EF4-FFF2-40B4-BE49-F238E27FC236}">
-                <a16:creationId xmlns:a16="http://schemas.microsoft.com/office/drawing/2014/main" id="{95D4DEBF-12C8-9393-7F3C-94AE5611B4DC}"/>
+                <a16:creationId xmlns:a16="http://schemas.microsoft.com/office/drawing/2014/main" id="{69D47F57-E4F7-97A7-D2D3-00F7C451F4C6}"/>
               </a:ext>
             </a:extLst>
           </p:cNvPr>
@@ -2357,7 +2179,7 @@
     </p:spTree>
     <p:extLst>
       <p:ext uri="{BB962C8B-B14F-4D97-AF65-F5344CB8AC3E}">
-        <p14:creationId xmlns:p14="http://schemas.microsoft.com/office/powerpoint/2010/main" val="2011795514"/>
+        <p14:creationId xmlns:p14="http://schemas.microsoft.com/office/powerpoint/2010/main" val="1134033697"/>
       </p:ext>
     </p:extLst>
   </p:cSld>
@@ -2375,7 +2197,7 @@
         <p:cNvPr id="1" name="">
           <a:extLst>
             <a:ext uri="{FF2B5EF4-FFF2-40B4-BE49-F238E27FC236}">
-              <a16:creationId xmlns:a16="http://schemas.microsoft.com/office/drawing/2014/main" id="{D1969D61-C921-1E7F-A482-A90DAF5E4C9F}"/>
+              <a16:creationId xmlns:a16="http://schemas.microsoft.com/office/drawing/2014/main" id="{8481BA2B-B308-744F-CDBA-08819B1D1135}"/>
             </a:ext>
           </a:extLst>
         </p:cNvPr>
@@ -2395,7 +2217,7 @@
           <p:cNvPr id="2" name="幻灯片图像占位符 1">
             <a:extLst>
               <a:ext uri="{FF2B5EF4-FFF2-40B4-BE49-F238E27FC236}">
-                <a16:creationId xmlns:a16="http://schemas.microsoft.com/office/drawing/2014/main" id="{7A71BDB8-B88D-6FA4-3B9E-E9F3843B2CA6}"/>
+                <a16:creationId xmlns:a16="http://schemas.microsoft.com/office/drawing/2014/main" id="{6612E980-61BD-A895-845D-7F42A09CE672}"/>
               </a:ext>
             </a:extLst>
           </p:cNvPr>
@@ -2413,7 +2235,7 @@
           <p:cNvPr id="3" name="备注占位符 2">
             <a:extLst>
               <a:ext uri="{FF2B5EF4-FFF2-40B4-BE49-F238E27FC236}">
-                <a16:creationId xmlns:a16="http://schemas.microsoft.com/office/drawing/2014/main" id="{492F58A0-3318-3139-2655-91565E348B4A}"/>
+                <a16:creationId xmlns:a16="http://schemas.microsoft.com/office/drawing/2014/main" id="{0ED6FFAF-3DE0-53C8-BA5B-0D5CA814716C}"/>
               </a:ext>
             </a:extLst>
           </p:cNvPr>
@@ -2438,7 +2260,7 @@
           <p:cNvPr id="4" name="灯片编号占位符 3">
             <a:extLst>
               <a:ext uri="{FF2B5EF4-FFF2-40B4-BE49-F238E27FC236}">
-                <a16:creationId xmlns:a16="http://schemas.microsoft.com/office/drawing/2014/main" id="{69D47F57-E4F7-97A7-D2D3-00F7C451F4C6}"/>
+                <a16:creationId xmlns:a16="http://schemas.microsoft.com/office/drawing/2014/main" id="{B4BE4471-4E31-01C1-D075-D06B78A0377D}"/>
               </a:ext>
             </a:extLst>
           </p:cNvPr>
@@ -2525,7 +2347,7 @@
     </p:spTree>
     <p:extLst>
       <p:ext uri="{BB962C8B-B14F-4D97-AF65-F5344CB8AC3E}">
-        <p14:creationId xmlns:p14="http://schemas.microsoft.com/office/powerpoint/2010/main" val="1134033697"/>
+        <p14:creationId xmlns:p14="http://schemas.microsoft.com/office/powerpoint/2010/main" val="2868893650"/>
       </p:ext>
     </p:extLst>
   </p:cSld>
@@ -2543,7 +2365,7 @@
         <p:cNvPr id="1" name="">
           <a:extLst>
             <a:ext uri="{FF2B5EF4-FFF2-40B4-BE49-F238E27FC236}">
-              <a16:creationId xmlns:a16="http://schemas.microsoft.com/office/drawing/2014/main" id="{8481BA2B-B308-744F-CDBA-08819B1D1135}"/>
+              <a16:creationId xmlns:a16="http://schemas.microsoft.com/office/drawing/2014/main" id="{41D5CCA1-B020-EA60-6759-C6FDB4F6D866}"/>
             </a:ext>
           </a:extLst>
         </p:cNvPr>
@@ -2563,7 +2385,7 @@
           <p:cNvPr id="2" name="幻灯片图像占位符 1">
             <a:extLst>
               <a:ext uri="{FF2B5EF4-FFF2-40B4-BE49-F238E27FC236}">
-                <a16:creationId xmlns:a16="http://schemas.microsoft.com/office/drawing/2014/main" id="{6612E980-61BD-A895-845D-7F42A09CE672}"/>
+                <a16:creationId xmlns:a16="http://schemas.microsoft.com/office/drawing/2014/main" id="{B8E55468-7930-E8D4-D00D-519BF71D3E06}"/>
               </a:ext>
             </a:extLst>
           </p:cNvPr>
@@ -2581,7 +2403,7 @@
           <p:cNvPr id="3" name="备注占位符 2">
             <a:extLst>
               <a:ext uri="{FF2B5EF4-FFF2-40B4-BE49-F238E27FC236}">
-                <a16:creationId xmlns:a16="http://schemas.microsoft.com/office/drawing/2014/main" id="{0ED6FFAF-3DE0-53C8-BA5B-0D5CA814716C}"/>
+                <a16:creationId xmlns:a16="http://schemas.microsoft.com/office/drawing/2014/main" id="{FCFE94DE-0C11-1DF8-9057-5F38BBAA6038}"/>
               </a:ext>
             </a:extLst>
           </p:cNvPr>
@@ -2606,7 +2428,7 @@
           <p:cNvPr id="4" name="灯片编号占位符 3">
             <a:extLst>
               <a:ext uri="{FF2B5EF4-FFF2-40B4-BE49-F238E27FC236}">
-                <a16:creationId xmlns:a16="http://schemas.microsoft.com/office/drawing/2014/main" id="{B4BE4471-4E31-01C1-D075-D06B78A0377D}"/>
+                <a16:creationId xmlns:a16="http://schemas.microsoft.com/office/drawing/2014/main" id="{69B6C14C-9ADF-796C-6B05-6B687B31D24D}"/>
               </a:ext>
             </a:extLst>
           </p:cNvPr>
@@ -2693,7 +2515,7 @@
     </p:spTree>
     <p:extLst>
       <p:ext uri="{BB962C8B-B14F-4D97-AF65-F5344CB8AC3E}">
-        <p14:creationId xmlns:p14="http://schemas.microsoft.com/office/powerpoint/2010/main" val="2868893650"/>
+        <p14:creationId xmlns:p14="http://schemas.microsoft.com/office/powerpoint/2010/main" val="3585604812"/>
       </p:ext>
     </p:extLst>
   </p:cSld>
@@ -2711,7 +2533,7 @@
         <p:cNvPr id="1" name="">
           <a:extLst>
             <a:ext uri="{FF2B5EF4-FFF2-40B4-BE49-F238E27FC236}">
-              <a16:creationId xmlns:a16="http://schemas.microsoft.com/office/drawing/2014/main" id="{41D5CCA1-B020-EA60-6759-C6FDB4F6D866}"/>
+              <a16:creationId xmlns:a16="http://schemas.microsoft.com/office/drawing/2014/main" id="{AC4D2323-19E4-19D6-0A0B-469977061F6E}"/>
             </a:ext>
           </a:extLst>
         </p:cNvPr>
@@ -2731,7 +2553,7 @@
           <p:cNvPr id="2" name="幻灯片图像占位符 1">
             <a:extLst>
               <a:ext uri="{FF2B5EF4-FFF2-40B4-BE49-F238E27FC236}">
-                <a16:creationId xmlns:a16="http://schemas.microsoft.com/office/drawing/2014/main" id="{B8E55468-7930-E8D4-D00D-519BF71D3E06}"/>
+                <a16:creationId xmlns:a16="http://schemas.microsoft.com/office/drawing/2014/main" id="{FF09A84C-BF35-2F33-89EE-D620BCAFD242}"/>
               </a:ext>
             </a:extLst>
           </p:cNvPr>
@@ -2749,7 +2571,7 @@
           <p:cNvPr id="3" name="备注占位符 2">
             <a:extLst>
               <a:ext uri="{FF2B5EF4-FFF2-40B4-BE49-F238E27FC236}">
-                <a16:creationId xmlns:a16="http://schemas.microsoft.com/office/drawing/2014/main" id="{FCFE94DE-0C11-1DF8-9057-5F38BBAA6038}"/>
+                <a16:creationId xmlns:a16="http://schemas.microsoft.com/office/drawing/2014/main" id="{50947B83-C018-9431-8097-E22177426339}"/>
               </a:ext>
             </a:extLst>
           </p:cNvPr>
@@ -2774,7 +2596,7 @@
           <p:cNvPr id="4" name="灯片编号占位符 3">
             <a:extLst>
               <a:ext uri="{FF2B5EF4-FFF2-40B4-BE49-F238E27FC236}">
-                <a16:creationId xmlns:a16="http://schemas.microsoft.com/office/drawing/2014/main" id="{69B6C14C-9ADF-796C-6B05-6B687B31D24D}"/>
+                <a16:creationId xmlns:a16="http://schemas.microsoft.com/office/drawing/2014/main" id="{342CEAD5-F951-2E8B-0224-AEAF8D9EE253}"/>
               </a:ext>
             </a:extLst>
           </p:cNvPr>
@@ -2861,7 +2683,7 @@
     </p:spTree>
     <p:extLst>
       <p:ext uri="{BB962C8B-B14F-4D97-AF65-F5344CB8AC3E}">
-        <p14:creationId xmlns:p14="http://schemas.microsoft.com/office/powerpoint/2010/main" val="3585604812"/>
+        <p14:creationId xmlns:p14="http://schemas.microsoft.com/office/powerpoint/2010/main" val="2605555390"/>
       </p:ext>
     </p:extLst>
   </p:cSld>
@@ -3047,7 +2869,7 @@
         <p:cNvPr id="1" name="">
           <a:extLst>
             <a:ext uri="{FF2B5EF4-FFF2-40B4-BE49-F238E27FC236}">
-              <a16:creationId xmlns:a16="http://schemas.microsoft.com/office/drawing/2014/main" id="{AC4D2323-19E4-19D6-0A0B-469977061F6E}"/>
+              <a16:creationId xmlns:a16="http://schemas.microsoft.com/office/drawing/2014/main" id="{EF25BB6A-33C5-74F1-E454-519EAD643E3B}"/>
             </a:ext>
           </a:extLst>
         </p:cNvPr>
@@ -3067,7 +2889,7 @@
           <p:cNvPr id="2" name="幻灯片图像占位符 1">
             <a:extLst>
               <a:ext uri="{FF2B5EF4-FFF2-40B4-BE49-F238E27FC236}">
-                <a16:creationId xmlns:a16="http://schemas.microsoft.com/office/drawing/2014/main" id="{FF09A84C-BF35-2F33-89EE-D620BCAFD242}"/>
+                <a16:creationId xmlns:a16="http://schemas.microsoft.com/office/drawing/2014/main" id="{99FF05C8-9AB1-C1C5-0DF0-B95476F7480F}"/>
               </a:ext>
             </a:extLst>
           </p:cNvPr>
@@ -3085,7 +2907,7 @@
           <p:cNvPr id="3" name="备注占位符 2">
             <a:extLst>
               <a:ext uri="{FF2B5EF4-FFF2-40B4-BE49-F238E27FC236}">
-                <a16:creationId xmlns:a16="http://schemas.microsoft.com/office/drawing/2014/main" id="{50947B83-C018-9431-8097-E22177426339}"/>
+                <a16:creationId xmlns:a16="http://schemas.microsoft.com/office/drawing/2014/main" id="{23CA4B22-1119-0F97-D56D-246ADB14C0E5}"/>
               </a:ext>
             </a:extLst>
           </p:cNvPr>
@@ -3110,7 +2932,7 @@
           <p:cNvPr id="4" name="灯片编号占位符 3">
             <a:extLst>
               <a:ext uri="{FF2B5EF4-FFF2-40B4-BE49-F238E27FC236}">
-                <a16:creationId xmlns:a16="http://schemas.microsoft.com/office/drawing/2014/main" id="{342CEAD5-F951-2E8B-0224-AEAF8D9EE253}"/>
+                <a16:creationId xmlns:a16="http://schemas.microsoft.com/office/drawing/2014/main" id="{6591067C-7104-34EA-7909-D1CAA45AD089}"/>
               </a:ext>
             </a:extLst>
           </p:cNvPr>
@@ -3197,7 +3019,7 @@
     </p:spTree>
     <p:extLst>
       <p:ext uri="{BB962C8B-B14F-4D97-AF65-F5344CB8AC3E}">
-        <p14:creationId xmlns:p14="http://schemas.microsoft.com/office/powerpoint/2010/main" val="2605555390"/>
+        <p14:creationId xmlns:p14="http://schemas.microsoft.com/office/powerpoint/2010/main" val="174601733"/>
       </p:ext>
     </p:extLst>
   </p:cSld>
@@ -3215,7 +3037,7 @@
         <p:cNvPr id="1" name="">
           <a:extLst>
             <a:ext uri="{FF2B5EF4-FFF2-40B4-BE49-F238E27FC236}">
-              <a16:creationId xmlns:a16="http://schemas.microsoft.com/office/drawing/2014/main" id="{EF25BB6A-33C5-74F1-E454-519EAD643E3B}"/>
+              <a16:creationId xmlns:a16="http://schemas.microsoft.com/office/drawing/2014/main" id="{F20684C7-01EF-DC13-A6F6-4D6ABF2CD13E}"/>
             </a:ext>
           </a:extLst>
         </p:cNvPr>
@@ -3235,7 +3057,7 @@
           <p:cNvPr id="2" name="幻灯片图像占位符 1">
             <a:extLst>
               <a:ext uri="{FF2B5EF4-FFF2-40B4-BE49-F238E27FC236}">
-                <a16:creationId xmlns:a16="http://schemas.microsoft.com/office/drawing/2014/main" id="{99FF05C8-9AB1-C1C5-0DF0-B95476F7480F}"/>
+                <a16:creationId xmlns:a16="http://schemas.microsoft.com/office/drawing/2014/main" id="{74FDEC01-A54D-EB74-21C8-41530F6A100C}"/>
               </a:ext>
             </a:extLst>
           </p:cNvPr>
@@ -3253,7 +3075,7 @@
           <p:cNvPr id="3" name="备注占位符 2">
             <a:extLst>
               <a:ext uri="{FF2B5EF4-FFF2-40B4-BE49-F238E27FC236}">
-                <a16:creationId xmlns:a16="http://schemas.microsoft.com/office/drawing/2014/main" id="{23CA4B22-1119-0F97-D56D-246ADB14C0E5}"/>
+                <a16:creationId xmlns:a16="http://schemas.microsoft.com/office/drawing/2014/main" id="{1E4FB69D-6FEC-A9E3-B8CA-5678D090B3DA}"/>
               </a:ext>
             </a:extLst>
           </p:cNvPr>
@@ -3278,7 +3100,7 @@
           <p:cNvPr id="4" name="灯片编号占位符 3">
             <a:extLst>
               <a:ext uri="{FF2B5EF4-FFF2-40B4-BE49-F238E27FC236}">
-                <a16:creationId xmlns:a16="http://schemas.microsoft.com/office/drawing/2014/main" id="{6591067C-7104-34EA-7909-D1CAA45AD089}"/>
+                <a16:creationId xmlns:a16="http://schemas.microsoft.com/office/drawing/2014/main" id="{58498A95-F1DC-C5B0-94EC-94CB8EEE4F61}"/>
               </a:ext>
             </a:extLst>
           </p:cNvPr>
@@ -3365,7 +3187,7 @@
     </p:spTree>
     <p:extLst>
       <p:ext uri="{BB962C8B-B14F-4D97-AF65-F5344CB8AC3E}">
-        <p14:creationId xmlns:p14="http://schemas.microsoft.com/office/powerpoint/2010/main" val="174601733"/>
+        <p14:creationId xmlns:p14="http://schemas.microsoft.com/office/powerpoint/2010/main" val="1982343568"/>
       </p:ext>
     </p:extLst>
   </p:cSld>
@@ -3383,7 +3205,7 @@
         <p:cNvPr id="1" name="">
           <a:extLst>
             <a:ext uri="{FF2B5EF4-FFF2-40B4-BE49-F238E27FC236}">
-              <a16:creationId xmlns:a16="http://schemas.microsoft.com/office/drawing/2014/main" id="{F20684C7-01EF-DC13-A6F6-4D6ABF2CD13E}"/>
+              <a16:creationId xmlns:a16="http://schemas.microsoft.com/office/drawing/2014/main" id="{855F4760-0C0C-7CD1-C3C2-81990FB47C3A}"/>
             </a:ext>
           </a:extLst>
         </p:cNvPr>
@@ -3403,7 +3225,7 @@
           <p:cNvPr id="2" name="幻灯片图像占位符 1">
             <a:extLst>
               <a:ext uri="{FF2B5EF4-FFF2-40B4-BE49-F238E27FC236}">
-                <a16:creationId xmlns:a16="http://schemas.microsoft.com/office/drawing/2014/main" id="{74FDEC01-A54D-EB74-21C8-41530F6A100C}"/>
+                <a16:creationId xmlns:a16="http://schemas.microsoft.com/office/drawing/2014/main" id="{B6EBDABC-A3DE-7BA5-3D7D-589005A62905}"/>
               </a:ext>
             </a:extLst>
           </p:cNvPr>
@@ -3421,7 +3243,7 @@
           <p:cNvPr id="3" name="备注占位符 2">
             <a:extLst>
               <a:ext uri="{FF2B5EF4-FFF2-40B4-BE49-F238E27FC236}">
-                <a16:creationId xmlns:a16="http://schemas.microsoft.com/office/drawing/2014/main" id="{1E4FB69D-6FEC-A9E3-B8CA-5678D090B3DA}"/>
+                <a16:creationId xmlns:a16="http://schemas.microsoft.com/office/drawing/2014/main" id="{7D27F398-9025-DE6F-B21B-550CC2A7794F}"/>
               </a:ext>
             </a:extLst>
           </p:cNvPr>
@@ -3446,7 +3268,7 @@
           <p:cNvPr id="4" name="灯片编号占位符 3">
             <a:extLst>
               <a:ext uri="{FF2B5EF4-FFF2-40B4-BE49-F238E27FC236}">
-                <a16:creationId xmlns:a16="http://schemas.microsoft.com/office/drawing/2014/main" id="{58498A95-F1DC-C5B0-94EC-94CB8EEE4F61}"/>
+                <a16:creationId xmlns:a16="http://schemas.microsoft.com/office/drawing/2014/main" id="{3AB507DC-B9F6-0517-51F8-745F88B482C8}"/>
               </a:ext>
             </a:extLst>
           </p:cNvPr>
@@ -3533,7 +3355,7 @@
     </p:spTree>
     <p:extLst>
       <p:ext uri="{BB962C8B-B14F-4D97-AF65-F5344CB8AC3E}">
-        <p14:creationId xmlns:p14="http://schemas.microsoft.com/office/powerpoint/2010/main" val="1982343568"/>
+        <p14:creationId xmlns:p14="http://schemas.microsoft.com/office/powerpoint/2010/main" val="2122077448"/>
       </p:ext>
     </p:extLst>
   </p:cSld>
@@ -3551,7 +3373,7 @@
         <p:cNvPr id="1" name="">
           <a:extLst>
             <a:ext uri="{FF2B5EF4-FFF2-40B4-BE49-F238E27FC236}">
-              <a16:creationId xmlns:a16="http://schemas.microsoft.com/office/drawing/2014/main" id="{855F4760-0C0C-7CD1-C3C2-81990FB47C3A}"/>
+              <a16:creationId xmlns:a16="http://schemas.microsoft.com/office/drawing/2014/main" id="{5DB0C806-86A5-4C2F-3026-DEA81DEC1120}"/>
             </a:ext>
           </a:extLst>
         </p:cNvPr>
@@ -3571,7 +3393,7 @@
           <p:cNvPr id="2" name="幻灯片图像占位符 1">
             <a:extLst>
               <a:ext uri="{FF2B5EF4-FFF2-40B4-BE49-F238E27FC236}">
-                <a16:creationId xmlns:a16="http://schemas.microsoft.com/office/drawing/2014/main" id="{B6EBDABC-A3DE-7BA5-3D7D-589005A62905}"/>
+                <a16:creationId xmlns:a16="http://schemas.microsoft.com/office/drawing/2014/main" id="{63DEBF92-47F5-9DA5-A6E2-055DBC9FDAE5}"/>
               </a:ext>
             </a:extLst>
           </p:cNvPr>
@@ -3589,7 +3411,7 @@
           <p:cNvPr id="3" name="备注占位符 2">
             <a:extLst>
               <a:ext uri="{FF2B5EF4-FFF2-40B4-BE49-F238E27FC236}">
-                <a16:creationId xmlns:a16="http://schemas.microsoft.com/office/drawing/2014/main" id="{7D27F398-9025-DE6F-B21B-550CC2A7794F}"/>
+                <a16:creationId xmlns:a16="http://schemas.microsoft.com/office/drawing/2014/main" id="{2683C1F0-0437-4ECC-E3D9-C60BEC01D227}"/>
               </a:ext>
             </a:extLst>
           </p:cNvPr>
@@ -3614,7 +3436,7 @@
           <p:cNvPr id="4" name="灯片编号占位符 3">
             <a:extLst>
               <a:ext uri="{FF2B5EF4-FFF2-40B4-BE49-F238E27FC236}">
-                <a16:creationId xmlns:a16="http://schemas.microsoft.com/office/drawing/2014/main" id="{3AB507DC-B9F6-0517-51F8-745F88B482C8}"/>
+                <a16:creationId xmlns:a16="http://schemas.microsoft.com/office/drawing/2014/main" id="{A293A8FD-01AB-27BD-0A2D-557009BD0071}"/>
               </a:ext>
             </a:extLst>
           </p:cNvPr>
@@ -3701,7 +3523,7 @@
     </p:spTree>
     <p:extLst>
       <p:ext uri="{BB962C8B-B14F-4D97-AF65-F5344CB8AC3E}">
-        <p14:creationId xmlns:p14="http://schemas.microsoft.com/office/powerpoint/2010/main" val="2122077448"/>
+        <p14:creationId xmlns:p14="http://schemas.microsoft.com/office/powerpoint/2010/main" val="1209274877"/>
       </p:ext>
     </p:extLst>
   </p:cSld>
@@ -3719,7 +3541,7 @@
         <p:cNvPr id="1" name="">
           <a:extLst>
             <a:ext uri="{FF2B5EF4-FFF2-40B4-BE49-F238E27FC236}">
-              <a16:creationId xmlns:a16="http://schemas.microsoft.com/office/drawing/2014/main" id="{5DB0C806-86A5-4C2F-3026-DEA81DEC1120}"/>
+              <a16:creationId xmlns:a16="http://schemas.microsoft.com/office/drawing/2014/main" id="{6A1CFD34-A308-EC75-1C26-8559A302D8AF}"/>
             </a:ext>
           </a:extLst>
         </p:cNvPr>
@@ -3739,7 +3561,7 @@
           <p:cNvPr id="2" name="幻灯片图像占位符 1">
             <a:extLst>
               <a:ext uri="{FF2B5EF4-FFF2-40B4-BE49-F238E27FC236}">
-                <a16:creationId xmlns:a16="http://schemas.microsoft.com/office/drawing/2014/main" id="{63DEBF92-47F5-9DA5-A6E2-055DBC9FDAE5}"/>
+                <a16:creationId xmlns:a16="http://schemas.microsoft.com/office/drawing/2014/main" id="{667D9CDF-B8F4-86BD-056F-BF2A008AD95A}"/>
               </a:ext>
             </a:extLst>
           </p:cNvPr>
@@ -3757,7 +3579,7 @@
           <p:cNvPr id="3" name="备注占位符 2">
             <a:extLst>
               <a:ext uri="{FF2B5EF4-FFF2-40B4-BE49-F238E27FC236}">
-                <a16:creationId xmlns:a16="http://schemas.microsoft.com/office/drawing/2014/main" id="{2683C1F0-0437-4ECC-E3D9-C60BEC01D227}"/>
+                <a16:creationId xmlns:a16="http://schemas.microsoft.com/office/drawing/2014/main" id="{AA751B77-D4FC-9DB0-6CDD-A7E1E95CD667}"/>
               </a:ext>
             </a:extLst>
           </p:cNvPr>
@@ -3782,7 +3604,7 @@
           <p:cNvPr id="4" name="灯片编号占位符 3">
             <a:extLst>
               <a:ext uri="{FF2B5EF4-FFF2-40B4-BE49-F238E27FC236}">
-                <a16:creationId xmlns:a16="http://schemas.microsoft.com/office/drawing/2014/main" id="{A293A8FD-01AB-27BD-0A2D-557009BD0071}"/>
+                <a16:creationId xmlns:a16="http://schemas.microsoft.com/office/drawing/2014/main" id="{3275BEF6-77E5-28AB-A34B-7FA3820D176C}"/>
               </a:ext>
             </a:extLst>
           </p:cNvPr>
@@ -3869,7 +3691,7 @@
     </p:spTree>
     <p:extLst>
       <p:ext uri="{BB962C8B-B14F-4D97-AF65-F5344CB8AC3E}">
-        <p14:creationId xmlns:p14="http://schemas.microsoft.com/office/powerpoint/2010/main" val="1209274877"/>
+        <p14:creationId xmlns:p14="http://schemas.microsoft.com/office/powerpoint/2010/main" val="1967666942"/>
       </p:ext>
     </p:extLst>
   </p:cSld>
@@ -3887,7 +3709,7 @@
         <p:cNvPr id="1" name="">
           <a:extLst>
             <a:ext uri="{FF2B5EF4-FFF2-40B4-BE49-F238E27FC236}">
-              <a16:creationId xmlns:a16="http://schemas.microsoft.com/office/drawing/2014/main" id="{6A1CFD34-A308-EC75-1C26-8559A302D8AF}"/>
+              <a16:creationId xmlns:a16="http://schemas.microsoft.com/office/drawing/2014/main" id="{F3A139FF-E10E-89EC-ADE9-E5D72B0E860C}"/>
             </a:ext>
           </a:extLst>
         </p:cNvPr>
@@ -3907,7 +3729,7 @@
           <p:cNvPr id="2" name="幻灯片图像占位符 1">
             <a:extLst>
               <a:ext uri="{FF2B5EF4-FFF2-40B4-BE49-F238E27FC236}">
-                <a16:creationId xmlns:a16="http://schemas.microsoft.com/office/drawing/2014/main" id="{667D9CDF-B8F4-86BD-056F-BF2A008AD95A}"/>
+                <a16:creationId xmlns:a16="http://schemas.microsoft.com/office/drawing/2014/main" id="{11E438B8-4958-E6D9-9A67-362D7CF184E4}"/>
               </a:ext>
             </a:extLst>
           </p:cNvPr>
@@ -3925,7 +3747,7 @@
           <p:cNvPr id="3" name="备注占位符 2">
             <a:extLst>
               <a:ext uri="{FF2B5EF4-FFF2-40B4-BE49-F238E27FC236}">
-                <a16:creationId xmlns:a16="http://schemas.microsoft.com/office/drawing/2014/main" id="{AA751B77-D4FC-9DB0-6CDD-A7E1E95CD667}"/>
+                <a16:creationId xmlns:a16="http://schemas.microsoft.com/office/drawing/2014/main" id="{9083396C-2692-7D3F-C94E-4F0EB2FF93D3}"/>
               </a:ext>
             </a:extLst>
           </p:cNvPr>
@@ -3950,7 +3772,7 @@
           <p:cNvPr id="4" name="灯片编号占位符 3">
             <a:extLst>
               <a:ext uri="{FF2B5EF4-FFF2-40B4-BE49-F238E27FC236}">
-                <a16:creationId xmlns:a16="http://schemas.microsoft.com/office/drawing/2014/main" id="{3275BEF6-77E5-28AB-A34B-7FA3820D176C}"/>
+                <a16:creationId xmlns:a16="http://schemas.microsoft.com/office/drawing/2014/main" id="{AC131F7C-7B39-8E5E-7C40-768B94FE4694}"/>
               </a:ext>
             </a:extLst>
           </p:cNvPr>
@@ -4037,7 +3859,7 @@
     </p:spTree>
     <p:extLst>
       <p:ext uri="{BB962C8B-B14F-4D97-AF65-F5344CB8AC3E}">
-        <p14:creationId xmlns:p14="http://schemas.microsoft.com/office/powerpoint/2010/main" val="1967666942"/>
+        <p14:creationId xmlns:p14="http://schemas.microsoft.com/office/powerpoint/2010/main" val="4257014948"/>
       </p:ext>
     </p:extLst>
   </p:cSld>
@@ -4055,7 +3877,7 @@
         <p:cNvPr id="1" name="">
           <a:extLst>
             <a:ext uri="{FF2B5EF4-FFF2-40B4-BE49-F238E27FC236}">
-              <a16:creationId xmlns:a16="http://schemas.microsoft.com/office/drawing/2014/main" id="{F3A139FF-E10E-89EC-ADE9-E5D72B0E860C}"/>
+              <a16:creationId xmlns:a16="http://schemas.microsoft.com/office/drawing/2014/main" id="{17381504-BBAF-383F-0E7B-90751CEB26D6}"/>
             </a:ext>
           </a:extLst>
         </p:cNvPr>
@@ -4075,7 +3897,7 @@
           <p:cNvPr id="2" name="幻灯片图像占位符 1">
             <a:extLst>
               <a:ext uri="{FF2B5EF4-FFF2-40B4-BE49-F238E27FC236}">
-                <a16:creationId xmlns:a16="http://schemas.microsoft.com/office/drawing/2014/main" id="{11E438B8-4958-E6D9-9A67-362D7CF184E4}"/>
+                <a16:creationId xmlns:a16="http://schemas.microsoft.com/office/drawing/2014/main" id="{F9785E1F-F460-9D66-A2DC-67D6A8B0DFFC}"/>
               </a:ext>
             </a:extLst>
           </p:cNvPr>
@@ -4093,7 +3915,7 @@
           <p:cNvPr id="3" name="备注占位符 2">
             <a:extLst>
               <a:ext uri="{FF2B5EF4-FFF2-40B4-BE49-F238E27FC236}">
-                <a16:creationId xmlns:a16="http://schemas.microsoft.com/office/drawing/2014/main" id="{9083396C-2692-7D3F-C94E-4F0EB2FF93D3}"/>
+                <a16:creationId xmlns:a16="http://schemas.microsoft.com/office/drawing/2014/main" id="{8BF6CF35-5866-349B-3342-2D6E3313081E}"/>
               </a:ext>
             </a:extLst>
           </p:cNvPr>
@@ -4118,7 +3940,7 @@
           <p:cNvPr id="4" name="灯片编号占位符 3">
             <a:extLst>
               <a:ext uri="{FF2B5EF4-FFF2-40B4-BE49-F238E27FC236}">
-                <a16:creationId xmlns:a16="http://schemas.microsoft.com/office/drawing/2014/main" id="{AC131F7C-7B39-8E5E-7C40-768B94FE4694}"/>
+                <a16:creationId xmlns:a16="http://schemas.microsoft.com/office/drawing/2014/main" id="{C5E2BA4A-D36B-EE19-C071-B4FD47849965}"/>
               </a:ext>
             </a:extLst>
           </p:cNvPr>
@@ -4205,7 +4027,7 @@
     </p:spTree>
     <p:extLst>
       <p:ext uri="{BB962C8B-B14F-4D97-AF65-F5344CB8AC3E}">
-        <p14:creationId xmlns:p14="http://schemas.microsoft.com/office/powerpoint/2010/main" val="4257014948"/>
+        <p14:creationId xmlns:p14="http://schemas.microsoft.com/office/powerpoint/2010/main" val="532416527"/>
       </p:ext>
     </p:extLst>
   </p:cSld>
@@ -4223,7 +4045,7 @@
         <p:cNvPr id="1" name="">
           <a:extLst>
             <a:ext uri="{FF2B5EF4-FFF2-40B4-BE49-F238E27FC236}">
-              <a16:creationId xmlns:a16="http://schemas.microsoft.com/office/drawing/2014/main" id="{17381504-BBAF-383F-0E7B-90751CEB26D6}"/>
+              <a16:creationId xmlns:a16="http://schemas.microsoft.com/office/drawing/2014/main" id="{33ACFD52-6CCF-BC31-3118-4F97B25098D8}"/>
             </a:ext>
           </a:extLst>
         </p:cNvPr>
@@ -4243,7 +4065,7 @@
           <p:cNvPr id="2" name="幻灯片图像占位符 1">
             <a:extLst>
               <a:ext uri="{FF2B5EF4-FFF2-40B4-BE49-F238E27FC236}">
-                <a16:creationId xmlns:a16="http://schemas.microsoft.com/office/drawing/2014/main" id="{F9785E1F-F460-9D66-A2DC-67D6A8B0DFFC}"/>
+                <a16:creationId xmlns:a16="http://schemas.microsoft.com/office/drawing/2014/main" id="{7639BFDD-5D0B-B332-B681-D0E7015A1425}"/>
               </a:ext>
             </a:extLst>
           </p:cNvPr>
@@ -4261,7 +4083,7 @@
           <p:cNvPr id="3" name="备注占位符 2">
             <a:extLst>
               <a:ext uri="{FF2B5EF4-FFF2-40B4-BE49-F238E27FC236}">
-                <a16:creationId xmlns:a16="http://schemas.microsoft.com/office/drawing/2014/main" id="{8BF6CF35-5866-349B-3342-2D6E3313081E}"/>
+                <a16:creationId xmlns:a16="http://schemas.microsoft.com/office/drawing/2014/main" id="{15B90B86-403A-77E2-6CE6-021DB2373D7E}"/>
               </a:ext>
             </a:extLst>
           </p:cNvPr>
@@ -4286,7 +4108,7 @@
           <p:cNvPr id="4" name="灯片编号占位符 3">
             <a:extLst>
               <a:ext uri="{FF2B5EF4-FFF2-40B4-BE49-F238E27FC236}">
-                <a16:creationId xmlns:a16="http://schemas.microsoft.com/office/drawing/2014/main" id="{C5E2BA4A-D36B-EE19-C071-B4FD47849965}"/>
+                <a16:creationId xmlns:a16="http://schemas.microsoft.com/office/drawing/2014/main" id="{9CE4F473-EBF9-6DA8-472E-48F9117610FC}"/>
               </a:ext>
             </a:extLst>
           </p:cNvPr>
@@ -4373,7 +4195,7 @@
     </p:spTree>
     <p:extLst>
       <p:ext uri="{BB962C8B-B14F-4D97-AF65-F5344CB8AC3E}">
-        <p14:creationId xmlns:p14="http://schemas.microsoft.com/office/powerpoint/2010/main" val="532416527"/>
+        <p14:creationId xmlns:p14="http://schemas.microsoft.com/office/powerpoint/2010/main" val="1840907635"/>
       </p:ext>
     </p:extLst>
   </p:cSld>
@@ -4391,7 +4213,7 @@
         <p:cNvPr id="1" name="">
           <a:extLst>
             <a:ext uri="{FF2B5EF4-FFF2-40B4-BE49-F238E27FC236}">
-              <a16:creationId xmlns:a16="http://schemas.microsoft.com/office/drawing/2014/main" id="{33ACFD52-6CCF-BC31-3118-4F97B25098D8}"/>
+              <a16:creationId xmlns:a16="http://schemas.microsoft.com/office/drawing/2014/main" id="{D994EA1A-363D-73A2-7295-A797F36FCB46}"/>
             </a:ext>
           </a:extLst>
         </p:cNvPr>
@@ -4411,7 +4233,7 @@
           <p:cNvPr id="2" name="幻灯片图像占位符 1">
             <a:extLst>
               <a:ext uri="{FF2B5EF4-FFF2-40B4-BE49-F238E27FC236}">
-                <a16:creationId xmlns:a16="http://schemas.microsoft.com/office/drawing/2014/main" id="{7639BFDD-5D0B-B332-B681-D0E7015A1425}"/>
+                <a16:creationId xmlns:a16="http://schemas.microsoft.com/office/drawing/2014/main" id="{3DE48C63-150D-CE79-8042-0C3CD6DCF750}"/>
               </a:ext>
             </a:extLst>
           </p:cNvPr>
@@ -4429,7 +4251,7 @@
           <p:cNvPr id="3" name="备注占位符 2">
             <a:extLst>
               <a:ext uri="{FF2B5EF4-FFF2-40B4-BE49-F238E27FC236}">
-                <a16:creationId xmlns:a16="http://schemas.microsoft.com/office/drawing/2014/main" id="{15B90B86-403A-77E2-6CE6-021DB2373D7E}"/>
+                <a16:creationId xmlns:a16="http://schemas.microsoft.com/office/drawing/2014/main" id="{0DDFD543-06A4-599A-60E4-DBBF9E6E381F}"/>
               </a:ext>
             </a:extLst>
           </p:cNvPr>
@@ -4454,7 +4276,7 @@
           <p:cNvPr id="4" name="灯片编号占位符 3">
             <a:extLst>
               <a:ext uri="{FF2B5EF4-FFF2-40B4-BE49-F238E27FC236}">
-                <a16:creationId xmlns:a16="http://schemas.microsoft.com/office/drawing/2014/main" id="{9CE4F473-EBF9-6DA8-472E-48F9117610FC}"/>
+                <a16:creationId xmlns:a16="http://schemas.microsoft.com/office/drawing/2014/main" id="{ED63E39F-A104-B847-C8E7-72302094D79D}"/>
               </a:ext>
             </a:extLst>
           </p:cNvPr>
@@ -4541,7 +4363,7 @@
     </p:spTree>
     <p:extLst>
       <p:ext uri="{BB962C8B-B14F-4D97-AF65-F5344CB8AC3E}">
-        <p14:creationId xmlns:p14="http://schemas.microsoft.com/office/powerpoint/2010/main" val="1840907635"/>
+        <p14:creationId xmlns:p14="http://schemas.microsoft.com/office/powerpoint/2010/main" val="567078021"/>
       </p:ext>
     </p:extLst>
   </p:cSld>
@@ -4559,7 +4381,7 @@
         <p:cNvPr id="1" name="">
           <a:extLst>
             <a:ext uri="{FF2B5EF4-FFF2-40B4-BE49-F238E27FC236}">
-              <a16:creationId xmlns:a16="http://schemas.microsoft.com/office/drawing/2014/main" id="{D994EA1A-363D-73A2-7295-A797F36FCB46}"/>
+              <a16:creationId xmlns:a16="http://schemas.microsoft.com/office/drawing/2014/main" id="{7294D9C0-FD48-6256-B2A9-5D370A479BE4}"/>
             </a:ext>
           </a:extLst>
         </p:cNvPr>
@@ -4579,7 +4401,7 @@
           <p:cNvPr id="2" name="幻灯片图像占位符 1">
             <a:extLst>
               <a:ext uri="{FF2B5EF4-FFF2-40B4-BE49-F238E27FC236}">
-                <a16:creationId xmlns:a16="http://schemas.microsoft.com/office/drawing/2014/main" id="{3DE48C63-150D-CE79-8042-0C3CD6DCF750}"/>
+                <a16:creationId xmlns:a16="http://schemas.microsoft.com/office/drawing/2014/main" id="{F3E5C9FE-9BA3-68F2-0523-B211FE2F9013}"/>
               </a:ext>
             </a:extLst>
           </p:cNvPr>
@@ -4597,7 +4419,7 @@
           <p:cNvPr id="3" name="备注占位符 2">
             <a:extLst>
               <a:ext uri="{FF2B5EF4-FFF2-40B4-BE49-F238E27FC236}">
-                <a16:creationId xmlns:a16="http://schemas.microsoft.com/office/drawing/2014/main" id="{0DDFD543-06A4-599A-60E4-DBBF9E6E381F}"/>
+                <a16:creationId xmlns:a16="http://schemas.microsoft.com/office/drawing/2014/main" id="{DD2D49EA-5AC8-AA49-5D84-68A74ED0CD81}"/>
               </a:ext>
             </a:extLst>
           </p:cNvPr>
@@ -4622,7 +4444,7 @@
           <p:cNvPr id="4" name="灯片编号占位符 3">
             <a:extLst>
               <a:ext uri="{FF2B5EF4-FFF2-40B4-BE49-F238E27FC236}">
-                <a16:creationId xmlns:a16="http://schemas.microsoft.com/office/drawing/2014/main" id="{ED63E39F-A104-B847-C8E7-72302094D79D}"/>
+                <a16:creationId xmlns:a16="http://schemas.microsoft.com/office/drawing/2014/main" id="{6AA866C8-0F1C-4658-7C98-3E9ECD39D108}"/>
               </a:ext>
             </a:extLst>
           </p:cNvPr>
@@ -4709,7 +4531,7 @@
     </p:spTree>
     <p:extLst>
       <p:ext uri="{BB962C8B-B14F-4D97-AF65-F5344CB8AC3E}">
-        <p14:creationId xmlns:p14="http://schemas.microsoft.com/office/powerpoint/2010/main" val="567078021"/>
+        <p14:creationId xmlns:p14="http://schemas.microsoft.com/office/powerpoint/2010/main" val="41356967"/>
       </p:ext>
     </p:extLst>
   </p:cSld>
@@ -5086,7 +4908,7 @@
         <p:cNvPr id="1" name="">
           <a:extLst>
             <a:ext uri="{FF2B5EF4-FFF2-40B4-BE49-F238E27FC236}">
-              <a16:creationId xmlns:a16="http://schemas.microsoft.com/office/drawing/2014/main" id="{7294D9C0-FD48-6256-B2A9-5D370A479BE4}"/>
+              <a16:creationId xmlns:a16="http://schemas.microsoft.com/office/drawing/2014/main" id="{DDDF4410-956F-CD68-BBC7-480CF34E4C2C}"/>
             </a:ext>
           </a:extLst>
         </p:cNvPr>
@@ -5106,7 +4928,7 @@
           <p:cNvPr id="2" name="幻灯片图像占位符 1">
             <a:extLst>
               <a:ext uri="{FF2B5EF4-FFF2-40B4-BE49-F238E27FC236}">
-                <a16:creationId xmlns:a16="http://schemas.microsoft.com/office/drawing/2014/main" id="{F3E5C9FE-9BA3-68F2-0523-B211FE2F9013}"/>
+                <a16:creationId xmlns:a16="http://schemas.microsoft.com/office/drawing/2014/main" id="{1F649955-E765-B234-DED2-224499F80889}"/>
               </a:ext>
             </a:extLst>
           </p:cNvPr>
@@ -5124,7 +4946,7 @@
           <p:cNvPr id="3" name="备注占位符 2">
             <a:extLst>
               <a:ext uri="{FF2B5EF4-FFF2-40B4-BE49-F238E27FC236}">
-                <a16:creationId xmlns:a16="http://schemas.microsoft.com/office/drawing/2014/main" id="{DD2D49EA-5AC8-AA49-5D84-68A74ED0CD81}"/>
+                <a16:creationId xmlns:a16="http://schemas.microsoft.com/office/drawing/2014/main" id="{BDF1AB37-1597-440D-1849-A699D4C121CE}"/>
               </a:ext>
             </a:extLst>
           </p:cNvPr>
@@ -5149,7 +4971,7 @@
           <p:cNvPr id="4" name="灯片编号占位符 3">
             <a:extLst>
               <a:ext uri="{FF2B5EF4-FFF2-40B4-BE49-F238E27FC236}">
-                <a16:creationId xmlns:a16="http://schemas.microsoft.com/office/drawing/2014/main" id="{6AA866C8-0F1C-4658-7C98-3E9ECD39D108}"/>
+                <a16:creationId xmlns:a16="http://schemas.microsoft.com/office/drawing/2014/main" id="{54FAF1EC-645F-A50A-E2E6-BC465309CF31}"/>
               </a:ext>
             </a:extLst>
           </p:cNvPr>
@@ -5236,7 +5058,7 @@
     </p:spTree>
     <p:extLst>
       <p:ext uri="{BB962C8B-B14F-4D97-AF65-F5344CB8AC3E}">
-        <p14:creationId xmlns:p14="http://schemas.microsoft.com/office/powerpoint/2010/main" val="41356967"/>
+        <p14:creationId xmlns:p14="http://schemas.microsoft.com/office/powerpoint/2010/main" val="1137926382"/>
       </p:ext>
     </p:extLst>
   </p:cSld>
@@ -5254,7 +5076,7 @@
         <p:cNvPr id="1" name="">
           <a:extLst>
             <a:ext uri="{FF2B5EF4-FFF2-40B4-BE49-F238E27FC236}">
-              <a16:creationId xmlns:a16="http://schemas.microsoft.com/office/drawing/2014/main" id="{DDDF4410-956F-CD68-BBC7-480CF34E4C2C}"/>
+              <a16:creationId xmlns:a16="http://schemas.microsoft.com/office/drawing/2014/main" id="{F4B0FF56-F6D2-890E-F084-5E7D30832167}"/>
             </a:ext>
           </a:extLst>
         </p:cNvPr>
@@ -5274,7 +5096,7 @@
           <p:cNvPr id="2" name="幻灯片图像占位符 1">
             <a:extLst>
               <a:ext uri="{FF2B5EF4-FFF2-40B4-BE49-F238E27FC236}">
-                <a16:creationId xmlns:a16="http://schemas.microsoft.com/office/drawing/2014/main" id="{1F649955-E765-B234-DED2-224499F80889}"/>
+                <a16:creationId xmlns:a16="http://schemas.microsoft.com/office/drawing/2014/main" id="{6C931420-708E-F6C1-5B9D-63ABADCC78D7}"/>
               </a:ext>
             </a:extLst>
           </p:cNvPr>
@@ -5292,7 +5114,7 @@
           <p:cNvPr id="3" name="备注占位符 2">
             <a:extLst>
               <a:ext uri="{FF2B5EF4-FFF2-40B4-BE49-F238E27FC236}">
-                <a16:creationId xmlns:a16="http://schemas.microsoft.com/office/drawing/2014/main" id="{BDF1AB37-1597-440D-1849-A699D4C121CE}"/>
+                <a16:creationId xmlns:a16="http://schemas.microsoft.com/office/drawing/2014/main" id="{25A7712E-DA19-664E-23C3-14B22A0A2590}"/>
               </a:ext>
             </a:extLst>
           </p:cNvPr>
@@ -5317,7 +5139,7 @@
           <p:cNvPr id="4" name="灯片编号占位符 3">
             <a:extLst>
               <a:ext uri="{FF2B5EF4-FFF2-40B4-BE49-F238E27FC236}">
-                <a16:creationId xmlns:a16="http://schemas.microsoft.com/office/drawing/2014/main" id="{54FAF1EC-645F-A50A-E2E6-BC465309CF31}"/>
+                <a16:creationId xmlns:a16="http://schemas.microsoft.com/office/drawing/2014/main" id="{DE25BB49-FC42-D53C-2821-6963BFAC45C1}"/>
               </a:ext>
             </a:extLst>
           </p:cNvPr>
@@ -5404,174 +5226,6 @@
     </p:spTree>
     <p:extLst>
       <p:ext uri="{BB962C8B-B14F-4D97-AF65-F5344CB8AC3E}">
-        <p14:creationId xmlns:p14="http://schemas.microsoft.com/office/powerpoint/2010/main" val="1137926382"/>
-      </p:ext>
-    </p:extLst>
-  </p:cSld>
-  <p:clrMapOvr>
-    <a:masterClrMapping/>
-  </p:clrMapOvr>
-</p:notes>
-</file>
-
-<file path=ppt/notesSlides/notesSlide32.xml><?xml version="1.0" encoding="utf-8"?>
-<p:notes xmlns:a="http://schemas.openxmlformats.org/drawingml/2006/main" xmlns:r="http://schemas.openxmlformats.org/officeDocument/2006/relationships" xmlns:p="http://schemas.openxmlformats.org/presentationml/2006/main">
-  <p:cSld>
-    <p:spTree>
-      <p:nvGrpSpPr>
-        <p:cNvPr id="1" name="">
-          <a:extLst>
-            <a:ext uri="{FF2B5EF4-FFF2-40B4-BE49-F238E27FC236}">
-              <a16:creationId xmlns:a16="http://schemas.microsoft.com/office/drawing/2014/main" id="{F4B0FF56-F6D2-890E-F084-5E7D30832167}"/>
-            </a:ext>
-          </a:extLst>
-        </p:cNvPr>
-        <p:cNvGrpSpPr/>
-        <p:nvPr/>
-      </p:nvGrpSpPr>
-      <p:grpSpPr>
-        <a:xfrm>
-          <a:off x="0" y="0"/>
-          <a:ext cx="0" cy="0"/>
-          <a:chOff x="0" y="0"/>
-          <a:chExt cx="0" cy="0"/>
-        </a:xfrm>
-      </p:grpSpPr>
-      <p:sp>
-        <p:nvSpPr>
-          <p:cNvPr id="2" name="幻灯片图像占位符 1">
-            <a:extLst>
-              <a:ext uri="{FF2B5EF4-FFF2-40B4-BE49-F238E27FC236}">
-                <a16:creationId xmlns:a16="http://schemas.microsoft.com/office/drawing/2014/main" id="{6C931420-708E-F6C1-5B9D-63ABADCC78D7}"/>
-              </a:ext>
-            </a:extLst>
-          </p:cNvPr>
-          <p:cNvSpPr>
-            <a:spLocks noGrp="1" noRot="1" noChangeAspect="1"/>
-          </p:cNvSpPr>
-          <p:nvPr>
-            <p:ph type="sldImg"/>
-          </p:nvPr>
-        </p:nvSpPr>
-        <p:spPr/>
-      </p:sp>
-      <p:sp>
-        <p:nvSpPr>
-          <p:cNvPr id="3" name="备注占位符 2">
-            <a:extLst>
-              <a:ext uri="{FF2B5EF4-FFF2-40B4-BE49-F238E27FC236}">
-                <a16:creationId xmlns:a16="http://schemas.microsoft.com/office/drawing/2014/main" id="{25A7712E-DA19-664E-23C3-14B22A0A2590}"/>
-              </a:ext>
-            </a:extLst>
-          </p:cNvPr>
-          <p:cNvSpPr>
-            <a:spLocks noGrp="1"/>
-          </p:cNvSpPr>
-          <p:nvPr>
-            <p:ph type="body" idx="1"/>
-          </p:nvPr>
-        </p:nvSpPr>
-        <p:spPr/>
-        <p:txBody>
-          <a:bodyPr/>
-          <a:lstStyle/>
-          <a:p>
-            <a:endParaRPr lang="zh-CN" altLang="en-US" dirty="0"/>
-          </a:p>
-        </p:txBody>
-      </p:sp>
-      <p:sp>
-        <p:nvSpPr>
-          <p:cNvPr id="4" name="灯片编号占位符 3">
-            <a:extLst>
-              <a:ext uri="{FF2B5EF4-FFF2-40B4-BE49-F238E27FC236}">
-                <a16:creationId xmlns:a16="http://schemas.microsoft.com/office/drawing/2014/main" id="{DE25BB49-FC42-D53C-2821-6963BFAC45C1}"/>
-              </a:ext>
-            </a:extLst>
-          </p:cNvPr>
-          <p:cNvSpPr>
-            <a:spLocks noGrp="1"/>
-          </p:cNvSpPr>
-          <p:nvPr>
-            <p:ph type="sldNum" sz="quarter" idx="5"/>
-          </p:nvPr>
-        </p:nvSpPr>
-        <p:spPr/>
-        <p:txBody>
-          <a:bodyPr/>
-          <a:lstStyle/>
-          <a:p>
-            <a:pPr marL="0" marR="0" lvl="0" indent="0" algn="r" defTabSz="914400" rtl="0" eaLnBrk="1" fontAlgn="auto" latinLnBrk="0" hangingPunct="1">
-              <a:lnSpc>
-                <a:spcPct val="100000"/>
-              </a:lnSpc>
-              <a:spcBef>
-                <a:spcPts val="0"/>
-              </a:spcBef>
-              <a:spcAft>
-                <a:spcPts val="0"/>
-              </a:spcAft>
-              <a:buClrTx/>
-              <a:buSzTx/>
-              <a:buFontTx/>
-              <a:buNone/>
-              <a:tabLst/>
-              <a:defRPr/>
-            </a:pPr>
-            <a:fld id="{77E19B39-A07D-4717-90E7-E51625BCB0DC}" type="slidenum">
-              <a:rPr kumimoji="0" lang="zh-CN" altLang="en-US" sz="1200" b="0" i="0" u="none" strike="noStrike" kern="1200" cap="none" spc="0" normalizeH="0" baseline="0" noProof="0" smtClean="0">
-                <a:ln>
-                  <a:noFill/>
-                </a:ln>
-                <a:solidFill>
-                  <a:prstClr val="black"/>
-                </a:solidFill>
-                <a:effectLst/>
-                <a:uLnTx/>
-                <a:uFillTx/>
-                <a:latin typeface="等线" panose="020F0502020204030204"/>
-                <a:ea typeface="等线" panose="02010600030101010101" pitchFamily="2" charset="-122"/>
-                <a:cs typeface="+mn-cs"/>
-              </a:rPr>
-              <a:pPr marL="0" marR="0" lvl="0" indent="0" algn="r" defTabSz="914400" rtl="0" eaLnBrk="1" fontAlgn="auto" latinLnBrk="0" hangingPunct="1">
-                <a:lnSpc>
-                  <a:spcPct val="100000"/>
-                </a:lnSpc>
-                <a:spcBef>
-                  <a:spcPts val="0"/>
-                </a:spcBef>
-                <a:spcAft>
-                  <a:spcPts val="0"/>
-                </a:spcAft>
-                <a:buClrTx/>
-                <a:buSzTx/>
-                <a:buFontTx/>
-                <a:buNone/>
-                <a:tabLst/>
-                <a:defRPr/>
-              </a:pPr>
-              <a:t>32</a:t>
-            </a:fld>
-            <a:endParaRPr kumimoji="0" lang="zh-CN" altLang="en-US" sz="1200" b="0" i="0" u="none" strike="noStrike" kern="1200" cap="none" spc="0" normalizeH="0" baseline="0" noProof="0">
-              <a:ln>
-                <a:noFill/>
-              </a:ln>
-              <a:solidFill>
-                <a:prstClr val="black"/>
-              </a:solidFill>
-              <a:effectLst/>
-              <a:uLnTx/>
-              <a:uFillTx/>
-              <a:latin typeface="等线" panose="020F0502020204030204"/>
-              <a:ea typeface="等线" panose="02010600030101010101" pitchFamily="2" charset="-122"/>
-              <a:cs typeface="+mn-cs"/>
-            </a:endParaRPr>
-          </a:p>
-        </p:txBody>
-      </p:sp>
-    </p:spTree>
-    <p:extLst>
-      <p:ext uri="{BB962C8B-B14F-4D97-AF65-F5344CB8AC3E}">
         <p14:creationId xmlns:p14="http://schemas.microsoft.com/office/powerpoint/2010/main" val="3070535488"/>
       </p:ext>
     </p:extLst>
@@ -6262,7 +5916,7 @@
         <p:cNvPr id="1" name="">
           <a:extLst>
             <a:ext uri="{FF2B5EF4-FFF2-40B4-BE49-F238E27FC236}">
-              <a16:creationId xmlns:a16="http://schemas.microsoft.com/office/drawing/2014/main" id="{38443BD3-8E20-0521-5EEC-434D68BC26C1}"/>
+              <a16:creationId xmlns:a16="http://schemas.microsoft.com/office/drawing/2014/main" id="{E2E2E5D6-B797-CD81-6703-38A9316D77FC}"/>
             </a:ext>
           </a:extLst>
         </p:cNvPr>
@@ -6282,7 +5936,7 @@
           <p:cNvPr id="2" name="幻灯片图像占位符 1">
             <a:extLst>
               <a:ext uri="{FF2B5EF4-FFF2-40B4-BE49-F238E27FC236}">
-                <a16:creationId xmlns:a16="http://schemas.microsoft.com/office/drawing/2014/main" id="{FA7A15A4-CE85-C708-5F33-D15F6E31D03D}"/>
+                <a16:creationId xmlns:a16="http://schemas.microsoft.com/office/drawing/2014/main" id="{F2DF7E2B-850F-6C7E-53AE-C5DD387FF699}"/>
               </a:ext>
             </a:extLst>
           </p:cNvPr>
@@ -6300,7 +5954,7 @@
           <p:cNvPr id="3" name="备注占位符 2">
             <a:extLst>
               <a:ext uri="{FF2B5EF4-FFF2-40B4-BE49-F238E27FC236}">
-                <a16:creationId xmlns:a16="http://schemas.microsoft.com/office/drawing/2014/main" id="{2FC37CE9-5BA5-1EBA-8C27-90C75CE9EEA6}"/>
+                <a16:creationId xmlns:a16="http://schemas.microsoft.com/office/drawing/2014/main" id="{16B8A695-D3CB-6958-6466-6A2FCB593B8E}"/>
               </a:ext>
             </a:extLst>
           </p:cNvPr>
@@ -6316,10 +5970,6 @@
           <a:bodyPr/>
           <a:lstStyle/>
           <a:p>
-            <a:r>
-              <a:rPr lang="en-US" altLang="zh-CN" dirty="0"/>
-              <a:t>Add an explanation for priority encoder function, and how to realize it XOR </a:t>
-            </a:r>
             <a:endParaRPr lang="zh-CN" altLang="en-US" dirty="0"/>
           </a:p>
         </p:txBody>
@@ -6329,7 +5979,7 @@
           <p:cNvPr id="4" name="灯片编号占位符 3">
             <a:extLst>
               <a:ext uri="{FF2B5EF4-FFF2-40B4-BE49-F238E27FC236}">
-                <a16:creationId xmlns:a16="http://schemas.microsoft.com/office/drawing/2014/main" id="{B965A156-9E70-947F-7E54-97EBD7D0E37A}"/>
+                <a16:creationId xmlns:a16="http://schemas.microsoft.com/office/drawing/2014/main" id="{5348D7E6-92D9-1817-8089-FE3711FE5523}"/>
               </a:ext>
             </a:extLst>
           </p:cNvPr>
@@ -6416,7 +6066,7 @@
     </p:spTree>
     <p:extLst>
       <p:ext uri="{BB962C8B-B14F-4D97-AF65-F5344CB8AC3E}">
-        <p14:creationId xmlns:p14="http://schemas.microsoft.com/office/powerpoint/2010/main" val="1314118968"/>
+        <p14:creationId xmlns:p14="http://schemas.microsoft.com/office/powerpoint/2010/main" val="2034409652"/>
       </p:ext>
     </p:extLst>
   </p:cSld>
@@ -6434,7 +6084,7 @@
         <p:cNvPr id="1" name="">
           <a:extLst>
             <a:ext uri="{FF2B5EF4-FFF2-40B4-BE49-F238E27FC236}">
-              <a16:creationId xmlns:a16="http://schemas.microsoft.com/office/drawing/2014/main" id="{E3922460-D867-4283-C559-14D2FDAF1F6C}"/>
+              <a16:creationId xmlns:a16="http://schemas.microsoft.com/office/drawing/2014/main" id="{38443BD3-8E20-0521-5EEC-434D68BC26C1}"/>
             </a:ext>
           </a:extLst>
         </p:cNvPr>
@@ -6454,7 +6104,7 @@
           <p:cNvPr id="2" name="幻灯片图像占位符 1">
             <a:extLst>
               <a:ext uri="{FF2B5EF4-FFF2-40B4-BE49-F238E27FC236}">
-                <a16:creationId xmlns:a16="http://schemas.microsoft.com/office/drawing/2014/main" id="{3EC8C88A-52E5-B11D-B5D9-8FCE6D205E29}"/>
+                <a16:creationId xmlns:a16="http://schemas.microsoft.com/office/drawing/2014/main" id="{FA7A15A4-CE85-C708-5F33-D15F6E31D03D}"/>
               </a:ext>
             </a:extLst>
           </p:cNvPr>
@@ -6472,7 +6122,7 @@
           <p:cNvPr id="3" name="备注占位符 2">
             <a:extLst>
               <a:ext uri="{FF2B5EF4-FFF2-40B4-BE49-F238E27FC236}">
-                <a16:creationId xmlns:a16="http://schemas.microsoft.com/office/drawing/2014/main" id="{63E27CF8-B602-0103-6261-D64777B355BD}"/>
+                <a16:creationId xmlns:a16="http://schemas.microsoft.com/office/drawing/2014/main" id="{2FC37CE9-5BA5-1EBA-8C27-90C75CE9EEA6}"/>
               </a:ext>
             </a:extLst>
           </p:cNvPr>
@@ -6488,6 +6138,10 @@
           <a:bodyPr/>
           <a:lstStyle/>
           <a:p>
+            <a:r>
+              <a:rPr lang="en-US" altLang="zh-CN" dirty="0"/>
+              <a:t>Add an explanation for priority encoder function, and how to realize it XOR </a:t>
+            </a:r>
             <a:endParaRPr lang="zh-CN" altLang="en-US" dirty="0"/>
           </a:p>
         </p:txBody>
@@ -6497,7 +6151,7 @@
           <p:cNvPr id="4" name="灯片编号占位符 3">
             <a:extLst>
               <a:ext uri="{FF2B5EF4-FFF2-40B4-BE49-F238E27FC236}">
-                <a16:creationId xmlns:a16="http://schemas.microsoft.com/office/drawing/2014/main" id="{F7128D7E-C42A-3CF2-3080-177CF81E8D79}"/>
+                <a16:creationId xmlns:a16="http://schemas.microsoft.com/office/drawing/2014/main" id="{B965A156-9E70-947F-7E54-97EBD7D0E37A}"/>
               </a:ext>
             </a:extLst>
           </p:cNvPr>
@@ -6584,7 +6238,7 @@
     </p:spTree>
     <p:extLst>
       <p:ext uri="{BB962C8B-B14F-4D97-AF65-F5344CB8AC3E}">
-        <p14:creationId xmlns:p14="http://schemas.microsoft.com/office/powerpoint/2010/main" val="3926255515"/>
+        <p14:creationId xmlns:p14="http://schemas.microsoft.com/office/powerpoint/2010/main" val="1314118968"/>
       </p:ext>
     </p:extLst>
   </p:cSld>
@@ -6743,7 +6397,7 @@
           <a:p>
             <a:fld id="{905A3E96-D80B-446B-AFC4-EFCCE8641260}" type="datetime1">
               <a:rPr lang="en-US" altLang="zh-CN" smtClean="0"/>
-              <a:t>4/27/2025</a:t>
+              <a:t>4/28/2025</a:t>
             </a:fld>
             <a:endParaRPr lang="en-US"/>
           </a:p>
@@ -6943,7 +6597,7 @@
           <a:p>
             <a:fld id="{7305523F-52DC-4430-9B04-955F5E71055B}" type="datetime1">
               <a:rPr lang="en-US" altLang="zh-CN" smtClean="0"/>
-              <a:t>4/27/2025</a:t>
+              <a:t>4/28/2025</a:t>
             </a:fld>
             <a:endParaRPr lang="en-US"/>
           </a:p>
@@ -7153,7 +6807,7 @@
           <a:p>
             <a:fld id="{542291C2-4D10-4EEA-998E-BBE8384A6E97}" type="datetime1">
               <a:rPr lang="en-US" altLang="zh-CN" smtClean="0"/>
-              <a:t>4/27/2025</a:t>
+              <a:t>4/28/2025</a:t>
             </a:fld>
             <a:endParaRPr lang="en-US"/>
           </a:p>
@@ -7375,7 +7029,7 @@
           <a:p>
             <a:fld id="{4517B249-2657-41A1-9D3E-A2F011803F1E}" type="datetime1">
               <a:rPr lang="en-US" altLang="zh-CN" smtClean="0"/>
-              <a:t>4/27/2025</a:t>
+              <a:t>4/28/2025</a:t>
             </a:fld>
             <a:endParaRPr lang="en-US"/>
           </a:p>
@@ -7575,7 +7229,7 @@
           <a:p>
             <a:fld id="{6723E27A-ABBF-4517-99ED-AC7C0843C084}" type="datetime1">
               <a:rPr lang="en-US" altLang="zh-CN" smtClean="0"/>
-              <a:t>4/27/2025</a:t>
+              <a:t>4/28/2025</a:t>
             </a:fld>
             <a:endParaRPr lang="en-US"/>
           </a:p>
@@ -7851,7 +7505,7 @@
           <a:p>
             <a:fld id="{422BA3A7-4EF7-4483-934A-F8F43F62C884}" type="datetime1">
               <a:rPr lang="en-US" altLang="zh-CN" smtClean="0"/>
-              <a:t>4/27/2025</a:t>
+              <a:t>4/28/2025</a:t>
             </a:fld>
             <a:endParaRPr lang="en-US"/>
           </a:p>
@@ -8119,7 +7773,7 @@
           <a:p>
             <a:fld id="{6593C9D6-8F9B-401C-809C-98A3989AD664}" type="datetime1">
               <a:rPr lang="en-US" altLang="zh-CN" smtClean="0"/>
-              <a:t>4/27/2025</a:t>
+              <a:t>4/28/2025</a:t>
             </a:fld>
             <a:endParaRPr lang="en-US"/>
           </a:p>
@@ -8534,7 +8188,7 @@
           <a:p>
             <a:fld id="{250C0703-21A3-446A-B1F5-92E1A5BCA5C2}" type="datetime1">
               <a:rPr lang="en-US" altLang="zh-CN" smtClean="0"/>
-              <a:t>4/27/2025</a:t>
+              <a:t>4/28/2025</a:t>
             </a:fld>
             <a:endParaRPr lang="en-US"/>
           </a:p>
@@ -8676,7 +8330,7 @@
           <a:p>
             <a:fld id="{D07D780F-C2F7-47F5-B4CA-AB3842423C6B}" type="datetime1">
               <a:rPr lang="en-US" altLang="zh-CN" smtClean="0"/>
-              <a:t>4/27/2025</a:t>
+              <a:t>4/28/2025</a:t>
             </a:fld>
             <a:endParaRPr lang="en-US"/>
           </a:p>
@@ -8789,7 +8443,7 @@
           <a:p>
             <a:fld id="{F1FAF1BE-752E-4D98-BCB7-381F7409635A}" type="datetime1">
               <a:rPr lang="en-US" altLang="zh-CN" smtClean="0"/>
-              <a:t>4/27/2025</a:t>
+              <a:t>4/28/2025</a:t>
             </a:fld>
             <a:endParaRPr lang="en-US"/>
           </a:p>
@@ -9102,7 +8756,7 @@
           <a:p>
             <a:fld id="{6AE50C24-BD16-4F99-8FE6-4AD5A05A0FFF}" type="datetime1">
               <a:rPr lang="en-US" altLang="zh-CN" smtClean="0"/>
-              <a:t>4/27/2025</a:t>
+              <a:t>4/28/2025</a:t>
             </a:fld>
             <a:endParaRPr lang="en-US"/>
           </a:p>
@@ -9302,7 +8956,7 @@
           <a:p>
             <a:fld id="{728238A5-BF39-4043-99C7-AB468EC1F2B8}" type="datetime1">
               <a:rPr lang="en-US" altLang="zh-CN" smtClean="0"/>
-              <a:t>4/27/2025</a:t>
+              <a:t>4/28/2025</a:t>
             </a:fld>
             <a:endParaRPr lang="en-US"/>
           </a:p>
@@ -9595,7 +9249,7 @@
           <a:p>
             <a:fld id="{DCBDD4CF-51CF-4995-A8A2-6BD941CCCC73}" type="datetime1">
               <a:rPr lang="en-US" altLang="zh-CN" smtClean="0"/>
-              <a:t>4/27/2025</a:t>
+              <a:t>4/28/2025</a:t>
             </a:fld>
             <a:endParaRPr lang="en-US"/>
           </a:p>
@@ -9795,7 +9449,7 @@
           <a:p>
             <a:fld id="{4C3EB475-F530-4498-905E-CDBA0CAD6F15}" type="datetime1">
               <a:rPr lang="en-US" altLang="zh-CN" smtClean="0"/>
-              <a:t>4/27/2025</a:t>
+              <a:t>4/28/2025</a:t>
             </a:fld>
             <a:endParaRPr lang="en-US"/>
           </a:p>
@@ -10005,7 +9659,7 @@
           <a:p>
             <a:fld id="{8B3DCA2F-A5BF-4FF9-ACD7-9C9EC2B184BE}" type="datetime1">
               <a:rPr lang="en-US" altLang="zh-CN" smtClean="0"/>
-              <a:t>4/27/2025</a:t>
+              <a:t>4/28/2025</a:t>
             </a:fld>
             <a:endParaRPr lang="en-US"/>
           </a:p>
@@ -10281,7 +9935,7 @@
           <a:p>
             <a:fld id="{D17A5129-D314-481F-A31E-209A42C8EAA6}" type="datetime1">
               <a:rPr lang="en-US" altLang="zh-CN" smtClean="0"/>
-              <a:t>4/27/2025</a:t>
+              <a:t>4/28/2025</a:t>
             </a:fld>
             <a:endParaRPr lang="en-US"/>
           </a:p>
@@ -10549,7 +10203,7 @@
           <a:p>
             <a:fld id="{A7CD654F-DBDC-4FE1-BB04-5916C730F602}" type="datetime1">
               <a:rPr lang="en-US" altLang="zh-CN" smtClean="0"/>
-              <a:t>4/27/2025</a:t>
+              <a:t>4/28/2025</a:t>
             </a:fld>
             <a:endParaRPr lang="en-US"/>
           </a:p>
@@ -10964,7 +10618,7 @@
           <a:p>
             <a:fld id="{ED92E7D0-3755-45F0-B594-A46FB0C96D04}" type="datetime1">
               <a:rPr lang="en-US" altLang="zh-CN" smtClean="0"/>
-              <a:t>4/27/2025</a:t>
+              <a:t>4/28/2025</a:t>
             </a:fld>
             <a:endParaRPr lang="en-US"/>
           </a:p>
@@ -11106,7 +10760,7 @@
           <a:p>
             <a:fld id="{04EFBAC5-DAB5-402E-B3A7-942B4879F09E}" type="datetime1">
               <a:rPr lang="en-US" altLang="zh-CN" smtClean="0"/>
-              <a:t>4/27/2025</a:t>
+              <a:t>4/28/2025</a:t>
             </a:fld>
             <a:endParaRPr lang="en-US"/>
           </a:p>
@@ -11219,7 +10873,7 @@
           <a:p>
             <a:fld id="{1AA24AFF-6570-48E4-949E-CD1D0B9EA9DF}" type="datetime1">
               <a:rPr lang="en-US" altLang="zh-CN" smtClean="0"/>
-              <a:t>4/27/2025</a:t>
+              <a:t>4/28/2025</a:t>
             </a:fld>
             <a:endParaRPr lang="en-US"/>
           </a:p>
@@ -11532,7 +11186,7 @@
           <a:p>
             <a:fld id="{A1001909-EE1B-4877-8D65-BD4B5502A5C6}" type="datetime1">
               <a:rPr lang="en-US" altLang="zh-CN" smtClean="0"/>
-              <a:t>4/27/2025</a:t>
+              <a:t>4/28/2025</a:t>
             </a:fld>
             <a:endParaRPr lang="en-US"/>
           </a:p>
@@ -11825,7 +11479,7 @@
           <a:p>
             <a:fld id="{33E035AF-2B53-4D11-AA1C-D846C566BAE5}" type="datetime1">
               <a:rPr lang="en-US" altLang="zh-CN" smtClean="0"/>
-              <a:t>4/27/2025</a:t>
+              <a:t>4/28/2025</a:t>
             </a:fld>
             <a:endParaRPr lang="en-US"/>
           </a:p>
@@ -12071,7 +11725,7 @@
           <a:p>
             <a:fld id="{9290A078-CB5F-4C9C-9C73-2B377B42B4DB}" type="datetime1">
               <a:rPr lang="en-US" altLang="zh-CN" smtClean="0"/>
-              <a:t>4/27/2025</a:t>
+              <a:t>4/28/2025</a:t>
             </a:fld>
             <a:endParaRPr lang="en-US"/>
           </a:p>
@@ -12645,7 +12299,7 @@
           <a:p>
             <a:fld id="{B5F27AF9-DDAF-4AE6-AD12-D09AA0276FBC}" type="datetime1">
               <a:rPr lang="en-US" altLang="zh-CN" smtClean="0"/>
-              <a:t>4/27/2025</a:t>
+              <a:t>4/28/2025</a:t>
             </a:fld>
             <a:endParaRPr lang="en-US"/>
           </a:p>
@@ -13196,7 +12850,7 @@
         <p:cNvPr id="1" name="">
           <a:extLst>
             <a:ext uri="{FF2B5EF4-FFF2-40B4-BE49-F238E27FC236}">
-              <a16:creationId xmlns:a16="http://schemas.microsoft.com/office/drawing/2014/main" id="{BC0774DC-B332-F33B-5BEF-72D8A6E47DD5}"/>
+              <a16:creationId xmlns:a16="http://schemas.microsoft.com/office/drawing/2014/main" id="{A7A3C6FA-DB6A-E101-20FC-3F326155E264}"/>
             </a:ext>
           </a:extLst>
         </p:cNvPr>
@@ -13216,7 +12870,7 @@
           <p:cNvPr id="4" name="图片 3">
             <a:extLst>
               <a:ext uri="{FF2B5EF4-FFF2-40B4-BE49-F238E27FC236}">
-                <a16:creationId xmlns:a16="http://schemas.microsoft.com/office/drawing/2014/main" id="{37100B9B-800F-40F9-9910-5E61CC2C8C75}"/>
+                <a16:creationId xmlns:a16="http://schemas.microsoft.com/office/drawing/2014/main" id="{ABCFAC16-5204-834C-F95A-775294D46C08}"/>
               </a:ext>
             </a:extLst>
           </p:cNvPr>
@@ -13246,7 +12900,7 @@
           <p:cNvPr id="5" name="矩形 4">
             <a:extLst>
               <a:ext uri="{FF2B5EF4-FFF2-40B4-BE49-F238E27FC236}">
-                <a16:creationId xmlns:a16="http://schemas.microsoft.com/office/drawing/2014/main" id="{1B1D30BE-87ED-08B5-8FDB-DDB7A952F4B9}"/>
+                <a16:creationId xmlns:a16="http://schemas.microsoft.com/office/drawing/2014/main" id="{E3F8B2DD-CBCD-D421-E1CB-2267556BFCAA}"/>
               </a:ext>
             </a:extLst>
           </p:cNvPr>
@@ -13321,10 +12975,87 @@
       </p:sp>
       <p:sp>
         <p:nvSpPr>
+          <p:cNvPr id="21" name="文本框 20">
+            <a:extLst>
+              <a:ext uri="{FF2B5EF4-FFF2-40B4-BE49-F238E27FC236}">
+                <a16:creationId xmlns:a16="http://schemas.microsoft.com/office/drawing/2014/main" id="{CFCB75DF-2EA7-7CA3-C121-2D31316653D0}"/>
+              </a:ext>
+            </a:extLst>
+          </p:cNvPr>
+          <p:cNvSpPr txBox="1"/>
+          <p:nvPr/>
+        </p:nvSpPr>
+        <p:spPr>
+          <a:xfrm>
+            <a:off x="2423916" y="1223862"/>
+            <a:ext cx="2008383" cy="461665"/>
+          </a:xfrm>
+          <a:prstGeom prst="rect">
+            <a:avLst/>
+          </a:prstGeom>
+          <a:solidFill>
+            <a:schemeClr val="tx2">
+              <a:lumMod val="40000"/>
+              <a:lumOff val="60000"/>
+            </a:schemeClr>
+          </a:solidFill>
+        </p:spPr>
+        <p:txBody>
+          <a:bodyPr wrap="square" rtlCol="0">
+            <a:spAutoFit/>
+          </a:bodyPr>
+          <a:lstStyle/>
+          <a:p>
+            <a:pPr marL="0" marR="0" lvl="0" indent="0" algn="ctr" defTabSz="457200" rtl="0" eaLnBrk="1" fontAlgn="auto" latinLnBrk="0" hangingPunct="1">
+              <a:lnSpc>
+                <a:spcPct val="100000"/>
+              </a:lnSpc>
+              <a:spcBef>
+                <a:spcPts val="0"/>
+              </a:spcBef>
+              <a:spcAft>
+                <a:spcPts val="0"/>
+              </a:spcAft>
+              <a:buClrTx/>
+              <a:buSzTx/>
+              <a:buFontTx/>
+              <a:buNone/>
+              <a:tabLst/>
+              <a:defRPr/>
+            </a:pPr>
+            <a:r>
+              <a:rPr lang="en-US" altLang="zh-CN" sz="2400" b="1" dirty="0">
+                <a:solidFill>
+                  <a:srgbClr val="001A57"/>
+                </a:solidFill>
+                <a:latin typeface="Calibri" panose="020F0502020204030204"/>
+                <a:ea typeface="Cambria" panose="02040503050406030204" pitchFamily="18" charset="0"/>
+              </a:rPr>
+              <a:t>Truth table</a:t>
+            </a:r>
+            <a:endParaRPr kumimoji="0" lang="en-US" altLang="zh-CN" sz="2400" b="1" i="0" u="none" strike="noStrike" kern="1200" cap="none" spc="0" normalizeH="0" baseline="0" noProof="0" dirty="0">
+              <a:ln>
+                <a:noFill/>
+              </a:ln>
+              <a:solidFill>
+                <a:srgbClr val="001A57"/>
+              </a:solidFill>
+              <a:effectLst/>
+              <a:uLnTx/>
+              <a:uFillTx/>
+              <a:latin typeface="Calibri" panose="020F0502020204030204"/>
+              <a:ea typeface="Cambria" panose="02040503050406030204" pitchFamily="18" charset="0"/>
+              <a:cs typeface="+mn-cs"/>
+            </a:endParaRPr>
+          </a:p>
+        </p:txBody>
+      </p:sp>
+      <p:sp>
+        <p:nvSpPr>
           <p:cNvPr id="58" name="灯片编号占位符 57">
             <a:extLst>
               <a:ext uri="{FF2B5EF4-FFF2-40B4-BE49-F238E27FC236}">
-                <a16:creationId xmlns:a16="http://schemas.microsoft.com/office/drawing/2014/main" id="{D13E4863-27F3-8C29-849E-4EA6A06F6400}"/>
+                <a16:creationId xmlns:a16="http://schemas.microsoft.com/office/drawing/2014/main" id="{590E4219-0FE9-2146-6BE6-E790C7D477D0}"/>
               </a:ext>
             </a:extLst>
           </p:cNvPr>
@@ -13414,10 +13145,90 @@
       </p:sp>
       <p:sp>
         <p:nvSpPr>
+          <p:cNvPr id="2" name="矩形 1">
+            <a:extLst>
+              <a:ext uri="{FF2B5EF4-FFF2-40B4-BE49-F238E27FC236}">
+                <a16:creationId xmlns:a16="http://schemas.microsoft.com/office/drawing/2014/main" id="{44C14C27-AE2A-0387-62EC-BAA9ED20E16A}"/>
+              </a:ext>
+            </a:extLst>
+          </p:cNvPr>
+          <p:cNvSpPr/>
+          <p:nvPr/>
+        </p:nvSpPr>
+        <p:spPr>
+          <a:xfrm>
+            <a:off x="5943600" y="1869440"/>
+            <a:ext cx="680720" cy="4043680"/>
+          </a:xfrm>
+          <a:prstGeom prst="rect">
+            <a:avLst/>
+          </a:prstGeom>
+          <a:noFill/>
+          <a:ln w="38100">
+            <a:noFill/>
+          </a:ln>
+        </p:spPr>
+        <p:style>
+          <a:lnRef idx="2">
+            <a:schemeClr val="accent1">
+              <a:shade val="15000"/>
+            </a:schemeClr>
+          </a:lnRef>
+          <a:fillRef idx="1">
+            <a:schemeClr val="accent1"/>
+          </a:fillRef>
+          <a:effectRef idx="0">
+            <a:schemeClr val="accent1"/>
+          </a:effectRef>
+          <a:fontRef idx="minor">
+            <a:schemeClr val="lt1"/>
+          </a:fontRef>
+        </p:style>
+        <p:txBody>
+          <a:bodyPr rtlCol="0" anchor="ctr"/>
+          <a:lstStyle/>
+          <a:p>
+            <a:pPr algn="ctr"/>
+            <a:endParaRPr lang="zh-CN" altLang="en-US"/>
+          </a:p>
+        </p:txBody>
+      </p:sp>
+      <p:pic>
+        <p:nvPicPr>
+          <p:cNvPr id="6" name="Picture 5">
+            <a:extLst>
+              <a:ext uri="{FF2B5EF4-FFF2-40B4-BE49-F238E27FC236}">
+                <a16:creationId xmlns:a16="http://schemas.microsoft.com/office/drawing/2014/main" id="{58DC66B9-6EC0-DB59-239F-D4AE5DE80B62}"/>
+              </a:ext>
+            </a:extLst>
+          </p:cNvPr>
+          <p:cNvPicPr>
+            <a:picLocks noChangeAspect="1"/>
+          </p:cNvPicPr>
+          <p:nvPr/>
+        </p:nvPicPr>
+        <p:blipFill>
+          <a:blip r:embed="rId4"/>
+          <a:stretch>
+            <a:fillRect/>
+          </a:stretch>
+        </p:blipFill>
+        <p:spPr>
+          <a:xfrm>
+            <a:off x="767990" y="1869440"/>
+            <a:ext cx="5665565" cy="4386374"/>
+          </a:xfrm>
+          <a:prstGeom prst="rect">
+            <a:avLst/>
+          </a:prstGeom>
+        </p:spPr>
+      </p:pic>
+      <p:sp>
+        <p:nvSpPr>
           <p:cNvPr id="7" name="文本框 20">
             <a:extLst>
               <a:ext uri="{FF2B5EF4-FFF2-40B4-BE49-F238E27FC236}">
-                <a16:creationId xmlns:a16="http://schemas.microsoft.com/office/drawing/2014/main" id="{B2753A9D-8C22-32BF-FB68-10BD75906815}"/>
+                <a16:creationId xmlns:a16="http://schemas.microsoft.com/office/drawing/2014/main" id="{82519B99-C14E-2612-50B6-6643106BC63A}"/>
               </a:ext>
             </a:extLst>
           </p:cNvPr>
@@ -13426,7 +13237,7 @@
         </p:nvSpPr>
         <p:spPr>
           <a:xfrm>
-            <a:off x="345219" y="119896"/>
+            <a:off x="345219" y="122482"/>
             <a:ext cx="9636981" cy="707886"/>
           </a:xfrm>
           <a:prstGeom prst="rect">
@@ -13479,70 +13290,200 @@
       </p:sp>
       <p:pic>
         <p:nvPicPr>
-          <p:cNvPr id="8" name="Picture 7">
-            <a:extLst>
-              <a:ext uri="{FF2B5EF4-FFF2-40B4-BE49-F238E27FC236}">
-                <a16:creationId xmlns:a16="http://schemas.microsoft.com/office/drawing/2014/main" id="{F69D524E-B542-9C66-D1D1-C06E60B02AEF}"/>
+          <p:cNvPr id="1026" name="Picture 2">
+            <a:extLst>
+              <a:ext uri="{FF2B5EF4-FFF2-40B4-BE49-F238E27FC236}">
+                <a16:creationId xmlns:a16="http://schemas.microsoft.com/office/drawing/2014/main" id="{7369E0DC-A94B-CD48-F896-64F0D4890CD6}"/>
               </a:ext>
             </a:extLst>
           </p:cNvPr>
           <p:cNvPicPr>
-            <a:picLocks noChangeAspect="1"/>
+            <a:picLocks noChangeAspect="1" noChangeArrowheads="1"/>
           </p:cNvPicPr>
           <p:nvPr/>
         </p:nvPicPr>
         <p:blipFill>
-          <a:blip r:embed="rId4"/>
+          <a:blip r:embed="rId5">
+            <a:extLst>
+              <a:ext uri="{28A0092B-C50C-407E-A947-70E740481C1C}">
+                <a14:useLocalDpi xmlns:a14="http://schemas.microsoft.com/office/drawing/2010/main" val="0"/>
+              </a:ext>
+            </a:extLst>
+          </a:blip>
+          <a:srcRect/>
           <a:stretch>
             <a:fillRect/>
           </a:stretch>
         </p:blipFill>
-        <p:spPr>
+        <p:spPr bwMode="auto">
           <a:xfrm>
-            <a:off x="442100" y="1314134"/>
-            <a:ext cx="6627481" cy="5346649"/>
+            <a:off x="6794355" y="905554"/>
+            <a:ext cx="4990454" cy="5250542"/>
           </a:xfrm>
           <a:prstGeom prst="rect">
             <a:avLst/>
           </a:prstGeom>
+          <a:noFill/>
+          <a:extLst>
+            <a:ext uri="{909E8E84-426E-40DD-AFC4-6F175D3DCCD1}">
+              <a14:hiddenFill xmlns:a14="http://schemas.microsoft.com/office/drawing/2010/main">
+                <a:solidFill>
+                  <a:srgbClr val="FFFFFF"/>
+                </a:solidFill>
+              </a14:hiddenFill>
+            </a:ext>
+          </a:extLst>
         </p:spPr>
       </p:pic>
       <p:pic>
         <p:nvPicPr>
-          <p:cNvPr id="10" name="Picture 9">
-            <a:extLst>
-              <a:ext uri="{FF2B5EF4-FFF2-40B4-BE49-F238E27FC236}">
-                <a16:creationId xmlns:a16="http://schemas.microsoft.com/office/drawing/2014/main" id="{32D87DF6-AAFD-770A-A0B3-81A527B8763E}"/>
+          <p:cNvPr id="3" name="Picture 6" descr="Priority Encoder and Digital Encoder ...">
+            <a:extLst>
+              <a:ext uri="{FF2B5EF4-FFF2-40B4-BE49-F238E27FC236}">
+                <a16:creationId xmlns:a16="http://schemas.microsoft.com/office/drawing/2014/main" id="{0D5BE866-319E-EE25-14F6-AE61731DD702}"/>
               </a:ext>
             </a:extLst>
           </p:cNvPr>
           <p:cNvPicPr>
-            <a:picLocks noChangeAspect="1"/>
+            <a:picLocks noChangeAspect="1" noChangeArrowheads="1"/>
           </p:cNvPicPr>
           <p:nvPr/>
         </p:nvPicPr>
         <p:blipFill>
-          <a:blip r:embed="rId5"/>
+          <a:blip r:embed="rId6">
+            <a:extLst>
+              <a:ext uri="{28A0092B-C50C-407E-A947-70E740481C1C}">
+                <a14:useLocalDpi xmlns:a14="http://schemas.microsoft.com/office/drawing/2010/main" val="0"/>
+              </a:ext>
+            </a:extLst>
+          </a:blip>
+          <a:srcRect/>
           <a:stretch>
             <a:fillRect/>
           </a:stretch>
         </p:blipFill>
-        <p:spPr>
+        <p:spPr bwMode="auto">
           <a:xfrm>
-            <a:off x="7392231" y="2374186"/>
-            <a:ext cx="4248067" cy="2109627"/>
+            <a:off x="8432009" y="5307844"/>
+            <a:ext cx="3352800" cy="1362075"/>
           </a:xfrm>
           <a:prstGeom prst="rect">
             <a:avLst/>
           </a:prstGeom>
+          <a:noFill/>
+          <a:extLst>
+            <a:ext uri="{909E8E84-426E-40DD-AFC4-6F175D3DCCD1}">
+              <a14:hiddenFill xmlns:a14="http://schemas.microsoft.com/office/drawing/2010/main">
+                <a:solidFill>
+                  <a:srgbClr val="FFFFFF"/>
+                </a:solidFill>
+              </a14:hiddenFill>
+            </a:ext>
+          </a:extLst>
         </p:spPr>
       </p:pic>
-      <p:sp>
-        <p:nvSpPr>
-          <p:cNvPr id="11" name="文本框 20">
-            <a:extLst>
-              <a:ext uri="{FF2B5EF4-FFF2-40B4-BE49-F238E27FC236}">
-                <a16:creationId xmlns:a16="http://schemas.microsoft.com/office/drawing/2014/main" id="{CC9CE4F8-573C-7BAA-625B-92FB56BBD4CB}"/>
+      <p:cxnSp>
+        <p:nvCxnSpPr>
+          <p:cNvPr id="10" name="Straight Arrow Connector 9">
+            <a:extLst>
+              <a:ext uri="{FF2B5EF4-FFF2-40B4-BE49-F238E27FC236}">
+                <a16:creationId xmlns:a16="http://schemas.microsoft.com/office/drawing/2014/main" id="{22C509A3-208A-B048-6E6C-13BA9CA30F06}"/>
+              </a:ext>
+            </a:extLst>
+          </p:cNvPr>
+          <p:cNvCxnSpPr>
+            <a:cxnSpLocks/>
+          </p:cNvCxnSpPr>
+          <p:nvPr/>
+        </p:nvCxnSpPr>
+        <p:spPr>
+          <a:xfrm flipH="1">
+            <a:off x="9982200" y="4160828"/>
+            <a:ext cx="297585" cy="1202834"/>
+          </a:xfrm>
+          <a:prstGeom prst="straightConnector1">
+            <a:avLst/>
+          </a:prstGeom>
+          <a:ln w="38100">
+            <a:solidFill>
+              <a:srgbClr val="FF0000"/>
+            </a:solidFill>
+            <a:tailEnd type="triangle"/>
+          </a:ln>
+        </p:spPr>
+        <p:style>
+          <a:lnRef idx="1">
+            <a:schemeClr val="accent1"/>
+          </a:lnRef>
+          <a:fillRef idx="0">
+            <a:schemeClr val="accent1"/>
+          </a:fillRef>
+          <a:effectRef idx="0">
+            <a:schemeClr val="accent1"/>
+          </a:effectRef>
+          <a:fontRef idx="minor">
+            <a:schemeClr val="tx1"/>
+          </a:fontRef>
+        </p:style>
+      </p:cxnSp>
+      <p:sp>
+        <p:nvSpPr>
+          <p:cNvPr id="13" name="Oval 12">
+            <a:extLst>
+              <a:ext uri="{FF2B5EF4-FFF2-40B4-BE49-F238E27FC236}">
+                <a16:creationId xmlns:a16="http://schemas.microsoft.com/office/drawing/2014/main" id="{1FDC9D05-8724-F251-6727-B2E5E1F1319F}"/>
+              </a:ext>
+            </a:extLst>
+          </p:cNvPr>
+          <p:cNvSpPr/>
+          <p:nvPr/>
+        </p:nvSpPr>
+        <p:spPr>
+          <a:xfrm>
+            <a:off x="8254148" y="970734"/>
+            <a:ext cx="1006453" cy="4337110"/>
+          </a:xfrm>
+          <a:prstGeom prst="ellipse">
+            <a:avLst/>
+          </a:prstGeom>
+          <a:noFill/>
+          <a:ln w="38100">
+            <a:solidFill>
+              <a:srgbClr val="FF0000"/>
+            </a:solidFill>
+          </a:ln>
+        </p:spPr>
+        <p:style>
+          <a:lnRef idx="2">
+            <a:schemeClr val="accent1">
+              <a:shade val="15000"/>
+            </a:schemeClr>
+          </a:lnRef>
+          <a:fillRef idx="1">
+            <a:schemeClr val="accent1"/>
+          </a:fillRef>
+          <a:effectRef idx="0">
+            <a:schemeClr val="accent1"/>
+          </a:effectRef>
+          <a:fontRef idx="minor">
+            <a:schemeClr val="lt1"/>
+          </a:fontRef>
+        </p:style>
+        <p:txBody>
+          <a:bodyPr rtlCol="0" anchor="ctr"/>
+          <a:lstStyle/>
+          <a:p>
+            <a:pPr algn="ctr"/>
+            <a:endParaRPr lang="en-US"/>
+          </a:p>
+        </p:txBody>
+      </p:sp>
+      <p:sp>
+        <p:nvSpPr>
+          <p:cNvPr id="9" name="文本框 20">
+            <a:extLst>
+              <a:ext uri="{FF2B5EF4-FFF2-40B4-BE49-F238E27FC236}">
+                <a16:creationId xmlns:a16="http://schemas.microsoft.com/office/drawing/2014/main" id="{D6FBBCA4-685D-3AF4-A322-E6DD3DA40908}"/>
               </a:ext>
             </a:extLst>
           </p:cNvPr>
@@ -13551,8 +13492,8 @@
         </p:nvSpPr>
         <p:spPr>
           <a:xfrm>
-            <a:off x="8733245" y="4606622"/>
-            <a:ext cx="1566038" cy="461665"/>
+            <a:off x="6145948" y="661331"/>
+            <a:ext cx="1564640" cy="461665"/>
           </a:xfrm>
           <a:prstGeom prst="rect">
             <a:avLst/>
@@ -13599,73 +13540,6 @@
           <a:p>
             <a:r>
               <a:rPr lang="en-US" altLang="zh-CN" dirty="0"/>
-              <a:t>Symbol </a:t>
-            </a:r>
-          </a:p>
-        </p:txBody>
-      </p:sp>
-      <p:sp>
-        <p:nvSpPr>
-          <p:cNvPr id="3" name="文本框 20">
-            <a:extLst>
-              <a:ext uri="{FF2B5EF4-FFF2-40B4-BE49-F238E27FC236}">
-                <a16:creationId xmlns:a16="http://schemas.microsoft.com/office/drawing/2014/main" id="{92572296-E317-88C3-DB9F-D93117FEA941}"/>
-              </a:ext>
-            </a:extLst>
-          </p:cNvPr>
-          <p:cNvSpPr txBox="1"/>
-          <p:nvPr/>
-        </p:nvSpPr>
-        <p:spPr>
-          <a:xfrm>
-            <a:off x="5576063" y="5721612"/>
-            <a:ext cx="1816168" cy="461665"/>
-          </a:xfrm>
-          <a:prstGeom prst="rect">
-            <a:avLst/>
-          </a:prstGeom>
-          <a:solidFill>
-            <a:schemeClr val="tx2">
-              <a:lumMod val="40000"/>
-              <a:lumOff val="60000"/>
-            </a:schemeClr>
-          </a:solidFill>
-        </p:spPr>
-        <p:txBody>
-          <a:bodyPr wrap="square" rtlCol="0">
-            <a:spAutoFit/>
-          </a:bodyPr>
-          <a:lstStyle>
-            <a:defPPr>
-              <a:defRPr lang="en-US"/>
-            </a:defPPr>
-            <a:lvl1pPr marR="0" lvl="0" indent="0" algn="ctr" defTabSz="457200" fontAlgn="auto">
-              <a:lnSpc>
-                <a:spcPct val="100000"/>
-              </a:lnSpc>
-              <a:spcBef>
-                <a:spcPts val="0"/>
-              </a:spcBef>
-              <a:spcAft>
-                <a:spcPts val="0"/>
-              </a:spcAft>
-              <a:buClrTx/>
-              <a:buSzTx/>
-              <a:buFontTx/>
-              <a:buNone/>
-              <a:tabLst/>
-              <a:defRPr sz="2400" b="1">
-                <a:solidFill>
-                  <a:srgbClr val="001A57"/>
-                </a:solidFill>
-                <a:latin typeface="Calibri" panose="020F0502020204030204"/>
-                <a:ea typeface="Cambria" panose="02040503050406030204" pitchFamily="18" charset="0"/>
-              </a:defRPr>
-            </a:lvl1pPr>
-          </a:lstStyle>
-          <a:p>
-            <a:r>
-              <a:rPr lang="en-US" altLang="zh-CN" dirty="0"/>
               <a:t>Schematic </a:t>
             </a:r>
           </a:p>
@@ -13674,7 +13548,7 @@
     </p:spTree>
     <p:extLst>
       <p:ext uri="{BB962C8B-B14F-4D97-AF65-F5344CB8AC3E}">
-        <p14:creationId xmlns:p14="http://schemas.microsoft.com/office/powerpoint/2010/main" val="1130664272"/>
+        <p14:creationId xmlns:p14="http://schemas.microsoft.com/office/powerpoint/2010/main" val="222934439"/>
       </p:ext>
     </p:extLst>
   </p:cSld>
@@ -13692,7 +13566,7 @@
         <p:cNvPr id="1" name="">
           <a:extLst>
             <a:ext uri="{FF2B5EF4-FFF2-40B4-BE49-F238E27FC236}">
-              <a16:creationId xmlns:a16="http://schemas.microsoft.com/office/drawing/2014/main" id="{7A9546E9-09EB-792F-E03F-F27BDA981380}"/>
+              <a16:creationId xmlns:a16="http://schemas.microsoft.com/office/drawing/2014/main" id="{BC0774DC-B332-F33B-5BEF-72D8A6E47DD5}"/>
             </a:ext>
           </a:extLst>
         </p:cNvPr>
@@ -13709,10 +13583,10 @@
       </p:grpSpPr>
       <p:pic>
         <p:nvPicPr>
-          <p:cNvPr id="15" name="Picture 14">
-            <a:extLst>
-              <a:ext uri="{FF2B5EF4-FFF2-40B4-BE49-F238E27FC236}">
-                <a16:creationId xmlns:a16="http://schemas.microsoft.com/office/drawing/2014/main" id="{F3F10A1E-09A6-425A-13B1-D38A6B3A33D8}"/>
+          <p:cNvPr id="4" name="图片 3">
+            <a:extLst>
+              <a:ext uri="{FF2B5EF4-FFF2-40B4-BE49-F238E27FC236}">
+                <a16:creationId xmlns:a16="http://schemas.microsoft.com/office/drawing/2014/main" id="{37100B9B-800F-40F9-9910-5E61CC2C8C75}"/>
               </a:ext>
             </a:extLst>
           </p:cNvPr>
@@ -13723,35 +13597,6 @@
         </p:nvPicPr>
         <p:blipFill>
           <a:blip r:embed="rId3"/>
-          <a:srcRect t="12894" b="5556"/>
-          <a:stretch/>
-        </p:blipFill>
-        <p:spPr>
-          <a:xfrm>
-            <a:off x="467995" y="1593524"/>
-            <a:ext cx="11256010" cy="4823969"/>
-          </a:xfrm>
-          <a:prstGeom prst="rect">
-            <a:avLst/>
-          </a:prstGeom>
-        </p:spPr>
-      </p:pic>
-      <p:pic>
-        <p:nvPicPr>
-          <p:cNvPr id="4" name="图片 3">
-            <a:extLst>
-              <a:ext uri="{FF2B5EF4-FFF2-40B4-BE49-F238E27FC236}">
-                <a16:creationId xmlns:a16="http://schemas.microsoft.com/office/drawing/2014/main" id="{C6C99545-9F14-62C5-4B08-DB4B74FDAF8B}"/>
-              </a:ext>
-            </a:extLst>
-          </p:cNvPr>
-          <p:cNvPicPr>
-            <a:picLocks noChangeAspect="1"/>
-          </p:cNvPicPr>
-          <p:nvPr/>
-        </p:nvPicPr>
-        <p:blipFill>
-          <a:blip r:embed="rId4"/>
           <a:stretch>
             <a:fillRect/>
           </a:stretch>
@@ -13771,7 +13616,7 @@
           <p:cNvPr id="5" name="矩形 4">
             <a:extLst>
               <a:ext uri="{FF2B5EF4-FFF2-40B4-BE49-F238E27FC236}">
-                <a16:creationId xmlns:a16="http://schemas.microsoft.com/office/drawing/2014/main" id="{C6335998-4436-33A3-E240-F3B63F064D3E}"/>
+                <a16:creationId xmlns:a16="http://schemas.microsoft.com/office/drawing/2014/main" id="{1B1D30BE-87ED-08B5-8FDB-DDB7A952F4B9}"/>
               </a:ext>
             </a:extLst>
           </p:cNvPr>
@@ -13849,7 +13694,7 @@
           <p:cNvPr id="58" name="灯片编号占位符 57">
             <a:extLst>
               <a:ext uri="{FF2B5EF4-FFF2-40B4-BE49-F238E27FC236}">
-                <a16:creationId xmlns:a16="http://schemas.microsoft.com/office/drawing/2014/main" id="{FC22C049-4D44-7E13-E7F5-FE3DF85CFB82}"/>
+                <a16:creationId xmlns:a16="http://schemas.microsoft.com/office/drawing/2014/main" id="{D13E4863-27F3-8C29-849E-4EA6A06F6400}"/>
               </a:ext>
             </a:extLst>
           </p:cNvPr>
@@ -13942,7 +13787,7 @@
           <p:cNvPr id="7" name="文本框 20">
             <a:extLst>
               <a:ext uri="{FF2B5EF4-FFF2-40B4-BE49-F238E27FC236}">
-                <a16:creationId xmlns:a16="http://schemas.microsoft.com/office/drawing/2014/main" id="{87C7BACF-A9EA-2D6C-5462-40A8A36361D4}"/>
+                <a16:creationId xmlns:a16="http://schemas.microsoft.com/office/drawing/2014/main" id="{B2753A9D-8C22-32BF-FB68-10BD75906815}"/>
               </a:ext>
             </a:extLst>
           </p:cNvPr>
@@ -13951,7 +13796,7 @@
         </p:nvSpPr>
         <p:spPr>
           <a:xfrm>
-            <a:off x="345219" y="136525"/>
+            <a:off x="345219" y="119896"/>
             <a:ext cx="9636981" cy="707886"/>
           </a:xfrm>
           <a:prstGeom prst="rect">
@@ -14002,35 +13847,102 @@
           </a:p>
         </p:txBody>
       </p:sp>
-      <p:sp>
-        <p:nvSpPr>
-          <p:cNvPr id="17" name="文本框 20">
-            <a:extLst>
-              <a:ext uri="{FF2B5EF4-FFF2-40B4-BE49-F238E27FC236}">
-                <a16:creationId xmlns:a16="http://schemas.microsoft.com/office/drawing/2014/main" id="{F8A2340A-46F2-BF03-CD33-BDEEEC208483}"/>
-              </a:ext>
-            </a:extLst>
-          </p:cNvPr>
-          <p:cNvSpPr txBox="1"/>
+      <p:pic>
+        <p:nvPicPr>
+          <p:cNvPr id="8" name="Picture 7">
+            <a:extLst>
+              <a:ext uri="{FF2B5EF4-FFF2-40B4-BE49-F238E27FC236}">
+                <a16:creationId xmlns:a16="http://schemas.microsoft.com/office/drawing/2014/main" id="{F69D524E-B542-9C66-D1D1-C06E60B02AEF}"/>
+              </a:ext>
+            </a:extLst>
+          </p:cNvPr>
+          <p:cNvPicPr>
+            <a:picLocks noChangeAspect="1"/>
+          </p:cNvPicPr>
           <p:nvPr/>
-        </p:nvSpPr>
+        </p:nvPicPr>
+        <p:blipFill>
+          <a:blip r:embed="rId4"/>
+          <a:stretch>
+            <a:fillRect/>
+          </a:stretch>
+        </p:blipFill>
         <p:spPr>
           <a:xfrm>
-            <a:off x="467995" y="1012990"/>
-            <a:ext cx="9091018" cy="523220"/>
+            <a:off x="442100" y="1314134"/>
+            <a:ext cx="6627481" cy="5346649"/>
           </a:xfrm>
           <a:prstGeom prst="rect">
             <a:avLst/>
           </a:prstGeom>
-          <a:noFill/>
+        </p:spPr>
+      </p:pic>
+      <p:pic>
+        <p:nvPicPr>
+          <p:cNvPr id="10" name="Picture 9">
+            <a:extLst>
+              <a:ext uri="{FF2B5EF4-FFF2-40B4-BE49-F238E27FC236}">
+                <a16:creationId xmlns:a16="http://schemas.microsoft.com/office/drawing/2014/main" id="{32D87DF6-AAFD-770A-A0B3-81A527B8763E}"/>
+              </a:ext>
+            </a:extLst>
+          </p:cNvPr>
+          <p:cNvPicPr>
+            <a:picLocks noChangeAspect="1"/>
+          </p:cNvPicPr>
+          <p:nvPr/>
+        </p:nvPicPr>
+        <p:blipFill>
+          <a:blip r:embed="rId5"/>
+          <a:stretch>
+            <a:fillRect/>
+          </a:stretch>
+        </p:blipFill>
+        <p:spPr>
+          <a:xfrm>
+            <a:off x="7392231" y="2374186"/>
+            <a:ext cx="4248067" cy="2109627"/>
+          </a:xfrm>
+          <a:prstGeom prst="rect">
+            <a:avLst/>
+          </a:prstGeom>
+        </p:spPr>
+      </p:pic>
+      <p:sp>
+        <p:nvSpPr>
+          <p:cNvPr id="11" name="文本框 20">
+            <a:extLst>
+              <a:ext uri="{FF2B5EF4-FFF2-40B4-BE49-F238E27FC236}">
+                <a16:creationId xmlns:a16="http://schemas.microsoft.com/office/drawing/2014/main" id="{CC9CE4F8-573C-7BAA-625B-92FB56BBD4CB}"/>
+              </a:ext>
+            </a:extLst>
+          </p:cNvPr>
+          <p:cNvSpPr txBox="1"/>
+          <p:nvPr/>
+        </p:nvSpPr>
+        <p:spPr>
+          <a:xfrm>
+            <a:off x="8733245" y="4606622"/>
+            <a:ext cx="1566038" cy="461665"/>
+          </a:xfrm>
+          <a:prstGeom prst="rect">
+            <a:avLst/>
+          </a:prstGeom>
+          <a:solidFill>
+            <a:schemeClr val="tx2">
+              <a:lumMod val="40000"/>
+              <a:lumOff val="60000"/>
+            </a:schemeClr>
+          </a:solidFill>
         </p:spPr>
         <p:txBody>
           <a:bodyPr wrap="square" rtlCol="0">
             <a:spAutoFit/>
           </a:bodyPr>
-          <a:lstStyle/>
-          <a:p>
-            <a:pPr marL="0" marR="0" lvl="0" indent="0" algn="l" defTabSz="457200" rtl="0" eaLnBrk="1" fontAlgn="auto" latinLnBrk="0" hangingPunct="1">
+          <a:lstStyle>
+            <a:defPPr>
+              <a:defRPr lang="en-US"/>
+            </a:defPPr>
+            <a:lvl1pPr marR="0" lvl="0" indent="0" algn="ctr" defTabSz="457200" fontAlgn="auto">
               <a:lnSpc>
                 <a:spcPct val="100000"/>
               </a:lnSpc>
@@ -14045,39 +13957,94 @@
               <a:buFontTx/>
               <a:buNone/>
               <a:tabLst/>
-              <a:defRPr/>
-            </a:pPr>
-            <a:r>
-              <a:rPr lang="en-US" altLang="zh-CN" sz="2800" dirty="0">
+              <a:defRPr sz="2400" b="1">
                 <a:solidFill>
                   <a:srgbClr val="001A57"/>
                 </a:solidFill>
                 <a:latin typeface="Calibri" panose="020F0502020204030204"/>
                 <a:ea typeface="Cambria" panose="02040503050406030204" pitchFamily="18" charset="0"/>
-              </a:rPr>
-              <a:t>Waveform simulation: 7 bit in / 3 bit out   </a:t>
+              </a:defRPr>
+            </a:lvl1pPr>
+          </a:lstStyle>
+          <a:p>
+            <a:r>
+              <a:rPr lang="en-US" altLang="zh-CN" dirty="0"/>
+              <a:t>Symbol </a:t>
             </a:r>
-            <a:endParaRPr kumimoji="0" lang="en-US" altLang="zh-CN" sz="2800" i="0" u="none" strike="noStrike" kern="1200" cap="none" spc="0" normalizeH="0" baseline="0" noProof="0" dirty="0">
-              <a:ln>
-                <a:noFill/>
-              </a:ln>
-              <a:solidFill>
-                <a:srgbClr val="001A57"/>
-              </a:solidFill>
-              <a:effectLst/>
-              <a:uLnTx/>
-              <a:uFillTx/>
-              <a:latin typeface="Calibri" panose="020F0502020204030204"/>
-              <a:ea typeface="Cambria" panose="02040503050406030204" pitchFamily="18" charset="0"/>
-              <a:cs typeface="+mn-cs"/>
-            </a:endParaRPr>
+          </a:p>
+        </p:txBody>
+      </p:sp>
+      <p:sp>
+        <p:nvSpPr>
+          <p:cNvPr id="3" name="文本框 20">
+            <a:extLst>
+              <a:ext uri="{FF2B5EF4-FFF2-40B4-BE49-F238E27FC236}">
+                <a16:creationId xmlns:a16="http://schemas.microsoft.com/office/drawing/2014/main" id="{92572296-E317-88C3-DB9F-D93117FEA941}"/>
+              </a:ext>
+            </a:extLst>
+          </p:cNvPr>
+          <p:cNvSpPr txBox="1"/>
+          <p:nvPr/>
+        </p:nvSpPr>
+        <p:spPr>
+          <a:xfrm>
+            <a:off x="5576063" y="5721612"/>
+            <a:ext cx="1816168" cy="461665"/>
+          </a:xfrm>
+          <a:prstGeom prst="rect">
+            <a:avLst/>
+          </a:prstGeom>
+          <a:solidFill>
+            <a:schemeClr val="tx2">
+              <a:lumMod val="40000"/>
+              <a:lumOff val="60000"/>
+            </a:schemeClr>
+          </a:solidFill>
+        </p:spPr>
+        <p:txBody>
+          <a:bodyPr wrap="square" rtlCol="0">
+            <a:spAutoFit/>
+          </a:bodyPr>
+          <a:lstStyle>
+            <a:defPPr>
+              <a:defRPr lang="en-US"/>
+            </a:defPPr>
+            <a:lvl1pPr marR="0" lvl="0" indent="0" algn="ctr" defTabSz="457200" fontAlgn="auto">
+              <a:lnSpc>
+                <a:spcPct val="100000"/>
+              </a:lnSpc>
+              <a:spcBef>
+                <a:spcPts val="0"/>
+              </a:spcBef>
+              <a:spcAft>
+                <a:spcPts val="0"/>
+              </a:spcAft>
+              <a:buClrTx/>
+              <a:buSzTx/>
+              <a:buFontTx/>
+              <a:buNone/>
+              <a:tabLst/>
+              <a:defRPr sz="2400" b="1">
+                <a:solidFill>
+                  <a:srgbClr val="001A57"/>
+                </a:solidFill>
+                <a:latin typeface="Calibri" panose="020F0502020204030204"/>
+                <a:ea typeface="Cambria" panose="02040503050406030204" pitchFamily="18" charset="0"/>
+              </a:defRPr>
+            </a:lvl1pPr>
+          </a:lstStyle>
+          <a:p>
+            <a:r>
+              <a:rPr lang="en-US" altLang="zh-CN" dirty="0"/>
+              <a:t>Schematic </a:t>
+            </a:r>
           </a:p>
         </p:txBody>
       </p:sp>
     </p:spTree>
     <p:extLst>
       <p:ext uri="{BB962C8B-B14F-4D97-AF65-F5344CB8AC3E}">
-        <p14:creationId xmlns:p14="http://schemas.microsoft.com/office/powerpoint/2010/main" val="4052945160"/>
+        <p14:creationId xmlns:p14="http://schemas.microsoft.com/office/powerpoint/2010/main" val="1130664272"/>
       </p:ext>
     </p:extLst>
   </p:cSld>
@@ -14095,7 +14062,7 @@
         <p:cNvPr id="1" name="">
           <a:extLst>
             <a:ext uri="{FF2B5EF4-FFF2-40B4-BE49-F238E27FC236}">
-              <a16:creationId xmlns:a16="http://schemas.microsoft.com/office/drawing/2014/main" id="{EE948BB6-2FCF-3C38-D9E6-24BDD2EA345B}"/>
+              <a16:creationId xmlns:a16="http://schemas.microsoft.com/office/drawing/2014/main" id="{7A9546E9-09EB-792F-E03F-F27BDA981380}"/>
             </a:ext>
           </a:extLst>
         </p:cNvPr>
@@ -14112,10 +14079,10 @@
       </p:grpSpPr>
       <p:pic>
         <p:nvPicPr>
-          <p:cNvPr id="4" name="图片 3">
-            <a:extLst>
-              <a:ext uri="{FF2B5EF4-FFF2-40B4-BE49-F238E27FC236}">
-                <a16:creationId xmlns:a16="http://schemas.microsoft.com/office/drawing/2014/main" id="{914AEB8E-E075-7F60-156E-48011C5B3851}"/>
+          <p:cNvPr id="15" name="Picture 14">
+            <a:extLst>
+              <a:ext uri="{FF2B5EF4-FFF2-40B4-BE49-F238E27FC236}">
+                <a16:creationId xmlns:a16="http://schemas.microsoft.com/office/drawing/2014/main" id="{F3F10A1E-09A6-425A-13B1-D38A6B3A33D8}"/>
               </a:ext>
             </a:extLst>
           </p:cNvPr>
@@ -14126,6 +14093,35 @@
         </p:nvPicPr>
         <p:blipFill>
           <a:blip r:embed="rId3"/>
+          <a:srcRect t="12894" b="5556"/>
+          <a:stretch/>
+        </p:blipFill>
+        <p:spPr>
+          <a:xfrm>
+            <a:off x="467995" y="1593524"/>
+            <a:ext cx="11256010" cy="4823969"/>
+          </a:xfrm>
+          <a:prstGeom prst="rect">
+            <a:avLst/>
+          </a:prstGeom>
+        </p:spPr>
+      </p:pic>
+      <p:pic>
+        <p:nvPicPr>
+          <p:cNvPr id="4" name="图片 3">
+            <a:extLst>
+              <a:ext uri="{FF2B5EF4-FFF2-40B4-BE49-F238E27FC236}">
+                <a16:creationId xmlns:a16="http://schemas.microsoft.com/office/drawing/2014/main" id="{C6C99545-9F14-62C5-4B08-DB4B74FDAF8B}"/>
+              </a:ext>
+            </a:extLst>
+          </p:cNvPr>
+          <p:cNvPicPr>
+            <a:picLocks noChangeAspect="1"/>
+          </p:cNvPicPr>
+          <p:nvPr/>
+        </p:nvPicPr>
+        <p:blipFill>
+          <a:blip r:embed="rId4"/>
           <a:stretch>
             <a:fillRect/>
           </a:stretch>
@@ -14145,7 +14141,7 @@
           <p:cNvPr id="5" name="矩形 4">
             <a:extLst>
               <a:ext uri="{FF2B5EF4-FFF2-40B4-BE49-F238E27FC236}">
-                <a16:creationId xmlns:a16="http://schemas.microsoft.com/office/drawing/2014/main" id="{813517BF-AEFA-1E2E-4779-F0F70C8EE176}"/>
+                <a16:creationId xmlns:a16="http://schemas.microsoft.com/office/drawing/2014/main" id="{C6335998-4436-33A3-E240-F3B63F064D3E}"/>
               </a:ext>
             </a:extLst>
           </p:cNvPr>
@@ -14223,7 +14219,7 @@
           <p:cNvPr id="58" name="灯片编号占位符 57">
             <a:extLst>
               <a:ext uri="{FF2B5EF4-FFF2-40B4-BE49-F238E27FC236}">
-                <a16:creationId xmlns:a16="http://schemas.microsoft.com/office/drawing/2014/main" id="{2644CC8B-7789-3DA8-4FDB-81261BED11A8}"/>
+                <a16:creationId xmlns:a16="http://schemas.microsoft.com/office/drawing/2014/main" id="{FC22C049-4D44-7E13-E7F5-FE3DF85CFB82}"/>
               </a:ext>
             </a:extLst>
           </p:cNvPr>
@@ -14316,7 +14312,7 @@
           <p:cNvPr id="7" name="文本框 20">
             <a:extLst>
               <a:ext uri="{FF2B5EF4-FFF2-40B4-BE49-F238E27FC236}">
-                <a16:creationId xmlns:a16="http://schemas.microsoft.com/office/drawing/2014/main" id="{258B70F3-20AC-66EC-BD2A-8E1B87664DEE}"/>
+                <a16:creationId xmlns:a16="http://schemas.microsoft.com/office/drawing/2014/main" id="{87C7BACF-A9EA-2D6C-5462-40A8A36361D4}"/>
               </a:ext>
             </a:extLst>
           </p:cNvPr>
@@ -14371,77 +14367,40 @@
                 <a:ea typeface="Cambria" panose="02040503050406030204" pitchFamily="18" charset="0"/>
                 <a:cs typeface="+mn-cs"/>
               </a:rPr>
-              <a:t>ADC Final Schematic</a:t>
+              <a:t>Priority Encoder</a:t>
             </a:r>
           </a:p>
         </p:txBody>
       </p:sp>
-      <p:pic>
-        <p:nvPicPr>
-          <p:cNvPr id="3" name="Picture 2">
-            <a:extLst>
-              <a:ext uri="{FF2B5EF4-FFF2-40B4-BE49-F238E27FC236}">
-                <a16:creationId xmlns:a16="http://schemas.microsoft.com/office/drawing/2014/main" id="{AC28AC03-8461-ED0C-E426-0746C86A153C}"/>
-              </a:ext>
-            </a:extLst>
-          </p:cNvPr>
-          <p:cNvPicPr>
-            <a:picLocks noChangeAspect="1"/>
-          </p:cNvPicPr>
+      <p:sp>
+        <p:nvSpPr>
+          <p:cNvPr id="17" name="文本框 20">
+            <a:extLst>
+              <a:ext uri="{FF2B5EF4-FFF2-40B4-BE49-F238E27FC236}">
+                <a16:creationId xmlns:a16="http://schemas.microsoft.com/office/drawing/2014/main" id="{F8A2340A-46F2-BF03-CD33-BDEEEC208483}"/>
+              </a:ext>
+            </a:extLst>
+          </p:cNvPr>
+          <p:cNvSpPr txBox="1"/>
           <p:nvPr/>
-        </p:nvPicPr>
-        <p:blipFill>
-          <a:blip r:embed="rId4"/>
-          <a:stretch>
-            <a:fillRect/>
-          </a:stretch>
-        </p:blipFill>
+        </p:nvSpPr>
         <p:spPr>
           <a:xfrm>
-            <a:off x="925451" y="1411135"/>
-            <a:ext cx="10341098" cy="4439634"/>
+            <a:off x="467995" y="1012990"/>
+            <a:ext cx="9091018" cy="523220"/>
           </a:xfrm>
           <a:prstGeom prst="rect">
             <a:avLst/>
           </a:prstGeom>
-        </p:spPr>
-      </p:pic>
-      <p:sp>
-        <p:nvSpPr>
-          <p:cNvPr id="2" name="文本框 20">
-            <a:extLst>
-              <a:ext uri="{FF2B5EF4-FFF2-40B4-BE49-F238E27FC236}">
-                <a16:creationId xmlns:a16="http://schemas.microsoft.com/office/drawing/2014/main" id="{EF0090D9-9745-17C1-6BE6-DF5E7299B777}"/>
-              </a:ext>
-            </a:extLst>
-          </p:cNvPr>
-          <p:cNvSpPr txBox="1"/>
-          <p:nvPr/>
-        </p:nvSpPr>
-        <p:spPr>
-          <a:xfrm>
-            <a:off x="9128108" y="4864362"/>
-            <a:ext cx="1708184" cy="461665"/>
-          </a:xfrm>
-          <a:prstGeom prst="rect">
-            <a:avLst/>
-          </a:prstGeom>
-          <a:solidFill>
-            <a:schemeClr val="tx2">
-              <a:lumMod val="40000"/>
-              <a:lumOff val="60000"/>
-            </a:schemeClr>
-          </a:solidFill>
+          <a:noFill/>
         </p:spPr>
         <p:txBody>
           <a:bodyPr wrap="square" rtlCol="0">
             <a:spAutoFit/>
           </a:bodyPr>
-          <a:lstStyle>
-            <a:defPPr>
-              <a:defRPr lang="en-US"/>
-            </a:defPPr>
-            <a:lvl1pPr marR="0" lvl="0" indent="0" algn="ctr" defTabSz="457200" fontAlgn="auto">
+          <a:lstStyle/>
+          <a:p>
+            <a:pPr marL="0" marR="0" lvl="0" indent="0" algn="l" defTabSz="457200" rtl="0" eaLnBrk="1" fontAlgn="auto" latinLnBrk="0" hangingPunct="1">
               <a:lnSpc>
                 <a:spcPct val="100000"/>
               </a:lnSpc>
@@ -14456,27 +14415,39 @@
               <a:buFontTx/>
               <a:buNone/>
               <a:tabLst/>
-              <a:defRPr sz="2400" b="1">
+              <a:defRPr/>
+            </a:pPr>
+            <a:r>
+              <a:rPr lang="en-US" altLang="zh-CN" sz="2800" dirty="0">
                 <a:solidFill>
                   <a:srgbClr val="001A57"/>
                 </a:solidFill>
                 <a:latin typeface="Calibri" panose="020F0502020204030204"/>
                 <a:ea typeface="Cambria" panose="02040503050406030204" pitchFamily="18" charset="0"/>
-              </a:defRPr>
-            </a:lvl1pPr>
-          </a:lstStyle>
-          <a:p>
-            <a:r>
-              <a:rPr lang="en-US" altLang="zh-CN" dirty="0"/>
-              <a:t>Schematic </a:t>
+              </a:rPr>
+              <a:t>Waveform simulation: 7 bit in / 3 bit out   </a:t>
             </a:r>
+            <a:endParaRPr kumimoji="0" lang="en-US" altLang="zh-CN" sz="2800" i="0" u="none" strike="noStrike" kern="1200" cap="none" spc="0" normalizeH="0" baseline="0" noProof="0" dirty="0">
+              <a:ln>
+                <a:noFill/>
+              </a:ln>
+              <a:solidFill>
+                <a:srgbClr val="001A57"/>
+              </a:solidFill>
+              <a:effectLst/>
+              <a:uLnTx/>
+              <a:uFillTx/>
+              <a:latin typeface="Calibri" panose="020F0502020204030204"/>
+              <a:ea typeface="Cambria" panose="02040503050406030204" pitchFamily="18" charset="0"/>
+              <a:cs typeface="+mn-cs"/>
+            </a:endParaRPr>
           </a:p>
         </p:txBody>
       </p:sp>
     </p:spTree>
     <p:extLst>
       <p:ext uri="{BB962C8B-B14F-4D97-AF65-F5344CB8AC3E}">
-        <p14:creationId xmlns:p14="http://schemas.microsoft.com/office/powerpoint/2010/main" val="3609543657"/>
+        <p14:creationId xmlns:p14="http://schemas.microsoft.com/office/powerpoint/2010/main" val="4052945160"/>
       </p:ext>
     </p:extLst>
   </p:cSld>
@@ -14494,7 +14465,7 @@
         <p:cNvPr id="1" name="">
           <a:extLst>
             <a:ext uri="{FF2B5EF4-FFF2-40B4-BE49-F238E27FC236}">
-              <a16:creationId xmlns:a16="http://schemas.microsoft.com/office/drawing/2014/main" id="{64429C52-886F-B267-575B-618893EFB611}"/>
+              <a16:creationId xmlns:a16="http://schemas.microsoft.com/office/drawing/2014/main" id="{31CC4B5D-D3FF-F645-0939-0366FAA1243D}"/>
             </a:ext>
           </a:extLst>
         </p:cNvPr>
@@ -14514,7 +14485,7 @@
           <p:cNvPr id="4" name="图片 3">
             <a:extLst>
               <a:ext uri="{FF2B5EF4-FFF2-40B4-BE49-F238E27FC236}">
-                <a16:creationId xmlns:a16="http://schemas.microsoft.com/office/drawing/2014/main" id="{2A2464D6-866A-54BB-899F-3E04F597347B}"/>
+                <a16:creationId xmlns:a16="http://schemas.microsoft.com/office/drawing/2014/main" id="{E72D07CC-4156-E2F2-B5DA-7AE3F6D83061}"/>
               </a:ext>
             </a:extLst>
           </p:cNvPr>
@@ -14544,7 +14515,7 @@
           <p:cNvPr id="5" name="矩形 4">
             <a:extLst>
               <a:ext uri="{FF2B5EF4-FFF2-40B4-BE49-F238E27FC236}">
-                <a16:creationId xmlns:a16="http://schemas.microsoft.com/office/drawing/2014/main" id="{D9FBA070-F890-C3AD-93AB-ED3CC3A12412}"/>
+                <a16:creationId xmlns:a16="http://schemas.microsoft.com/office/drawing/2014/main" id="{BE75475D-A83B-8F05-DE9E-30E08FEEAE08}"/>
               </a:ext>
             </a:extLst>
           </p:cNvPr>
@@ -14622,7 +14593,7 @@
           <p:cNvPr id="58" name="灯片编号占位符 57">
             <a:extLst>
               <a:ext uri="{FF2B5EF4-FFF2-40B4-BE49-F238E27FC236}">
-                <a16:creationId xmlns:a16="http://schemas.microsoft.com/office/drawing/2014/main" id="{1BA4DA39-31A2-CF00-B2AE-F2CCA12D3EF6}"/>
+                <a16:creationId xmlns:a16="http://schemas.microsoft.com/office/drawing/2014/main" id="{1D36AC1B-B5F8-B2E5-0522-1D734BC06AA5}"/>
               </a:ext>
             </a:extLst>
           </p:cNvPr>
@@ -14715,7 +14686,7 @@
           <p:cNvPr id="7" name="文本框 20">
             <a:extLst>
               <a:ext uri="{FF2B5EF4-FFF2-40B4-BE49-F238E27FC236}">
-                <a16:creationId xmlns:a16="http://schemas.microsoft.com/office/drawing/2014/main" id="{573CCB3A-EE98-8552-94FA-05C123C35191}"/>
+                <a16:creationId xmlns:a16="http://schemas.microsoft.com/office/drawing/2014/main" id="{99F47181-0D76-A96B-1298-6581043BD304}"/>
               </a:ext>
             </a:extLst>
           </p:cNvPr>
@@ -14724,8 +14695,8 @@
         </p:nvSpPr>
         <p:spPr>
           <a:xfrm>
-            <a:off x="337820" y="163962"/>
-            <a:ext cx="6869455" cy="707886"/>
+            <a:off x="345219" y="136525"/>
+            <a:ext cx="9636981" cy="707886"/>
           </a:xfrm>
           <a:prstGeom prst="rect">
             <a:avLst/>
@@ -14770,20 +14741,88 @@
                 <a:ea typeface="Cambria" panose="02040503050406030204" pitchFamily="18" charset="0"/>
                 <a:cs typeface="+mn-cs"/>
               </a:rPr>
-              <a:t>ADC Waveform </a:t>
+              <a:t>Flash ADC Update</a:t>
             </a:r>
+          </a:p>
+        </p:txBody>
+      </p:sp>
+      <p:pic>
+        <p:nvPicPr>
+          <p:cNvPr id="3" name="Picture 2">
+            <a:extLst>
+              <a:ext uri="{FF2B5EF4-FFF2-40B4-BE49-F238E27FC236}">
+                <a16:creationId xmlns:a16="http://schemas.microsoft.com/office/drawing/2014/main" id="{189A7F7F-236B-3047-88B6-2CE006D3FA9D}"/>
+              </a:ext>
+            </a:extLst>
+          </p:cNvPr>
+          <p:cNvPicPr>
+            <a:picLocks noChangeAspect="1"/>
+          </p:cNvPicPr>
+          <p:nvPr/>
+        </p:nvPicPr>
+        <p:blipFill>
+          <a:blip r:embed="rId4"/>
+          <a:stretch>
+            <a:fillRect/>
+          </a:stretch>
+        </p:blipFill>
+        <p:spPr>
+          <a:xfrm>
+            <a:off x="345219" y="2183621"/>
+            <a:ext cx="11663990" cy="2707159"/>
+          </a:xfrm>
+          <a:prstGeom prst="rect">
+            <a:avLst/>
+          </a:prstGeom>
+        </p:spPr>
+      </p:pic>
+      <p:sp>
+        <p:nvSpPr>
+          <p:cNvPr id="6" name="文本框 20">
+            <a:extLst>
+              <a:ext uri="{FF2B5EF4-FFF2-40B4-BE49-F238E27FC236}">
+                <a16:creationId xmlns:a16="http://schemas.microsoft.com/office/drawing/2014/main" id="{9CB9534E-FC4D-7E9F-E369-724DDC1620FF}"/>
+              </a:ext>
+            </a:extLst>
+          </p:cNvPr>
+          <p:cNvSpPr txBox="1"/>
+          <p:nvPr/>
+        </p:nvSpPr>
+        <p:spPr>
+          <a:xfrm>
+            <a:off x="345218" y="766892"/>
+            <a:ext cx="10562267" cy="1200329"/>
+          </a:xfrm>
+          <a:prstGeom prst="rect">
+            <a:avLst/>
+          </a:prstGeom>
+          <a:noFill/>
+        </p:spPr>
+        <p:txBody>
+          <a:bodyPr wrap="square" rtlCol="0">
+            <a:spAutoFit/>
+          </a:bodyPr>
+          <a:lstStyle/>
+          <a:p>
+            <a:pPr marL="0" marR="0" lvl="0" indent="0" algn="l" defTabSz="457200" rtl="0" eaLnBrk="1" fontAlgn="auto" latinLnBrk="0" hangingPunct="1">
+              <a:lnSpc>
+                <a:spcPct val="100000"/>
+              </a:lnSpc>
+              <a:spcBef>
+                <a:spcPts val="0"/>
+              </a:spcBef>
+              <a:spcAft>
+                <a:spcPts val="0"/>
+              </a:spcAft>
+              <a:buClrTx/>
+              <a:buSzTx/>
+              <a:buFontTx/>
+              <a:buNone/>
+              <a:tabLst/>
+              <a:defRPr/>
+            </a:pPr>
             <a:r>
-              <a:rPr lang="en-US" altLang="zh-CN" sz="4000" b="1" dirty="0">
-                <a:solidFill>
-                  <a:srgbClr val="001A57"/>
-                </a:solidFill>
-                <a:latin typeface="Calibri" panose="020F0502020204030204"/>
-                <a:ea typeface="Cambria" panose="02040503050406030204" pitchFamily="18" charset="0"/>
-              </a:rPr>
-              <a:t>T</a:t>
-            </a:r>
-            <a:r>
-              <a:rPr kumimoji="0" lang="en-US" altLang="zh-CN" sz="4000" b="1" i="0" u="none" strike="noStrike" kern="1200" cap="none" spc="0" normalizeH="0" baseline="0" noProof="0" dirty="0" err="1">
+              <a:rPr kumimoji="0" lang="en-US" altLang="zh-CN" sz="3600" b="0" i="0" u="none" strike="noStrike" kern="1200" cap="none" spc="0" normalizeH="0" baseline="0" noProof="0" dirty="0" err="1">
                 <a:ln>
                   <a:noFill/>
                 </a:ln>
@@ -14797,10 +14836,10 @@
                 <a:ea typeface="Cambria" panose="02040503050406030204" pitchFamily="18" charset="0"/>
                 <a:cs typeface="+mn-cs"/>
               </a:rPr>
-              <a:t>esting</a:t>
+              <a:t>Vbias</a:t>
             </a:r>
             <a:r>
-              <a:rPr kumimoji="0" lang="en-US" altLang="zh-CN" sz="4000" b="1" i="0" u="none" strike="noStrike" kern="1200" cap="none" spc="0" normalizeH="0" baseline="0" noProof="0" dirty="0">
+              <a:rPr kumimoji="0" lang="en-US" altLang="zh-CN" sz="3600" b="0" i="0" u="none" strike="noStrike" kern="1200" cap="none" spc="0" normalizeH="0" baseline="0" noProof="0" dirty="0">
                 <a:ln>
                   <a:noFill/>
                 </a:ln>
@@ -14814,98 +14853,9 @@
                 <a:ea typeface="Cambria" panose="02040503050406030204" pitchFamily="18" charset="0"/>
                 <a:cs typeface="+mn-cs"/>
               </a:rPr>
-              <a:t>  </a:t>
+              <a:t> of comparator: 800mV </a:t>
             </a:r>
           </a:p>
-        </p:txBody>
-      </p:sp>
-      <p:pic>
-        <p:nvPicPr>
-          <p:cNvPr id="6" name="Picture 5">
-            <a:extLst>
-              <a:ext uri="{FF2B5EF4-FFF2-40B4-BE49-F238E27FC236}">
-                <a16:creationId xmlns:a16="http://schemas.microsoft.com/office/drawing/2014/main" id="{264DE573-084C-35B5-BD0C-12D65CA23EFF}"/>
-              </a:ext>
-            </a:extLst>
-          </p:cNvPr>
-          <p:cNvPicPr>
-            <a:picLocks noChangeAspect="1"/>
-          </p:cNvPicPr>
-          <p:nvPr/>
-        </p:nvPicPr>
-        <p:blipFill>
-          <a:blip r:embed="rId4"/>
-          <a:stretch>
-            <a:fillRect/>
-          </a:stretch>
-        </p:blipFill>
-        <p:spPr>
-          <a:xfrm>
-            <a:off x="550528" y="1565882"/>
-            <a:ext cx="9144067" cy="2381267"/>
-          </a:xfrm>
-          <a:prstGeom prst="rect">
-            <a:avLst/>
-          </a:prstGeom>
-        </p:spPr>
-      </p:pic>
-      <p:pic>
-        <p:nvPicPr>
-          <p:cNvPr id="9" name="Picture 8">
-            <a:extLst>
-              <a:ext uri="{FF2B5EF4-FFF2-40B4-BE49-F238E27FC236}">
-                <a16:creationId xmlns:a16="http://schemas.microsoft.com/office/drawing/2014/main" id="{145E0D42-2AEE-75FF-16D3-5013BA10B021}"/>
-              </a:ext>
-            </a:extLst>
-          </p:cNvPr>
-          <p:cNvPicPr>
-            <a:picLocks noChangeAspect="1"/>
-          </p:cNvPicPr>
-          <p:nvPr/>
-        </p:nvPicPr>
-        <p:blipFill>
-          <a:blip r:embed="rId5"/>
-          <a:stretch>
-            <a:fillRect/>
-          </a:stretch>
-        </p:blipFill>
-        <p:spPr>
-          <a:xfrm>
-            <a:off x="337820" y="4472270"/>
-            <a:ext cx="11518900" cy="1648153"/>
-          </a:xfrm>
-          <a:prstGeom prst="rect">
-            <a:avLst/>
-          </a:prstGeom>
-        </p:spPr>
-      </p:pic>
-      <p:sp>
-        <p:nvSpPr>
-          <p:cNvPr id="11" name="文本框 20">
-            <a:extLst>
-              <a:ext uri="{FF2B5EF4-FFF2-40B4-BE49-F238E27FC236}">
-                <a16:creationId xmlns:a16="http://schemas.microsoft.com/office/drawing/2014/main" id="{3E568A60-8573-C3DB-E9BD-B50AC40F21C5}"/>
-              </a:ext>
-            </a:extLst>
-          </p:cNvPr>
-          <p:cNvSpPr txBox="1"/>
-          <p:nvPr/>
-        </p:nvSpPr>
-        <p:spPr>
-          <a:xfrm>
-            <a:off x="550528" y="1020434"/>
-            <a:ext cx="3132076" cy="523220"/>
-          </a:xfrm>
-          <a:prstGeom prst="rect">
-            <a:avLst/>
-          </a:prstGeom>
-          <a:noFill/>
-        </p:spPr>
-        <p:txBody>
-          <a:bodyPr wrap="square" rtlCol="0">
-            <a:spAutoFit/>
-          </a:bodyPr>
-          <a:lstStyle/>
           <a:p>
             <a:pPr marL="0" marR="0" lvl="0" indent="0" algn="l" defTabSz="457200" rtl="0" eaLnBrk="1" fontAlgn="auto" latinLnBrk="0" hangingPunct="1">
               <a:lnSpc>
@@ -14925,79 +14875,7 @@
               <a:defRPr/>
             </a:pPr>
             <a:r>
-              <a:rPr lang="en-US" altLang="zh-CN" sz="2800" dirty="0">
-                <a:solidFill>
-                  <a:srgbClr val="001A57"/>
-                </a:solidFill>
-                <a:latin typeface="Calibri" panose="020F0502020204030204"/>
-                <a:ea typeface="Cambria" panose="02040503050406030204" pitchFamily="18" charset="0"/>
-              </a:rPr>
-              <a:t>3bit output </a:t>
-            </a:r>
-            <a:endParaRPr kumimoji="0" lang="en-US" altLang="zh-CN" sz="2800" i="0" u="none" strike="noStrike" kern="1200" cap="none" spc="0" normalizeH="0" baseline="0" noProof="0" dirty="0">
-              <a:ln>
-                <a:noFill/>
-              </a:ln>
-              <a:solidFill>
-                <a:srgbClr val="001A57"/>
-              </a:solidFill>
-              <a:effectLst/>
-              <a:uLnTx/>
-              <a:uFillTx/>
-              <a:latin typeface="Calibri" panose="020F0502020204030204"/>
-              <a:ea typeface="Cambria" panose="02040503050406030204" pitchFamily="18" charset="0"/>
-              <a:cs typeface="+mn-cs"/>
-            </a:endParaRPr>
-          </a:p>
-        </p:txBody>
-      </p:sp>
-      <p:sp>
-        <p:nvSpPr>
-          <p:cNvPr id="12" name="文本框 20">
-            <a:extLst>
-              <a:ext uri="{FF2B5EF4-FFF2-40B4-BE49-F238E27FC236}">
-                <a16:creationId xmlns:a16="http://schemas.microsoft.com/office/drawing/2014/main" id="{513D5C83-E767-FFA3-0526-65193D702225}"/>
-              </a:ext>
-            </a:extLst>
-          </p:cNvPr>
-          <p:cNvSpPr txBox="1"/>
-          <p:nvPr/>
-        </p:nvSpPr>
-        <p:spPr>
-          <a:xfrm>
-            <a:off x="337820" y="3974733"/>
-            <a:ext cx="9569484" cy="523220"/>
-          </a:xfrm>
-          <a:prstGeom prst="rect">
-            <a:avLst/>
-          </a:prstGeom>
-          <a:noFill/>
-        </p:spPr>
-        <p:txBody>
-          <a:bodyPr wrap="square" rtlCol="0">
-            <a:spAutoFit/>
-          </a:bodyPr>
-          <a:lstStyle/>
-          <a:p>
-            <a:pPr marL="0" marR="0" lvl="0" indent="0" algn="l" defTabSz="457200" rtl="0" eaLnBrk="1" fontAlgn="auto" latinLnBrk="0" hangingPunct="1">
-              <a:lnSpc>
-                <a:spcPct val="100000"/>
-              </a:lnSpc>
-              <a:spcBef>
-                <a:spcPts val="0"/>
-              </a:spcBef>
-              <a:spcAft>
-                <a:spcPts val="0"/>
-              </a:spcAft>
-              <a:buClrTx/>
-              <a:buSzTx/>
-              <a:buFontTx/>
-              <a:buNone/>
-              <a:tabLst/>
-              <a:defRPr/>
-            </a:pPr>
-            <a:r>
-              <a:rPr kumimoji="0" lang="en-US" altLang="zh-CN" sz="2800" i="0" u="none" strike="noStrike" kern="1200" cap="none" spc="0" normalizeH="0" baseline="0" noProof="0" dirty="0">
+              <a:rPr kumimoji="0" lang="en-US" altLang="zh-CN" sz="3600" b="0" i="0" u="none" strike="noStrike" kern="1200" cap="none" spc="0" normalizeH="0" baseline="0" noProof="0" dirty="0">
                 <a:ln>
                   <a:noFill/>
                 </a:ln>
@@ -15011,39 +14889,15 @@
                 <a:ea typeface="Cambria" panose="02040503050406030204" pitchFamily="18" charset="0"/>
                 <a:cs typeface="+mn-cs"/>
               </a:rPr>
-              <a:t>Sin</a:t>
+              <a:t>Vin (sine wave): DC = 400mV; AC amplitude = 400mV </a:t>
             </a:r>
-            <a:r>
-              <a:rPr lang="en-US" altLang="zh-CN" sz="2800" dirty="0">
-                <a:solidFill>
-                  <a:srgbClr val="001A57"/>
-                </a:solidFill>
-                <a:latin typeface="Calibri" panose="020F0502020204030204"/>
-                <a:ea typeface="Cambria" panose="02040503050406030204" pitchFamily="18" charset="0"/>
-              </a:rPr>
-              <a:t>e wave input and digital output (oct)</a:t>
-            </a:r>
-            <a:endParaRPr kumimoji="0" lang="en-US" altLang="zh-CN" sz="2800" i="0" u="none" strike="noStrike" kern="1200" cap="none" spc="0" normalizeH="0" baseline="0" noProof="0" dirty="0">
-              <a:ln>
-                <a:noFill/>
-              </a:ln>
-              <a:solidFill>
-                <a:srgbClr val="001A57"/>
-              </a:solidFill>
-              <a:effectLst/>
-              <a:uLnTx/>
-              <a:uFillTx/>
-              <a:latin typeface="Calibri" panose="020F0502020204030204"/>
-              <a:ea typeface="Cambria" panose="02040503050406030204" pitchFamily="18" charset="0"/>
-              <a:cs typeface="+mn-cs"/>
-            </a:endParaRPr>
           </a:p>
         </p:txBody>
       </p:sp>
     </p:spTree>
     <p:extLst>
       <p:ext uri="{BB962C8B-B14F-4D97-AF65-F5344CB8AC3E}">
-        <p14:creationId xmlns:p14="http://schemas.microsoft.com/office/powerpoint/2010/main" val="1785034602"/>
+        <p14:creationId xmlns:p14="http://schemas.microsoft.com/office/powerpoint/2010/main" val="2634176090"/>
       </p:ext>
     </p:extLst>
   </p:cSld>
@@ -15061,7 +14915,7 @@
         <p:cNvPr id="1" name="">
           <a:extLst>
             <a:ext uri="{FF2B5EF4-FFF2-40B4-BE49-F238E27FC236}">
-              <a16:creationId xmlns:a16="http://schemas.microsoft.com/office/drawing/2014/main" id="{31CC4B5D-D3FF-F645-0939-0366FAA1243D}"/>
+              <a16:creationId xmlns:a16="http://schemas.microsoft.com/office/drawing/2014/main" id="{8355D902-C85C-D30C-3F91-2F98D3CE51A7}"/>
             </a:ext>
           </a:extLst>
         </p:cNvPr>
@@ -15081,7 +14935,7 @@
           <p:cNvPr id="4" name="图片 3">
             <a:extLst>
               <a:ext uri="{FF2B5EF4-FFF2-40B4-BE49-F238E27FC236}">
-                <a16:creationId xmlns:a16="http://schemas.microsoft.com/office/drawing/2014/main" id="{E72D07CC-4156-E2F2-B5DA-7AE3F6D83061}"/>
+                <a16:creationId xmlns:a16="http://schemas.microsoft.com/office/drawing/2014/main" id="{90F4D52F-5FEE-3E1A-A5AD-0CE7242EC33A}"/>
               </a:ext>
             </a:extLst>
           </p:cNvPr>
@@ -15111,7 +14965,7 @@
           <p:cNvPr id="5" name="矩形 4">
             <a:extLst>
               <a:ext uri="{FF2B5EF4-FFF2-40B4-BE49-F238E27FC236}">
-                <a16:creationId xmlns:a16="http://schemas.microsoft.com/office/drawing/2014/main" id="{BE75475D-A83B-8F05-DE9E-30E08FEEAE08}"/>
+                <a16:creationId xmlns:a16="http://schemas.microsoft.com/office/drawing/2014/main" id="{6DA00E10-98FC-3041-1022-E81FA70CCA1F}"/>
               </a:ext>
             </a:extLst>
           </p:cNvPr>
@@ -15189,7 +15043,7 @@
           <p:cNvPr id="58" name="灯片编号占位符 57">
             <a:extLst>
               <a:ext uri="{FF2B5EF4-FFF2-40B4-BE49-F238E27FC236}">
-                <a16:creationId xmlns:a16="http://schemas.microsoft.com/office/drawing/2014/main" id="{1D36AC1B-B5F8-B2E5-0522-1D734BC06AA5}"/>
+                <a16:creationId xmlns:a16="http://schemas.microsoft.com/office/drawing/2014/main" id="{EB87D9F0-D68A-E38E-8D28-76EF556DE1F0}"/>
               </a:ext>
             </a:extLst>
           </p:cNvPr>
@@ -15282,7 +15136,7 @@
           <p:cNvPr id="7" name="文本框 20">
             <a:extLst>
               <a:ext uri="{FF2B5EF4-FFF2-40B4-BE49-F238E27FC236}">
-                <a16:creationId xmlns:a16="http://schemas.microsoft.com/office/drawing/2014/main" id="{99F47181-0D76-A96B-1298-6581043BD304}"/>
+                <a16:creationId xmlns:a16="http://schemas.microsoft.com/office/drawing/2014/main" id="{AE55BFCA-F033-5B6F-4F9E-F66CAB2DC22D}"/>
               </a:ext>
             </a:extLst>
           </p:cNvPr>
@@ -15342,42 +15196,12 @@
           </a:p>
         </p:txBody>
       </p:sp>
-      <p:pic>
-        <p:nvPicPr>
-          <p:cNvPr id="3" name="Picture 2">
-            <a:extLst>
-              <a:ext uri="{FF2B5EF4-FFF2-40B4-BE49-F238E27FC236}">
-                <a16:creationId xmlns:a16="http://schemas.microsoft.com/office/drawing/2014/main" id="{189A7F7F-236B-3047-88B6-2CE006D3FA9D}"/>
-              </a:ext>
-            </a:extLst>
-          </p:cNvPr>
-          <p:cNvPicPr>
-            <a:picLocks noChangeAspect="1"/>
-          </p:cNvPicPr>
-          <p:nvPr/>
-        </p:nvPicPr>
-        <p:blipFill>
-          <a:blip r:embed="rId4"/>
-          <a:stretch>
-            <a:fillRect/>
-          </a:stretch>
-        </p:blipFill>
-        <p:spPr>
-          <a:xfrm>
-            <a:off x="345219" y="2183621"/>
-            <a:ext cx="11663990" cy="2707159"/>
-          </a:xfrm>
-          <a:prstGeom prst="rect">
-            <a:avLst/>
-          </a:prstGeom>
-        </p:spPr>
-      </p:pic>
       <p:sp>
         <p:nvSpPr>
           <p:cNvPr id="6" name="文本框 20">
             <a:extLst>
               <a:ext uri="{FF2B5EF4-FFF2-40B4-BE49-F238E27FC236}">
-                <a16:creationId xmlns:a16="http://schemas.microsoft.com/office/drawing/2014/main" id="{9CB9534E-FC4D-7E9F-E369-724DDC1620FF}"/>
+                <a16:creationId xmlns:a16="http://schemas.microsoft.com/office/drawing/2014/main" id="{935BD33A-EB0A-0AA1-7916-537B974A52A8}"/>
               </a:ext>
             </a:extLst>
           </p:cNvPr>
@@ -15449,7 +15273,7 @@
                 <a:ea typeface="Cambria" panose="02040503050406030204" pitchFamily="18" charset="0"/>
                 <a:cs typeface="+mn-cs"/>
               </a:rPr>
-              <a:t> of comparator: 800mV </a:t>
+              <a:t> of comparator array: 800mV </a:t>
             </a:r>
           </a:p>
           <a:p>
@@ -15490,10 +15314,40 @@
           </a:p>
         </p:txBody>
       </p:sp>
+      <p:pic>
+        <p:nvPicPr>
+          <p:cNvPr id="8" name="Picture 7">
+            <a:extLst>
+              <a:ext uri="{FF2B5EF4-FFF2-40B4-BE49-F238E27FC236}">
+                <a16:creationId xmlns:a16="http://schemas.microsoft.com/office/drawing/2014/main" id="{02551946-B9E9-CF80-6B46-A6E286D53909}"/>
+              </a:ext>
+            </a:extLst>
+          </p:cNvPr>
+          <p:cNvPicPr>
+            <a:picLocks noChangeAspect="1"/>
+          </p:cNvPicPr>
+          <p:nvPr/>
+        </p:nvPicPr>
+        <p:blipFill>
+          <a:blip r:embed="rId4"/>
+          <a:stretch>
+            <a:fillRect/>
+          </a:stretch>
+        </p:blipFill>
+        <p:spPr>
+          <a:xfrm>
+            <a:off x="345218" y="2051546"/>
+            <a:ext cx="9781306" cy="4243661"/>
+          </a:xfrm>
+          <a:prstGeom prst="rect">
+            <a:avLst/>
+          </a:prstGeom>
+        </p:spPr>
+      </p:pic>
     </p:spTree>
     <p:extLst>
       <p:ext uri="{BB962C8B-B14F-4D97-AF65-F5344CB8AC3E}">
-        <p14:creationId xmlns:p14="http://schemas.microsoft.com/office/powerpoint/2010/main" val="2634176090"/>
+        <p14:creationId xmlns:p14="http://schemas.microsoft.com/office/powerpoint/2010/main" val="1008787363"/>
       </p:ext>
     </p:extLst>
   </p:cSld>
@@ -15511,7 +15365,7 @@
         <p:cNvPr id="1" name="">
           <a:extLst>
             <a:ext uri="{FF2B5EF4-FFF2-40B4-BE49-F238E27FC236}">
-              <a16:creationId xmlns:a16="http://schemas.microsoft.com/office/drawing/2014/main" id="{8355D902-C85C-D30C-3F91-2F98D3CE51A7}"/>
+              <a16:creationId xmlns:a16="http://schemas.microsoft.com/office/drawing/2014/main" id="{086206E1-F2E5-9CB5-9BB6-5D2AACA48CCE}"/>
             </a:ext>
           </a:extLst>
         </p:cNvPr>
@@ -15531,7 +15385,7 @@
           <p:cNvPr id="4" name="图片 3">
             <a:extLst>
               <a:ext uri="{FF2B5EF4-FFF2-40B4-BE49-F238E27FC236}">
-                <a16:creationId xmlns:a16="http://schemas.microsoft.com/office/drawing/2014/main" id="{90F4D52F-5FEE-3E1A-A5AD-0CE7242EC33A}"/>
+                <a16:creationId xmlns:a16="http://schemas.microsoft.com/office/drawing/2014/main" id="{377E9F56-3C9B-46A8-8389-A12B96E3CB1A}"/>
               </a:ext>
             </a:extLst>
           </p:cNvPr>
@@ -15561,7 +15415,7 @@
           <p:cNvPr id="5" name="矩形 4">
             <a:extLst>
               <a:ext uri="{FF2B5EF4-FFF2-40B4-BE49-F238E27FC236}">
-                <a16:creationId xmlns:a16="http://schemas.microsoft.com/office/drawing/2014/main" id="{6DA00E10-98FC-3041-1022-E81FA70CCA1F}"/>
+                <a16:creationId xmlns:a16="http://schemas.microsoft.com/office/drawing/2014/main" id="{1CFAF988-89EC-7266-BEC2-18930948E841}"/>
               </a:ext>
             </a:extLst>
           </p:cNvPr>
@@ -15639,7 +15493,7 @@
           <p:cNvPr id="58" name="灯片编号占位符 57">
             <a:extLst>
               <a:ext uri="{FF2B5EF4-FFF2-40B4-BE49-F238E27FC236}">
-                <a16:creationId xmlns:a16="http://schemas.microsoft.com/office/drawing/2014/main" id="{EB87D9F0-D68A-E38E-8D28-76EF556DE1F0}"/>
+                <a16:creationId xmlns:a16="http://schemas.microsoft.com/office/drawing/2014/main" id="{640C8F3D-7C56-587F-1282-40E11254D930}"/>
               </a:ext>
             </a:extLst>
           </p:cNvPr>
@@ -15732,7 +15586,7 @@
           <p:cNvPr id="7" name="文本框 20">
             <a:extLst>
               <a:ext uri="{FF2B5EF4-FFF2-40B4-BE49-F238E27FC236}">
-                <a16:creationId xmlns:a16="http://schemas.microsoft.com/office/drawing/2014/main" id="{AE55BFCA-F033-5B6F-4F9E-F66CAB2DC22D}"/>
+                <a16:creationId xmlns:a16="http://schemas.microsoft.com/office/drawing/2014/main" id="{9785DB80-12FA-7BFA-D3F4-01A7115EA6B1}"/>
               </a:ext>
             </a:extLst>
           </p:cNvPr>
@@ -15797,7 +15651,7 @@
           <p:cNvPr id="6" name="文本框 20">
             <a:extLst>
               <a:ext uri="{FF2B5EF4-FFF2-40B4-BE49-F238E27FC236}">
-                <a16:creationId xmlns:a16="http://schemas.microsoft.com/office/drawing/2014/main" id="{935BD33A-EB0A-0AA1-7916-537B974A52A8}"/>
+                <a16:creationId xmlns:a16="http://schemas.microsoft.com/office/drawing/2014/main" id="{0F84F0A8-1030-7161-1C62-525258C619E1}"/>
               </a:ext>
             </a:extLst>
           </p:cNvPr>
@@ -15806,8 +15660,8 @@
         </p:nvSpPr>
         <p:spPr>
           <a:xfrm>
-            <a:off x="345218" y="766892"/>
-            <a:ext cx="10562267" cy="1200329"/>
+            <a:off x="403275" y="713786"/>
+            <a:ext cx="10562267" cy="646331"/>
           </a:xfrm>
           <a:prstGeom prst="rect">
             <a:avLst/>
@@ -15819,59 +15673,6 @@
             <a:spAutoFit/>
           </a:bodyPr>
           <a:lstStyle/>
-          <a:p>
-            <a:pPr marL="0" marR="0" lvl="0" indent="0" algn="l" defTabSz="457200" rtl="0" eaLnBrk="1" fontAlgn="auto" latinLnBrk="0" hangingPunct="1">
-              <a:lnSpc>
-                <a:spcPct val="100000"/>
-              </a:lnSpc>
-              <a:spcBef>
-                <a:spcPts val="0"/>
-              </a:spcBef>
-              <a:spcAft>
-                <a:spcPts val="0"/>
-              </a:spcAft>
-              <a:buClrTx/>
-              <a:buSzTx/>
-              <a:buFontTx/>
-              <a:buNone/>
-              <a:tabLst/>
-              <a:defRPr/>
-            </a:pPr>
-            <a:r>
-              <a:rPr kumimoji="0" lang="en-US" altLang="zh-CN" sz="3600" b="0" i="0" u="none" strike="noStrike" kern="1200" cap="none" spc="0" normalizeH="0" baseline="0" noProof="0" dirty="0" err="1">
-                <a:ln>
-                  <a:noFill/>
-                </a:ln>
-                <a:solidFill>
-                  <a:srgbClr val="001A57"/>
-                </a:solidFill>
-                <a:effectLst/>
-                <a:uLnTx/>
-                <a:uFillTx/>
-                <a:latin typeface="Calibri" panose="020F0502020204030204"/>
-                <a:ea typeface="Cambria" panose="02040503050406030204" pitchFamily="18" charset="0"/>
-                <a:cs typeface="+mn-cs"/>
-              </a:rPr>
-              <a:t>Vbias</a:t>
-            </a:r>
-            <a:r>
-              <a:rPr kumimoji="0" lang="en-US" altLang="zh-CN" sz="3600" b="0" i="0" u="none" strike="noStrike" kern="1200" cap="none" spc="0" normalizeH="0" baseline="0" noProof="0" dirty="0">
-                <a:ln>
-                  <a:noFill/>
-                </a:ln>
-                <a:solidFill>
-                  <a:srgbClr val="001A57"/>
-                </a:solidFill>
-                <a:effectLst/>
-                <a:uLnTx/>
-                <a:uFillTx/>
-                <a:latin typeface="Calibri" panose="020F0502020204030204"/>
-                <a:ea typeface="Cambria" panose="02040503050406030204" pitchFamily="18" charset="0"/>
-                <a:cs typeface="+mn-cs"/>
-              </a:rPr>
-              <a:t> of comparator: 800mV </a:t>
-            </a:r>
-          </a:p>
           <a:p>
             <a:pPr marL="0" marR="0" lvl="0" indent="0" algn="l" defTabSz="457200" rtl="0" eaLnBrk="1" fontAlgn="auto" latinLnBrk="0" hangingPunct="1">
               <a:lnSpc>
@@ -15905,17 +15706,17 @@
                 <a:ea typeface="Cambria" panose="02040503050406030204" pitchFamily="18" charset="0"/>
                 <a:cs typeface="+mn-cs"/>
               </a:rPr>
-              <a:t>Vin (sine wave): DC = 400mV; AC amplitude = 400mV </a:t>
+              <a:t>Vin (sine wave): 1kHz </a:t>
             </a:r>
           </a:p>
         </p:txBody>
       </p:sp>
       <p:pic>
         <p:nvPicPr>
-          <p:cNvPr id="8" name="Picture 7">
-            <a:extLst>
-              <a:ext uri="{FF2B5EF4-FFF2-40B4-BE49-F238E27FC236}">
-                <a16:creationId xmlns:a16="http://schemas.microsoft.com/office/drawing/2014/main" id="{02551946-B9E9-CF80-6B46-A6E286D53909}"/>
+          <p:cNvPr id="3" name="Picture 2">
+            <a:extLst>
+              <a:ext uri="{FF2B5EF4-FFF2-40B4-BE49-F238E27FC236}">
+                <a16:creationId xmlns:a16="http://schemas.microsoft.com/office/drawing/2014/main" id="{2EAEE024-D873-D5AB-AA0B-3689379401DF}"/>
               </a:ext>
             </a:extLst>
           </p:cNvPr>
@@ -15932,8 +15733,38 @@
         </p:blipFill>
         <p:spPr>
           <a:xfrm>
-            <a:off x="345218" y="2051546"/>
-            <a:ext cx="9781306" cy="4243661"/>
+            <a:off x="254000" y="1318321"/>
+            <a:ext cx="9144067" cy="4148168"/>
+          </a:xfrm>
+          <a:prstGeom prst="rect">
+            <a:avLst/>
+          </a:prstGeom>
+        </p:spPr>
+      </p:pic>
+      <p:pic>
+        <p:nvPicPr>
+          <p:cNvPr id="12" name="Picture 11">
+            <a:extLst>
+              <a:ext uri="{FF2B5EF4-FFF2-40B4-BE49-F238E27FC236}">
+                <a16:creationId xmlns:a16="http://schemas.microsoft.com/office/drawing/2014/main" id="{42D55BD0-9278-56DD-4B96-248C4E1A5A1E}"/>
+              </a:ext>
+            </a:extLst>
+          </p:cNvPr>
+          <p:cNvPicPr>
+            <a:picLocks noChangeAspect="1"/>
+          </p:cNvPicPr>
+          <p:nvPr/>
+        </p:nvPicPr>
+        <p:blipFill>
+          <a:blip r:embed="rId5"/>
+          <a:stretch>
+            <a:fillRect/>
+          </a:stretch>
+        </p:blipFill>
+        <p:spPr>
+          <a:xfrm>
+            <a:off x="254000" y="5522839"/>
+            <a:ext cx="10101672" cy="1185004"/>
           </a:xfrm>
           <a:prstGeom prst="rect">
             <a:avLst/>
@@ -15943,7 +15774,7 @@
     </p:spTree>
     <p:extLst>
       <p:ext uri="{BB962C8B-B14F-4D97-AF65-F5344CB8AC3E}">
-        <p14:creationId xmlns:p14="http://schemas.microsoft.com/office/powerpoint/2010/main" val="1008787363"/>
+        <p14:creationId xmlns:p14="http://schemas.microsoft.com/office/powerpoint/2010/main" val="876304096"/>
       </p:ext>
     </p:extLst>
   </p:cSld>
@@ -15961,7 +15792,7 @@
         <p:cNvPr id="1" name="">
           <a:extLst>
             <a:ext uri="{FF2B5EF4-FFF2-40B4-BE49-F238E27FC236}">
-              <a16:creationId xmlns:a16="http://schemas.microsoft.com/office/drawing/2014/main" id="{086206E1-F2E5-9CB5-9BB6-5D2AACA48CCE}"/>
+              <a16:creationId xmlns:a16="http://schemas.microsoft.com/office/drawing/2014/main" id="{80F075B6-312F-EFCF-503A-4B928A91AD10}"/>
             </a:ext>
           </a:extLst>
         </p:cNvPr>
@@ -15981,7 +15812,7 @@
           <p:cNvPr id="4" name="图片 3">
             <a:extLst>
               <a:ext uri="{FF2B5EF4-FFF2-40B4-BE49-F238E27FC236}">
-                <a16:creationId xmlns:a16="http://schemas.microsoft.com/office/drawing/2014/main" id="{377E9F56-3C9B-46A8-8389-A12B96E3CB1A}"/>
+                <a16:creationId xmlns:a16="http://schemas.microsoft.com/office/drawing/2014/main" id="{1F78AAD2-E64B-0AF1-D0C4-E6055D9D5743}"/>
               </a:ext>
             </a:extLst>
           </p:cNvPr>
@@ -16011,7 +15842,7 @@
           <p:cNvPr id="5" name="矩形 4">
             <a:extLst>
               <a:ext uri="{FF2B5EF4-FFF2-40B4-BE49-F238E27FC236}">
-                <a16:creationId xmlns:a16="http://schemas.microsoft.com/office/drawing/2014/main" id="{1CFAF988-89EC-7266-BEC2-18930948E841}"/>
+                <a16:creationId xmlns:a16="http://schemas.microsoft.com/office/drawing/2014/main" id="{990805EC-853F-C9EE-2513-9916EF48A0A0}"/>
               </a:ext>
             </a:extLst>
           </p:cNvPr>
@@ -16089,7 +15920,7 @@
           <p:cNvPr id="58" name="灯片编号占位符 57">
             <a:extLst>
               <a:ext uri="{FF2B5EF4-FFF2-40B4-BE49-F238E27FC236}">
-                <a16:creationId xmlns:a16="http://schemas.microsoft.com/office/drawing/2014/main" id="{640C8F3D-7C56-587F-1282-40E11254D930}"/>
+                <a16:creationId xmlns:a16="http://schemas.microsoft.com/office/drawing/2014/main" id="{4915E1C7-44FB-C26D-A5D3-4D6B667F7CC9}"/>
               </a:ext>
             </a:extLst>
           </p:cNvPr>
@@ -16182,7 +16013,7 @@
           <p:cNvPr id="7" name="文本框 20">
             <a:extLst>
               <a:ext uri="{FF2B5EF4-FFF2-40B4-BE49-F238E27FC236}">
-                <a16:creationId xmlns:a16="http://schemas.microsoft.com/office/drawing/2014/main" id="{9785DB80-12FA-7BFA-D3F4-01A7115EA6B1}"/>
+                <a16:creationId xmlns:a16="http://schemas.microsoft.com/office/drawing/2014/main" id="{E518A1DA-1D2E-034A-8DB0-DFA671A5B1E0}"/>
               </a:ext>
             </a:extLst>
           </p:cNvPr>
@@ -16247,7 +16078,7 @@
           <p:cNvPr id="6" name="文本框 20">
             <a:extLst>
               <a:ext uri="{FF2B5EF4-FFF2-40B4-BE49-F238E27FC236}">
-                <a16:creationId xmlns:a16="http://schemas.microsoft.com/office/drawing/2014/main" id="{0F84F0A8-1030-7161-1C62-525258C619E1}"/>
+                <a16:creationId xmlns:a16="http://schemas.microsoft.com/office/drawing/2014/main" id="{7BF45032-121E-AB1E-31A0-3B9C87D1E96F}"/>
               </a:ext>
             </a:extLst>
           </p:cNvPr>
@@ -16302,17 +16133,17 @@
                 <a:ea typeface="Cambria" panose="02040503050406030204" pitchFamily="18" charset="0"/>
                 <a:cs typeface="+mn-cs"/>
               </a:rPr>
-              <a:t>Vin (sine wave): 1kHz </a:t>
+              <a:t>Vin (sine wave): 100kHz </a:t>
             </a:r>
           </a:p>
         </p:txBody>
       </p:sp>
       <p:pic>
         <p:nvPicPr>
-          <p:cNvPr id="3" name="Picture 2">
-            <a:extLst>
-              <a:ext uri="{FF2B5EF4-FFF2-40B4-BE49-F238E27FC236}">
-                <a16:creationId xmlns:a16="http://schemas.microsoft.com/office/drawing/2014/main" id="{2EAEE024-D873-D5AB-AA0B-3689379401DF}"/>
+          <p:cNvPr id="8" name="Picture 7">
+            <a:extLst>
+              <a:ext uri="{FF2B5EF4-FFF2-40B4-BE49-F238E27FC236}">
+                <a16:creationId xmlns:a16="http://schemas.microsoft.com/office/drawing/2014/main" id="{E1B71EF6-B32C-B280-FAB6-8AACD53633BF}"/>
               </a:ext>
             </a:extLst>
           </p:cNvPr>
@@ -16329,8 +16160,8 @@
         </p:blipFill>
         <p:spPr>
           <a:xfrm>
-            <a:off x="254000" y="1318321"/>
-            <a:ext cx="9144067" cy="4148168"/>
+            <a:off x="403275" y="5414993"/>
+            <a:ext cx="11290450" cy="1293929"/>
           </a:xfrm>
           <a:prstGeom prst="rect">
             <a:avLst/>
@@ -16339,10 +16170,10 @@
       </p:pic>
       <p:pic>
         <p:nvPicPr>
-          <p:cNvPr id="12" name="Picture 11">
-            <a:extLst>
-              <a:ext uri="{FF2B5EF4-FFF2-40B4-BE49-F238E27FC236}">
-                <a16:creationId xmlns:a16="http://schemas.microsoft.com/office/drawing/2014/main" id="{42D55BD0-9278-56DD-4B96-248C4E1A5A1E}"/>
+          <p:cNvPr id="10" name="Picture 9">
+            <a:extLst>
+              <a:ext uri="{FF2B5EF4-FFF2-40B4-BE49-F238E27FC236}">
+                <a16:creationId xmlns:a16="http://schemas.microsoft.com/office/drawing/2014/main" id="{7E0230FA-233D-2332-F356-1DBA66F79963}"/>
               </a:ext>
             </a:extLst>
           </p:cNvPr>
@@ -16359,8 +16190,8 @@
         </p:blipFill>
         <p:spPr>
           <a:xfrm>
-            <a:off x="254000" y="5522839"/>
-            <a:ext cx="10101672" cy="1185004"/>
+            <a:off x="403275" y="1235458"/>
+            <a:ext cx="9144067" cy="4043392"/>
           </a:xfrm>
           <a:prstGeom prst="rect">
             <a:avLst/>
@@ -16370,7 +16201,7 @@
     </p:spTree>
     <p:extLst>
       <p:ext uri="{BB962C8B-B14F-4D97-AF65-F5344CB8AC3E}">
-        <p14:creationId xmlns:p14="http://schemas.microsoft.com/office/powerpoint/2010/main" val="876304096"/>
+        <p14:creationId xmlns:p14="http://schemas.microsoft.com/office/powerpoint/2010/main" val="3239821551"/>
       </p:ext>
     </p:extLst>
   </p:cSld>
@@ -16388,7 +16219,7 @@
         <p:cNvPr id="1" name="">
           <a:extLst>
             <a:ext uri="{FF2B5EF4-FFF2-40B4-BE49-F238E27FC236}">
-              <a16:creationId xmlns:a16="http://schemas.microsoft.com/office/drawing/2014/main" id="{80F075B6-312F-EFCF-503A-4B928A91AD10}"/>
+              <a16:creationId xmlns:a16="http://schemas.microsoft.com/office/drawing/2014/main" id="{6C6E524C-96A0-9249-AD7E-A3C0984B063E}"/>
             </a:ext>
           </a:extLst>
         </p:cNvPr>
@@ -16408,7 +16239,7 @@
           <p:cNvPr id="4" name="图片 3">
             <a:extLst>
               <a:ext uri="{FF2B5EF4-FFF2-40B4-BE49-F238E27FC236}">
-                <a16:creationId xmlns:a16="http://schemas.microsoft.com/office/drawing/2014/main" id="{1F78AAD2-E64B-0AF1-D0C4-E6055D9D5743}"/>
+                <a16:creationId xmlns:a16="http://schemas.microsoft.com/office/drawing/2014/main" id="{FC1C10C2-5115-8110-A95C-E3E5529066EF}"/>
               </a:ext>
             </a:extLst>
           </p:cNvPr>
@@ -16438,7 +16269,7 @@
           <p:cNvPr id="5" name="矩形 4">
             <a:extLst>
               <a:ext uri="{FF2B5EF4-FFF2-40B4-BE49-F238E27FC236}">
-                <a16:creationId xmlns:a16="http://schemas.microsoft.com/office/drawing/2014/main" id="{990805EC-853F-C9EE-2513-9916EF48A0A0}"/>
+                <a16:creationId xmlns:a16="http://schemas.microsoft.com/office/drawing/2014/main" id="{132F8631-5E05-1E2E-5DAB-8C83CEB20199}"/>
               </a:ext>
             </a:extLst>
           </p:cNvPr>
@@ -16516,7 +16347,7 @@
           <p:cNvPr id="58" name="灯片编号占位符 57">
             <a:extLst>
               <a:ext uri="{FF2B5EF4-FFF2-40B4-BE49-F238E27FC236}">
-                <a16:creationId xmlns:a16="http://schemas.microsoft.com/office/drawing/2014/main" id="{4915E1C7-44FB-C26D-A5D3-4D6B667F7CC9}"/>
+                <a16:creationId xmlns:a16="http://schemas.microsoft.com/office/drawing/2014/main" id="{F465AEE3-FD1B-E448-D970-7BDE245305D1}"/>
               </a:ext>
             </a:extLst>
           </p:cNvPr>
@@ -16609,7 +16440,7 @@
           <p:cNvPr id="7" name="文本框 20">
             <a:extLst>
               <a:ext uri="{FF2B5EF4-FFF2-40B4-BE49-F238E27FC236}">
-                <a16:creationId xmlns:a16="http://schemas.microsoft.com/office/drawing/2014/main" id="{E518A1DA-1D2E-034A-8DB0-DFA671A5B1E0}"/>
+                <a16:creationId xmlns:a16="http://schemas.microsoft.com/office/drawing/2014/main" id="{15C78D6D-6433-00EF-8A86-34CC5EA6B17D}"/>
               </a:ext>
             </a:extLst>
           </p:cNvPr>
@@ -16674,7 +16505,7 @@
           <p:cNvPr id="6" name="文本框 20">
             <a:extLst>
               <a:ext uri="{FF2B5EF4-FFF2-40B4-BE49-F238E27FC236}">
-                <a16:creationId xmlns:a16="http://schemas.microsoft.com/office/drawing/2014/main" id="{7BF45032-121E-AB1E-31A0-3B9C87D1E96F}"/>
+                <a16:creationId xmlns:a16="http://schemas.microsoft.com/office/drawing/2014/main" id="{6AC2288F-2A73-D99C-F716-D44718315D42}"/>
               </a:ext>
             </a:extLst>
           </p:cNvPr>
@@ -16729,17 +16560,17 @@
                 <a:ea typeface="Cambria" panose="02040503050406030204" pitchFamily="18" charset="0"/>
                 <a:cs typeface="+mn-cs"/>
               </a:rPr>
-              <a:t>Vin (sine wave): 100kHz </a:t>
+              <a:t>Vin (sine wave): 1MHz </a:t>
             </a:r>
           </a:p>
         </p:txBody>
       </p:sp>
       <p:pic>
         <p:nvPicPr>
-          <p:cNvPr id="8" name="Picture 7">
-            <a:extLst>
-              <a:ext uri="{FF2B5EF4-FFF2-40B4-BE49-F238E27FC236}">
-                <a16:creationId xmlns:a16="http://schemas.microsoft.com/office/drawing/2014/main" id="{E1B71EF6-B32C-B280-FAB6-8AACD53633BF}"/>
+          <p:cNvPr id="3" name="Picture 2">
+            <a:extLst>
+              <a:ext uri="{FF2B5EF4-FFF2-40B4-BE49-F238E27FC236}">
+                <a16:creationId xmlns:a16="http://schemas.microsoft.com/office/drawing/2014/main" id="{BDD0FE9B-031A-3905-5EB1-8F834BC051A9}"/>
               </a:ext>
             </a:extLst>
           </p:cNvPr>
@@ -16756,8 +16587,8 @@
         </p:blipFill>
         <p:spPr>
           <a:xfrm>
-            <a:off x="403275" y="5414993"/>
-            <a:ext cx="11290450" cy="1293929"/>
+            <a:off x="345219" y="5231955"/>
+            <a:ext cx="11511501" cy="1282331"/>
           </a:xfrm>
           <a:prstGeom prst="rect">
             <a:avLst/>
@@ -16766,10 +16597,10 @@
       </p:pic>
       <p:pic>
         <p:nvPicPr>
-          <p:cNvPr id="10" name="Picture 9">
-            <a:extLst>
-              <a:ext uri="{FF2B5EF4-FFF2-40B4-BE49-F238E27FC236}">
-                <a16:creationId xmlns:a16="http://schemas.microsoft.com/office/drawing/2014/main" id="{7E0230FA-233D-2332-F356-1DBA66F79963}"/>
+          <p:cNvPr id="11" name="Picture 10">
+            <a:extLst>
+              <a:ext uri="{FF2B5EF4-FFF2-40B4-BE49-F238E27FC236}">
+                <a16:creationId xmlns:a16="http://schemas.microsoft.com/office/drawing/2014/main" id="{7018CE1F-FD9B-6961-91DF-B1D2114E8AB3}"/>
               </a:ext>
             </a:extLst>
           </p:cNvPr>
@@ -16786,8 +16617,8 @@
         </p:blipFill>
         <p:spPr>
           <a:xfrm>
-            <a:off x="403275" y="1235458"/>
-            <a:ext cx="9144067" cy="4043392"/>
+            <a:off x="345219" y="1329544"/>
+            <a:ext cx="10762903" cy="3764969"/>
           </a:xfrm>
           <a:prstGeom prst="rect">
             <a:avLst/>
@@ -16797,7 +16628,7 @@
     </p:spTree>
     <p:extLst>
       <p:ext uri="{BB962C8B-B14F-4D97-AF65-F5344CB8AC3E}">
-        <p14:creationId xmlns:p14="http://schemas.microsoft.com/office/powerpoint/2010/main" val="3239821551"/>
+        <p14:creationId xmlns:p14="http://schemas.microsoft.com/office/powerpoint/2010/main" val="4252675085"/>
       </p:ext>
     </p:extLst>
   </p:cSld>
@@ -16815,7 +16646,7 @@
         <p:cNvPr id="1" name="">
           <a:extLst>
             <a:ext uri="{FF2B5EF4-FFF2-40B4-BE49-F238E27FC236}">
-              <a16:creationId xmlns:a16="http://schemas.microsoft.com/office/drawing/2014/main" id="{6C6E524C-96A0-9249-AD7E-A3C0984B063E}"/>
+              <a16:creationId xmlns:a16="http://schemas.microsoft.com/office/drawing/2014/main" id="{6C452A36-5E6C-0B10-0415-E35EBC526D25}"/>
             </a:ext>
           </a:extLst>
         </p:cNvPr>
@@ -16835,7 +16666,7 @@
           <p:cNvPr id="4" name="图片 3">
             <a:extLst>
               <a:ext uri="{FF2B5EF4-FFF2-40B4-BE49-F238E27FC236}">
-                <a16:creationId xmlns:a16="http://schemas.microsoft.com/office/drawing/2014/main" id="{FC1C10C2-5115-8110-A95C-E3E5529066EF}"/>
+                <a16:creationId xmlns:a16="http://schemas.microsoft.com/office/drawing/2014/main" id="{8A4831F6-54AE-CB0B-8EBE-D78FBEBD0967}"/>
               </a:ext>
             </a:extLst>
           </p:cNvPr>
@@ -16865,7 +16696,7 @@
           <p:cNvPr id="5" name="矩形 4">
             <a:extLst>
               <a:ext uri="{FF2B5EF4-FFF2-40B4-BE49-F238E27FC236}">
-                <a16:creationId xmlns:a16="http://schemas.microsoft.com/office/drawing/2014/main" id="{132F8631-5E05-1E2E-5DAB-8C83CEB20199}"/>
+                <a16:creationId xmlns:a16="http://schemas.microsoft.com/office/drawing/2014/main" id="{950250C8-2B29-7C88-FB18-A4BEAC6D469A}"/>
               </a:ext>
             </a:extLst>
           </p:cNvPr>
@@ -16943,7 +16774,7 @@
           <p:cNvPr id="58" name="灯片编号占位符 57">
             <a:extLst>
               <a:ext uri="{FF2B5EF4-FFF2-40B4-BE49-F238E27FC236}">
-                <a16:creationId xmlns:a16="http://schemas.microsoft.com/office/drawing/2014/main" id="{F465AEE3-FD1B-E448-D970-7BDE245305D1}"/>
+                <a16:creationId xmlns:a16="http://schemas.microsoft.com/office/drawing/2014/main" id="{DF8CD7C6-7F91-ACF2-CB8F-F64F9E838B00}"/>
               </a:ext>
             </a:extLst>
           </p:cNvPr>
@@ -17036,7 +16867,7 @@
           <p:cNvPr id="7" name="文本框 20">
             <a:extLst>
               <a:ext uri="{FF2B5EF4-FFF2-40B4-BE49-F238E27FC236}">
-                <a16:creationId xmlns:a16="http://schemas.microsoft.com/office/drawing/2014/main" id="{15C78D6D-6433-00EF-8A86-34CC5EA6B17D}"/>
+                <a16:creationId xmlns:a16="http://schemas.microsoft.com/office/drawing/2014/main" id="{9829C730-7B83-016E-3D8F-FB04A8F08E6D}"/>
               </a:ext>
             </a:extLst>
           </p:cNvPr>
@@ -17101,7 +16932,7 @@
           <p:cNvPr id="6" name="文本框 20">
             <a:extLst>
               <a:ext uri="{FF2B5EF4-FFF2-40B4-BE49-F238E27FC236}">
-                <a16:creationId xmlns:a16="http://schemas.microsoft.com/office/drawing/2014/main" id="{6AC2288F-2A73-D99C-F716-D44718315D42}"/>
+                <a16:creationId xmlns:a16="http://schemas.microsoft.com/office/drawing/2014/main" id="{B34CD8F2-67BC-9C29-9230-73FB36012C65}"/>
               </a:ext>
             </a:extLst>
           </p:cNvPr>
@@ -17156,17 +16987,17 @@
                 <a:ea typeface="Cambria" panose="02040503050406030204" pitchFamily="18" charset="0"/>
                 <a:cs typeface="+mn-cs"/>
               </a:rPr>
-              <a:t>Vin (sine wave): 1MHz </a:t>
+              <a:t>Vin (sine wave): 10MHz </a:t>
             </a:r>
           </a:p>
         </p:txBody>
       </p:sp>
       <p:pic>
         <p:nvPicPr>
-          <p:cNvPr id="3" name="Picture 2">
-            <a:extLst>
-              <a:ext uri="{FF2B5EF4-FFF2-40B4-BE49-F238E27FC236}">
-                <a16:creationId xmlns:a16="http://schemas.microsoft.com/office/drawing/2014/main" id="{BDD0FE9B-031A-3905-5EB1-8F834BC051A9}"/>
+          <p:cNvPr id="8" name="Picture 7">
+            <a:extLst>
+              <a:ext uri="{FF2B5EF4-FFF2-40B4-BE49-F238E27FC236}">
+                <a16:creationId xmlns:a16="http://schemas.microsoft.com/office/drawing/2014/main" id="{45F1BD7C-D6BA-0E24-E477-7920575C2A41}"/>
               </a:ext>
             </a:extLst>
           </p:cNvPr>
@@ -17183,48 +17014,83 @@
         </p:blipFill>
         <p:spPr>
           <a:xfrm>
-            <a:off x="345219" y="5440059"/>
-            <a:ext cx="11511501" cy="1282331"/>
+            <a:off x="345218" y="1937378"/>
+            <a:ext cx="9553749" cy="4206836"/>
           </a:xfrm>
           <a:prstGeom prst="rect">
             <a:avLst/>
           </a:prstGeom>
         </p:spPr>
       </p:pic>
-      <p:pic>
-        <p:nvPicPr>
-          <p:cNvPr id="11" name="Picture 10">
-            <a:extLst>
-              <a:ext uri="{FF2B5EF4-FFF2-40B4-BE49-F238E27FC236}">
-                <a16:creationId xmlns:a16="http://schemas.microsoft.com/office/drawing/2014/main" id="{7018CE1F-FD9B-6961-91DF-B1D2114E8AB3}"/>
-              </a:ext>
-            </a:extLst>
-          </p:cNvPr>
-          <p:cNvPicPr>
-            <a:picLocks noChangeAspect="1"/>
-          </p:cNvPicPr>
+      <p:sp>
+        <p:nvSpPr>
+          <p:cNvPr id="9" name="文本框 20">
+            <a:extLst>
+              <a:ext uri="{FF2B5EF4-FFF2-40B4-BE49-F238E27FC236}">
+                <a16:creationId xmlns:a16="http://schemas.microsoft.com/office/drawing/2014/main" id="{7FAC4E08-903F-AF1E-B862-6F262E3B0907}"/>
+              </a:ext>
+            </a:extLst>
+          </p:cNvPr>
+          <p:cNvSpPr txBox="1"/>
           <p:nvPr/>
-        </p:nvPicPr>
-        <p:blipFill>
-          <a:blip r:embed="rId5"/>
-          <a:stretch>
-            <a:fillRect/>
-          </a:stretch>
-        </p:blipFill>
+        </p:nvSpPr>
         <p:spPr>
           <a:xfrm>
-            <a:off x="345219" y="1329544"/>
-            <a:ext cx="10762903" cy="3764969"/>
+            <a:off x="405060" y="1251139"/>
+            <a:ext cx="10562267" cy="646331"/>
           </a:xfrm>
           <a:prstGeom prst="rect">
             <a:avLst/>
           </a:prstGeom>
+          <a:noFill/>
         </p:spPr>
-      </p:pic>
+        <p:txBody>
+          <a:bodyPr wrap="square" rtlCol="0">
+            <a:spAutoFit/>
+          </a:bodyPr>
+          <a:lstStyle/>
+          <a:p>
+            <a:pPr marL="0" marR="0" lvl="0" indent="0" algn="l" defTabSz="457200" rtl="0" eaLnBrk="1" fontAlgn="auto" latinLnBrk="0" hangingPunct="1">
+              <a:lnSpc>
+                <a:spcPct val="100000"/>
+              </a:lnSpc>
+              <a:spcBef>
+                <a:spcPts val="0"/>
+              </a:spcBef>
+              <a:spcAft>
+                <a:spcPts val="0"/>
+              </a:spcAft>
+              <a:buClrTx/>
+              <a:buSzTx/>
+              <a:buFontTx/>
+              <a:buNone/>
+              <a:tabLst/>
+              <a:defRPr/>
+            </a:pPr>
+            <a:r>
+              <a:rPr kumimoji="0" lang="en-US" altLang="zh-CN" sz="3600" b="0" i="0" u="none" strike="noStrike" kern="1200" cap="none" spc="0" normalizeH="0" baseline="0" noProof="0" dirty="0">
+                <a:ln>
+                  <a:noFill/>
+                </a:ln>
+                <a:solidFill>
+                  <a:srgbClr val="001A57"/>
+                </a:solidFill>
+                <a:effectLst/>
+                <a:uLnTx/>
+                <a:uFillTx/>
+                <a:latin typeface="Calibri" panose="020F0502020204030204"/>
+                <a:ea typeface="Cambria" panose="02040503050406030204" pitchFamily="18" charset="0"/>
+                <a:cs typeface="+mn-cs"/>
+              </a:rPr>
+              <a:t>Error occurs </a:t>
+            </a:r>
+          </a:p>
+        </p:txBody>
+      </p:sp>
     </p:spTree>
     <p:extLst>
       <p:ext uri="{BB962C8B-B14F-4D97-AF65-F5344CB8AC3E}">
-        <p14:creationId xmlns:p14="http://schemas.microsoft.com/office/powerpoint/2010/main" val="4252675085"/>
+        <p14:creationId xmlns:p14="http://schemas.microsoft.com/office/powerpoint/2010/main" val="3278602148"/>
       </p:ext>
     </p:extLst>
   </p:cSld>
@@ -17242,7 +17108,7 @@
         <p:cNvPr id="1" name="">
           <a:extLst>
             <a:ext uri="{FF2B5EF4-FFF2-40B4-BE49-F238E27FC236}">
-              <a16:creationId xmlns:a16="http://schemas.microsoft.com/office/drawing/2014/main" id="{6C452A36-5E6C-0B10-0415-E35EBC526D25}"/>
+              <a16:creationId xmlns:a16="http://schemas.microsoft.com/office/drawing/2014/main" id="{338E9A49-93CD-547C-92F8-020BE1C9B2C0}"/>
             </a:ext>
           </a:extLst>
         </p:cNvPr>
@@ -17262,7 +17128,7 @@
           <p:cNvPr id="4" name="图片 3">
             <a:extLst>
               <a:ext uri="{FF2B5EF4-FFF2-40B4-BE49-F238E27FC236}">
-                <a16:creationId xmlns:a16="http://schemas.microsoft.com/office/drawing/2014/main" id="{8A4831F6-54AE-CB0B-8EBE-D78FBEBD0967}"/>
+                <a16:creationId xmlns:a16="http://schemas.microsoft.com/office/drawing/2014/main" id="{D78785DC-949D-A4D9-C8D2-5A5466F147B4}"/>
               </a:ext>
             </a:extLst>
           </p:cNvPr>
@@ -17292,7 +17158,7 @@
           <p:cNvPr id="5" name="矩形 4">
             <a:extLst>
               <a:ext uri="{FF2B5EF4-FFF2-40B4-BE49-F238E27FC236}">
-                <a16:creationId xmlns:a16="http://schemas.microsoft.com/office/drawing/2014/main" id="{950250C8-2B29-7C88-FB18-A4BEAC6D469A}"/>
+                <a16:creationId xmlns:a16="http://schemas.microsoft.com/office/drawing/2014/main" id="{F333535B-020C-BC8F-36BB-1F488DC74B8F}"/>
               </a:ext>
             </a:extLst>
           </p:cNvPr>
@@ -17367,10 +17233,109 @@
       </p:sp>
       <p:sp>
         <p:nvSpPr>
+          <p:cNvPr id="21" name="文本框 20">
+            <a:extLst>
+              <a:ext uri="{FF2B5EF4-FFF2-40B4-BE49-F238E27FC236}">
+                <a16:creationId xmlns:a16="http://schemas.microsoft.com/office/drawing/2014/main" id="{B993F038-1C9B-3448-73F6-2077EEA16397}"/>
+              </a:ext>
+            </a:extLst>
+          </p:cNvPr>
+          <p:cNvSpPr txBox="1"/>
+          <p:nvPr/>
+        </p:nvSpPr>
+        <p:spPr>
+          <a:xfrm>
+            <a:off x="345219" y="147707"/>
+            <a:ext cx="9636981" cy="707886"/>
+          </a:xfrm>
+          <a:prstGeom prst="rect">
+            <a:avLst/>
+          </a:prstGeom>
+          <a:noFill/>
+        </p:spPr>
+        <p:txBody>
+          <a:bodyPr wrap="square" rtlCol="0">
+            <a:spAutoFit/>
+          </a:bodyPr>
+          <a:lstStyle/>
+          <a:p>
+            <a:pPr marL="0" marR="0" lvl="0" indent="0" algn="l" defTabSz="457200" rtl="0" eaLnBrk="1" fontAlgn="auto" latinLnBrk="0" hangingPunct="1">
+              <a:lnSpc>
+                <a:spcPct val="100000"/>
+              </a:lnSpc>
+              <a:spcBef>
+                <a:spcPts val="0"/>
+              </a:spcBef>
+              <a:spcAft>
+                <a:spcPts val="0"/>
+              </a:spcAft>
+              <a:buClrTx/>
+              <a:buSzTx/>
+              <a:buFontTx/>
+              <a:buNone/>
+              <a:tabLst/>
+              <a:defRPr/>
+            </a:pPr>
+            <a:r>
+              <a:rPr kumimoji="0" lang="en-US" altLang="zh-CN" sz="4000" b="1" i="0" u="none" strike="noStrike" kern="1200" cap="none" spc="0" normalizeH="0" baseline="0" noProof="0" dirty="0">
+                <a:ln>
+                  <a:noFill/>
+                </a:ln>
+                <a:solidFill>
+                  <a:srgbClr val="001A57"/>
+                </a:solidFill>
+                <a:effectLst/>
+                <a:uLnTx/>
+                <a:uFillTx/>
+                <a:latin typeface="Calibri" panose="020F0502020204030204"/>
+                <a:ea typeface="Cambria" panose="02040503050406030204" pitchFamily="18" charset="0"/>
+                <a:cs typeface="+mn-cs"/>
+              </a:rPr>
+              <a:t>Resistor Ladder - </a:t>
+            </a:r>
+            <a:r>
+              <a:rPr kumimoji="0" lang="en-US" altLang="zh-CN" sz="4000" b="1" i="0" u="none" strike="noStrike" kern="1200" cap="none" spc="0" normalizeH="0" baseline="0" noProof="0" dirty="0" err="1">
+                <a:ln>
+                  <a:noFill/>
+                </a:ln>
+                <a:solidFill>
+                  <a:srgbClr val="001A57"/>
+                </a:solidFill>
+                <a:effectLst/>
+                <a:uLnTx/>
+                <a:uFillTx/>
+                <a:latin typeface="Calibri" panose="020F0502020204030204"/>
+                <a:ea typeface="Cambria" panose="02040503050406030204" pitchFamily="18" charset="0"/>
+                <a:cs typeface="+mn-cs"/>
+              </a:rPr>
+              <a:t>vol_div_symbol</a:t>
+            </a:r>
+            <a:r>
+              <a:rPr kumimoji="0" lang="en-US" altLang="zh-CN" sz="4000" b="1" i="0" u="none" strike="noStrike" kern="1200" cap="none" spc="0" normalizeH="0" baseline="0" noProof="0" dirty="0">
+                <a:ln>
+                  <a:noFill/>
+                </a:ln>
+                <a:solidFill>
+                  <a:srgbClr val="001A57"/>
+                </a:solidFill>
+                <a:effectLst/>
+                <a:uLnTx/>
+                <a:uFillTx/>
+                <a:latin typeface="Calibri" panose="020F0502020204030204"/>
+                <a:ea typeface="Cambria" panose="02040503050406030204" pitchFamily="18" charset="0"/>
+                <a:cs typeface="+mn-cs"/>
+              </a:rPr>
+              <a:t> </a:t>
+            </a:r>
+          </a:p>
+        </p:txBody>
+      </p:sp>
+      <p:sp>
+        <p:nvSpPr>
           <p:cNvPr id="58" name="灯片编号占位符 57">
             <a:extLst>
               <a:ext uri="{FF2B5EF4-FFF2-40B4-BE49-F238E27FC236}">
-                <a16:creationId xmlns:a16="http://schemas.microsoft.com/office/drawing/2014/main" id="{DF8CD7C6-7F91-ACF2-CB8F-F64F9E838B00}"/>
+                <a16:creationId xmlns:a16="http://schemas.microsoft.com/office/drawing/2014/main" id="{FE532C98-73D4-8B0B-6A86-DA620585BA3D}"/>
               </a:ext>
             </a:extLst>
           </p:cNvPr>
@@ -17458,142 +17423,12 @@
           </a:p>
         </p:txBody>
       </p:sp>
-      <p:sp>
-        <p:nvSpPr>
-          <p:cNvPr id="7" name="文本框 20">
-            <a:extLst>
-              <a:ext uri="{FF2B5EF4-FFF2-40B4-BE49-F238E27FC236}">
-                <a16:creationId xmlns:a16="http://schemas.microsoft.com/office/drawing/2014/main" id="{9829C730-7B83-016E-3D8F-FB04A8F08E6D}"/>
-              </a:ext>
-            </a:extLst>
-          </p:cNvPr>
-          <p:cNvSpPr txBox="1"/>
-          <p:nvPr/>
-        </p:nvSpPr>
-        <p:spPr>
-          <a:xfrm>
-            <a:off x="345219" y="136525"/>
-            <a:ext cx="9636981" cy="707886"/>
-          </a:xfrm>
-          <a:prstGeom prst="rect">
-            <a:avLst/>
-          </a:prstGeom>
-          <a:noFill/>
-        </p:spPr>
-        <p:txBody>
-          <a:bodyPr wrap="square" rtlCol="0">
-            <a:spAutoFit/>
-          </a:bodyPr>
-          <a:lstStyle/>
-          <a:p>
-            <a:pPr marL="0" marR="0" lvl="0" indent="0" algn="l" defTabSz="457200" rtl="0" eaLnBrk="1" fontAlgn="auto" latinLnBrk="0" hangingPunct="1">
-              <a:lnSpc>
-                <a:spcPct val="100000"/>
-              </a:lnSpc>
-              <a:spcBef>
-                <a:spcPts val="0"/>
-              </a:spcBef>
-              <a:spcAft>
-                <a:spcPts val="0"/>
-              </a:spcAft>
-              <a:buClrTx/>
-              <a:buSzTx/>
-              <a:buFontTx/>
-              <a:buNone/>
-              <a:tabLst/>
-              <a:defRPr/>
-            </a:pPr>
-            <a:r>
-              <a:rPr kumimoji="0" lang="en-US" altLang="zh-CN" sz="4000" b="1" i="0" u="none" strike="noStrike" kern="1200" cap="none" spc="0" normalizeH="0" baseline="0" noProof="0" dirty="0">
-                <a:ln>
-                  <a:noFill/>
-                </a:ln>
-                <a:solidFill>
-                  <a:srgbClr val="001A57"/>
-                </a:solidFill>
-                <a:effectLst/>
-                <a:uLnTx/>
-                <a:uFillTx/>
-                <a:latin typeface="Calibri" panose="020F0502020204030204"/>
-                <a:ea typeface="Cambria" panose="02040503050406030204" pitchFamily="18" charset="0"/>
-                <a:cs typeface="+mn-cs"/>
-              </a:rPr>
-              <a:t>Flash ADC Update</a:t>
-            </a:r>
-          </a:p>
-        </p:txBody>
-      </p:sp>
-      <p:sp>
-        <p:nvSpPr>
-          <p:cNvPr id="6" name="文本框 20">
-            <a:extLst>
-              <a:ext uri="{FF2B5EF4-FFF2-40B4-BE49-F238E27FC236}">
-                <a16:creationId xmlns:a16="http://schemas.microsoft.com/office/drawing/2014/main" id="{B34CD8F2-67BC-9C29-9230-73FB36012C65}"/>
-              </a:ext>
-            </a:extLst>
-          </p:cNvPr>
-          <p:cNvSpPr txBox="1"/>
-          <p:nvPr/>
-        </p:nvSpPr>
-        <p:spPr>
-          <a:xfrm>
-            <a:off x="403275" y="713786"/>
-            <a:ext cx="10562267" cy="646331"/>
-          </a:xfrm>
-          <a:prstGeom prst="rect">
-            <a:avLst/>
-          </a:prstGeom>
-          <a:noFill/>
-        </p:spPr>
-        <p:txBody>
-          <a:bodyPr wrap="square" rtlCol="0">
-            <a:spAutoFit/>
-          </a:bodyPr>
-          <a:lstStyle/>
-          <a:p>
-            <a:pPr marL="0" marR="0" lvl="0" indent="0" algn="l" defTabSz="457200" rtl="0" eaLnBrk="1" fontAlgn="auto" latinLnBrk="0" hangingPunct="1">
-              <a:lnSpc>
-                <a:spcPct val="100000"/>
-              </a:lnSpc>
-              <a:spcBef>
-                <a:spcPts val="0"/>
-              </a:spcBef>
-              <a:spcAft>
-                <a:spcPts val="0"/>
-              </a:spcAft>
-              <a:buClrTx/>
-              <a:buSzTx/>
-              <a:buFontTx/>
-              <a:buNone/>
-              <a:tabLst/>
-              <a:defRPr/>
-            </a:pPr>
-            <a:r>
-              <a:rPr kumimoji="0" lang="en-US" altLang="zh-CN" sz="3600" b="0" i="0" u="none" strike="noStrike" kern="1200" cap="none" spc="0" normalizeH="0" baseline="0" noProof="0" dirty="0">
-                <a:ln>
-                  <a:noFill/>
-                </a:ln>
-                <a:solidFill>
-                  <a:srgbClr val="001A57"/>
-                </a:solidFill>
-                <a:effectLst/>
-                <a:uLnTx/>
-                <a:uFillTx/>
-                <a:latin typeface="Calibri" panose="020F0502020204030204"/>
-                <a:ea typeface="Cambria" panose="02040503050406030204" pitchFamily="18" charset="0"/>
-                <a:cs typeface="+mn-cs"/>
-              </a:rPr>
-              <a:t>Vin (sine wave): 10MHz </a:t>
-            </a:r>
-          </a:p>
-        </p:txBody>
-      </p:sp>
       <p:pic>
         <p:nvPicPr>
-          <p:cNvPr id="8" name="Picture 7">
-            <a:extLst>
-              <a:ext uri="{FF2B5EF4-FFF2-40B4-BE49-F238E27FC236}">
-                <a16:creationId xmlns:a16="http://schemas.microsoft.com/office/drawing/2014/main" id="{45F1BD7C-D6BA-0E24-E477-7920575C2A41}"/>
+          <p:cNvPr id="3" name="Picture 2">
+            <a:extLst>
+              <a:ext uri="{FF2B5EF4-FFF2-40B4-BE49-F238E27FC236}">
+                <a16:creationId xmlns:a16="http://schemas.microsoft.com/office/drawing/2014/main" id="{F46CB414-59BA-7147-60EB-8DA6B259A675}"/>
               </a:ext>
             </a:extLst>
           </p:cNvPr>
@@ -17610,83 +17445,108 @@
         </p:blipFill>
         <p:spPr>
           <a:xfrm>
-            <a:off x="345218" y="1937378"/>
-            <a:ext cx="9553749" cy="4206836"/>
+            <a:off x="7469144" y="3514712"/>
+            <a:ext cx="4186647" cy="2455997"/>
           </a:xfrm>
           <a:prstGeom prst="rect">
             <a:avLst/>
           </a:prstGeom>
         </p:spPr>
       </p:pic>
-      <p:sp>
-        <p:nvSpPr>
-          <p:cNvPr id="9" name="文本框 20">
-            <a:extLst>
-              <a:ext uri="{FF2B5EF4-FFF2-40B4-BE49-F238E27FC236}">
-                <a16:creationId xmlns:a16="http://schemas.microsoft.com/office/drawing/2014/main" id="{7FAC4E08-903F-AF1E-B862-6F262E3B0907}"/>
-              </a:ext>
-            </a:extLst>
-          </p:cNvPr>
-          <p:cNvSpPr txBox="1"/>
+      <p:pic>
+        <p:nvPicPr>
+          <p:cNvPr id="12" name="Picture 11">
+            <a:extLst>
+              <a:ext uri="{FF2B5EF4-FFF2-40B4-BE49-F238E27FC236}">
+                <a16:creationId xmlns:a16="http://schemas.microsoft.com/office/drawing/2014/main" id="{A6996ABD-AF68-4B97-7751-427F2ED83DEC}"/>
+              </a:ext>
+            </a:extLst>
+          </p:cNvPr>
+          <p:cNvPicPr>
+            <a:picLocks noChangeAspect="1"/>
+          </p:cNvPicPr>
           <p:nvPr/>
-        </p:nvSpPr>
+        </p:nvPicPr>
+        <p:blipFill>
+          <a:blip r:embed="rId5"/>
+          <a:stretch>
+            <a:fillRect/>
+          </a:stretch>
+        </p:blipFill>
         <p:spPr>
           <a:xfrm>
-            <a:off x="405060" y="1251139"/>
-            <a:ext cx="10562267" cy="646331"/>
+            <a:off x="7469143" y="1015731"/>
+            <a:ext cx="4186647" cy="2388803"/>
           </a:xfrm>
           <a:prstGeom prst="rect">
             <a:avLst/>
           </a:prstGeom>
-          <a:noFill/>
         </p:spPr>
-        <p:txBody>
-          <a:bodyPr wrap="square" rtlCol="0">
-            <a:spAutoFit/>
-          </a:bodyPr>
-          <a:lstStyle/>
-          <a:p>
-            <a:pPr marL="0" marR="0" lvl="0" indent="0" algn="l" defTabSz="457200" rtl="0" eaLnBrk="1" fontAlgn="auto" latinLnBrk="0" hangingPunct="1">
-              <a:lnSpc>
-                <a:spcPct val="100000"/>
-              </a:lnSpc>
-              <a:spcBef>
-                <a:spcPts val="0"/>
-              </a:spcBef>
-              <a:spcAft>
-                <a:spcPts val="0"/>
-              </a:spcAft>
-              <a:buClrTx/>
-              <a:buSzTx/>
-              <a:buFontTx/>
-              <a:buNone/>
-              <a:tabLst/>
-              <a:defRPr/>
-            </a:pPr>
-            <a:r>
-              <a:rPr kumimoji="0" lang="en-US" altLang="zh-CN" sz="3600" b="0" i="0" u="none" strike="noStrike" kern="1200" cap="none" spc="0" normalizeH="0" baseline="0" noProof="0" dirty="0">
-                <a:ln>
-                  <a:noFill/>
-                </a:ln>
-                <a:solidFill>
-                  <a:srgbClr val="001A57"/>
-                </a:solidFill>
-                <a:effectLst/>
-                <a:uLnTx/>
-                <a:uFillTx/>
-                <a:latin typeface="Calibri" panose="020F0502020204030204"/>
-                <a:ea typeface="Cambria" panose="02040503050406030204" pitchFamily="18" charset="0"/>
-                <a:cs typeface="+mn-cs"/>
-              </a:rPr>
-              <a:t>Error occurs </a:t>
-            </a:r>
-          </a:p>
-        </p:txBody>
-      </p:sp>
+      </p:pic>
+      <p:pic>
+        <p:nvPicPr>
+          <p:cNvPr id="6" name="Picture 5">
+            <a:extLst>
+              <a:ext uri="{FF2B5EF4-FFF2-40B4-BE49-F238E27FC236}">
+                <a16:creationId xmlns:a16="http://schemas.microsoft.com/office/drawing/2014/main" id="{DEB41BA7-8A99-3D19-38C4-2D1A03BD63DE}"/>
+              </a:ext>
+            </a:extLst>
+          </p:cNvPr>
+          <p:cNvPicPr>
+            <a:picLocks noChangeAspect="1"/>
+          </p:cNvPicPr>
+          <p:nvPr/>
+        </p:nvPicPr>
+        <p:blipFill>
+          <a:blip r:embed="rId6"/>
+          <a:stretch>
+            <a:fillRect/>
+          </a:stretch>
+        </p:blipFill>
+        <p:spPr>
+          <a:xfrm>
+            <a:off x="536209" y="1132046"/>
+            <a:ext cx="3203367" cy="5388963"/>
+          </a:xfrm>
+          <a:prstGeom prst="rect">
+            <a:avLst/>
+          </a:prstGeom>
+        </p:spPr>
+      </p:pic>
+      <p:pic>
+        <p:nvPicPr>
+          <p:cNvPr id="9" name="Picture 8">
+            <a:extLst>
+              <a:ext uri="{FF2B5EF4-FFF2-40B4-BE49-F238E27FC236}">
+                <a16:creationId xmlns:a16="http://schemas.microsoft.com/office/drawing/2014/main" id="{4C4FE592-91EB-1ACF-80E4-84118D7CB6B1}"/>
+              </a:ext>
+            </a:extLst>
+          </p:cNvPr>
+          <p:cNvPicPr>
+            <a:picLocks noChangeAspect="1"/>
+          </p:cNvPicPr>
+          <p:nvPr/>
+        </p:nvPicPr>
+        <p:blipFill>
+          <a:blip r:embed="rId7"/>
+          <a:stretch>
+            <a:fillRect/>
+          </a:stretch>
+        </p:blipFill>
+        <p:spPr>
+          <a:xfrm>
+            <a:off x="3983566" y="1465407"/>
+            <a:ext cx="3203367" cy="4505302"/>
+          </a:xfrm>
+          <a:prstGeom prst="rect">
+            <a:avLst/>
+          </a:prstGeom>
+        </p:spPr>
+      </p:pic>
     </p:spTree>
     <p:extLst>
       <p:ext uri="{BB962C8B-B14F-4D97-AF65-F5344CB8AC3E}">
-        <p14:creationId xmlns:p14="http://schemas.microsoft.com/office/powerpoint/2010/main" val="3278602148"/>
+        <p14:creationId xmlns:p14="http://schemas.microsoft.com/office/powerpoint/2010/main" val="1618042270"/>
       </p:ext>
     </p:extLst>
   </p:cSld>
@@ -18379,7 +18239,7 @@
         <p:cNvPr id="1" name="">
           <a:extLst>
             <a:ext uri="{FF2B5EF4-FFF2-40B4-BE49-F238E27FC236}">
-              <a16:creationId xmlns:a16="http://schemas.microsoft.com/office/drawing/2014/main" id="{338E9A49-93CD-547C-92F8-020BE1C9B2C0}"/>
+              <a16:creationId xmlns:a16="http://schemas.microsoft.com/office/drawing/2014/main" id="{7A9546E9-09EB-792F-E03F-F27BDA981380}"/>
             </a:ext>
           </a:extLst>
         </p:cNvPr>
@@ -18399,7 +18259,7 @@
           <p:cNvPr id="4" name="图片 3">
             <a:extLst>
               <a:ext uri="{FF2B5EF4-FFF2-40B4-BE49-F238E27FC236}">
-                <a16:creationId xmlns:a16="http://schemas.microsoft.com/office/drawing/2014/main" id="{D78785DC-949D-A4D9-C8D2-5A5466F147B4}"/>
+                <a16:creationId xmlns:a16="http://schemas.microsoft.com/office/drawing/2014/main" id="{C6C99545-9F14-62C5-4B08-DB4B74FDAF8B}"/>
               </a:ext>
             </a:extLst>
           </p:cNvPr>
@@ -18429,7 +18289,7 @@
           <p:cNvPr id="5" name="矩形 4">
             <a:extLst>
               <a:ext uri="{FF2B5EF4-FFF2-40B4-BE49-F238E27FC236}">
-                <a16:creationId xmlns:a16="http://schemas.microsoft.com/office/drawing/2014/main" id="{F333535B-020C-BC8F-36BB-1F488DC74B8F}"/>
+                <a16:creationId xmlns:a16="http://schemas.microsoft.com/office/drawing/2014/main" id="{C6335998-4436-33A3-E240-F3B63F064D3E}"/>
               </a:ext>
             </a:extLst>
           </p:cNvPr>
@@ -18504,109 +18364,10 @@
       </p:sp>
       <p:sp>
         <p:nvSpPr>
-          <p:cNvPr id="21" name="文本框 20">
-            <a:extLst>
-              <a:ext uri="{FF2B5EF4-FFF2-40B4-BE49-F238E27FC236}">
-                <a16:creationId xmlns:a16="http://schemas.microsoft.com/office/drawing/2014/main" id="{B993F038-1C9B-3448-73F6-2077EEA16397}"/>
-              </a:ext>
-            </a:extLst>
-          </p:cNvPr>
-          <p:cNvSpPr txBox="1"/>
-          <p:nvPr/>
-        </p:nvSpPr>
-        <p:spPr>
-          <a:xfrm>
-            <a:off x="345219" y="147707"/>
-            <a:ext cx="9636981" cy="707886"/>
-          </a:xfrm>
-          <a:prstGeom prst="rect">
-            <a:avLst/>
-          </a:prstGeom>
-          <a:noFill/>
-        </p:spPr>
-        <p:txBody>
-          <a:bodyPr wrap="square" rtlCol="0">
-            <a:spAutoFit/>
-          </a:bodyPr>
-          <a:lstStyle/>
-          <a:p>
-            <a:pPr marL="0" marR="0" lvl="0" indent="0" algn="l" defTabSz="457200" rtl="0" eaLnBrk="1" fontAlgn="auto" latinLnBrk="0" hangingPunct="1">
-              <a:lnSpc>
-                <a:spcPct val="100000"/>
-              </a:lnSpc>
-              <a:spcBef>
-                <a:spcPts val="0"/>
-              </a:spcBef>
-              <a:spcAft>
-                <a:spcPts val="0"/>
-              </a:spcAft>
-              <a:buClrTx/>
-              <a:buSzTx/>
-              <a:buFontTx/>
-              <a:buNone/>
-              <a:tabLst/>
-              <a:defRPr/>
-            </a:pPr>
-            <a:r>
-              <a:rPr kumimoji="0" lang="en-US" altLang="zh-CN" sz="4000" b="1" i="0" u="none" strike="noStrike" kern="1200" cap="none" spc="0" normalizeH="0" baseline="0" noProof="0" dirty="0">
-                <a:ln>
-                  <a:noFill/>
-                </a:ln>
-                <a:solidFill>
-                  <a:srgbClr val="001A57"/>
-                </a:solidFill>
-                <a:effectLst/>
-                <a:uLnTx/>
-                <a:uFillTx/>
-                <a:latin typeface="Calibri" panose="020F0502020204030204"/>
-                <a:ea typeface="Cambria" panose="02040503050406030204" pitchFamily="18" charset="0"/>
-                <a:cs typeface="+mn-cs"/>
-              </a:rPr>
-              <a:t>Resistor Ladder - </a:t>
-            </a:r>
-            <a:r>
-              <a:rPr kumimoji="0" lang="en-US" altLang="zh-CN" sz="4000" b="1" i="0" u="none" strike="noStrike" kern="1200" cap="none" spc="0" normalizeH="0" baseline="0" noProof="0" dirty="0" err="1">
-                <a:ln>
-                  <a:noFill/>
-                </a:ln>
-                <a:solidFill>
-                  <a:srgbClr val="001A57"/>
-                </a:solidFill>
-                <a:effectLst/>
-                <a:uLnTx/>
-                <a:uFillTx/>
-                <a:latin typeface="Calibri" panose="020F0502020204030204"/>
-                <a:ea typeface="Cambria" panose="02040503050406030204" pitchFamily="18" charset="0"/>
-                <a:cs typeface="+mn-cs"/>
-              </a:rPr>
-              <a:t>vol_div_symbol</a:t>
-            </a:r>
-            <a:r>
-              <a:rPr kumimoji="0" lang="en-US" altLang="zh-CN" sz="4000" b="1" i="0" u="none" strike="noStrike" kern="1200" cap="none" spc="0" normalizeH="0" baseline="0" noProof="0" dirty="0">
-                <a:ln>
-                  <a:noFill/>
-                </a:ln>
-                <a:solidFill>
-                  <a:srgbClr val="001A57"/>
-                </a:solidFill>
-                <a:effectLst/>
-                <a:uLnTx/>
-                <a:uFillTx/>
-                <a:latin typeface="Calibri" panose="020F0502020204030204"/>
-                <a:ea typeface="Cambria" panose="02040503050406030204" pitchFamily="18" charset="0"/>
-                <a:cs typeface="+mn-cs"/>
-              </a:rPr>
-              <a:t> </a:t>
-            </a:r>
-          </a:p>
-        </p:txBody>
-      </p:sp>
-      <p:sp>
-        <p:nvSpPr>
           <p:cNvPr id="58" name="灯片编号占位符 57">
             <a:extLst>
               <a:ext uri="{FF2B5EF4-FFF2-40B4-BE49-F238E27FC236}">
-                <a16:creationId xmlns:a16="http://schemas.microsoft.com/office/drawing/2014/main" id="{FE532C98-73D4-8B0B-6A86-DA620585BA3D}"/>
+                <a16:creationId xmlns:a16="http://schemas.microsoft.com/office/drawing/2014/main" id="{FC22C049-4D44-7E13-E7F5-FE3DF85CFB82}"/>
               </a:ext>
             </a:extLst>
           </p:cNvPr>
@@ -18694,12 +18455,108 @@
           </a:p>
         </p:txBody>
       </p:sp>
+      <p:sp>
+        <p:nvSpPr>
+          <p:cNvPr id="7" name="文本框 20">
+            <a:extLst>
+              <a:ext uri="{FF2B5EF4-FFF2-40B4-BE49-F238E27FC236}">
+                <a16:creationId xmlns:a16="http://schemas.microsoft.com/office/drawing/2014/main" id="{87C7BACF-A9EA-2D6C-5462-40A8A36361D4}"/>
+              </a:ext>
+            </a:extLst>
+          </p:cNvPr>
+          <p:cNvSpPr txBox="1"/>
+          <p:nvPr/>
+        </p:nvSpPr>
+        <p:spPr>
+          <a:xfrm>
+            <a:off x="345219" y="136525"/>
+            <a:ext cx="9636981" cy="707886"/>
+          </a:xfrm>
+          <a:prstGeom prst="rect">
+            <a:avLst/>
+          </a:prstGeom>
+          <a:noFill/>
+        </p:spPr>
+        <p:txBody>
+          <a:bodyPr wrap="square" rtlCol="0">
+            <a:spAutoFit/>
+          </a:bodyPr>
+          <a:lstStyle/>
+          <a:p>
+            <a:pPr marL="0" marR="0" lvl="0" indent="0" algn="l" defTabSz="457200" rtl="0" eaLnBrk="1" fontAlgn="auto" latinLnBrk="0" hangingPunct="1">
+              <a:lnSpc>
+                <a:spcPct val="100000"/>
+              </a:lnSpc>
+              <a:spcBef>
+                <a:spcPts val="0"/>
+              </a:spcBef>
+              <a:spcAft>
+                <a:spcPts val="0"/>
+              </a:spcAft>
+              <a:buClrTx/>
+              <a:buSzTx/>
+              <a:buFontTx/>
+              <a:buNone/>
+              <a:tabLst/>
+              <a:defRPr/>
+            </a:pPr>
+            <a:r>
+              <a:rPr kumimoji="0" lang="en-US" altLang="zh-CN" sz="4000" b="1" i="0" u="none" strike="noStrike" kern="1200" cap="none" spc="0" normalizeH="0" baseline="0" noProof="0" dirty="0">
+                <a:ln>
+                  <a:noFill/>
+                </a:ln>
+                <a:solidFill>
+                  <a:srgbClr val="001A57"/>
+                </a:solidFill>
+                <a:effectLst/>
+                <a:uLnTx/>
+                <a:uFillTx/>
+                <a:latin typeface="Calibri" panose="020F0502020204030204"/>
+                <a:ea typeface="Cambria" panose="02040503050406030204" pitchFamily="18" charset="0"/>
+                <a:cs typeface="+mn-cs"/>
+              </a:rPr>
+              <a:t>Priority Encoder – </a:t>
+            </a:r>
+            <a:r>
+              <a:rPr kumimoji="0" lang="en-US" altLang="zh-CN" sz="4000" b="1" i="0" u="none" strike="noStrike" kern="1200" cap="none" spc="0" normalizeH="0" baseline="0" noProof="0" dirty="0" err="1">
+                <a:ln>
+                  <a:noFill/>
+                </a:ln>
+                <a:solidFill>
+                  <a:srgbClr val="001A57"/>
+                </a:solidFill>
+                <a:effectLst/>
+                <a:uLnTx/>
+                <a:uFillTx/>
+                <a:latin typeface="Calibri" panose="020F0502020204030204"/>
+                <a:ea typeface="Cambria" panose="02040503050406030204" pitchFamily="18" charset="0"/>
+                <a:cs typeface="+mn-cs"/>
+              </a:rPr>
+              <a:t>encoder_symbol</a:t>
+            </a:r>
+            <a:endParaRPr kumimoji="0" lang="en-US" altLang="zh-CN" sz="4000" b="1" i="0" u="none" strike="noStrike" kern="1200" cap="none" spc="0" normalizeH="0" baseline="0" noProof="0" dirty="0">
+              <a:ln>
+                <a:noFill/>
+              </a:ln>
+              <a:solidFill>
+                <a:srgbClr val="001A57"/>
+              </a:solidFill>
+              <a:effectLst/>
+              <a:uLnTx/>
+              <a:uFillTx/>
+              <a:latin typeface="Calibri" panose="020F0502020204030204"/>
+              <a:ea typeface="Cambria" panose="02040503050406030204" pitchFamily="18" charset="0"/>
+              <a:cs typeface="+mn-cs"/>
+            </a:endParaRPr>
+          </a:p>
+        </p:txBody>
+      </p:sp>
       <p:pic>
         <p:nvPicPr>
-          <p:cNvPr id="3" name="Picture 2">
-            <a:extLst>
-              <a:ext uri="{FF2B5EF4-FFF2-40B4-BE49-F238E27FC236}">
-                <a16:creationId xmlns:a16="http://schemas.microsoft.com/office/drawing/2014/main" id="{F46CB414-59BA-7147-60EB-8DA6B259A675}"/>
+          <p:cNvPr id="6" name="Picture 5">
+            <a:extLst>
+              <a:ext uri="{FF2B5EF4-FFF2-40B4-BE49-F238E27FC236}">
+                <a16:creationId xmlns:a16="http://schemas.microsoft.com/office/drawing/2014/main" id="{C6B44DD4-DBAD-3117-9153-DA01419787D8}"/>
               </a:ext>
             </a:extLst>
           </p:cNvPr>
@@ -18716,98 +18573,8 @@
         </p:blipFill>
         <p:spPr>
           <a:xfrm>
-            <a:off x="7469144" y="3514712"/>
-            <a:ext cx="4186647" cy="2455997"/>
-          </a:xfrm>
-          <a:prstGeom prst="rect">
-            <a:avLst/>
-          </a:prstGeom>
-        </p:spPr>
-      </p:pic>
-      <p:pic>
-        <p:nvPicPr>
-          <p:cNvPr id="12" name="Picture 11">
-            <a:extLst>
-              <a:ext uri="{FF2B5EF4-FFF2-40B4-BE49-F238E27FC236}">
-                <a16:creationId xmlns:a16="http://schemas.microsoft.com/office/drawing/2014/main" id="{A6996ABD-AF68-4B97-7751-427F2ED83DEC}"/>
-              </a:ext>
-            </a:extLst>
-          </p:cNvPr>
-          <p:cNvPicPr>
-            <a:picLocks noChangeAspect="1"/>
-          </p:cNvPicPr>
-          <p:nvPr/>
-        </p:nvPicPr>
-        <p:blipFill>
-          <a:blip r:embed="rId5"/>
-          <a:stretch>
-            <a:fillRect/>
-          </a:stretch>
-        </p:blipFill>
-        <p:spPr>
-          <a:xfrm>
-            <a:off x="7469143" y="1015731"/>
-            <a:ext cx="4186647" cy="2388803"/>
-          </a:xfrm>
-          <a:prstGeom prst="rect">
-            <a:avLst/>
-          </a:prstGeom>
-        </p:spPr>
-      </p:pic>
-      <p:pic>
-        <p:nvPicPr>
-          <p:cNvPr id="6" name="Picture 5">
-            <a:extLst>
-              <a:ext uri="{FF2B5EF4-FFF2-40B4-BE49-F238E27FC236}">
-                <a16:creationId xmlns:a16="http://schemas.microsoft.com/office/drawing/2014/main" id="{DEB41BA7-8A99-3D19-38C4-2D1A03BD63DE}"/>
-              </a:ext>
-            </a:extLst>
-          </p:cNvPr>
-          <p:cNvPicPr>
-            <a:picLocks noChangeAspect="1"/>
-          </p:cNvPicPr>
-          <p:nvPr/>
-        </p:nvPicPr>
-        <p:blipFill>
-          <a:blip r:embed="rId6"/>
-          <a:stretch>
-            <a:fillRect/>
-          </a:stretch>
-        </p:blipFill>
-        <p:spPr>
-          <a:xfrm>
-            <a:off x="536209" y="1132046"/>
-            <a:ext cx="3203367" cy="5388963"/>
-          </a:xfrm>
-          <a:prstGeom prst="rect">
-            <a:avLst/>
-          </a:prstGeom>
-        </p:spPr>
-      </p:pic>
-      <p:pic>
-        <p:nvPicPr>
-          <p:cNvPr id="9" name="Picture 8">
-            <a:extLst>
-              <a:ext uri="{FF2B5EF4-FFF2-40B4-BE49-F238E27FC236}">
-                <a16:creationId xmlns:a16="http://schemas.microsoft.com/office/drawing/2014/main" id="{4C4FE592-91EB-1ACF-80E4-84118D7CB6B1}"/>
-              </a:ext>
-            </a:extLst>
-          </p:cNvPr>
-          <p:cNvPicPr>
-            <a:picLocks noChangeAspect="1"/>
-          </p:cNvPicPr>
-          <p:nvPr/>
-        </p:nvPicPr>
-        <p:blipFill>
-          <a:blip r:embed="rId7"/>
-          <a:stretch>
-            <a:fillRect/>
-          </a:stretch>
-        </p:blipFill>
-        <p:spPr>
-          <a:xfrm>
-            <a:off x="3983566" y="1465407"/>
-            <a:ext cx="3203367" cy="4505302"/>
+            <a:off x="1744770" y="1136452"/>
+            <a:ext cx="8702460" cy="5398809"/>
           </a:xfrm>
           <a:prstGeom prst="rect">
             <a:avLst/>
@@ -18817,7 +18584,7 @@
     </p:spTree>
     <p:extLst>
       <p:ext uri="{BB962C8B-B14F-4D97-AF65-F5344CB8AC3E}">
-        <p14:creationId xmlns:p14="http://schemas.microsoft.com/office/powerpoint/2010/main" val="1618042270"/>
+        <p14:creationId xmlns:p14="http://schemas.microsoft.com/office/powerpoint/2010/main" val="4182058166"/>
       </p:ext>
     </p:extLst>
   </p:cSld>
@@ -18835,7 +18602,7 @@
         <p:cNvPr id="1" name="">
           <a:extLst>
             <a:ext uri="{FF2B5EF4-FFF2-40B4-BE49-F238E27FC236}">
-              <a16:creationId xmlns:a16="http://schemas.microsoft.com/office/drawing/2014/main" id="{7A9546E9-09EB-792F-E03F-F27BDA981380}"/>
+              <a16:creationId xmlns:a16="http://schemas.microsoft.com/office/drawing/2014/main" id="{E936E49A-1F6E-6DA3-2231-19F817C0314A}"/>
             </a:ext>
           </a:extLst>
         </p:cNvPr>
@@ -18855,7 +18622,7 @@
           <p:cNvPr id="4" name="图片 3">
             <a:extLst>
               <a:ext uri="{FF2B5EF4-FFF2-40B4-BE49-F238E27FC236}">
-                <a16:creationId xmlns:a16="http://schemas.microsoft.com/office/drawing/2014/main" id="{C6C99545-9F14-62C5-4B08-DB4B74FDAF8B}"/>
+                <a16:creationId xmlns:a16="http://schemas.microsoft.com/office/drawing/2014/main" id="{A69BEB78-34F7-7333-D8B8-54B27088C8E9}"/>
               </a:ext>
             </a:extLst>
           </p:cNvPr>
@@ -18885,7 +18652,7 @@
           <p:cNvPr id="5" name="矩形 4">
             <a:extLst>
               <a:ext uri="{FF2B5EF4-FFF2-40B4-BE49-F238E27FC236}">
-                <a16:creationId xmlns:a16="http://schemas.microsoft.com/office/drawing/2014/main" id="{C6335998-4436-33A3-E240-F3B63F064D3E}"/>
+                <a16:creationId xmlns:a16="http://schemas.microsoft.com/office/drawing/2014/main" id="{2C5D1496-6136-C97E-FB38-67683D31C97E}"/>
               </a:ext>
             </a:extLst>
           </p:cNvPr>
@@ -18963,7 +18730,7 @@
           <p:cNvPr id="58" name="灯片编号占位符 57">
             <a:extLst>
               <a:ext uri="{FF2B5EF4-FFF2-40B4-BE49-F238E27FC236}">
-                <a16:creationId xmlns:a16="http://schemas.microsoft.com/office/drawing/2014/main" id="{FC22C049-4D44-7E13-E7F5-FE3DF85CFB82}"/>
+                <a16:creationId xmlns:a16="http://schemas.microsoft.com/office/drawing/2014/main" id="{D26F12D7-2D0A-1449-3B06-30BAFE462223}"/>
               </a:ext>
             </a:extLst>
           </p:cNvPr>
@@ -19056,7 +18823,7 @@
           <p:cNvPr id="7" name="文本框 20">
             <a:extLst>
               <a:ext uri="{FF2B5EF4-FFF2-40B4-BE49-F238E27FC236}">
-                <a16:creationId xmlns:a16="http://schemas.microsoft.com/office/drawing/2014/main" id="{87C7BACF-A9EA-2D6C-5462-40A8A36361D4}"/>
+                <a16:creationId xmlns:a16="http://schemas.microsoft.com/office/drawing/2014/main" id="{88B6184E-183F-C74E-9266-4BF77F0C1F44}"/>
               </a:ext>
             </a:extLst>
           </p:cNvPr>
@@ -19111,7 +18878,7 @@
                 <a:ea typeface="Cambria" panose="02040503050406030204" pitchFamily="18" charset="0"/>
                 <a:cs typeface="+mn-cs"/>
               </a:rPr>
-              <a:t>Priority Encoder – </a:t>
+              <a:t>Priority Encoder - </a:t>
             </a:r>
             <a:r>
               <a:rPr kumimoji="0" lang="en-US" altLang="zh-CN" sz="4000" b="1" i="0" u="none" strike="noStrike" kern="1200" cap="none" spc="0" normalizeH="0" baseline="0" noProof="0" dirty="0" err="1">
@@ -19149,10 +18916,10 @@
       </p:sp>
       <p:pic>
         <p:nvPicPr>
-          <p:cNvPr id="6" name="Picture 5">
-            <a:extLst>
-              <a:ext uri="{FF2B5EF4-FFF2-40B4-BE49-F238E27FC236}">
-                <a16:creationId xmlns:a16="http://schemas.microsoft.com/office/drawing/2014/main" id="{C6B44DD4-DBAD-3117-9153-DA01419787D8}"/>
+          <p:cNvPr id="9" name="Picture 8">
+            <a:extLst>
+              <a:ext uri="{FF2B5EF4-FFF2-40B4-BE49-F238E27FC236}">
+                <a16:creationId xmlns:a16="http://schemas.microsoft.com/office/drawing/2014/main" id="{43C6A6EE-29F7-3FA8-20E6-DC6D2A9A6C70}"/>
               </a:ext>
             </a:extLst>
           </p:cNvPr>
@@ -19169,8 +18936,8 @@
         </p:blipFill>
         <p:spPr>
           <a:xfrm>
-            <a:off x="1744770" y="1136452"/>
-            <a:ext cx="8702460" cy="5398809"/>
+            <a:off x="751609" y="1552882"/>
+            <a:ext cx="10688782" cy="4366290"/>
           </a:xfrm>
           <a:prstGeom prst="rect">
             <a:avLst/>
@@ -19180,7 +18947,7 @@
     </p:spTree>
     <p:extLst>
       <p:ext uri="{BB962C8B-B14F-4D97-AF65-F5344CB8AC3E}">
-        <p14:creationId xmlns:p14="http://schemas.microsoft.com/office/powerpoint/2010/main" val="4182058166"/>
+        <p14:creationId xmlns:p14="http://schemas.microsoft.com/office/powerpoint/2010/main" val="3154524090"/>
       </p:ext>
     </p:extLst>
   </p:cSld>
@@ -19198,7 +18965,7 @@
         <p:cNvPr id="1" name="">
           <a:extLst>
             <a:ext uri="{FF2B5EF4-FFF2-40B4-BE49-F238E27FC236}">
-              <a16:creationId xmlns:a16="http://schemas.microsoft.com/office/drawing/2014/main" id="{E936E49A-1F6E-6DA3-2231-19F817C0314A}"/>
+              <a16:creationId xmlns:a16="http://schemas.microsoft.com/office/drawing/2014/main" id="{46B72B7E-B2DC-DABF-559B-FB53C1A963CB}"/>
             </a:ext>
           </a:extLst>
         </p:cNvPr>
@@ -19218,7 +18985,7 @@
           <p:cNvPr id="4" name="图片 3">
             <a:extLst>
               <a:ext uri="{FF2B5EF4-FFF2-40B4-BE49-F238E27FC236}">
-                <a16:creationId xmlns:a16="http://schemas.microsoft.com/office/drawing/2014/main" id="{A69BEB78-34F7-7333-D8B8-54B27088C8E9}"/>
+                <a16:creationId xmlns:a16="http://schemas.microsoft.com/office/drawing/2014/main" id="{1AA5E6CC-2846-73FB-971C-14614F35D3F1}"/>
               </a:ext>
             </a:extLst>
           </p:cNvPr>
@@ -19248,7 +19015,7 @@
           <p:cNvPr id="5" name="矩形 4">
             <a:extLst>
               <a:ext uri="{FF2B5EF4-FFF2-40B4-BE49-F238E27FC236}">
-                <a16:creationId xmlns:a16="http://schemas.microsoft.com/office/drawing/2014/main" id="{2C5D1496-6136-C97E-FB38-67683D31C97E}"/>
+                <a16:creationId xmlns:a16="http://schemas.microsoft.com/office/drawing/2014/main" id="{E14E9363-B7F9-25DC-24F8-C490E52DBF49}"/>
               </a:ext>
             </a:extLst>
           </p:cNvPr>
@@ -19326,7 +19093,7 @@
           <p:cNvPr id="58" name="灯片编号占位符 57">
             <a:extLst>
               <a:ext uri="{FF2B5EF4-FFF2-40B4-BE49-F238E27FC236}">
-                <a16:creationId xmlns:a16="http://schemas.microsoft.com/office/drawing/2014/main" id="{D26F12D7-2D0A-1449-3B06-30BAFE462223}"/>
+                <a16:creationId xmlns:a16="http://schemas.microsoft.com/office/drawing/2014/main" id="{286B3B4A-CF7F-94B8-D091-F6352047B247}"/>
               </a:ext>
             </a:extLst>
           </p:cNvPr>
@@ -19419,7 +19186,7 @@
           <p:cNvPr id="7" name="文本框 20">
             <a:extLst>
               <a:ext uri="{FF2B5EF4-FFF2-40B4-BE49-F238E27FC236}">
-                <a16:creationId xmlns:a16="http://schemas.microsoft.com/office/drawing/2014/main" id="{88B6184E-183F-C74E-9266-4BF77F0C1F44}"/>
+                <a16:creationId xmlns:a16="http://schemas.microsoft.com/office/drawing/2014/main" id="{7EE3F5EF-90A7-2CEA-C3F6-F504B7DE7118}"/>
               </a:ext>
             </a:extLst>
           </p:cNvPr>
@@ -19515,7 +19282,7 @@
           <p:cNvPr id="9" name="Picture 8">
             <a:extLst>
               <a:ext uri="{FF2B5EF4-FFF2-40B4-BE49-F238E27FC236}">
-                <a16:creationId xmlns:a16="http://schemas.microsoft.com/office/drawing/2014/main" id="{43C6A6EE-29F7-3FA8-20E6-DC6D2A9A6C70}"/>
+                <a16:creationId xmlns:a16="http://schemas.microsoft.com/office/drawing/2014/main" id="{63EF09DD-2BE7-A6C9-E696-76B88DE461D9}"/>
               </a:ext>
             </a:extLst>
           </p:cNvPr>
@@ -19532,8 +19299,38 @@
         </p:blipFill>
         <p:spPr>
           <a:xfrm>
-            <a:off x="751609" y="1552882"/>
-            <a:ext cx="10688782" cy="4366290"/>
+            <a:off x="3712275" y="1038467"/>
+            <a:ext cx="4767447" cy="2596458"/>
+          </a:xfrm>
+          <a:prstGeom prst="rect">
+            <a:avLst/>
+          </a:prstGeom>
+        </p:spPr>
+      </p:pic>
+      <p:pic>
+        <p:nvPicPr>
+          <p:cNvPr id="3" name="Picture 2">
+            <a:extLst>
+              <a:ext uri="{FF2B5EF4-FFF2-40B4-BE49-F238E27FC236}">
+                <a16:creationId xmlns:a16="http://schemas.microsoft.com/office/drawing/2014/main" id="{5853723B-343C-1961-26C3-A366C920570C}"/>
+              </a:ext>
+            </a:extLst>
+          </p:cNvPr>
+          <p:cNvPicPr>
+            <a:picLocks noChangeAspect="1"/>
+          </p:cNvPicPr>
+          <p:nvPr/>
+        </p:nvPicPr>
+        <p:blipFill>
+          <a:blip r:embed="rId5"/>
+          <a:stretch>
+            <a:fillRect/>
+          </a:stretch>
+        </p:blipFill>
+        <p:spPr>
+          <a:xfrm>
+            <a:off x="3772021" y="3753202"/>
+            <a:ext cx="4647954" cy="2968273"/>
           </a:xfrm>
           <a:prstGeom prst="rect">
             <a:avLst/>
@@ -19543,7 +19340,7 @@
     </p:spTree>
     <p:extLst>
       <p:ext uri="{BB962C8B-B14F-4D97-AF65-F5344CB8AC3E}">
-        <p14:creationId xmlns:p14="http://schemas.microsoft.com/office/powerpoint/2010/main" val="3154524090"/>
+        <p14:creationId xmlns:p14="http://schemas.microsoft.com/office/powerpoint/2010/main" val="1077611537"/>
       </p:ext>
     </p:extLst>
   </p:cSld>
@@ -19561,7 +19358,7 @@
         <p:cNvPr id="1" name="">
           <a:extLst>
             <a:ext uri="{FF2B5EF4-FFF2-40B4-BE49-F238E27FC236}">
-              <a16:creationId xmlns:a16="http://schemas.microsoft.com/office/drawing/2014/main" id="{46B72B7E-B2DC-DABF-559B-FB53C1A963CB}"/>
+              <a16:creationId xmlns:a16="http://schemas.microsoft.com/office/drawing/2014/main" id="{0F5C05D9-5937-987D-77E2-D9582552CF4A}"/>
             </a:ext>
           </a:extLst>
         </p:cNvPr>
@@ -19581,7 +19378,7 @@
           <p:cNvPr id="4" name="图片 3">
             <a:extLst>
               <a:ext uri="{FF2B5EF4-FFF2-40B4-BE49-F238E27FC236}">
-                <a16:creationId xmlns:a16="http://schemas.microsoft.com/office/drawing/2014/main" id="{1AA5E6CC-2846-73FB-971C-14614F35D3F1}"/>
+                <a16:creationId xmlns:a16="http://schemas.microsoft.com/office/drawing/2014/main" id="{364C49BA-7685-52BC-A468-78EB036046DB}"/>
               </a:ext>
             </a:extLst>
           </p:cNvPr>
@@ -19611,7 +19408,7 @@
           <p:cNvPr id="5" name="矩形 4">
             <a:extLst>
               <a:ext uri="{FF2B5EF4-FFF2-40B4-BE49-F238E27FC236}">
-                <a16:creationId xmlns:a16="http://schemas.microsoft.com/office/drawing/2014/main" id="{E14E9363-B7F9-25DC-24F8-C490E52DBF49}"/>
+                <a16:creationId xmlns:a16="http://schemas.microsoft.com/office/drawing/2014/main" id="{952B0607-4C3D-DE78-6DDE-A3AC724B5945}"/>
               </a:ext>
             </a:extLst>
           </p:cNvPr>
@@ -19689,7 +19486,7 @@
           <p:cNvPr id="58" name="灯片编号占位符 57">
             <a:extLst>
               <a:ext uri="{FF2B5EF4-FFF2-40B4-BE49-F238E27FC236}">
-                <a16:creationId xmlns:a16="http://schemas.microsoft.com/office/drawing/2014/main" id="{286B3B4A-CF7F-94B8-D091-F6352047B247}"/>
+                <a16:creationId xmlns:a16="http://schemas.microsoft.com/office/drawing/2014/main" id="{E25C669D-240D-CBE2-5F2E-A0A2C61BCC5F}"/>
               </a:ext>
             </a:extLst>
           </p:cNvPr>
@@ -19782,7 +19579,7 @@
           <p:cNvPr id="7" name="文本框 20">
             <a:extLst>
               <a:ext uri="{FF2B5EF4-FFF2-40B4-BE49-F238E27FC236}">
-                <a16:creationId xmlns:a16="http://schemas.microsoft.com/office/drawing/2014/main" id="{7EE3F5EF-90A7-2CEA-C3F6-F504B7DE7118}"/>
+                <a16:creationId xmlns:a16="http://schemas.microsoft.com/office/drawing/2014/main" id="{0519607E-0C6A-4EED-7144-A44865A805EC}"/>
               </a:ext>
             </a:extLst>
           </p:cNvPr>
@@ -19837,48 +19634,17 @@
                 <a:ea typeface="Cambria" panose="02040503050406030204" pitchFamily="18" charset="0"/>
                 <a:cs typeface="+mn-cs"/>
               </a:rPr>
-              <a:t>Priority Encoder - </a:t>
+              <a:t>Priority Encoder</a:t>
             </a:r>
-            <a:r>
-              <a:rPr kumimoji="0" lang="en-US" altLang="zh-CN" sz="4000" b="1" i="0" u="none" strike="noStrike" kern="1200" cap="none" spc="0" normalizeH="0" baseline="0" noProof="0" dirty="0" err="1">
-                <a:ln>
-                  <a:noFill/>
-                </a:ln>
-                <a:solidFill>
-                  <a:srgbClr val="001A57"/>
-                </a:solidFill>
-                <a:effectLst/>
-                <a:uLnTx/>
-                <a:uFillTx/>
-                <a:latin typeface="Calibri" panose="020F0502020204030204"/>
-                <a:ea typeface="Cambria" panose="02040503050406030204" pitchFamily="18" charset="0"/>
-                <a:cs typeface="+mn-cs"/>
-              </a:rPr>
-              <a:t>encoder_symbol</a:t>
-            </a:r>
-            <a:endParaRPr kumimoji="0" lang="en-US" altLang="zh-CN" sz="4000" b="1" i="0" u="none" strike="noStrike" kern="1200" cap="none" spc="0" normalizeH="0" baseline="0" noProof="0" dirty="0">
-              <a:ln>
-                <a:noFill/>
-              </a:ln>
-              <a:solidFill>
-                <a:srgbClr val="001A57"/>
-              </a:solidFill>
-              <a:effectLst/>
-              <a:uLnTx/>
-              <a:uFillTx/>
-              <a:latin typeface="Calibri" panose="020F0502020204030204"/>
-              <a:ea typeface="Cambria" panose="02040503050406030204" pitchFamily="18" charset="0"/>
-              <a:cs typeface="+mn-cs"/>
-            </a:endParaRPr>
           </a:p>
         </p:txBody>
       </p:sp>
       <p:pic>
         <p:nvPicPr>
-          <p:cNvPr id="9" name="Picture 8">
-            <a:extLst>
-              <a:ext uri="{FF2B5EF4-FFF2-40B4-BE49-F238E27FC236}">
-                <a16:creationId xmlns:a16="http://schemas.microsoft.com/office/drawing/2014/main" id="{63EF09DD-2BE7-A6C9-E696-76B88DE461D9}"/>
+          <p:cNvPr id="3" name="Picture 2">
+            <a:extLst>
+              <a:ext uri="{FF2B5EF4-FFF2-40B4-BE49-F238E27FC236}">
+                <a16:creationId xmlns:a16="http://schemas.microsoft.com/office/drawing/2014/main" id="{E7C8FA8E-5734-094B-1075-AA8CE4D6572E}"/>
               </a:ext>
             </a:extLst>
           </p:cNvPr>
@@ -19895,48 +19661,99 @@
         </p:blipFill>
         <p:spPr>
           <a:xfrm>
-            <a:off x="3712275" y="1038467"/>
-            <a:ext cx="4767447" cy="2596458"/>
+            <a:off x="1592886" y="983724"/>
+            <a:ext cx="9006227" cy="5294456"/>
           </a:xfrm>
           <a:prstGeom prst="rect">
             <a:avLst/>
           </a:prstGeom>
         </p:spPr>
       </p:pic>
-      <p:pic>
-        <p:nvPicPr>
-          <p:cNvPr id="3" name="Picture 2">
-            <a:extLst>
-              <a:ext uri="{FF2B5EF4-FFF2-40B4-BE49-F238E27FC236}">
-                <a16:creationId xmlns:a16="http://schemas.microsoft.com/office/drawing/2014/main" id="{5853723B-343C-1961-26C3-A366C920570C}"/>
-              </a:ext>
-            </a:extLst>
-          </p:cNvPr>
-          <p:cNvPicPr>
-            <a:picLocks noChangeAspect="1"/>
-          </p:cNvPicPr>
+      <p:sp>
+        <p:nvSpPr>
+          <p:cNvPr id="6" name="Rectangle: Rounded Corners 5">
+            <a:extLst>
+              <a:ext uri="{FF2B5EF4-FFF2-40B4-BE49-F238E27FC236}">
+                <a16:creationId xmlns:a16="http://schemas.microsoft.com/office/drawing/2014/main" id="{E3101292-D167-7719-EAA7-786360D729FD}"/>
+              </a:ext>
+            </a:extLst>
+          </p:cNvPr>
+          <p:cNvSpPr/>
           <p:nvPr/>
-        </p:nvPicPr>
-        <p:blipFill>
-          <a:blip r:embed="rId5"/>
-          <a:stretch>
-            <a:fillRect/>
-          </a:stretch>
-        </p:blipFill>
+        </p:nvSpPr>
         <p:spPr>
           <a:xfrm>
-            <a:off x="3772021" y="3753202"/>
-            <a:ext cx="4647954" cy="2968273"/>
+            <a:off x="5466304" y="1115366"/>
+            <a:ext cx="4803112" cy="3908809"/>
           </a:xfrm>
-          <a:prstGeom prst="rect">
+          <a:prstGeom prst="roundRect">
             <a:avLst/>
           </a:prstGeom>
+          <a:noFill/>
+          <a:ln w="38100">
+            <a:solidFill>
+              <a:srgbClr val="C00000"/>
+            </a:solidFill>
+          </a:ln>
         </p:spPr>
-      </p:pic>
+        <p:style>
+          <a:lnRef idx="2">
+            <a:schemeClr val="accent1">
+              <a:shade val="15000"/>
+            </a:schemeClr>
+          </a:lnRef>
+          <a:fillRef idx="1">
+            <a:schemeClr val="accent1"/>
+          </a:fillRef>
+          <a:effectRef idx="0">
+            <a:schemeClr val="accent1"/>
+          </a:effectRef>
+          <a:fontRef idx="minor">
+            <a:schemeClr val="lt1"/>
+          </a:fontRef>
+        </p:style>
+        <p:txBody>
+          <a:bodyPr rtlCol="0" anchor="ctr"/>
+          <a:lstStyle/>
+          <a:p>
+            <a:pPr marL="0" marR="0" lvl="0" indent="0" algn="ctr" defTabSz="914400" rtl="0" eaLnBrk="1" fontAlgn="auto" latinLnBrk="0" hangingPunct="1">
+              <a:lnSpc>
+                <a:spcPct val="100000"/>
+              </a:lnSpc>
+              <a:spcBef>
+                <a:spcPts val="0"/>
+              </a:spcBef>
+              <a:spcAft>
+                <a:spcPts val="0"/>
+              </a:spcAft>
+              <a:buClrTx/>
+              <a:buSzTx/>
+              <a:buFontTx/>
+              <a:buNone/>
+              <a:tabLst/>
+              <a:defRPr/>
+            </a:pPr>
+            <a:endParaRPr kumimoji="0" lang="zh-CN" altLang="en-US" sz="1800" b="0" i="0" u="none" strike="noStrike" kern="1200" cap="none" spc="0" normalizeH="0" baseline="0" noProof="0">
+              <a:ln>
+                <a:noFill/>
+              </a:ln>
+              <a:solidFill>
+                <a:srgbClr val="FFFFFF"/>
+              </a:solidFill>
+              <a:effectLst/>
+              <a:uLnTx/>
+              <a:uFillTx/>
+              <a:latin typeface="Calibri" panose="020F0502020204030204"/>
+              <a:ea typeface="等线" panose="02010600030101010101" pitchFamily="2" charset="-122"/>
+              <a:cs typeface="+mn-cs"/>
+            </a:endParaRPr>
+          </a:p>
+        </p:txBody>
+      </p:sp>
     </p:spTree>
     <p:extLst>
       <p:ext uri="{BB962C8B-B14F-4D97-AF65-F5344CB8AC3E}">
-        <p14:creationId xmlns:p14="http://schemas.microsoft.com/office/powerpoint/2010/main" val="1077611537"/>
+        <p14:creationId xmlns:p14="http://schemas.microsoft.com/office/powerpoint/2010/main" val="2305531192"/>
       </p:ext>
     </p:extLst>
   </p:cSld>
@@ -19954,7 +19771,7 @@
         <p:cNvPr id="1" name="">
           <a:extLst>
             <a:ext uri="{FF2B5EF4-FFF2-40B4-BE49-F238E27FC236}">
-              <a16:creationId xmlns:a16="http://schemas.microsoft.com/office/drawing/2014/main" id="{0F5C05D9-5937-987D-77E2-D9582552CF4A}"/>
+              <a16:creationId xmlns:a16="http://schemas.microsoft.com/office/drawing/2014/main" id="{A687451B-DED1-535E-7755-6F59C9E4ADA0}"/>
             </a:ext>
           </a:extLst>
         </p:cNvPr>
@@ -19974,7 +19791,7 @@
           <p:cNvPr id="4" name="图片 3">
             <a:extLst>
               <a:ext uri="{FF2B5EF4-FFF2-40B4-BE49-F238E27FC236}">
-                <a16:creationId xmlns:a16="http://schemas.microsoft.com/office/drawing/2014/main" id="{364C49BA-7685-52BC-A468-78EB036046DB}"/>
+                <a16:creationId xmlns:a16="http://schemas.microsoft.com/office/drawing/2014/main" id="{A0D5D5CE-5C1E-46B2-B45F-67D0E83A8185}"/>
               </a:ext>
             </a:extLst>
           </p:cNvPr>
@@ -20004,7 +19821,7 @@
           <p:cNvPr id="5" name="矩形 4">
             <a:extLst>
               <a:ext uri="{FF2B5EF4-FFF2-40B4-BE49-F238E27FC236}">
-                <a16:creationId xmlns:a16="http://schemas.microsoft.com/office/drawing/2014/main" id="{952B0607-4C3D-DE78-6DDE-A3AC724B5945}"/>
+                <a16:creationId xmlns:a16="http://schemas.microsoft.com/office/drawing/2014/main" id="{3D0815DB-FE68-2C06-D4C1-643CC28580F1}"/>
               </a:ext>
             </a:extLst>
           </p:cNvPr>
@@ -20079,10 +19896,106 @@
       </p:sp>
       <p:sp>
         <p:nvSpPr>
+          <p:cNvPr id="21" name="文本框 20">
+            <a:extLst>
+              <a:ext uri="{FF2B5EF4-FFF2-40B4-BE49-F238E27FC236}">
+                <a16:creationId xmlns:a16="http://schemas.microsoft.com/office/drawing/2014/main" id="{B7E67C1C-772F-0FA4-588A-28F90C586252}"/>
+              </a:ext>
+            </a:extLst>
+          </p:cNvPr>
+          <p:cNvSpPr txBox="1"/>
+          <p:nvPr/>
+        </p:nvSpPr>
+        <p:spPr>
+          <a:xfrm>
+            <a:off x="345219" y="136525"/>
+            <a:ext cx="9636981" cy="707886"/>
+          </a:xfrm>
+          <a:prstGeom prst="rect">
+            <a:avLst/>
+          </a:prstGeom>
+          <a:noFill/>
+        </p:spPr>
+        <p:txBody>
+          <a:bodyPr wrap="square" rtlCol="0">
+            <a:spAutoFit/>
+          </a:bodyPr>
+          <a:lstStyle/>
+          <a:p>
+            <a:pPr marL="0" marR="0" lvl="0" indent="0" algn="l" defTabSz="457200" rtl="0" eaLnBrk="1" fontAlgn="auto" latinLnBrk="0" hangingPunct="1">
+              <a:lnSpc>
+                <a:spcPct val="100000"/>
+              </a:lnSpc>
+              <a:spcBef>
+                <a:spcPts val="0"/>
+              </a:spcBef>
+              <a:spcAft>
+                <a:spcPts val="0"/>
+              </a:spcAft>
+              <a:buClrTx/>
+              <a:buSzTx/>
+              <a:buFontTx/>
+              <a:buNone/>
+              <a:tabLst/>
+              <a:defRPr/>
+            </a:pPr>
+            <a:r>
+              <a:rPr kumimoji="0" lang="en-US" altLang="zh-CN" sz="4000" b="1" i="0" u="none" strike="noStrike" kern="1200" cap="none" spc="0" normalizeH="0" baseline="0" noProof="0" dirty="0">
+                <a:ln>
+                  <a:noFill/>
+                </a:ln>
+                <a:solidFill>
+                  <a:srgbClr val="001A57"/>
+                </a:solidFill>
+                <a:effectLst/>
+                <a:uLnTx/>
+                <a:uFillTx/>
+                <a:latin typeface="Calibri" panose="020F0502020204030204"/>
+                <a:ea typeface="Cambria" panose="02040503050406030204" pitchFamily="18" charset="0"/>
+                <a:cs typeface="+mn-cs"/>
+              </a:rPr>
+              <a:t>Differential Comparator - </a:t>
+            </a:r>
+            <a:r>
+              <a:rPr kumimoji="0" lang="en-US" altLang="zh-CN" sz="4000" b="1" i="0" u="none" strike="noStrike" kern="1200" cap="none" spc="0" normalizeH="0" baseline="0" noProof="0" dirty="0" err="1">
+                <a:ln>
+                  <a:noFill/>
+                </a:ln>
+                <a:solidFill>
+                  <a:srgbClr val="001A57"/>
+                </a:solidFill>
+                <a:effectLst/>
+                <a:uLnTx/>
+                <a:uFillTx/>
+                <a:latin typeface="Calibri" panose="020F0502020204030204"/>
+                <a:ea typeface="Cambria" panose="02040503050406030204" pitchFamily="18" charset="0"/>
+                <a:cs typeface="+mn-cs"/>
+              </a:rPr>
+              <a:t>opamp</a:t>
+            </a:r>
+            <a:endParaRPr kumimoji="0" lang="en-US" altLang="zh-CN" sz="4000" b="1" i="0" u="none" strike="noStrike" kern="1200" cap="none" spc="0" normalizeH="0" baseline="0" noProof="0" dirty="0">
+              <a:ln>
+                <a:noFill/>
+              </a:ln>
+              <a:solidFill>
+                <a:srgbClr val="001A57"/>
+              </a:solidFill>
+              <a:effectLst/>
+              <a:uLnTx/>
+              <a:uFillTx/>
+              <a:latin typeface="Calibri" panose="020F0502020204030204"/>
+              <a:ea typeface="Cambria" panose="02040503050406030204" pitchFamily="18" charset="0"/>
+              <a:cs typeface="+mn-cs"/>
+            </a:endParaRPr>
+          </a:p>
+        </p:txBody>
+      </p:sp>
+      <p:sp>
+        <p:nvSpPr>
           <p:cNvPr id="58" name="灯片编号占位符 57">
             <a:extLst>
               <a:ext uri="{FF2B5EF4-FFF2-40B4-BE49-F238E27FC236}">
-                <a16:creationId xmlns:a16="http://schemas.microsoft.com/office/drawing/2014/main" id="{E25C669D-240D-CBE2-5F2E-A0A2C61BCC5F}"/>
+                <a16:creationId xmlns:a16="http://schemas.microsoft.com/office/drawing/2014/main" id="{16B9A0FF-8D73-61B6-06C8-8CA8AC46985B}"/>
               </a:ext>
             </a:extLst>
           </p:cNvPr>
@@ -20170,77 +20083,12 @@
           </a:p>
         </p:txBody>
       </p:sp>
-      <p:sp>
-        <p:nvSpPr>
-          <p:cNvPr id="7" name="文本框 20">
-            <a:extLst>
-              <a:ext uri="{FF2B5EF4-FFF2-40B4-BE49-F238E27FC236}">
-                <a16:creationId xmlns:a16="http://schemas.microsoft.com/office/drawing/2014/main" id="{0519607E-0C6A-4EED-7144-A44865A805EC}"/>
-              </a:ext>
-            </a:extLst>
-          </p:cNvPr>
-          <p:cNvSpPr txBox="1"/>
-          <p:nvPr/>
-        </p:nvSpPr>
-        <p:spPr>
-          <a:xfrm>
-            <a:off x="345219" y="136525"/>
-            <a:ext cx="9636981" cy="707886"/>
-          </a:xfrm>
-          <a:prstGeom prst="rect">
-            <a:avLst/>
-          </a:prstGeom>
-          <a:noFill/>
-        </p:spPr>
-        <p:txBody>
-          <a:bodyPr wrap="square" rtlCol="0">
-            <a:spAutoFit/>
-          </a:bodyPr>
-          <a:lstStyle/>
-          <a:p>
-            <a:pPr marL="0" marR="0" lvl="0" indent="0" algn="l" defTabSz="457200" rtl="0" eaLnBrk="1" fontAlgn="auto" latinLnBrk="0" hangingPunct="1">
-              <a:lnSpc>
-                <a:spcPct val="100000"/>
-              </a:lnSpc>
-              <a:spcBef>
-                <a:spcPts val="0"/>
-              </a:spcBef>
-              <a:spcAft>
-                <a:spcPts val="0"/>
-              </a:spcAft>
-              <a:buClrTx/>
-              <a:buSzTx/>
-              <a:buFontTx/>
-              <a:buNone/>
-              <a:tabLst/>
-              <a:defRPr/>
-            </a:pPr>
-            <a:r>
-              <a:rPr kumimoji="0" lang="en-US" altLang="zh-CN" sz="4000" b="1" i="0" u="none" strike="noStrike" kern="1200" cap="none" spc="0" normalizeH="0" baseline="0" noProof="0" dirty="0">
-                <a:ln>
-                  <a:noFill/>
-                </a:ln>
-                <a:solidFill>
-                  <a:srgbClr val="001A57"/>
-                </a:solidFill>
-                <a:effectLst/>
-                <a:uLnTx/>
-                <a:uFillTx/>
-                <a:latin typeface="Calibri" panose="020F0502020204030204"/>
-                <a:ea typeface="Cambria" panose="02040503050406030204" pitchFamily="18" charset="0"/>
-                <a:cs typeface="+mn-cs"/>
-              </a:rPr>
-              <a:t>Priority Encoder</a:t>
-            </a:r>
-          </a:p>
-        </p:txBody>
-      </p:sp>
       <p:pic>
         <p:nvPicPr>
-          <p:cNvPr id="3" name="Picture 2">
-            <a:extLst>
-              <a:ext uri="{FF2B5EF4-FFF2-40B4-BE49-F238E27FC236}">
-                <a16:creationId xmlns:a16="http://schemas.microsoft.com/office/drawing/2014/main" id="{E7C8FA8E-5734-094B-1075-AA8CE4D6572E}"/>
+          <p:cNvPr id="7" name="Picture 6">
+            <a:extLst>
+              <a:ext uri="{FF2B5EF4-FFF2-40B4-BE49-F238E27FC236}">
+                <a16:creationId xmlns:a16="http://schemas.microsoft.com/office/drawing/2014/main" id="{F09F7683-C486-D77E-C766-6C375B42B2DC}"/>
               </a:ext>
             </a:extLst>
           </p:cNvPr>
@@ -20257,99 +20105,48 @@
         </p:blipFill>
         <p:spPr>
           <a:xfrm>
-            <a:off x="1592886" y="983724"/>
-            <a:ext cx="9006227" cy="5294456"/>
+            <a:off x="716435" y="1324973"/>
+            <a:ext cx="7729630" cy="5031377"/>
           </a:xfrm>
           <a:prstGeom prst="rect">
             <a:avLst/>
           </a:prstGeom>
         </p:spPr>
       </p:pic>
-      <p:sp>
-        <p:nvSpPr>
-          <p:cNvPr id="6" name="Rectangle: Rounded Corners 5">
-            <a:extLst>
-              <a:ext uri="{FF2B5EF4-FFF2-40B4-BE49-F238E27FC236}">
-                <a16:creationId xmlns:a16="http://schemas.microsoft.com/office/drawing/2014/main" id="{E3101292-D167-7719-EAA7-786360D729FD}"/>
-              </a:ext>
-            </a:extLst>
-          </p:cNvPr>
-          <p:cNvSpPr/>
+      <p:pic>
+        <p:nvPicPr>
+          <p:cNvPr id="11" name="Picture 10">
+            <a:extLst>
+              <a:ext uri="{FF2B5EF4-FFF2-40B4-BE49-F238E27FC236}">
+                <a16:creationId xmlns:a16="http://schemas.microsoft.com/office/drawing/2014/main" id="{55344DE5-7C4C-8BD1-4450-8733846A619E}"/>
+              </a:ext>
+            </a:extLst>
+          </p:cNvPr>
+          <p:cNvPicPr>
+            <a:picLocks noChangeAspect="1"/>
+          </p:cNvPicPr>
           <p:nvPr/>
-        </p:nvSpPr>
+        </p:nvPicPr>
+        <p:blipFill>
+          <a:blip r:embed="rId5"/>
+          <a:stretch>
+            <a:fillRect/>
+          </a:stretch>
+        </p:blipFill>
         <p:spPr>
           <a:xfrm>
-            <a:off x="5466304" y="1115366"/>
-            <a:ext cx="4803112" cy="3908809"/>
+            <a:off x="8654688" y="3258650"/>
+            <a:ext cx="3202032" cy="2122385"/>
           </a:xfrm>
-          <a:prstGeom prst="roundRect">
+          <a:prstGeom prst="rect">
             <a:avLst/>
           </a:prstGeom>
-          <a:noFill/>
-          <a:ln w="38100">
-            <a:solidFill>
-              <a:srgbClr val="C00000"/>
-            </a:solidFill>
-          </a:ln>
         </p:spPr>
-        <p:style>
-          <a:lnRef idx="2">
-            <a:schemeClr val="accent1">
-              <a:shade val="15000"/>
-            </a:schemeClr>
-          </a:lnRef>
-          <a:fillRef idx="1">
-            <a:schemeClr val="accent1"/>
-          </a:fillRef>
-          <a:effectRef idx="0">
-            <a:schemeClr val="accent1"/>
-          </a:effectRef>
-          <a:fontRef idx="minor">
-            <a:schemeClr val="lt1"/>
-          </a:fontRef>
-        </p:style>
-        <p:txBody>
-          <a:bodyPr rtlCol="0" anchor="ctr"/>
-          <a:lstStyle/>
-          <a:p>
-            <a:pPr marL="0" marR="0" lvl="0" indent="0" algn="ctr" defTabSz="914400" rtl="0" eaLnBrk="1" fontAlgn="auto" latinLnBrk="0" hangingPunct="1">
-              <a:lnSpc>
-                <a:spcPct val="100000"/>
-              </a:lnSpc>
-              <a:spcBef>
-                <a:spcPts val="0"/>
-              </a:spcBef>
-              <a:spcAft>
-                <a:spcPts val="0"/>
-              </a:spcAft>
-              <a:buClrTx/>
-              <a:buSzTx/>
-              <a:buFontTx/>
-              <a:buNone/>
-              <a:tabLst/>
-              <a:defRPr/>
-            </a:pPr>
-            <a:endParaRPr kumimoji="0" lang="zh-CN" altLang="en-US" sz="1800" b="0" i="0" u="none" strike="noStrike" kern="1200" cap="none" spc="0" normalizeH="0" baseline="0" noProof="0">
-              <a:ln>
-                <a:noFill/>
-              </a:ln>
-              <a:solidFill>
-                <a:srgbClr val="FFFFFF"/>
-              </a:solidFill>
-              <a:effectLst/>
-              <a:uLnTx/>
-              <a:uFillTx/>
-              <a:latin typeface="Calibri" panose="020F0502020204030204"/>
-              <a:ea typeface="等线" panose="02010600030101010101" pitchFamily="2" charset="-122"/>
-              <a:cs typeface="+mn-cs"/>
-            </a:endParaRPr>
-          </a:p>
-        </p:txBody>
-      </p:sp>
+      </p:pic>
     </p:spTree>
     <p:extLst>
       <p:ext uri="{BB962C8B-B14F-4D97-AF65-F5344CB8AC3E}">
-        <p14:creationId xmlns:p14="http://schemas.microsoft.com/office/powerpoint/2010/main" val="2305531192"/>
+        <p14:creationId xmlns:p14="http://schemas.microsoft.com/office/powerpoint/2010/main" val="3741506218"/>
       </p:ext>
     </p:extLst>
   </p:cSld>
@@ -20367,7 +20164,7 @@
         <p:cNvPr id="1" name="">
           <a:extLst>
             <a:ext uri="{FF2B5EF4-FFF2-40B4-BE49-F238E27FC236}">
-              <a16:creationId xmlns:a16="http://schemas.microsoft.com/office/drawing/2014/main" id="{A687451B-DED1-535E-7755-6F59C9E4ADA0}"/>
+              <a16:creationId xmlns:a16="http://schemas.microsoft.com/office/drawing/2014/main" id="{FF2E528E-EF50-3838-1027-84D6EC0AF0A2}"/>
             </a:ext>
           </a:extLst>
         </p:cNvPr>
@@ -20387,7 +20184,7 @@
           <p:cNvPr id="4" name="图片 3">
             <a:extLst>
               <a:ext uri="{FF2B5EF4-FFF2-40B4-BE49-F238E27FC236}">
-                <a16:creationId xmlns:a16="http://schemas.microsoft.com/office/drawing/2014/main" id="{A0D5D5CE-5C1E-46B2-B45F-67D0E83A8185}"/>
+                <a16:creationId xmlns:a16="http://schemas.microsoft.com/office/drawing/2014/main" id="{3BF33CD8-D852-6CE7-0EC5-6487109193E2}"/>
               </a:ext>
             </a:extLst>
           </p:cNvPr>
@@ -20417,7 +20214,7 @@
           <p:cNvPr id="5" name="矩形 4">
             <a:extLst>
               <a:ext uri="{FF2B5EF4-FFF2-40B4-BE49-F238E27FC236}">
-                <a16:creationId xmlns:a16="http://schemas.microsoft.com/office/drawing/2014/main" id="{3D0815DB-FE68-2C06-D4C1-643CC28580F1}"/>
+                <a16:creationId xmlns:a16="http://schemas.microsoft.com/office/drawing/2014/main" id="{438E09FA-40B9-FBEE-B619-2F6BF4124F32}"/>
               </a:ext>
             </a:extLst>
           </p:cNvPr>
@@ -20495,7 +20292,7 @@
           <p:cNvPr id="21" name="文本框 20">
             <a:extLst>
               <a:ext uri="{FF2B5EF4-FFF2-40B4-BE49-F238E27FC236}">
-                <a16:creationId xmlns:a16="http://schemas.microsoft.com/office/drawing/2014/main" id="{B7E67C1C-772F-0FA4-588A-28F90C586252}"/>
+                <a16:creationId xmlns:a16="http://schemas.microsoft.com/office/drawing/2014/main" id="{54ABAE70-9AC8-7517-27A6-776E3AC3D2F8}"/>
               </a:ext>
             </a:extLst>
           </p:cNvPr>
@@ -20591,7 +20388,7 @@
           <p:cNvPr id="58" name="灯片编号占位符 57">
             <a:extLst>
               <a:ext uri="{FF2B5EF4-FFF2-40B4-BE49-F238E27FC236}">
-                <a16:creationId xmlns:a16="http://schemas.microsoft.com/office/drawing/2014/main" id="{16B9A0FF-8D73-61B6-06C8-8CA8AC46985B}"/>
+                <a16:creationId xmlns:a16="http://schemas.microsoft.com/office/drawing/2014/main" id="{ED60C288-CEF0-754F-7AE0-89F11DA29F75}"/>
               </a:ext>
             </a:extLst>
           </p:cNvPr>
@@ -20681,10 +20478,10 @@
       </p:sp>
       <p:pic>
         <p:nvPicPr>
-          <p:cNvPr id="7" name="Picture 6">
-            <a:extLst>
-              <a:ext uri="{FF2B5EF4-FFF2-40B4-BE49-F238E27FC236}">
-                <a16:creationId xmlns:a16="http://schemas.microsoft.com/office/drawing/2014/main" id="{F09F7683-C486-D77E-C766-6C375B42B2DC}"/>
+          <p:cNvPr id="6" name="Picture 5">
+            <a:extLst>
+              <a:ext uri="{FF2B5EF4-FFF2-40B4-BE49-F238E27FC236}">
+                <a16:creationId xmlns:a16="http://schemas.microsoft.com/office/drawing/2014/main" id="{80ED36F2-01CD-98B6-904B-5DBD0009265C}"/>
               </a:ext>
             </a:extLst>
           </p:cNvPr>
@@ -20701,119 +20498,8 @@
         </p:blipFill>
         <p:spPr>
           <a:xfrm>
-            <a:off x="716435" y="1324973"/>
-            <a:ext cx="7729630" cy="5031377"/>
-          </a:xfrm>
-          <a:prstGeom prst="rect">
-            <a:avLst/>
-          </a:prstGeom>
-        </p:spPr>
-      </p:pic>
-      <p:sp>
-        <p:nvSpPr>
-          <p:cNvPr id="9" name="Rectangle: Rounded Corners 8">
-            <a:extLst>
-              <a:ext uri="{FF2B5EF4-FFF2-40B4-BE49-F238E27FC236}">
-                <a16:creationId xmlns:a16="http://schemas.microsoft.com/office/drawing/2014/main" id="{FF45A473-1442-F545-BA0C-F9B1BF556289}"/>
-              </a:ext>
-            </a:extLst>
-          </p:cNvPr>
-          <p:cNvSpPr/>
-          <p:nvPr/>
-        </p:nvSpPr>
-        <p:spPr>
-          <a:xfrm>
-            <a:off x="2517568" y="3458079"/>
-            <a:ext cx="1579419" cy="769537"/>
-          </a:xfrm>
-          <a:prstGeom prst="roundRect">
-            <a:avLst/>
-          </a:prstGeom>
-          <a:noFill/>
-          <a:ln w="28575">
-            <a:solidFill>
-              <a:srgbClr val="C00000"/>
-            </a:solidFill>
-          </a:ln>
-        </p:spPr>
-        <p:style>
-          <a:lnRef idx="2">
-            <a:schemeClr val="accent1">
-              <a:shade val="15000"/>
-            </a:schemeClr>
-          </a:lnRef>
-          <a:fillRef idx="1">
-            <a:schemeClr val="accent1"/>
-          </a:fillRef>
-          <a:effectRef idx="0">
-            <a:schemeClr val="accent1"/>
-          </a:effectRef>
-          <a:fontRef idx="minor">
-            <a:schemeClr val="lt1"/>
-          </a:fontRef>
-        </p:style>
-        <p:txBody>
-          <a:bodyPr rtlCol="0" anchor="ctr"/>
-          <a:lstStyle/>
-          <a:p>
-            <a:pPr marL="0" marR="0" lvl="0" indent="0" algn="ctr" defTabSz="914400" rtl="0" eaLnBrk="1" fontAlgn="auto" latinLnBrk="0" hangingPunct="1">
-              <a:lnSpc>
-                <a:spcPct val="100000"/>
-              </a:lnSpc>
-              <a:spcBef>
-                <a:spcPts val="0"/>
-              </a:spcBef>
-              <a:spcAft>
-                <a:spcPts val="0"/>
-              </a:spcAft>
-              <a:buClrTx/>
-              <a:buSzTx/>
-              <a:buFontTx/>
-              <a:buNone/>
-              <a:tabLst/>
-              <a:defRPr/>
-            </a:pPr>
-            <a:endParaRPr kumimoji="0" lang="zh-CN" altLang="en-US" sz="1800" b="0" i="0" u="none" strike="noStrike" kern="1200" cap="none" spc="0" normalizeH="0" baseline="0" noProof="0">
-              <a:ln>
-                <a:noFill/>
-              </a:ln>
-              <a:solidFill>
-                <a:srgbClr val="FFFFFF"/>
-              </a:solidFill>
-              <a:effectLst/>
-              <a:uLnTx/>
-              <a:uFillTx/>
-              <a:latin typeface="Calibri" panose="020F0502020204030204"/>
-              <a:ea typeface="等线" panose="02010600030101010101" pitchFamily="2" charset="-122"/>
-              <a:cs typeface="+mn-cs"/>
-            </a:endParaRPr>
-          </a:p>
-        </p:txBody>
-      </p:sp>
-      <p:pic>
-        <p:nvPicPr>
-          <p:cNvPr id="11" name="Picture 10">
-            <a:extLst>
-              <a:ext uri="{FF2B5EF4-FFF2-40B4-BE49-F238E27FC236}">
-                <a16:creationId xmlns:a16="http://schemas.microsoft.com/office/drawing/2014/main" id="{55344DE5-7C4C-8BD1-4450-8733846A619E}"/>
-              </a:ext>
-            </a:extLst>
-          </p:cNvPr>
-          <p:cNvPicPr>
-            <a:picLocks noChangeAspect="1"/>
-          </p:cNvPicPr>
-          <p:nvPr/>
-        </p:nvPicPr>
-        <p:blipFill>
-          <a:blip r:embed="rId5"/>
-          <a:stretch>
-            <a:fillRect/>
-          </a:stretch>
-        </p:blipFill>
-        <p:spPr>
-          <a:xfrm>
-            <a:off x="8654688" y="3258650"/>
-            <a:ext cx="3202032" cy="2122385"/>
+            <a:off x="3764224" y="905554"/>
+            <a:ext cx="4663552" cy="5790834"/>
           </a:xfrm>
           <a:prstGeom prst="rect">
             <a:avLst/>
@@ -20823,7 +20509,7 @@
     </p:spTree>
     <p:extLst>
       <p:ext uri="{BB962C8B-B14F-4D97-AF65-F5344CB8AC3E}">
-        <p14:creationId xmlns:p14="http://schemas.microsoft.com/office/powerpoint/2010/main" val="3741506218"/>
+        <p14:creationId xmlns:p14="http://schemas.microsoft.com/office/powerpoint/2010/main" val="2985183764"/>
       </p:ext>
     </p:extLst>
   </p:cSld>
@@ -20841,7 +20527,7 @@
         <p:cNvPr id="1" name="">
           <a:extLst>
             <a:ext uri="{FF2B5EF4-FFF2-40B4-BE49-F238E27FC236}">
-              <a16:creationId xmlns:a16="http://schemas.microsoft.com/office/drawing/2014/main" id="{FF2E528E-EF50-3838-1027-84D6EC0AF0A2}"/>
+              <a16:creationId xmlns:a16="http://schemas.microsoft.com/office/drawing/2014/main" id="{0E1058A0-65AE-FA67-E39E-6BDBAC0F19CD}"/>
             </a:ext>
           </a:extLst>
         </p:cNvPr>
@@ -20861,7 +20547,7 @@
           <p:cNvPr id="4" name="图片 3">
             <a:extLst>
               <a:ext uri="{FF2B5EF4-FFF2-40B4-BE49-F238E27FC236}">
-                <a16:creationId xmlns:a16="http://schemas.microsoft.com/office/drawing/2014/main" id="{3BF33CD8-D852-6CE7-0EC5-6487109193E2}"/>
+                <a16:creationId xmlns:a16="http://schemas.microsoft.com/office/drawing/2014/main" id="{57644197-CF72-7E3F-57C0-F266B833BD66}"/>
               </a:ext>
             </a:extLst>
           </p:cNvPr>
@@ -20891,7 +20577,7 @@
           <p:cNvPr id="5" name="矩形 4">
             <a:extLst>
               <a:ext uri="{FF2B5EF4-FFF2-40B4-BE49-F238E27FC236}">
-                <a16:creationId xmlns:a16="http://schemas.microsoft.com/office/drawing/2014/main" id="{438E09FA-40B9-FBEE-B619-2F6BF4124F32}"/>
+                <a16:creationId xmlns:a16="http://schemas.microsoft.com/office/drawing/2014/main" id="{91B52CB8-32DE-BF0E-70FE-93A414A7DB44}"/>
               </a:ext>
             </a:extLst>
           </p:cNvPr>
@@ -20969,7 +20655,7 @@
           <p:cNvPr id="21" name="文本框 20">
             <a:extLst>
               <a:ext uri="{FF2B5EF4-FFF2-40B4-BE49-F238E27FC236}">
-                <a16:creationId xmlns:a16="http://schemas.microsoft.com/office/drawing/2014/main" id="{54ABAE70-9AC8-7517-27A6-776E3AC3D2F8}"/>
+                <a16:creationId xmlns:a16="http://schemas.microsoft.com/office/drawing/2014/main" id="{80ECB0BF-0051-78FC-DF91-5C58960682E7}"/>
               </a:ext>
             </a:extLst>
           </p:cNvPr>
@@ -21065,7 +20751,7 @@
           <p:cNvPr id="58" name="灯片编号占位符 57">
             <a:extLst>
               <a:ext uri="{FF2B5EF4-FFF2-40B4-BE49-F238E27FC236}">
-                <a16:creationId xmlns:a16="http://schemas.microsoft.com/office/drawing/2014/main" id="{ED60C288-CEF0-754F-7AE0-89F11DA29F75}"/>
+                <a16:creationId xmlns:a16="http://schemas.microsoft.com/office/drawing/2014/main" id="{C06998FC-EE61-34ED-E938-2363485C2B37}"/>
               </a:ext>
             </a:extLst>
           </p:cNvPr>
@@ -21158,7 +20844,7 @@
           <p:cNvPr id="6" name="Picture 5">
             <a:extLst>
               <a:ext uri="{FF2B5EF4-FFF2-40B4-BE49-F238E27FC236}">
-                <a16:creationId xmlns:a16="http://schemas.microsoft.com/office/drawing/2014/main" id="{80ED36F2-01CD-98B6-904B-5DBD0009265C}"/>
+                <a16:creationId xmlns:a16="http://schemas.microsoft.com/office/drawing/2014/main" id="{66D22CAB-5C51-4C2F-4624-D2EBB7DA03FE}"/>
               </a:ext>
             </a:extLst>
           </p:cNvPr>
@@ -21175,8 +20861,38 @@
         </p:blipFill>
         <p:spPr>
           <a:xfrm>
-            <a:off x="3764224" y="905554"/>
-            <a:ext cx="4663552" cy="5790834"/>
+            <a:off x="3586425" y="999117"/>
+            <a:ext cx="5024175" cy="2688837"/>
+          </a:xfrm>
+          <a:prstGeom prst="rect">
+            <a:avLst/>
+          </a:prstGeom>
+        </p:spPr>
+      </p:pic>
+      <p:pic>
+        <p:nvPicPr>
+          <p:cNvPr id="9" name="Picture 8">
+            <a:extLst>
+              <a:ext uri="{FF2B5EF4-FFF2-40B4-BE49-F238E27FC236}">
+                <a16:creationId xmlns:a16="http://schemas.microsoft.com/office/drawing/2014/main" id="{D943D6A8-606B-A391-BD75-4FBB8F7AD4EF}"/>
+              </a:ext>
+            </a:extLst>
+          </p:cNvPr>
+          <p:cNvPicPr>
+            <a:picLocks noChangeAspect="1"/>
+          </p:cNvPicPr>
+          <p:nvPr/>
+        </p:nvPicPr>
+        <p:blipFill>
+          <a:blip r:embed="rId5"/>
+          <a:stretch>
+            <a:fillRect/>
+          </a:stretch>
+        </p:blipFill>
+        <p:spPr>
+          <a:xfrm>
+            <a:off x="3586424" y="3870517"/>
+            <a:ext cx="5024176" cy="2668395"/>
           </a:xfrm>
           <a:prstGeom prst="rect">
             <a:avLst/>
@@ -21186,7 +20902,7 @@
     </p:spTree>
     <p:extLst>
       <p:ext uri="{BB962C8B-B14F-4D97-AF65-F5344CB8AC3E}">
-        <p14:creationId xmlns:p14="http://schemas.microsoft.com/office/powerpoint/2010/main" val="2985183764"/>
+        <p14:creationId xmlns:p14="http://schemas.microsoft.com/office/powerpoint/2010/main" val="846897722"/>
       </p:ext>
     </p:extLst>
   </p:cSld>
@@ -21204,7 +20920,7 @@
         <p:cNvPr id="1" name="">
           <a:extLst>
             <a:ext uri="{FF2B5EF4-FFF2-40B4-BE49-F238E27FC236}">
-              <a16:creationId xmlns:a16="http://schemas.microsoft.com/office/drawing/2014/main" id="{0E1058A0-65AE-FA67-E39E-6BDBAC0F19CD}"/>
+              <a16:creationId xmlns:a16="http://schemas.microsoft.com/office/drawing/2014/main" id="{9289BBBD-D2B9-C0BB-9BF2-A9731987679D}"/>
             </a:ext>
           </a:extLst>
         </p:cNvPr>
@@ -21224,7 +20940,7 @@
           <p:cNvPr id="4" name="图片 3">
             <a:extLst>
               <a:ext uri="{FF2B5EF4-FFF2-40B4-BE49-F238E27FC236}">
-                <a16:creationId xmlns:a16="http://schemas.microsoft.com/office/drawing/2014/main" id="{57644197-CF72-7E3F-57C0-F266B833BD66}"/>
+                <a16:creationId xmlns:a16="http://schemas.microsoft.com/office/drawing/2014/main" id="{C47A44C0-9009-9BA7-3B72-7E2320BF1248}"/>
               </a:ext>
             </a:extLst>
           </p:cNvPr>
@@ -21254,7 +20970,7 @@
           <p:cNvPr id="5" name="矩形 4">
             <a:extLst>
               <a:ext uri="{FF2B5EF4-FFF2-40B4-BE49-F238E27FC236}">
-                <a16:creationId xmlns:a16="http://schemas.microsoft.com/office/drawing/2014/main" id="{91B52CB8-32DE-BF0E-70FE-93A414A7DB44}"/>
+                <a16:creationId xmlns:a16="http://schemas.microsoft.com/office/drawing/2014/main" id="{FD424EE1-565C-CBAE-23F4-03FA9F57A788}"/>
               </a:ext>
             </a:extLst>
           </p:cNvPr>
@@ -21332,7 +21048,7 @@
           <p:cNvPr id="21" name="文本框 20">
             <a:extLst>
               <a:ext uri="{FF2B5EF4-FFF2-40B4-BE49-F238E27FC236}">
-                <a16:creationId xmlns:a16="http://schemas.microsoft.com/office/drawing/2014/main" id="{80ECB0BF-0051-78FC-DF91-5C58960682E7}"/>
+                <a16:creationId xmlns:a16="http://schemas.microsoft.com/office/drawing/2014/main" id="{2592A3C6-DC8D-7175-6425-61BC888B2DAD}"/>
               </a:ext>
             </a:extLst>
           </p:cNvPr>
@@ -21342,7 +21058,7 @@
         <p:spPr>
           <a:xfrm>
             <a:off x="345219" y="136525"/>
-            <a:ext cx="9636981" cy="707886"/>
+            <a:ext cx="9974438" cy="707886"/>
           </a:xfrm>
           <a:prstGeom prst="rect">
             <a:avLst/>
@@ -21404,22 +21120,25 @@
                 <a:ea typeface="Cambria" panose="02040503050406030204" pitchFamily="18" charset="0"/>
                 <a:cs typeface="+mn-cs"/>
               </a:rPr>
-              <a:t>opamp</a:t>
+              <a:t>comparator_symbol</a:t>
             </a:r>
-            <a:endParaRPr kumimoji="0" lang="en-US" altLang="zh-CN" sz="4000" b="1" i="0" u="none" strike="noStrike" kern="1200" cap="none" spc="0" normalizeH="0" baseline="0" noProof="0" dirty="0">
-              <a:ln>
-                <a:noFill/>
-              </a:ln>
-              <a:solidFill>
-                <a:srgbClr val="001A57"/>
-              </a:solidFill>
-              <a:effectLst/>
-              <a:uLnTx/>
-              <a:uFillTx/>
-              <a:latin typeface="Calibri" panose="020F0502020204030204"/>
-              <a:ea typeface="Cambria" panose="02040503050406030204" pitchFamily="18" charset="0"/>
-              <a:cs typeface="+mn-cs"/>
-            </a:endParaRPr>
+            <a:r>
+              <a:rPr kumimoji="0" lang="en-US" altLang="zh-CN" sz="4000" b="1" i="0" u="none" strike="noStrike" kern="1200" cap="none" spc="0" normalizeH="0" baseline="0" noProof="0" dirty="0">
+                <a:ln>
+                  <a:noFill/>
+                </a:ln>
+                <a:solidFill>
+                  <a:srgbClr val="001A57"/>
+                </a:solidFill>
+                <a:effectLst/>
+                <a:uLnTx/>
+                <a:uFillTx/>
+                <a:latin typeface="Calibri" panose="020F0502020204030204"/>
+                <a:ea typeface="Cambria" panose="02040503050406030204" pitchFamily="18" charset="0"/>
+                <a:cs typeface="+mn-cs"/>
+              </a:rPr>
+              <a:t> </a:t>
+            </a:r>
           </a:p>
         </p:txBody>
       </p:sp>
@@ -21428,7 +21147,7 @@
           <p:cNvPr id="58" name="灯片编号占位符 57">
             <a:extLst>
               <a:ext uri="{FF2B5EF4-FFF2-40B4-BE49-F238E27FC236}">
-                <a16:creationId xmlns:a16="http://schemas.microsoft.com/office/drawing/2014/main" id="{C06998FC-EE61-34ED-E938-2363485C2B37}"/>
+                <a16:creationId xmlns:a16="http://schemas.microsoft.com/office/drawing/2014/main" id="{356BE52A-2CBA-3833-3F86-D952FAE76F1E}"/>
               </a:ext>
             </a:extLst>
           </p:cNvPr>
@@ -21518,10 +21237,10 @@
       </p:sp>
       <p:pic>
         <p:nvPicPr>
-          <p:cNvPr id="6" name="Picture 5">
-            <a:extLst>
-              <a:ext uri="{FF2B5EF4-FFF2-40B4-BE49-F238E27FC236}">
-                <a16:creationId xmlns:a16="http://schemas.microsoft.com/office/drawing/2014/main" id="{66D22CAB-5C51-4C2F-4624-D2EBB7DA03FE}"/>
+          <p:cNvPr id="7" name="Picture 6">
+            <a:extLst>
+              <a:ext uri="{FF2B5EF4-FFF2-40B4-BE49-F238E27FC236}">
+                <a16:creationId xmlns:a16="http://schemas.microsoft.com/office/drawing/2014/main" id="{A8A9EF3A-BE22-4304-9F67-9067478D57C8}"/>
               </a:ext>
             </a:extLst>
           </p:cNvPr>
@@ -21538,8 +21257,8 @@
         </p:blipFill>
         <p:spPr>
           <a:xfrm>
-            <a:off x="3586425" y="999117"/>
-            <a:ext cx="5024175" cy="2688837"/>
+            <a:off x="1114814" y="986458"/>
+            <a:ext cx="2273151" cy="5735015"/>
           </a:xfrm>
           <a:prstGeom prst="rect">
             <a:avLst/>
@@ -21548,10 +21267,10 @@
       </p:pic>
       <p:pic>
         <p:nvPicPr>
-          <p:cNvPr id="9" name="Picture 8">
-            <a:extLst>
-              <a:ext uri="{FF2B5EF4-FFF2-40B4-BE49-F238E27FC236}">
-                <a16:creationId xmlns:a16="http://schemas.microsoft.com/office/drawing/2014/main" id="{D943D6A8-606B-A391-BD75-4FBB8F7AD4EF}"/>
+          <p:cNvPr id="11" name="Picture 10">
+            <a:extLst>
+              <a:ext uri="{FF2B5EF4-FFF2-40B4-BE49-F238E27FC236}">
+                <a16:creationId xmlns:a16="http://schemas.microsoft.com/office/drawing/2014/main" id="{F8E87CCC-1EE2-3F1B-9FA9-DA2524834EA4}"/>
               </a:ext>
             </a:extLst>
           </p:cNvPr>
@@ -21568,8 +21287,8 @@
         </p:blipFill>
         <p:spPr>
           <a:xfrm>
-            <a:off x="3586424" y="3870517"/>
-            <a:ext cx="5024176" cy="2668395"/>
+            <a:off x="3717274" y="1176039"/>
+            <a:ext cx="6412378" cy="5545436"/>
           </a:xfrm>
           <a:prstGeom prst="rect">
             <a:avLst/>
@@ -21579,7 +21298,7 @@
     </p:spTree>
     <p:extLst>
       <p:ext uri="{BB962C8B-B14F-4D97-AF65-F5344CB8AC3E}">
-        <p14:creationId xmlns:p14="http://schemas.microsoft.com/office/powerpoint/2010/main" val="846897722"/>
+        <p14:creationId xmlns:p14="http://schemas.microsoft.com/office/powerpoint/2010/main" val="2382093502"/>
       </p:ext>
     </p:extLst>
   </p:cSld>
@@ -21597,7 +21316,7 @@
         <p:cNvPr id="1" name="">
           <a:extLst>
             <a:ext uri="{FF2B5EF4-FFF2-40B4-BE49-F238E27FC236}">
-              <a16:creationId xmlns:a16="http://schemas.microsoft.com/office/drawing/2014/main" id="{9289BBBD-D2B9-C0BB-9BF2-A9731987679D}"/>
+              <a16:creationId xmlns:a16="http://schemas.microsoft.com/office/drawing/2014/main" id="{B7605DB1-1D04-E44F-0A23-BDF53B9435E8}"/>
             </a:ext>
           </a:extLst>
         </p:cNvPr>
@@ -21617,7 +21336,7 @@
           <p:cNvPr id="4" name="图片 3">
             <a:extLst>
               <a:ext uri="{FF2B5EF4-FFF2-40B4-BE49-F238E27FC236}">
-                <a16:creationId xmlns:a16="http://schemas.microsoft.com/office/drawing/2014/main" id="{C47A44C0-9009-9BA7-3B72-7E2320BF1248}"/>
+                <a16:creationId xmlns:a16="http://schemas.microsoft.com/office/drawing/2014/main" id="{5E8C47DA-3AF5-1D99-EB57-10B3A2A14A9B}"/>
               </a:ext>
             </a:extLst>
           </p:cNvPr>
@@ -21647,7 +21366,7 @@
           <p:cNvPr id="5" name="矩形 4">
             <a:extLst>
               <a:ext uri="{FF2B5EF4-FFF2-40B4-BE49-F238E27FC236}">
-                <a16:creationId xmlns:a16="http://schemas.microsoft.com/office/drawing/2014/main" id="{FD424EE1-565C-CBAE-23F4-03FA9F57A788}"/>
+                <a16:creationId xmlns:a16="http://schemas.microsoft.com/office/drawing/2014/main" id="{3B2C7D48-84CB-D81D-BA04-CFAD9FEC7943}"/>
               </a:ext>
             </a:extLst>
           </p:cNvPr>
@@ -21725,7 +21444,7 @@
           <p:cNvPr id="21" name="文本框 20">
             <a:extLst>
               <a:ext uri="{FF2B5EF4-FFF2-40B4-BE49-F238E27FC236}">
-                <a16:creationId xmlns:a16="http://schemas.microsoft.com/office/drawing/2014/main" id="{2592A3C6-DC8D-7175-6425-61BC888B2DAD}"/>
+                <a16:creationId xmlns:a16="http://schemas.microsoft.com/office/drawing/2014/main" id="{B8A169BE-884D-7D60-9657-6B2BDFE4FD63}"/>
               </a:ext>
             </a:extLst>
           </p:cNvPr>
@@ -21824,7 +21543,7 @@
           <p:cNvPr id="58" name="灯片编号占位符 57">
             <a:extLst>
               <a:ext uri="{FF2B5EF4-FFF2-40B4-BE49-F238E27FC236}">
-                <a16:creationId xmlns:a16="http://schemas.microsoft.com/office/drawing/2014/main" id="{356BE52A-2CBA-3833-3F86-D952FAE76F1E}"/>
+                <a16:creationId xmlns:a16="http://schemas.microsoft.com/office/drawing/2014/main" id="{0A6C61AF-52D7-10A6-1CA9-63BC0E92B6C1}"/>
               </a:ext>
             </a:extLst>
           </p:cNvPr>
@@ -21914,10 +21633,10 @@
       </p:sp>
       <p:pic>
         <p:nvPicPr>
-          <p:cNvPr id="7" name="Picture 6">
-            <a:extLst>
-              <a:ext uri="{FF2B5EF4-FFF2-40B4-BE49-F238E27FC236}">
-                <a16:creationId xmlns:a16="http://schemas.microsoft.com/office/drawing/2014/main" id="{A8A9EF3A-BE22-4304-9F67-9067478D57C8}"/>
+          <p:cNvPr id="3" name="Picture 2">
+            <a:extLst>
+              <a:ext uri="{FF2B5EF4-FFF2-40B4-BE49-F238E27FC236}">
+                <a16:creationId xmlns:a16="http://schemas.microsoft.com/office/drawing/2014/main" id="{91F63F33-1638-6E79-2BE6-1AB29C3D5756}"/>
               </a:ext>
             </a:extLst>
           </p:cNvPr>
@@ -21934,8 +21653,8 @@
         </p:blipFill>
         <p:spPr>
           <a:xfrm>
-            <a:off x="1114814" y="986458"/>
-            <a:ext cx="2273151" cy="5735015"/>
+            <a:off x="3411407" y="3849420"/>
+            <a:ext cx="5369186" cy="2825135"/>
           </a:xfrm>
           <a:prstGeom prst="rect">
             <a:avLst/>
@@ -21944,10 +21663,10 @@
       </p:pic>
       <p:pic>
         <p:nvPicPr>
-          <p:cNvPr id="11" name="Picture 10">
-            <a:extLst>
-              <a:ext uri="{FF2B5EF4-FFF2-40B4-BE49-F238E27FC236}">
-                <a16:creationId xmlns:a16="http://schemas.microsoft.com/office/drawing/2014/main" id="{F8E87CCC-1EE2-3F1B-9FA9-DA2524834EA4}"/>
+          <p:cNvPr id="7" name="Picture 6">
+            <a:extLst>
+              <a:ext uri="{FF2B5EF4-FFF2-40B4-BE49-F238E27FC236}">
+                <a16:creationId xmlns:a16="http://schemas.microsoft.com/office/drawing/2014/main" id="{C54A59E3-B7FB-FC83-4187-84D4B9CDA830}"/>
               </a:ext>
             </a:extLst>
           </p:cNvPr>
@@ -21964,8 +21683,8 @@
         </p:blipFill>
         <p:spPr>
           <a:xfrm>
-            <a:off x="3717274" y="1176039"/>
-            <a:ext cx="6412378" cy="5545436"/>
+            <a:off x="3508971" y="970842"/>
+            <a:ext cx="5174058" cy="2757653"/>
           </a:xfrm>
           <a:prstGeom prst="rect">
             <a:avLst/>
@@ -21975,7 +21694,7 @@
     </p:spTree>
     <p:extLst>
       <p:ext uri="{BB962C8B-B14F-4D97-AF65-F5344CB8AC3E}">
-        <p14:creationId xmlns:p14="http://schemas.microsoft.com/office/powerpoint/2010/main" val="2382093502"/>
+        <p14:creationId xmlns:p14="http://schemas.microsoft.com/office/powerpoint/2010/main" val="989725713"/>
       </p:ext>
     </p:extLst>
   </p:cSld>
@@ -21993,7 +21712,7 @@
         <p:cNvPr id="1" name="">
           <a:extLst>
             <a:ext uri="{FF2B5EF4-FFF2-40B4-BE49-F238E27FC236}">
-              <a16:creationId xmlns:a16="http://schemas.microsoft.com/office/drawing/2014/main" id="{B7605DB1-1D04-E44F-0A23-BDF53B9435E8}"/>
+              <a16:creationId xmlns:a16="http://schemas.microsoft.com/office/drawing/2014/main" id="{31CC4B5D-D3FF-F645-0939-0366FAA1243D}"/>
             </a:ext>
           </a:extLst>
         </p:cNvPr>
@@ -22013,7 +21732,7 @@
           <p:cNvPr id="4" name="图片 3">
             <a:extLst>
               <a:ext uri="{FF2B5EF4-FFF2-40B4-BE49-F238E27FC236}">
-                <a16:creationId xmlns:a16="http://schemas.microsoft.com/office/drawing/2014/main" id="{5E8C47DA-3AF5-1D99-EB57-10B3A2A14A9B}"/>
+                <a16:creationId xmlns:a16="http://schemas.microsoft.com/office/drawing/2014/main" id="{E72D07CC-4156-E2F2-B5DA-7AE3F6D83061}"/>
               </a:ext>
             </a:extLst>
           </p:cNvPr>
@@ -22043,7 +21762,7 @@
           <p:cNvPr id="5" name="矩形 4">
             <a:extLst>
               <a:ext uri="{FF2B5EF4-FFF2-40B4-BE49-F238E27FC236}">
-                <a16:creationId xmlns:a16="http://schemas.microsoft.com/office/drawing/2014/main" id="{3B2C7D48-84CB-D81D-BA04-CFAD9FEC7943}"/>
+                <a16:creationId xmlns:a16="http://schemas.microsoft.com/office/drawing/2014/main" id="{BE75475D-A83B-8F05-DE9E-30E08FEEAE08}"/>
               </a:ext>
             </a:extLst>
           </p:cNvPr>
@@ -22118,109 +21837,10 @@
       </p:sp>
       <p:sp>
         <p:nvSpPr>
-          <p:cNvPr id="21" name="文本框 20">
-            <a:extLst>
-              <a:ext uri="{FF2B5EF4-FFF2-40B4-BE49-F238E27FC236}">
-                <a16:creationId xmlns:a16="http://schemas.microsoft.com/office/drawing/2014/main" id="{B8A169BE-884D-7D60-9657-6B2BDFE4FD63}"/>
-              </a:ext>
-            </a:extLst>
-          </p:cNvPr>
-          <p:cNvSpPr txBox="1"/>
-          <p:nvPr/>
-        </p:nvSpPr>
-        <p:spPr>
-          <a:xfrm>
-            <a:off x="345219" y="136525"/>
-            <a:ext cx="9974438" cy="707886"/>
-          </a:xfrm>
-          <a:prstGeom prst="rect">
-            <a:avLst/>
-          </a:prstGeom>
-          <a:noFill/>
-        </p:spPr>
-        <p:txBody>
-          <a:bodyPr wrap="square" rtlCol="0">
-            <a:spAutoFit/>
-          </a:bodyPr>
-          <a:lstStyle/>
-          <a:p>
-            <a:pPr marL="0" marR="0" lvl="0" indent="0" algn="l" defTabSz="457200" rtl="0" eaLnBrk="1" fontAlgn="auto" latinLnBrk="0" hangingPunct="1">
-              <a:lnSpc>
-                <a:spcPct val="100000"/>
-              </a:lnSpc>
-              <a:spcBef>
-                <a:spcPts val="0"/>
-              </a:spcBef>
-              <a:spcAft>
-                <a:spcPts val="0"/>
-              </a:spcAft>
-              <a:buClrTx/>
-              <a:buSzTx/>
-              <a:buFontTx/>
-              <a:buNone/>
-              <a:tabLst/>
-              <a:defRPr/>
-            </a:pPr>
-            <a:r>
-              <a:rPr kumimoji="0" lang="en-US" altLang="zh-CN" sz="4000" b="1" i="0" u="none" strike="noStrike" kern="1200" cap="none" spc="0" normalizeH="0" baseline="0" noProof="0" dirty="0">
-                <a:ln>
-                  <a:noFill/>
-                </a:ln>
-                <a:solidFill>
-                  <a:srgbClr val="001A57"/>
-                </a:solidFill>
-                <a:effectLst/>
-                <a:uLnTx/>
-                <a:uFillTx/>
-                <a:latin typeface="Calibri" panose="020F0502020204030204"/>
-                <a:ea typeface="Cambria" panose="02040503050406030204" pitchFamily="18" charset="0"/>
-                <a:cs typeface="+mn-cs"/>
-              </a:rPr>
-              <a:t>Differential Comparator - </a:t>
-            </a:r>
-            <a:r>
-              <a:rPr kumimoji="0" lang="en-US" altLang="zh-CN" sz="4000" b="1" i="0" u="none" strike="noStrike" kern="1200" cap="none" spc="0" normalizeH="0" baseline="0" noProof="0" dirty="0" err="1">
-                <a:ln>
-                  <a:noFill/>
-                </a:ln>
-                <a:solidFill>
-                  <a:srgbClr val="001A57"/>
-                </a:solidFill>
-                <a:effectLst/>
-                <a:uLnTx/>
-                <a:uFillTx/>
-                <a:latin typeface="Calibri" panose="020F0502020204030204"/>
-                <a:ea typeface="Cambria" panose="02040503050406030204" pitchFamily="18" charset="0"/>
-                <a:cs typeface="+mn-cs"/>
-              </a:rPr>
-              <a:t>comparator_symbol</a:t>
-            </a:r>
-            <a:r>
-              <a:rPr kumimoji="0" lang="en-US" altLang="zh-CN" sz="4000" b="1" i="0" u="none" strike="noStrike" kern="1200" cap="none" spc="0" normalizeH="0" baseline="0" noProof="0" dirty="0">
-                <a:ln>
-                  <a:noFill/>
-                </a:ln>
-                <a:solidFill>
-                  <a:srgbClr val="001A57"/>
-                </a:solidFill>
-                <a:effectLst/>
-                <a:uLnTx/>
-                <a:uFillTx/>
-                <a:latin typeface="Calibri" panose="020F0502020204030204"/>
-                <a:ea typeface="Cambria" panose="02040503050406030204" pitchFamily="18" charset="0"/>
-                <a:cs typeface="+mn-cs"/>
-              </a:rPr>
-              <a:t> </a:t>
-            </a:r>
-          </a:p>
-        </p:txBody>
-      </p:sp>
-      <p:sp>
-        <p:nvSpPr>
           <p:cNvPr id="58" name="灯片编号占位符 57">
             <a:extLst>
               <a:ext uri="{FF2B5EF4-FFF2-40B4-BE49-F238E27FC236}">
-                <a16:creationId xmlns:a16="http://schemas.microsoft.com/office/drawing/2014/main" id="{0A6C61AF-52D7-10A6-1CA9-63BC0E92B6C1}"/>
+                <a16:creationId xmlns:a16="http://schemas.microsoft.com/office/drawing/2014/main" id="{1D36AC1B-B5F8-B2E5-0522-1D734BC06AA5}"/>
               </a:ext>
             </a:extLst>
           </p:cNvPr>
@@ -22308,12 +21928,111 @@
           </a:p>
         </p:txBody>
       </p:sp>
+      <p:sp>
+        <p:nvSpPr>
+          <p:cNvPr id="7" name="文本框 20">
+            <a:extLst>
+              <a:ext uri="{FF2B5EF4-FFF2-40B4-BE49-F238E27FC236}">
+                <a16:creationId xmlns:a16="http://schemas.microsoft.com/office/drawing/2014/main" id="{99F47181-0D76-A96B-1298-6581043BD304}"/>
+              </a:ext>
+            </a:extLst>
+          </p:cNvPr>
+          <p:cNvSpPr txBox="1"/>
+          <p:nvPr/>
+        </p:nvSpPr>
+        <p:spPr>
+          <a:xfrm>
+            <a:off x="345219" y="136525"/>
+            <a:ext cx="9636981" cy="707886"/>
+          </a:xfrm>
+          <a:prstGeom prst="rect">
+            <a:avLst/>
+          </a:prstGeom>
+          <a:noFill/>
+        </p:spPr>
+        <p:txBody>
+          <a:bodyPr wrap="square" rtlCol="0">
+            <a:spAutoFit/>
+          </a:bodyPr>
+          <a:lstStyle/>
+          <a:p>
+            <a:pPr marL="0" marR="0" lvl="0" indent="0" algn="l" defTabSz="457200" rtl="0" eaLnBrk="1" fontAlgn="auto" latinLnBrk="0" hangingPunct="1">
+              <a:lnSpc>
+                <a:spcPct val="100000"/>
+              </a:lnSpc>
+              <a:spcBef>
+                <a:spcPts val="0"/>
+              </a:spcBef>
+              <a:spcAft>
+                <a:spcPts val="0"/>
+              </a:spcAft>
+              <a:buClrTx/>
+              <a:buSzTx/>
+              <a:buFontTx/>
+              <a:buNone/>
+              <a:tabLst/>
+              <a:defRPr/>
+            </a:pPr>
+            <a:r>
+              <a:rPr kumimoji="0" lang="en-US" altLang="zh-CN" sz="4000" b="1" i="0" u="none" strike="noStrike" kern="1200" cap="none" spc="0" normalizeH="0" baseline="0" noProof="0" dirty="0">
+                <a:ln>
+                  <a:noFill/>
+                </a:ln>
+                <a:solidFill>
+                  <a:srgbClr val="001A57"/>
+                </a:solidFill>
+                <a:effectLst/>
+                <a:uLnTx/>
+                <a:uFillTx/>
+                <a:latin typeface="Calibri" panose="020F0502020204030204"/>
+                <a:ea typeface="Cambria" panose="02040503050406030204" pitchFamily="18" charset="0"/>
+                <a:cs typeface="+mn-cs"/>
+              </a:rPr>
+              <a:t>Flash ADC - </a:t>
+            </a:r>
+            <a:r>
+              <a:rPr kumimoji="0" lang="en-US" altLang="zh-CN" sz="4000" b="1" i="0" u="none" strike="noStrike" kern="1200" cap="none" spc="0" normalizeH="0" baseline="0" noProof="0" dirty="0" err="1">
+                <a:ln>
+                  <a:noFill/>
+                </a:ln>
+                <a:solidFill>
+                  <a:srgbClr val="001A57"/>
+                </a:solidFill>
+                <a:effectLst/>
+                <a:uLnTx/>
+                <a:uFillTx/>
+                <a:latin typeface="Calibri" panose="020F0502020204030204"/>
+                <a:ea typeface="Cambria" panose="02040503050406030204" pitchFamily="18" charset="0"/>
+                <a:cs typeface="+mn-cs"/>
+              </a:rPr>
+              <a:t>ADC_final_test</a:t>
+            </a:r>
+            <a:r>
+              <a:rPr kumimoji="0" lang="en-US" altLang="zh-CN" sz="4000" b="1" i="0" u="none" strike="noStrike" kern="1200" cap="none" spc="0" normalizeH="0" baseline="0" noProof="0" dirty="0">
+                <a:ln>
+                  <a:noFill/>
+                </a:ln>
+                <a:solidFill>
+                  <a:srgbClr val="001A57"/>
+                </a:solidFill>
+                <a:effectLst/>
+                <a:uLnTx/>
+                <a:uFillTx/>
+                <a:latin typeface="Calibri" panose="020F0502020204030204"/>
+                <a:ea typeface="Cambria" panose="02040503050406030204" pitchFamily="18" charset="0"/>
+                <a:cs typeface="+mn-cs"/>
+              </a:rPr>
+              <a:t>  </a:t>
+            </a:r>
+          </a:p>
+        </p:txBody>
+      </p:sp>
       <p:pic>
         <p:nvPicPr>
           <p:cNvPr id="3" name="Picture 2">
             <a:extLst>
               <a:ext uri="{FF2B5EF4-FFF2-40B4-BE49-F238E27FC236}">
-                <a16:creationId xmlns:a16="http://schemas.microsoft.com/office/drawing/2014/main" id="{91F63F33-1638-6E79-2BE6-1AB29C3D5756}"/>
+                <a16:creationId xmlns:a16="http://schemas.microsoft.com/office/drawing/2014/main" id="{AAB7D767-5B45-7A0D-B5E4-BEFCFDA54713}"/>
               </a:ext>
             </a:extLst>
           </p:cNvPr>
@@ -22330,38 +22049,8 @@
         </p:blipFill>
         <p:spPr>
           <a:xfrm>
-            <a:off x="3411407" y="3849420"/>
-            <a:ext cx="5369186" cy="2825135"/>
-          </a:xfrm>
-          <a:prstGeom prst="rect">
-            <a:avLst/>
-          </a:prstGeom>
-        </p:spPr>
-      </p:pic>
-      <p:pic>
-        <p:nvPicPr>
-          <p:cNvPr id="7" name="Picture 6">
-            <a:extLst>
-              <a:ext uri="{FF2B5EF4-FFF2-40B4-BE49-F238E27FC236}">
-                <a16:creationId xmlns:a16="http://schemas.microsoft.com/office/drawing/2014/main" id="{C54A59E3-B7FB-FC83-4187-84D4B9CDA830}"/>
-              </a:ext>
-            </a:extLst>
-          </p:cNvPr>
-          <p:cNvPicPr>
-            <a:picLocks noChangeAspect="1"/>
-          </p:cNvPicPr>
-          <p:nvPr/>
-        </p:nvPicPr>
-        <p:blipFill>
-          <a:blip r:embed="rId5"/>
-          <a:stretch>
-            <a:fillRect/>
-          </a:stretch>
-        </p:blipFill>
-        <p:spPr>
-          <a:xfrm>
-            <a:off x="3508971" y="970842"/>
-            <a:ext cx="5174058" cy="2757653"/>
+            <a:off x="828040" y="1439703"/>
+            <a:ext cx="10525760" cy="4382497"/>
           </a:xfrm>
           <a:prstGeom prst="rect">
             <a:avLst/>
@@ -22371,7 +22060,7 @@
     </p:spTree>
     <p:extLst>
       <p:ext uri="{BB962C8B-B14F-4D97-AF65-F5344CB8AC3E}">
-        <p14:creationId xmlns:p14="http://schemas.microsoft.com/office/powerpoint/2010/main" val="989725713"/>
+        <p14:creationId xmlns:p14="http://schemas.microsoft.com/office/powerpoint/2010/main" val="2311071477"/>
       </p:ext>
     </p:extLst>
   </p:cSld>
@@ -23082,7 +22771,7 @@
         <p:cNvPr id="1" name="">
           <a:extLst>
             <a:ext uri="{FF2B5EF4-FFF2-40B4-BE49-F238E27FC236}">
-              <a16:creationId xmlns:a16="http://schemas.microsoft.com/office/drawing/2014/main" id="{31CC4B5D-D3FF-F645-0939-0366FAA1243D}"/>
+              <a16:creationId xmlns:a16="http://schemas.microsoft.com/office/drawing/2014/main" id="{0DC6EC93-7BBE-BAF9-8A26-659C8B953B96}"/>
             </a:ext>
           </a:extLst>
         </p:cNvPr>
@@ -23102,7 +22791,7 @@
           <p:cNvPr id="4" name="图片 3">
             <a:extLst>
               <a:ext uri="{FF2B5EF4-FFF2-40B4-BE49-F238E27FC236}">
-                <a16:creationId xmlns:a16="http://schemas.microsoft.com/office/drawing/2014/main" id="{E72D07CC-4156-E2F2-B5DA-7AE3F6D83061}"/>
+                <a16:creationId xmlns:a16="http://schemas.microsoft.com/office/drawing/2014/main" id="{077AD4BB-40F1-FFCB-3DE6-426966260AA9}"/>
               </a:ext>
             </a:extLst>
           </p:cNvPr>
@@ -23132,7 +22821,7 @@
           <p:cNvPr id="5" name="矩形 4">
             <a:extLst>
               <a:ext uri="{FF2B5EF4-FFF2-40B4-BE49-F238E27FC236}">
-                <a16:creationId xmlns:a16="http://schemas.microsoft.com/office/drawing/2014/main" id="{BE75475D-A83B-8F05-DE9E-30E08FEEAE08}"/>
+                <a16:creationId xmlns:a16="http://schemas.microsoft.com/office/drawing/2014/main" id="{7AD40ED6-DA5F-F131-E719-74DADD111C0F}"/>
               </a:ext>
             </a:extLst>
           </p:cNvPr>
@@ -23210,7 +22899,7 @@
           <p:cNvPr id="58" name="灯片编号占位符 57">
             <a:extLst>
               <a:ext uri="{FF2B5EF4-FFF2-40B4-BE49-F238E27FC236}">
-                <a16:creationId xmlns:a16="http://schemas.microsoft.com/office/drawing/2014/main" id="{1D36AC1B-B5F8-B2E5-0522-1D734BC06AA5}"/>
+                <a16:creationId xmlns:a16="http://schemas.microsoft.com/office/drawing/2014/main" id="{47D2A4EF-F58D-8488-6E0B-D0E751F29A6E}"/>
               </a:ext>
             </a:extLst>
           </p:cNvPr>
@@ -23303,7 +22992,7 @@
           <p:cNvPr id="7" name="文本框 20">
             <a:extLst>
               <a:ext uri="{FF2B5EF4-FFF2-40B4-BE49-F238E27FC236}">
-                <a16:creationId xmlns:a16="http://schemas.microsoft.com/office/drawing/2014/main" id="{99F47181-0D76-A96B-1298-6581043BD304}"/>
+                <a16:creationId xmlns:a16="http://schemas.microsoft.com/office/drawing/2014/main" id="{199CC298-207C-3CB3-FF97-5A9DB282CFF4}"/>
               </a:ext>
             </a:extLst>
           </p:cNvPr>
@@ -23402,7 +23091,7 @@
           <p:cNvPr id="3" name="Picture 2">
             <a:extLst>
               <a:ext uri="{FF2B5EF4-FFF2-40B4-BE49-F238E27FC236}">
-                <a16:creationId xmlns:a16="http://schemas.microsoft.com/office/drawing/2014/main" id="{AAB7D767-5B45-7A0D-B5E4-BEFCFDA54713}"/>
+                <a16:creationId xmlns:a16="http://schemas.microsoft.com/office/drawing/2014/main" id="{C43F47BD-F4BA-D926-C14A-464D55515F39}"/>
               </a:ext>
             </a:extLst>
           </p:cNvPr>
@@ -23419,8 +23108,8 @@
         </p:blipFill>
         <p:spPr>
           <a:xfrm>
-            <a:off x="828040" y="1439703"/>
-            <a:ext cx="10525760" cy="4382497"/>
+            <a:off x="2858272" y="979235"/>
+            <a:ext cx="6475456" cy="5742240"/>
           </a:xfrm>
           <a:prstGeom prst="rect">
             <a:avLst/>
@@ -23430,7 +23119,7 @@
     </p:spTree>
     <p:extLst>
       <p:ext uri="{BB962C8B-B14F-4D97-AF65-F5344CB8AC3E}">
-        <p14:creationId xmlns:p14="http://schemas.microsoft.com/office/powerpoint/2010/main" val="2311071477"/>
+        <p14:creationId xmlns:p14="http://schemas.microsoft.com/office/powerpoint/2010/main" val="3753639791"/>
       </p:ext>
     </p:extLst>
   </p:cSld>
@@ -23448,7 +23137,7 @@
         <p:cNvPr id="1" name="">
           <a:extLst>
             <a:ext uri="{FF2B5EF4-FFF2-40B4-BE49-F238E27FC236}">
-              <a16:creationId xmlns:a16="http://schemas.microsoft.com/office/drawing/2014/main" id="{0DC6EC93-7BBE-BAF9-8A26-659C8B953B96}"/>
+              <a16:creationId xmlns:a16="http://schemas.microsoft.com/office/drawing/2014/main" id="{F2D6E3E5-00CE-0E17-EF9C-4156C3B644E5}"/>
             </a:ext>
           </a:extLst>
         </p:cNvPr>
@@ -23468,7 +23157,7 @@
           <p:cNvPr id="4" name="图片 3">
             <a:extLst>
               <a:ext uri="{FF2B5EF4-FFF2-40B4-BE49-F238E27FC236}">
-                <a16:creationId xmlns:a16="http://schemas.microsoft.com/office/drawing/2014/main" id="{077AD4BB-40F1-FFCB-3DE6-426966260AA9}"/>
+                <a16:creationId xmlns:a16="http://schemas.microsoft.com/office/drawing/2014/main" id="{D866BE54-F1A1-345F-3181-855D915C287F}"/>
               </a:ext>
             </a:extLst>
           </p:cNvPr>
@@ -23498,7 +23187,7 @@
           <p:cNvPr id="5" name="矩形 4">
             <a:extLst>
               <a:ext uri="{FF2B5EF4-FFF2-40B4-BE49-F238E27FC236}">
-                <a16:creationId xmlns:a16="http://schemas.microsoft.com/office/drawing/2014/main" id="{7AD40ED6-DA5F-F131-E719-74DADD111C0F}"/>
+                <a16:creationId xmlns:a16="http://schemas.microsoft.com/office/drawing/2014/main" id="{B0E8CE58-E9C6-195B-51EB-627E40F8AFB0}"/>
               </a:ext>
             </a:extLst>
           </p:cNvPr>
@@ -23576,7 +23265,7 @@
           <p:cNvPr id="58" name="灯片编号占位符 57">
             <a:extLst>
               <a:ext uri="{FF2B5EF4-FFF2-40B4-BE49-F238E27FC236}">
-                <a16:creationId xmlns:a16="http://schemas.microsoft.com/office/drawing/2014/main" id="{47D2A4EF-F58D-8488-6E0B-D0E751F29A6E}"/>
+                <a16:creationId xmlns:a16="http://schemas.microsoft.com/office/drawing/2014/main" id="{A0939BFF-B37E-9BB7-A499-2E3B95B37504}"/>
               </a:ext>
             </a:extLst>
           </p:cNvPr>
@@ -23669,7 +23358,7 @@
           <p:cNvPr id="7" name="文本框 20">
             <a:extLst>
               <a:ext uri="{FF2B5EF4-FFF2-40B4-BE49-F238E27FC236}">
-                <a16:creationId xmlns:a16="http://schemas.microsoft.com/office/drawing/2014/main" id="{199CC298-207C-3CB3-FF97-5A9DB282CFF4}"/>
+                <a16:creationId xmlns:a16="http://schemas.microsoft.com/office/drawing/2014/main" id="{01205915-0EE7-F83F-C5C1-A81C60A23999}"/>
               </a:ext>
             </a:extLst>
           </p:cNvPr>
@@ -23765,10 +23454,10 @@
       </p:sp>
       <p:pic>
         <p:nvPicPr>
-          <p:cNvPr id="3" name="Picture 2">
-            <a:extLst>
-              <a:ext uri="{FF2B5EF4-FFF2-40B4-BE49-F238E27FC236}">
-                <a16:creationId xmlns:a16="http://schemas.microsoft.com/office/drawing/2014/main" id="{C43F47BD-F4BA-D926-C14A-464D55515F39}"/>
+          <p:cNvPr id="9" name="Picture 8">
+            <a:extLst>
+              <a:ext uri="{FF2B5EF4-FFF2-40B4-BE49-F238E27FC236}">
+                <a16:creationId xmlns:a16="http://schemas.microsoft.com/office/drawing/2014/main" id="{B1D2392E-5ED7-02A8-F1F0-DE888BA12B8D}"/>
               </a:ext>
             </a:extLst>
           </p:cNvPr>
@@ -23785,8 +23474,38 @@
         </p:blipFill>
         <p:spPr>
           <a:xfrm>
-            <a:off x="2858272" y="979235"/>
-            <a:ext cx="6475456" cy="5742240"/>
+            <a:off x="3934132" y="3838829"/>
+            <a:ext cx="4323735" cy="2767553"/>
+          </a:xfrm>
+          <a:prstGeom prst="rect">
+            <a:avLst/>
+          </a:prstGeom>
+        </p:spPr>
+      </p:pic>
+      <p:pic>
+        <p:nvPicPr>
+          <p:cNvPr id="11" name="Picture 10">
+            <a:extLst>
+              <a:ext uri="{FF2B5EF4-FFF2-40B4-BE49-F238E27FC236}">
+                <a16:creationId xmlns:a16="http://schemas.microsoft.com/office/drawing/2014/main" id="{6E02E0DD-B0B8-F898-9625-350F5961794A}"/>
+              </a:ext>
+            </a:extLst>
+          </p:cNvPr>
+          <p:cNvPicPr>
+            <a:picLocks noChangeAspect="1"/>
+          </p:cNvPicPr>
+          <p:nvPr/>
+        </p:nvPicPr>
+        <p:blipFill>
+          <a:blip r:embed="rId5"/>
+          <a:stretch>
+            <a:fillRect/>
+          </a:stretch>
+        </p:blipFill>
+        <p:spPr>
+          <a:xfrm>
+            <a:off x="3934132" y="905554"/>
+            <a:ext cx="4323735" cy="2757767"/>
           </a:xfrm>
           <a:prstGeom prst="rect">
             <a:avLst/>
@@ -23796,7 +23515,7 @@
     </p:spTree>
     <p:extLst>
       <p:ext uri="{BB962C8B-B14F-4D97-AF65-F5344CB8AC3E}">
-        <p14:creationId xmlns:p14="http://schemas.microsoft.com/office/powerpoint/2010/main" val="3753639791"/>
+        <p14:creationId xmlns:p14="http://schemas.microsoft.com/office/powerpoint/2010/main" val="891000671"/>
       </p:ext>
     </p:extLst>
   </p:cSld>
@@ -23814,7 +23533,7 @@
         <p:cNvPr id="1" name="">
           <a:extLst>
             <a:ext uri="{FF2B5EF4-FFF2-40B4-BE49-F238E27FC236}">
-              <a16:creationId xmlns:a16="http://schemas.microsoft.com/office/drawing/2014/main" id="{F2D6E3E5-00CE-0E17-EF9C-4156C3B644E5}"/>
+              <a16:creationId xmlns:a16="http://schemas.microsoft.com/office/drawing/2014/main" id="{7C8B315F-0D8B-17DB-311A-5A9FFC603209}"/>
             </a:ext>
           </a:extLst>
         </p:cNvPr>
@@ -23834,7 +23553,7 @@
           <p:cNvPr id="4" name="图片 3">
             <a:extLst>
               <a:ext uri="{FF2B5EF4-FFF2-40B4-BE49-F238E27FC236}">
-                <a16:creationId xmlns:a16="http://schemas.microsoft.com/office/drawing/2014/main" id="{D866BE54-F1A1-345F-3181-855D915C287F}"/>
+                <a16:creationId xmlns:a16="http://schemas.microsoft.com/office/drawing/2014/main" id="{8B8BC1E7-62E2-4BB0-2986-A19F938D9744}"/>
               </a:ext>
             </a:extLst>
           </p:cNvPr>
@@ -23864,7 +23583,7 @@
           <p:cNvPr id="5" name="矩形 4">
             <a:extLst>
               <a:ext uri="{FF2B5EF4-FFF2-40B4-BE49-F238E27FC236}">
-                <a16:creationId xmlns:a16="http://schemas.microsoft.com/office/drawing/2014/main" id="{B0E8CE58-E9C6-195B-51EB-627E40F8AFB0}"/>
+                <a16:creationId xmlns:a16="http://schemas.microsoft.com/office/drawing/2014/main" id="{67B7EDB2-D405-1042-25ED-DBDAC5B9A326}"/>
               </a:ext>
             </a:extLst>
           </p:cNvPr>
@@ -23939,10 +23658,75 @@
       </p:sp>
       <p:sp>
         <p:nvSpPr>
+          <p:cNvPr id="21" name="文本框 20">
+            <a:extLst>
+              <a:ext uri="{FF2B5EF4-FFF2-40B4-BE49-F238E27FC236}">
+                <a16:creationId xmlns:a16="http://schemas.microsoft.com/office/drawing/2014/main" id="{45FF4B0B-45F8-339A-0FFB-69F6F5BF974A}"/>
+              </a:ext>
+            </a:extLst>
+          </p:cNvPr>
+          <p:cNvSpPr txBox="1"/>
+          <p:nvPr/>
+        </p:nvSpPr>
+        <p:spPr>
+          <a:xfrm>
+            <a:off x="468630" y="196011"/>
+            <a:ext cx="9088840" cy="707886"/>
+          </a:xfrm>
+          <a:prstGeom prst="rect">
+            <a:avLst/>
+          </a:prstGeom>
+          <a:noFill/>
+        </p:spPr>
+        <p:txBody>
+          <a:bodyPr wrap="square" rtlCol="0">
+            <a:spAutoFit/>
+          </a:bodyPr>
+          <a:lstStyle/>
+          <a:p>
+            <a:pPr marL="0" marR="0" lvl="0" indent="0" algn="l" defTabSz="457200" rtl="0" eaLnBrk="1" fontAlgn="auto" latinLnBrk="0" hangingPunct="1">
+              <a:lnSpc>
+                <a:spcPct val="100000"/>
+              </a:lnSpc>
+              <a:spcBef>
+                <a:spcPts val="0"/>
+              </a:spcBef>
+              <a:spcAft>
+                <a:spcPts val="0"/>
+              </a:spcAft>
+              <a:buClrTx/>
+              <a:buSzTx/>
+              <a:buFontTx/>
+              <a:buNone/>
+              <a:tabLst/>
+              <a:defRPr/>
+            </a:pPr>
+            <a:r>
+              <a:rPr kumimoji="0" lang="en-US" altLang="zh-CN" sz="4000" b="1" i="0" u="none" strike="noStrike" kern="1200" cap="none" spc="0" normalizeH="0" baseline="0" noProof="0" dirty="0">
+                <a:ln>
+                  <a:noFill/>
+                </a:ln>
+                <a:solidFill>
+                  <a:srgbClr val="001A57"/>
+                </a:solidFill>
+                <a:effectLst/>
+                <a:uLnTx/>
+                <a:uFillTx/>
+                <a:latin typeface="Calibri" panose="020F0502020204030204"/>
+                <a:ea typeface="Cambria" panose="02040503050406030204" pitchFamily="18" charset="0"/>
+                <a:cs typeface="+mn-cs"/>
+              </a:rPr>
+              <a:t>What Else…</a:t>
+            </a:r>
+          </a:p>
+        </p:txBody>
+      </p:sp>
+      <p:sp>
+        <p:nvSpPr>
           <p:cNvPr id="58" name="灯片编号占位符 57">
             <a:extLst>
               <a:ext uri="{FF2B5EF4-FFF2-40B4-BE49-F238E27FC236}">
-                <a16:creationId xmlns:a16="http://schemas.microsoft.com/office/drawing/2014/main" id="{A0939BFF-B37E-9BB7-A499-2E3B95B37504}"/>
+                <a16:creationId xmlns:a16="http://schemas.microsoft.com/office/drawing/2014/main" id="{881E8495-CDA8-E104-6BC6-6E520590AD6E}"/>
               </a:ext>
             </a:extLst>
           </p:cNvPr>
@@ -24010,467 +23794,6 @@
                 <a:defRPr/>
               </a:pPr>
               <a:t>31</a:t>
-            </a:fld>
-            <a:endParaRPr kumimoji="0" lang="en-US" sz="1200" b="0" i="0" u="none" strike="noStrike" kern="1200" cap="none" spc="0" normalizeH="0" baseline="0" noProof="0">
-              <a:ln>
-                <a:noFill/>
-              </a:ln>
-              <a:solidFill>
-                <a:srgbClr val="001A57">
-                  <a:tint val="75000"/>
-                </a:srgbClr>
-              </a:solidFill>
-              <a:effectLst/>
-              <a:uLnTx/>
-              <a:uFillTx/>
-              <a:latin typeface="Calibri" panose="020F0502020204030204"/>
-              <a:ea typeface="+mn-ea"/>
-              <a:cs typeface="+mn-cs"/>
-            </a:endParaRPr>
-          </a:p>
-        </p:txBody>
-      </p:sp>
-      <p:sp>
-        <p:nvSpPr>
-          <p:cNvPr id="7" name="文本框 20">
-            <a:extLst>
-              <a:ext uri="{FF2B5EF4-FFF2-40B4-BE49-F238E27FC236}">
-                <a16:creationId xmlns:a16="http://schemas.microsoft.com/office/drawing/2014/main" id="{01205915-0EE7-F83F-C5C1-A81C60A23999}"/>
-              </a:ext>
-            </a:extLst>
-          </p:cNvPr>
-          <p:cNvSpPr txBox="1"/>
-          <p:nvPr/>
-        </p:nvSpPr>
-        <p:spPr>
-          <a:xfrm>
-            <a:off x="345219" y="136525"/>
-            <a:ext cx="9636981" cy="707886"/>
-          </a:xfrm>
-          <a:prstGeom prst="rect">
-            <a:avLst/>
-          </a:prstGeom>
-          <a:noFill/>
-        </p:spPr>
-        <p:txBody>
-          <a:bodyPr wrap="square" rtlCol="0">
-            <a:spAutoFit/>
-          </a:bodyPr>
-          <a:lstStyle/>
-          <a:p>
-            <a:pPr marL="0" marR="0" lvl="0" indent="0" algn="l" defTabSz="457200" rtl="0" eaLnBrk="1" fontAlgn="auto" latinLnBrk="0" hangingPunct="1">
-              <a:lnSpc>
-                <a:spcPct val="100000"/>
-              </a:lnSpc>
-              <a:spcBef>
-                <a:spcPts val="0"/>
-              </a:spcBef>
-              <a:spcAft>
-                <a:spcPts val="0"/>
-              </a:spcAft>
-              <a:buClrTx/>
-              <a:buSzTx/>
-              <a:buFontTx/>
-              <a:buNone/>
-              <a:tabLst/>
-              <a:defRPr/>
-            </a:pPr>
-            <a:r>
-              <a:rPr kumimoji="0" lang="en-US" altLang="zh-CN" sz="4000" b="1" i="0" u="none" strike="noStrike" kern="1200" cap="none" spc="0" normalizeH="0" baseline="0" noProof="0" dirty="0">
-                <a:ln>
-                  <a:noFill/>
-                </a:ln>
-                <a:solidFill>
-                  <a:srgbClr val="001A57"/>
-                </a:solidFill>
-                <a:effectLst/>
-                <a:uLnTx/>
-                <a:uFillTx/>
-                <a:latin typeface="Calibri" panose="020F0502020204030204"/>
-                <a:ea typeface="Cambria" panose="02040503050406030204" pitchFamily="18" charset="0"/>
-                <a:cs typeface="+mn-cs"/>
-              </a:rPr>
-              <a:t>Flash ADC - </a:t>
-            </a:r>
-            <a:r>
-              <a:rPr kumimoji="0" lang="en-US" altLang="zh-CN" sz="4000" b="1" i="0" u="none" strike="noStrike" kern="1200" cap="none" spc="0" normalizeH="0" baseline="0" noProof="0" dirty="0" err="1">
-                <a:ln>
-                  <a:noFill/>
-                </a:ln>
-                <a:solidFill>
-                  <a:srgbClr val="001A57"/>
-                </a:solidFill>
-                <a:effectLst/>
-                <a:uLnTx/>
-                <a:uFillTx/>
-                <a:latin typeface="Calibri" panose="020F0502020204030204"/>
-                <a:ea typeface="Cambria" panose="02040503050406030204" pitchFamily="18" charset="0"/>
-                <a:cs typeface="+mn-cs"/>
-              </a:rPr>
-              <a:t>ADC_final_test</a:t>
-            </a:r>
-            <a:r>
-              <a:rPr kumimoji="0" lang="en-US" altLang="zh-CN" sz="4000" b="1" i="0" u="none" strike="noStrike" kern="1200" cap="none" spc="0" normalizeH="0" baseline="0" noProof="0" dirty="0">
-                <a:ln>
-                  <a:noFill/>
-                </a:ln>
-                <a:solidFill>
-                  <a:srgbClr val="001A57"/>
-                </a:solidFill>
-                <a:effectLst/>
-                <a:uLnTx/>
-                <a:uFillTx/>
-                <a:latin typeface="Calibri" panose="020F0502020204030204"/>
-                <a:ea typeface="Cambria" panose="02040503050406030204" pitchFamily="18" charset="0"/>
-                <a:cs typeface="+mn-cs"/>
-              </a:rPr>
-              <a:t>  </a:t>
-            </a:r>
-          </a:p>
-        </p:txBody>
-      </p:sp>
-      <p:pic>
-        <p:nvPicPr>
-          <p:cNvPr id="9" name="Picture 8">
-            <a:extLst>
-              <a:ext uri="{FF2B5EF4-FFF2-40B4-BE49-F238E27FC236}">
-                <a16:creationId xmlns:a16="http://schemas.microsoft.com/office/drawing/2014/main" id="{B1D2392E-5ED7-02A8-F1F0-DE888BA12B8D}"/>
-              </a:ext>
-            </a:extLst>
-          </p:cNvPr>
-          <p:cNvPicPr>
-            <a:picLocks noChangeAspect="1"/>
-          </p:cNvPicPr>
-          <p:nvPr/>
-        </p:nvPicPr>
-        <p:blipFill>
-          <a:blip r:embed="rId4"/>
-          <a:stretch>
-            <a:fillRect/>
-          </a:stretch>
-        </p:blipFill>
-        <p:spPr>
-          <a:xfrm>
-            <a:off x="3934132" y="3838829"/>
-            <a:ext cx="4323735" cy="2767553"/>
-          </a:xfrm>
-          <a:prstGeom prst="rect">
-            <a:avLst/>
-          </a:prstGeom>
-        </p:spPr>
-      </p:pic>
-      <p:pic>
-        <p:nvPicPr>
-          <p:cNvPr id="11" name="Picture 10">
-            <a:extLst>
-              <a:ext uri="{FF2B5EF4-FFF2-40B4-BE49-F238E27FC236}">
-                <a16:creationId xmlns:a16="http://schemas.microsoft.com/office/drawing/2014/main" id="{6E02E0DD-B0B8-F898-9625-350F5961794A}"/>
-              </a:ext>
-            </a:extLst>
-          </p:cNvPr>
-          <p:cNvPicPr>
-            <a:picLocks noChangeAspect="1"/>
-          </p:cNvPicPr>
-          <p:nvPr/>
-        </p:nvPicPr>
-        <p:blipFill>
-          <a:blip r:embed="rId5"/>
-          <a:stretch>
-            <a:fillRect/>
-          </a:stretch>
-        </p:blipFill>
-        <p:spPr>
-          <a:xfrm>
-            <a:off x="3934132" y="905554"/>
-            <a:ext cx="4323735" cy="2757767"/>
-          </a:xfrm>
-          <a:prstGeom prst="rect">
-            <a:avLst/>
-          </a:prstGeom>
-        </p:spPr>
-      </p:pic>
-    </p:spTree>
-    <p:extLst>
-      <p:ext uri="{BB962C8B-B14F-4D97-AF65-F5344CB8AC3E}">
-        <p14:creationId xmlns:p14="http://schemas.microsoft.com/office/powerpoint/2010/main" val="891000671"/>
-      </p:ext>
-    </p:extLst>
-  </p:cSld>
-  <p:clrMapOvr>
-    <a:masterClrMapping/>
-  </p:clrMapOvr>
-</p:sld>
-</file>
-
-<file path=ppt/slides/slide33.xml><?xml version="1.0" encoding="utf-8"?>
-<p:sld xmlns:a="http://schemas.openxmlformats.org/drawingml/2006/main" xmlns:r="http://schemas.openxmlformats.org/officeDocument/2006/relationships" xmlns:p="http://schemas.openxmlformats.org/presentationml/2006/main">
-  <p:cSld>
-    <p:spTree>
-      <p:nvGrpSpPr>
-        <p:cNvPr id="1" name="">
-          <a:extLst>
-            <a:ext uri="{FF2B5EF4-FFF2-40B4-BE49-F238E27FC236}">
-              <a16:creationId xmlns:a16="http://schemas.microsoft.com/office/drawing/2014/main" id="{7C8B315F-0D8B-17DB-311A-5A9FFC603209}"/>
-            </a:ext>
-          </a:extLst>
-        </p:cNvPr>
-        <p:cNvGrpSpPr/>
-        <p:nvPr/>
-      </p:nvGrpSpPr>
-      <p:grpSpPr>
-        <a:xfrm>
-          <a:off x="0" y="0"/>
-          <a:ext cx="0" cy="0"/>
-          <a:chOff x="0" y="0"/>
-          <a:chExt cx="0" cy="0"/>
-        </a:xfrm>
-      </p:grpSpPr>
-      <p:pic>
-        <p:nvPicPr>
-          <p:cNvPr id="4" name="图片 3">
-            <a:extLst>
-              <a:ext uri="{FF2B5EF4-FFF2-40B4-BE49-F238E27FC236}">
-                <a16:creationId xmlns:a16="http://schemas.microsoft.com/office/drawing/2014/main" id="{8B8BC1E7-62E2-4BB0-2986-A19F938D9744}"/>
-              </a:ext>
-            </a:extLst>
-          </p:cNvPr>
-          <p:cNvPicPr>
-            <a:picLocks noChangeAspect="1"/>
-          </p:cNvPicPr>
-          <p:nvPr/>
-        </p:nvPicPr>
-        <p:blipFill>
-          <a:blip r:embed="rId3"/>
-          <a:stretch>
-            <a:fillRect/>
-          </a:stretch>
-        </p:blipFill>
-        <p:spPr>
-          <a:xfrm>
-            <a:off x="10525760" y="322739"/>
-            <a:ext cx="1330960" cy="582815"/>
-          </a:xfrm>
-          <a:prstGeom prst="rect">
-            <a:avLst/>
-          </a:prstGeom>
-        </p:spPr>
-      </p:pic>
-      <p:sp>
-        <p:nvSpPr>
-          <p:cNvPr id="5" name="矩形 4">
-            <a:extLst>
-              <a:ext uri="{FF2B5EF4-FFF2-40B4-BE49-F238E27FC236}">
-                <a16:creationId xmlns:a16="http://schemas.microsoft.com/office/drawing/2014/main" id="{67B7EDB2-D405-1042-25ED-DBDAC5B9A326}"/>
-              </a:ext>
-            </a:extLst>
-          </p:cNvPr>
-          <p:cNvSpPr/>
-          <p:nvPr/>
-        </p:nvSpPr>
-        <p:spPr>
-          <a:xfrm>
-            <a:off x="0" y="0"/>
-            <a:ext cx="254000" cy="6858000"/>
-          </a:xfrm>
-          <a:prstGeom prst="rect">
-            <a:avLst/>
-          </a:prstGeom>
-          <a:ln>
-            <a:noFill/>
-          </a:ln>
-        </p:spPr>
-        <p:style>
-          <a:lnRef idx="2">
-            <a:schemeClr val="accent1">
-              <a:shade val="15000"/>
-            </a:schemeClr>
-          </a:lnRef>
-          <a:fillRef idx="1">
-            <a:schemeClr val="accent1"/>
-          </a:fillRef>
-          <a:effectRef idx="0">
-            <a:schemeClr val="accent1"/>
-          </a:effectRef>
-          <a:fontRef idx="minor">
-            <a:schemeClr val="lt1"/>
-          </a:fontRef>
-        </p:style>
-        <p:txBody>
-          <a:bodyPr rtlCol="0" anchor="ctr"/>
-          <a:lstStyle/>
-          <a:p>
-            <a:pPr marL="0" marR="0" lvl="0" indent="0" algn="ctr" defTabSz="914400" rtl="0" eaLnBrk="1" fontAlgn="auto" latinLnBrk="0" hangingPunct="1">
-              <a:lnSpc>
-                <a:spcPct val="100000"/>
-              </a:lnSpc>
-              <a:spcBef>
-                <a:spcPts val="0"/>
-              </a:spcBef>
-              <a:spcAft>
-                <a:spcPts val="0"/>
-              </a:spcAft>
-              <a:buClrTx/>
-              <a:buSzTx/>
-              <a:buFontTx/>
-              <a:buNone/>
-              <a:tabLst/>
-              <a:defRPr/>
-            </a:pPr>
-            <a:endParaRPr kumimoji="0" lang="zh-CN" altLang="en-US" sz="1800" b="0" i="0" u="none" strike="noStrike" kern="1200" cap="none" spc="0" normalizeH="0" baseline="0" noProof="0">
-              <a:ln>
-                <a:noFill/>
-              </a:ln>
-              <a:solidFill>
-                <a:srgbClr val="001A57"/>
-              </a:solidFill>
-              <a:effectLst/>
-              <a:uLnTx/>
-              <a:uFillTx/>
-              <a:latin typeface="Calibri" panose="020F0502020204030204"/>
-              <a:ea typeface="等线" panose="02010600030101010101" pitchFamily="2" charset="-122"/>
-              <a:cs typeface="+mn-cs"/>
-            </a:endParaRPr>
-          </a:p>
-        </p:txBody>
-      </p:sp>
-      <p:sp>
-        <p:nvSpPr>
-          <p:cNvPr id="21" name="文本框 20">
-            <a:extLst>
-              <a:ext uri="{FF2B5EF4-FFF2-40B4-BE49-F238E27FC236}">
-                <a16:creationId xmlns:a16="http://schemas.microsoft.com/office/drawing/2014/main" id="{45FF4B0B-45F8-339A-0FFB-69F6F5BF974A}"/>
-              </a:ext>
-            </a:extLst>
-          </p:cNvPr>
-          <p:cNvSpPr txBox="1"/>
-          <p:nvPr/>
-        </p:nvSpPr>
-        <p:spPr>
-          <a:xfrm>
-            <a:off x="468630" y="196011"/>
-            <a:ext cx="9088840" cy="707886"/>
-          </a:xfrm>
-          <a:prstGeom prst="rect">
-            <a:avLst/>
-          </a:prstGeom>
-          <a:noFill/>
-        </p:spPr>
-        <p:txBody>
-          <a:bodyPr wrap="square" rtlCol="0">
-            <a:spAutoFit/>
-          </a:bodyPr>
-          <a:lstStyle/>
-          <a:p>
-            <a:pPr marL="0" marR="0" lvl="0" indent="0" algn="l" defTabSz="457200" rtl="0" eaLnBrk="1" fontAlgn="auto" latinLnBrk="0" hangingPunct="1">
-              <a:lnSpc>
-                <a:spcPct val="100000"/>
-              </a:lnSpc>
-              <a:spcBef>
-                <a:spcPts val="0"/>
-              </a:spcBef>
-              <a:spcAft>
-                <a:spcPts val="0"/>
-              </a:spcAft>
-              <a:buClrTx/>
-              <a:buSzTx/>
-              <a:buFontTx/>
-              <a:buNone/>
-              <a:tabLst/>
-              <a:defRPr/>
-            </a:pPr>
-            <a:r>
-              <a:rPr kumimoji="0" lang="en-US" altLang="zh-CN" sz="4000" b="1" i="0" u="none" strike="noStrike" kern="1200" cap="none" spc="0" normalizeH="0" baseline="0" noProof="0" dirty="0">
-                <a:ln>
-                  <a:noFill/>
-                </a:ln>
-                <a:solidFill>
-                  <a:srgbClr val="001A57"/>
-                </a:solidFill>
-                <a:effectLst/>
-                <a:uLnTx/>
-                <a:uFillTx/>
-                <a:latin typeface="Calibri" panose="020F0502020204030204"/>
-                <a:ea typeface="Cambria" panose="02040503050406030204" pitchFamily="18" charset="0"/>
-                <a:cs typeface="+mn-cs"/>
-              </a:rPr>
-              <a:t>What Else…</a:t>
-            </a:r>
-          </a:p>
-        </p:txBody>
-      </p:sp>
-      <p:sp>
-        <p:nvSpPr>
-          <p:cNvPr id="58" name="灯片编号占位符 57">
-            <a:extLst>
-              <a:ext uri="{FF2B5EF4-FFF2-40B4-BE49-F238E27FC236}">
-                <a16:creationId xmlns:a16="http://schemas.microsoft.com/office/drawing/2014/main" id="{881E8495-CDA8-E104-6BC6-6E520590AD6E}"/>
-              </a:ext>
-            </a:extLst>
-          </p:cNvPr>
-          <p:cNvSpPr>
-            <a:spLocks noGrp="1"/>
-          </p:cNvSpPr>
-          <p:nvPr>
-            <p:ph type="sldNum" sz="quarter" idx="12"/>
-          </p:nvPr>
-        </p:nvSpPr>
-        <p:spPr/>
-        <p:txBody>
-          <a:bodyPr/>
-          <a:lstStyle/>
-          <a:p>
-            <a:pPr marL="0" marR="0" lvl="0" indent="0" algn="r" defTabSz="914400" rtl="0" eaLnBrk="1" fontAlgn="auto" latinLnBrk="0" hangingPunct="1">
-              <a:lnSpc>
-                <a:spcPct val="100000"/>
-              </a:lnSpc>
-              <a:spcBef>
-                <a:spcPts val="0"/>
-              </a:spcBef>
-              <a:spcAft>
-                <a:spcPts val="0"/>
-              </a:spcAft>
-              <a:buClrTx/>
-              <a:buSzTx/>
-              <a:buFontTx/>
-              <a:buNone/>
-              <a:tabLst/>
-              <a:defRPr/>
-            </a:pPr>
-            <a:fld id="{2D00CA07-45C7-8142-9F4D-3A07AD48DFA1}" type="slidenum">
-              <a:rPr kumimoji="0" lang="en-US" sz="1200" b="0" i="0" u="none" strike="noStrike" kern="1200" cap="none" spc="0" normalizeH="0" baseline="0" noProof="0" smtClean="0">
-                <a:ln>
-                  <a:noFill/>
-                </a:ln>
-                <a:solidFill>
-                  <a:srgbClr val="001A57">
-                    <a:tint val="75000"/>
-                  </a:srgbClr>
-                </a:solidFill>
-                <a:effectLst/>
-                <a:uLnTx/>
-                <a:uFillTx/>
-                <a:latin typeface="Calibri" panose="020F0502020204030204"/>
-                <a:ea typeface="+mn-ea"/>
-                <a:cs typeface="+mn-cs"/>
-              </a:rPr>
-              <a:pPr marL="0" marR="0" lvl="0" indent="0" algn="r" defTabSz="914400" rtl="0" eaLnBrk="1" fontAlgn="auto" latinLnBrk="0" hangingPunct="1">
-                <a:lnSpc>
-                  <a:spcPct val="100000"/>
-                </a:lnSpc>
-                <a:spcBef>
-                  <a:spcPts val="0"/>
-                </a:spcBef>
-                <a:spcAft>
-                  <a:spcPts val="0"/>
-                </a:spcAft>
-                <a:buClrTx/>
-                <a:buSzTx/>
-                <a:buFontTx/>
-                <a:buNone/>
-                <a:tabLst/>
-                <a:defRPr/>
-              </a:pPr>
-              <a:t>32</a:t>
             </a:fld>
             <a:endParaRPr kumimoji="0" lang="en-US" sz="1200" b="0" i="0" u="none" strike="noStrike" kern="1200" cap="none" spc="0" normalizeH="0" baseline="0" noProof="0">
               <a:ln>
@@ -25065,14 +24388,14 @@
           <p:nvPr>
             <p:extLst>
               <p:ext uri="{D42A27DB-BD31-4B8C-83A1-F6EECF244321}">
-                <p14:modId xmlns:p14="http://schemas.microsoft.com/office/powerpoint/2010/main" val="3666042246"/>
+                <p14:modId xmlns:p14="http://schemas.microsoft.com/office/powerpoint/2010/main" val="3724867013"/>
               </p:ext>
             </p:extLst>
           </p:nvPr>
         </p:nvGraphicFramePr>
         <p:xfrm>
-          <a:off x="6361540" y="1970887"/>
-          <a:ext cx="3620660" cy="3200398"/>
+          <a:off x="6290857" y="2096111"/>
+          <a:ext cx="3620660" cy="2665778"/>
         </p:xfrm>
         <a:graphic>
           <a:graphicData uri="http://schemas.openxmlformats.org/drawingml/2006/table">
@@ -25227,7 +24550,7 @@
                       <a:pPr algn="ctr"/>
                       <a:r>
                         <a:rPr lang="en-US" altLang="zh-CN" sz="1800" dirty="0"/>
-                        <a:t>607um * 600um</a:t>
+                        <a:t>600um * 600um</a:t>
                       </a:r>
                       <a:endParaRPr lang="zh-CN" altLang="en-US" sz="1800" dirty="0"/>
                     </a:p>
@@ -25237,60 +24560,6 @@
                 <a:extLst>
                   <a:ext uri="{0D108BD9-81ED-4DB2-BD59-A6C34878D82A}">
                     <a16:rowId xmlns:a16="http://schemas.microsoft.com/office/drawing/2014/main" val="2974073621"/>
-                  </a:ext>
-                </a:extLst>
-              </a:tr>
-              <a:tr h="534620">
-                <a:tc>
-                  <a:txBody>
-                    <a:bodyPr/>
-                    <a:lstStyle/>
-                    <a:p>
-                      <a:pPr marL="0" algn="ctr" defTabSz="914400" rtl="0" eaLnBrk="1" latinLnBrk="0" hangingPunct="1"/>
-                      <a:r>
-                        <a:rPr lang="en-US" altLang="zh-CN" sz="1800" b="1" kern="1200" dirty="0">
-                          <a:solidFill>
-                            <a:schemeClr val="dk1"/>
-                          </a:solidFill>
-                          <a:latin typeface="+mn-lt"/>
-                          <a:ea typeface="+mn-ea"/>
-                          <a:cs typeface="+mn-cs"/>
-                        </a:rPr>
-                        <a:t>Power</a:t>
-                      </a:r>
-                      <a:endParaRPr lang="zh-CN" altLang="en-US" sz="1800" b="1" kern="1200" dirty="0">
-                        <a:solidFill>
-                          <a:schemeClr val="dk1"/>
-                        </a:solidFill>
-                        <a:latin typeface="+mn-lt"/>
-                        <a:ea typeface="+mn-ea"/>
-                        <a:cs typeface="+mn-cs"/>
-                      </a:endParaRPr>
-                    </a:p>
-                  </a:txBody>
-                  <a:tcPr anchor="ctr"/>
-                </a:tc>
-                <a:tc>
-                  <a:txBody>
-                    <a:bodyPr/>
-                    <a:lstStyle/>
-                    <a:p>
-                      <a:pPr marL="0" algn="ctr" defTabSz="914400" rtl="0" eaLnBrk="1" latinLnBrk="0" hangingPunct="1"/>
-                      <a:endParaRPr lang="zh-CN" altLang="en-US" sz="1800" b="1" kern="1200" dirty="0">
-                        <a:solidFill>
-                          <a:schemeClr val="dk1"/>
-                        </a:solidFill>
-                        <a:latin typeface="+mn-lt"/>
-                        <a:ea typeface="+mn-ea"/>
-                        <a:cs typeface="+mn-cs"/>
-                      </a:endParaRPr>
-                    </a:p>
-                  </a:txBody>
-                  <a:tcPr anchor="ctr"/>
-                </a:tc>
-                <a:extLst>
-                  <a:ext uri="{0D108BD9-81ED-4DB2-BD59-A6C34878D82A}">
-                    <a16:rowId xmlns:a16="http://schemas.microsoft.com/office/drawing/2014/main" val="2262920853"/>
                   </a:ext>
                 </a:extLst>
               </a:tr>
@@ -25331,7 +24600,7 @@
                     <a:p>
                       <a:pPr marL="0" algn="ctr" defTabSz="914400" rtl="0" eaLnBrk="1" latinLnBrk="0" hangingPunct="1"/>
                       <a:r>
-                        <a:rPr lang="en-US" altLang="zh-CN" sz="1800" b="1" kern="1200" dirty="0">
+                        <a:rPr lang="en-US" altLang="zh-CN" sz="1800" b="0" kern="1200" dirty="0">
                           <a:solidFill>
                             <a:schemeClr val="dk1"/>
                           </a:solidFill>
@@ -25341,7 +24610,7 @@
                         </a:rPr>
                         <a:t>1 MHz</a:t>
                       </a:r>
-                      <a:endParaRPr lang="zh-CN" altLang="en-US" sz="1800" b="1" kern="1200" dirty="0">
+                      <a:endParaRPr lang="zh-CN" altLang="en-US" sz="1800" b="0" kern="1200" dirty="0">
                         <a:solidFill>
                           <a:schemeClr val="dk1"/>
                         </a:solidFill>
@@ -25376,7 +24645,7 @@
 </p:sld>
 </file>
 
-<file path=ppt/slides/slide34.xml><?xml version="1.0" encoding="utf-8"?>
+<file path=ppt/slides/slide33.xml><?xml version="1.0" encoding="utf-8"?>
 <p:sld xmlns:a="http://schemas.openxmlformats.org/drawingml/2006/main" xmlns:r="http://schemas.openxmlformats.org/officeDocument/2006/relationships" xmlns:p="http://schemas.openxmlformats.org/presentationml/2006/main">
   <p:cSld>
     <p:spTree>
@@ -28117,8 +27386,8 @@
         </p:nvSpPr>
         <p:spPr>
           <a:xfrm>
-            <a:off x="7319104" y="1348917"/>
-            <a:ext cx="4448528" cy="2542363"/>
+            <a:off x="7251435" y="1158182"/>
+            <a:ext cx="4448528" cy="3359061"/>
           </a:xfrm>
           <a:prstGeom prst="rect">
             <a:avLst/>
@@ -28137,7 +27406,7 @@
               </a:lnSpc>
             </a:pPr>
             <a:r>
-              <a:rPr lang="en-US" altLang="zh-CN" b="1" dirty="0"/>
+              <a:rPr lang="en-US" altLang="zh-CN" sz="2400" b="1" dirty="0"/>
               <a:t>Vin (sine wave): </a:t>
             </a:r>
           </a:p>
@@ -28148,15 +27417,15 @@
               </a:lnSpc>
             </a:pPr>
             <a:r>
-              <a:rPr lang="en-US" altLang="zh-CN" dirty="0"/>
+              <a:rPr lang="en-US" altLang="zh-CN" sz="2400" dirty="0"/>
               <a:t>	V</a:t>
             </a:r>
             <a:r>
-              <a:rPr lang="en-US" altLang="zh-CN" baseline="-25000" dirty="0"/>
+              <a:rPr lang="en-US" altLang="zh-CN" sz="2400" baseline="-25000" dirty="0"/>
               <a:t>dc</a:t>
             </a:r>
             <a:r>
-              <a:rPr lang="en-US" altLang="zh-CN" dirty="0"/>
+              <a:rPr lang="en-US" altLang="zh-CN" sz="2400" dirty="0"/>
               <a:t> = 400mV</a:t>
             </a:r>
           </a:p>
@@ -28167,19 +27436,19 @@
               </a:lnSpc>
             </a:pPr>
             <a:r>
-              <a:rPr lang="en-US" altLang="zh-CN" dirty="0"/>
+              <a:rPr lang="en-US" altLang="zh-CN" sz="2400" dirty="0"/>
               <a:t>	</a:t>
             </a:r>
             <a:r>
-              <a:rPr lang="en-US" altLang="zh-CN" dirty="0" err="1"/>
+              <a:rPr lang="en-US" altLang="zh-CN" sz="2400" dirty="0" err="1"/>
               <a:t>V</a:t>
             </a:r>
             <a:r>
-              <a:rPr lang="en-US" altLang="zh-CN" baseline="-25000" dirty="0" err="1"/>
+              <a:rPr lang="en-US" altLang="zh-CN" sz="2400" baseline="-25000" dirty="0" err="1"/>
               <a:t>amplitude</a:t>
             </a:r>
             <a:r>
-              <a:rPr lang="en-US" altLang="zh-CN" dirty="0"/>
+              <a:rPr lang="en-US" altLang="zh-CN" sz="2400" dirty="0"/>
               <a:t> = 350mV</a:t>
             </a:r>
           </a:p>
@@ -28190,26 +27459,26 @@
               </a:lnSpc>
             </a:pPr>
             <a:r>
-              <a:rPr lang="en-US" altLang="zh-CN" dirty="0"/>
+              <a:rPr lang="en-US" altLang="zh-CN" sz="2400" dirty="0"/>
               <a:t>	f = </a:t>
             </a:r>
             <a:r>
-              <a:rPr lang="en-US" altLang="zh-CN" b="1" dirty="0"/>
+              <a:rPr lang="en-US" altLang="zh-CN" sz="2400" b="1" dirty="0"/>
               <a:t>100 Hz</a:t>
             </a:r>
             <a:r>
-              <a:rPr lang="en-US" altLang="zh-CN" dirty="0"/>
+              <a:rPr lang="en-US" altLang="zh-CN" sz="2400" dirty="0"/>
               <a:t>,</a:t>
             </a:r>
             <a:r>
-              <a:rPr lang="zh-CN" altLang="en-US" dirty="0"/>
+              <a:rPr lang="zh-CN" altLang="en-US" sz="2400" dirty="0"/>
               <a:t> </a:t>
             </a:r>
             <a:r>
-              <a:rPr lang="en-US" altLang="zh-CN" dirty="0"/>
+              <a:rPr lang="en-US" altLang="zh-CN" sz="2400" dirty="0"/>
               <a:t>10k Hz, 1M Hz</a:t>
             </a:r>
-            <a:endParaRPr lang="en-US" altLang="zh-CN" b="1" dirty="0"/>
+            <a:endParaRPr lang="en-US" altLang="zh-CN" sz="2400" b="1" dirty="0"/>
           </a:p>
           <a:p>
             <a:pPr>
@@ -28218,7 +27487,7 @@
               </a:lnSpc>
             </a:pPr>
             <a:r>
-              <a:rPr lang="en-US" altLang="zh-CN" b="1" dirty="0"/>
+              <a:rPr lang="en-US" altLang="zh-CN" sz="2400" b="1" dirty="0"/>
               <a:t>Output of voltage divider: </a:t>
             </a:r>
           </a:p>
@@ -28229,11 +27498,11 @@
               </a:lnSpc>
             </a:pPr>
             <a:r>
-              <a:rPr lang="en-US" altLang="zh-CN" b="1" dirty="0"/>
+              <a:rPr lang="en-US" altLang="zh-CN" sz="2400" b="1" dirty="0"/>
               <a:t>	</a:t>
             </a:r>
             <a:r>
-              <a:rPr lang="en-US" altLang="zh-CN" dirty="0"/>
+              <a:rPr lang="en-US" altLang="zh-CN" sz="2400" dirty="0"/>
               <a:t>100, 200, 300…700mV</a:t>
             </a:r>
           </a:p>
@@ -28254,7 +27523,7 @@
         <p:spPr>
           <a:xfrm>
             <a:off x="7319104" y="4769872"/>
-            <a:ext cx="4872896" cy="707886"/>
+            <a:ext cx="4872896" cy="830997"/>
           </a:xfrm>
           <a:prstGeom prst="rect">
             <a:avLst/>
@@ -28268,15 +27537,68 @@
           <a:lstStyle/>
           <a:p>
             <a:r>
-              <a:rPr lang="en-US" altLang="zh-CN" sz="2000" b="1" dirty="0"/>
+              <a:rPr lang="en-US" altLang="zh-CN" sz="2400" b="1"/>
               <a:t>Output of the Comparator Array</a:t>
             </a:r>
           </a:p>
           <a:p>
             <a:r>
-              <a:rPr lang="en-US" altLang="zh-CN" sz="2000" dirty="0"/>
+              <a:rPr lang="en-US" altLang="zh-CN" sz="2400"/>
               <a:t>(Thermometer Code)</a:t>
             </a:r>
+            <a:endParaRPr lang="en-US" altLang="zh-CN" sz="2400" dirty="0"/>
+          </a:p>
+        </p:txBody>
+      </p:sp>
+      <p:sp>
+        <p:nvSpPr>
+          <p:cNvPr id="3" name="Oval 2">
+            <a:extLst>
+              <a:ext uri="{FF2B5EF4-FFF2-40B4-BE49-F238E27FC236}">
+                <a16:creationId xmlns:a16="http://schemas.microsoft.com/office/drawing/2014/main" id="{6B200218-100F-908A-DA1C-1F88F0A36CE4}"/>
+              </a:ext>
+            </a:extLst>
+          </p:cNvPr>
+          <p:cNvSpPr/>
+          <p:nvPr/>
+        </p:nvSpPr>
+        <p:spPr>
+          <a:xfrm>
+            <a:off x="2782277" y="5918478"/>
+            <a:ext cx="633046" cy="562709"/>
+          </a:xfrm>
+          <a:prstGeom prst="ellipse">
+            <a:avLst/>
+          </a:prstGeom>
+          <a:noFill/>
+          <a:ln>
+            <a:solidFill>
+              <a:schemeClr val="bg2"/>
+            </a:solidFill>
+          </a:ln>
+        </p:spPr>
+        <p:style>
+          <a:lnRef idx="2">
+            <a:schemeClr val="accent1">
+              <a:shade val="15000"/>
+            </a:schemeClr>
+          </a:lnRef>
+          <a:fillRef idx="1">
+            <a:schemeClr val="accent1"/>
+          </a:fillRef>
+          <a:effectRef idx="0">
+            <a:schemeClr val="accent1"/>
+          </a:effectRef>
+          <a:fontRef idx="minor">
+            <a:schemeClr val="lt1"/>
+          </a:fontRef>
+        </p:style>
+        <p:txBody>
+          <a:bodyPr rtlCol="0" anchor="ctr"/>
+          <a:lstStyle/>
+          <a:p>
+            <a:pPr algn="ctr"/>
+            <a:endParaRPr lang="en-US"/>
           </a:p>
         </p:txBody>
       </p:sp>
@@ -28301,7 +27623,7 @@
         <p:cNvPr id="1" name="">
           <a:extLst>
             <a:ext uri="{FF2B5EF4-FFF2-40B4-BE49-F238E27FC236}">
-              <a16:creationId xmlns:a16="http://schemas.microsoft.com/office/drawing/2014/main" id="{A7A3C6FA-DB6A-E101-20FC-3F326155E264}"/>
+              <a16:creationId xmlns:a16="http://schemas.microsoft.com/office/drawing/2014/main" id="{4D709B5E-3891-0CFE-AD16-417E2CB447C5}"/>
             </a:ext>
           </a:extLst>
         </p:cNvPr>
@@ -28321,7 +27643,7 @@
           <p:cNvPr id="4" name="图片 3">
             <a:extLst>
               <a:ext uri="{FF2B5EF4-FFF2-40B4-BE49-F238E27FC236}">
-                <a16:creationId xmlns:a16="http://schemas.microsoft.com/office/drawing/2014/main" id="{ABCFAC16-5204-834C-F95A-775294D46C08}"/>
+                <a16:creationId xmlns:a16="http://schemas.microsoft.com/office/drawing/2014/main" id="{72B3F4B7-1178-797C-E731-BD98C1D05A8B}"/>
               </a:ext>
             </a:extLst>
           </p:cNvPr>
@@ -28351,7 +27673,7 @@
           <p:cNvPr id="5" name="矩形 4">
             <a:extLst>
               <a:ext uri="{FF2B5EF4-FFF2-40B4-BE49-F238E27FC236}">
-                <a16:creationId xmlns:a16="http://schemas.microsoft.com/office/drawing/2014/main" id="{E3F8B2DD-CBCD-D421-E1CB-2267556BFCAA}"/>
+                <a16:creationId xmlns:a16="http://schemas.microsoft.com/office/drawing/2014/main" id="{6E35A7AA-0EBC-507D-53FD-68AFB1DDD8B7}"/>
               </a:ext>
             </a:extLst>
           </p:cNvPr>
@@ -28429,7 +27751,7 @@
           <p:cNvPr id="21" name="文本框 20">
             <a:extLst>
               <a:ext uri="{FF2B5EF4-FFF2-40B4-BE49-F238E27FC236}">
-                <a16:creationId xmlns:a16="http://schemas.microsoft.com/office/drawing/2014/main" id="{CFCB75DF-2EA7-7CA3-C121-2D31316653D0}"/>
+                <a16:creationId xmlns:a16="http://schemas.microsoft.com/office/drawing/2014/main" id="{7979BAF6-1B89-B1CA-8398-6942E4A5BFC3}"/>
               </a:ext>
             </a:extLst>
           </p:cNvPr>
@@ -28438,18 +27760,13 @@
         </p:nvSpPr>
         <p:spPr>
           <a:xfrm>
-            <a:off x="2423916" y="1223862"/>
-            <a:ext cx="2008383" cy="461665"/>
+            <a:off x="345219" y="136525"/>
+            <a:ext cx="9636981" cy="707886"/>
           </a:xfrm>
           <a:prstGeom prst="rect">
             <a:avLst/>
           </a:prstGeom>
-          <a:solidFill>
-            <a:schemeClr val="tx2">
-              <a:lumMod val="40000"/>
-              <a:lumOff val="60000"/>
-            </a:schemeClr>
-          </a:solidFill>
+          <a:noFill/>
         </p:spPr>
         <p:txBody>
           <a:bodyPr wrap="square" rtlCol="0">
@@ -28457,7 +27774,7 @@
           </a:bodyPr>
           <a:lstStyle/>
           <a:p>
-            <a:pPr marL="0" marR="0" lvl="0" indent="0" algn="ctr" defTabSz="457200" rtl="0" eaLnBrk="1" fontAlgn="auto" latinLnBrk="0" hangingPunct="1">
+            <a:pPr marL="0" marR="0" lvl="0" indent="0" algn="l" defTabSz="457200" rtl="0" eaLnBrk="1" fontAlgn="auto" latinLnBrk="0" hangingPunct="1">
               <a:lnSpc>
                 <a:spcPct val="100000"/>
               </a:lnSpc>
@@ -28475,29 +27792,39 @@
               <a:defRPr/>
             </a:pPr>
             <a:r>
-              <a:rPr lang="en-US" altLang="zh-CN" sz="2400" b="1" dirty="0">
+              <a:rPr kumimoji="0" lang="en-US" altLang="zh-CN" sz="4000" b="1" i="0" u="none" strike="noStrike" kern="1200" cap="none" spc="0" normalizeH="0" baseline="0" noProof="0" dirty="0" err="1">
+                <a:ln>
+                  <a:noFill/>
+                </a:ln>
                 <a:solidFill>
                   <a:srgbClr val="001A57"/>
                 </a:solidFill>
+                <a:effectLst/>
+                <a:uLnTx/>
+                <a:uFillTx/>
                 <a:latin typeface="Calibri" panose="020F0502020204030204"/>
                 <a:ea typeface="Cambria" panose="02040503050406030204" pitchFamily="18" charset="0"/>
+                <a:cs typeface="+mn-cs"/>
               </a:rPr>
-              <a:t>Truth table</a:t>
+              <a:t>Opamp</a:t>
             </a:r>
-            <a:endParaRPr kumimoji="0" lang="en-US" altLang="zh-CN" sz="2400" b="1" i="0" u="none" strike="noStrike" kern="1200" cap="none" spc="0" normalizeH="0" baseline="0" noProof="0" dirty="0">
-              <a:ln>
-                <a:noFill/>
-              </a:ln>
-              <a:solidFill>
-                <a:srgbClr val="001A57"/>
-              </a:solidFill>
-              <a:effectLst/>
-              <a:uLnTx/>
-              <a:uFillTx/>
-              <a:latin typeface="Calibri" panose="020F0502020204030204"/>
-              <a:ea typeface="Cambria" panose="02040503050406030204" pitchFamily="18" charset="0"/>
-              <a:cs typeface="+mn-cs"/>
-            </a:endParaRPr>
+            <a:r>
+              <a:rPr kumimoji="0" lang="en-US" altLang="zh-CN" sz="4000" b="1" i="0" u="none" strike="noStrike" kern="1200" cap="none" spc="0" normalizeH="0" baseline="0" noProof="0" dirty="0">
+                <a:ln>
+                  <a:noFill/>
+                </a:ln>
+                <a:solidFill>
+                  <a:srgbClr val="001A57"/>
+                </a:solidFill>
+                <a:effectLst/>
+                <a:uLnTx/>
+                <a:uFillTx/>
+                <a:latin typeface="Calibri" panose="020F0502020204030204"/>
+                <a:ea typeface="Cambria" panose="02040503050406030204" pitchFamily="18" charset="0"/>
+                <a:cs typeface="+mn-cs"/>
+              </a:rPr>
+              <a:t> update </a:t>
+            </a:r>
           </a:p>
         </p:txBody>
       </p:sp>
@@ -28506,7 +27833,7 @@
           <p:cNvPr id="58" name="灯片编号占位符 57">
             <a:extLst>
               <a:ext uri="{FF2B5EF4-FFF2-40B4-BE49-F238E27FC236}">
-                <a16:creationId xmlns:a16="http://schemas.microsoft.com/office/drawing/2014/main" id="{590E4219-0FE9-2146-6BE6-E790C7D477D0}"/>
+                <a16:creationId xmlns:a16="http://schemas.microsoft.com/office/drawing/2014/main" id="{5B2801BE-CD72-85BD-6C79-976A30EA3465}"/>
               </a:ext>
             </a:extLst>
           </p:cNvPr>
@@ -28517,7 +27844,12 @@
             <p:ph type="sldNum" sz="quarter" idx="12"/>
           </p:nvPr>
         </p:nvSpPr>
-        <p:spPr/>
+        <p:spPr>
+          <a:xfrm>
+            <a:off x="8610600" y="6331144"/>
+            <a:ext cx="2743200" cy="365125"/>
+          </a:xfrm>
+        </p:spPr>
         <p:txBody>
           <a:bodyPr/>
           <a:lstStyle/>
@@ -28594,62 +27926,12 @@
           </a:p>
         </p:txBody>
       </p:sp>
-      <p:sp>
-        <p:nvSpPr>
-          <p:cNvPr id="2" name="矩形 1">
-            <a:extLst>
-              <a:ext uri="{FF2B5EF4-FFF2-40B4-BE49-F238E27FC236}">
-                <a16:creationId xmlns:a16="http://schemas.microsoft.com/office/drawing/2014/main" id="{44C14C27-AE2A-0387-62EC-BAA9ED20E16A}"/>
-              </a:ext>
-            </a:extLst>
-          </p:cNvPr>
-          <p:cNvSpPr/>
-          <p:nvPr/>
-        </p:nvSpPr>
-        <p:spPr>
-          <a:xfrm>
-            <a:off x="5943600" y="1869440"/>
-            <a:ext cx="680720" cy="4043680"/>
-          </a:xfrm>
-          <a:prstGeom prst="rect">
-            <a:avLst/>
-          </a:prstGeom>
-          <a:noFill/>
-          <a:ln w="38100">
-            <a:noFill/>
-          </a:ln>
-        </p:spPr>
-        <p:style>
-          <a:lnRef idx="2">
-            <a:schemeClr val="accent1">
-              <a:shade val="15000"/>
-            </a:schemeClr>
-          </a:lnRef>
-          <a:fillRef idx="1">
-            <a:schemeClr val="accent1"/>
-          </a:fillRef>
-          <a:effectRef idx="0">
-            <a:schemeClr val="accent1"/>
-          </a:effectRef>
-          <a:fontRef idx="minor">
-            <a:schemeClr val="lt1"/>
-          </a:fontRef>
-        </p:style>
-        <p:txBody>
-          <a:bodyPr rtlCol="0" anchor="ctr"/>
-          <a:lstStyle/>
-          <a:p>
-            <a:pPr algn="ctr"/>
-            <a:endParaRPr lang="zh-CN" altLang="en-US"/>
-          </a:p>
-        </p:txBody>
-      </p:sp>
       <p:pic>
         <p:nvPicPr>
-          <p:cNvPr id="6" name="Picture 5">
-            <a:extLst>
-              <a:ext uri="{FF2B5EF4-FFF2-40B4-BE49-F238E27FC236}">
-                <a16:creationId xmlns:a16="http://schemas.microsoft.com/office/drawing/2014/main" id="{58DC66B9-6EC0-DB59-239F-D4AE5DE80B62}"/>
+          <p:cNvPr id="7" name="Picture 6">
+            <a:extLst>
+              <a:ext uri="{FF2B5EF4-FFF2-40B4-BE49-F238E27FC236}">
+                <a16:creationId xmlns:a16="http://schemas.microsoft.com/office/drawing/2014/main" id="{D8B5C103-66F0-858B-4265-55653D64EF70}"/>
               </a:ext>
             </a:extLst>
           </p:cNvPr>
@@ -28666,8 +27948,8 @@
         </p:blipFill>
         <p:spPr>
           <a:xfrm>
-            <a:off x="767990" y="1869440"/>
-            <a:ext cx="5665565" cy="4386374"/>
+            <a:off x="716435" y="1445305"/>
+            <a:ext cx="7729630" cy="5031377"/>
           </a:xfrm>
           <a:prstGeom prst="rect">
             <a:avLst/>
@@ -28676,231 +27958,28 @@
       </p:pic>
       <p:sp>
         <p:nvSpPr>
-          <p:cNvPr id="7" name="文本框 20">
-            <a:extLst>
-              <a:ext uri="{FF2B5EF4-FFF2-40B4-BE49-F238E27FC236}">
-                <a16:creationId xmlns:a16="http://schemas.microsoft.com/office/drawing/2014/main" id="{82519B99-C14E-2612-50B6-6643106BC63A}"/>
-              </a:ext>
-            </a:extLst>
-          </p:cNvPr>
-          <p:cNvSpPr txBox="1"/>
+          <p:cNvPr id="2" name="Oval 1">
+            <a:extLst>
+              <a:ext uri="{FF2B5EF4-FFF2-40B4-BE49-F238E27FC236}">
+                <a16:creationId xmlns:a16="http://schemas.microsoft.com/office/drawing/2014/main" id="{636D3C77-8A8B-B54B-5112-99FE478CC65B}"/>
+              </a:ext>
+            </a:extLst>
+          </p:cNvPr>
+          <p:cNvSpPr/>
           <p:nvPr/>
         </p:nvSpPr>
         <p:spPr>
           <a:xfrm>
-            <a:off x="345219" y="122482"/>
-            <a:ext cx="9636981" cy="707886"/>
-          </a:xfrm>
-          <a:prstGeom prst="rect">
-            <a:avLst/>
-          </a:prstGeom>
-          <a:noFill/>
-        </p:spPr>
-        <p:txBody>
-          <a:bodyPr wrap="square" rtlCol="0">
-            <a:spAutoFit/>
-          </a:bodyPr>
-          <a:lstStyle/>
-          <a:p>
-            <a:pPr marL="0" marR="0" lvl="0" indent="0" algn="l" defTabSz="457200" rtl="0" eaLnBrk="1" fontAlgn="auto" latinLnBrk="0" hangingPunct="1">
-              <a:lnSpc>
-                <a:spcPct val="100000"/>
-              </a:lnSpc>
-              <a:spcBef>
-                <a:spcPts val="0"/>
-              </a:spcBef>
-              <a:spcAft>
-                <a:spcPts val="0"/>
-              </a:spcAft>
-              <a:buClrTx/>
-              <a:buSzTx/>
-              <a:buFontTx/>
-              <a:buNone/>
-              <a:tabLst/>
-              <a:defRPr/>
-            </a:pPr>
-            <a:r>
-              <a:rPr kumimoji="0" lang="en-US" altLang="zh-CN" sz="4000" b="1" i="0" u="none" strike="noStrike" kern="1200" cap="none" spc="0" normalizeH="0" baseline="0" noProof="0" dirty="0">
-                <a:ln>
-                  <a:noFill/>
-                </a:ln>
-                <a:solidFill>
-                  <a:srgbClr val="001A57"/>
-                </a:solidFill>
-                <a:effectLst/>
-                <a:uLnTx/>
-                <a:uFillTx/>
-                <a:latin typeface="Calibri" panose="020F0502020204030204"/>
-                <a:ea typeface="Cambria" panose="02040503050406030204" pitchFamily="18" charset="0"/>
-                <a:cs typeface="+mn-cs"/>
-              </a:rPr>
-              <a:t>Priority Encoder</a:t>
-            </a:r>
-          </a:p>
-        </p:txBody>
-      </p:sp>
-      <p:pic>
-        <p:nvPicPr>
-          <p:cNvPr id="1026" name="Picture 2">
-            <a:extLst>
-              <a:ext uri="{FF2B5EF4-FFF2-40B4-BE49-F238E27FC236}">
-                <a16:creationId xmlns:a16="http://schemas.microsoft.com/office/drawing/2014/main" id="{7369E0DC-A94B-CD48-F896-64F0D4890CD6}"/>
-              </a:ext>
-            </a:extLst>
-          </p:cNvPr>
-          <p:cNvPicPr>
-            <a:picLocks noChangeAspect="1" noChangeArrowheads="1"/>
-          </p:cNvPicPr>
-          <p:nvPr/>
-        </p:nvPicPr>
-        <p:blipFill>
-          <a:blip r:embed="rId5">
-            <a:extLst>
-              <a:ext uri="{28A0092B-C50C-407E-A947-70E740481C1C}">
-                <a14:useLocalDpi xmlns:a14="http://schemas.microsoft.com/office/drawing/2010/main" val="0"/>
-              </a:ext>
-            </a:extLst>
-          </a:blip>
-          <a:srcRect/>
-          <a:stretch>
-            <a:fillRect/>
-          </a:stretch>
-        </p:blipFill>
-        <p:spPr bwMode="auto">
-          <a:xfrm>
-            <a:off x="6794355" y="905554"/>
-            <a:ext cx="4990454" cy="5250542"/>
-          </a:xfrm>
-          <a:prstGeom prst="rect">
-            <a:avLst/>
-          </a:prstGeom>
-          <a:noFill/>
-          <a:extLst>
-            <a:ext uri="{909E8E84-426E-40DD-AFC4-6F175D3DCCD1}">
-              <a14:hiddenFill xmlns:a14="http://schemas.microsoft.com/office/drawing/2010/main">
-                <a:solidFill>
-                  <a:srgbClr val="FFFFFF"/>
-                </a:solidFill>
-              </a14:hiddenFill>
-            </a:ext>
-          </a:extLst>
-        </p:spPr>
-      </p:pic>
-      <p:pic>
-        <p:nvPicPr>
-          <p:cNvPr id="3" name="Picture 6" descr="Priority Encoder and Digital Encoder ...">
-            <a:extLst>
-              <a:ext uri="{FF2B5EF4-FFF2-40B4-BE49-F238E27FC236}">
-                <a16:creationId xmlns:a16="http://schemas.microsoft.com/office/drawing/2014/main" id="{0D5BE866-319E-EE25-14F6-AE61731DD702}"/>
-              </a:ext>
-            </a:extLst>
-          </p:cNvPr>
-          <p:cNvPicPr>
-            <a:picLocks noChangeAspect="1" noChangeArrowheads="1"/>
-          </p:cNvPicPr>
-          <p:nvPr/>
-        </p:nvPicPr>
-        <p:blipFill>
-          <a:blip r:embed="rId6">
-            <a:extLst>
-              <a:ext uri="{28A0092B-C50C-407E-A947-70E740481C1C}">
-                <a14:useLocalDpi xmlns:a14="http://schemas.microsoft.com/office/drawing/2010/main" val="0"/>
-              </a:ext>
-            </a:extLst>
-          </a:blip>
-          <a:srcRect/>
-          <a:stretch>
-            <a:fillRect/>
-          </a:stretch>
-        </p:blipFill>
-        <p:spPr bwMode="auto">
-          <a:xfrm>
-            <a:off x="8432009" y="5307844"/>
-            <a:ext cx="3352800" cy="1362075"/>
-          </a:xfrm>
-          <a:prstGeom prst="rect">
-            <a:avLst/>
-          </a:prstGeom>
-          <a:noFill/>
-          <a:extLst>
-            <a:ext uri="{909E8E84-426E-40DD-AFC4-6F175D3DCCD1}">
-              <a14:hiddenFill xmlns:a14="http://schemas.microsoft.com/office/drawing/2010/main">
-                <a:solidFill>
-                  <a:srgbClr val="FFFFFF"/>
-                </a:solidFill>
-              </a14:hiddenFill>
-            </a:ext>
-          </a:extLst>
-        </p:spPr>
-      </p:pic>
-      <p:cxnSp>
-        <p:nvCxnSpPr>
-          <p:cNvPr id="10" name="Straight Arrow Connector 9">
-            <a:extLst>
-              <a:ext uri="{FF2B5EF4-FFF2-40B4-BE49-F238E27FC236}">
-                <a16:creationId xmlns:a16="http://schemas.microsoft.com/office/drawing/2014/main" id="{22C509A3-208A-B048-6E6C-13BA9CA30F06}"/>
-              </a:ext>
-            </a:extLst>
-          </p:cNvPr>
-          <p:cNvCxnSpPr>
-            <a:cxnSpLocks/>
-          </p:cNvCxnSpPr>
-          <p:nvPr/>
-        </p:nvCxnSpPr>
-        <p:spPr>
-          <a:xfrm flipH="1">
-            <a:off x="9982200" y="4160828"/>
-            <a:ext cx="297585" cy="1202834"/>
-          </a:xfrm>
-          <a:prstGeom prst="straightConnector1">
-            <a:avLst/>
-          </a:prstGeom>
-          <a:ln w="38100">
-            <a:solidFill>
-              <a:srgbClr val="FF0000"/>
-            </a:solidFill>
-            <a:tailEnd type="triangle"/>
-          </a:ln>
-        </p:spPr>
-        <p:style>
-          <a:lnRef idx="1">
-            <a:schemeClr val="accent1"/>
-          </a:lnRef>
-          <a:fillRef idx="0">
-            <a:schemeClr val="accent1"/>
-          </a:fillRef>
-          <a:effectRef idx="0">
-            <a:schemeClr val="accent1"/>
-          </a:effectRef>
-          <a:fontRef idx="minor">
-            <a:schemeClr val="tx1"/>
-          </a:fontRef>
-        </p:style>
-      </p:cxnSp>
-      <p:sp>
-        <p:nvSpPr>
-          <p:cNvPr id="13" name="Oval 12">
-            <a:extLst>
-              <a:ext uri="{FF2B5EF4-FFF2-40B4-BE49-F238E27FC236}">
-                <a16:creationId xmlns:a16="http://schemas.microsoft.com/office/drawing/2014/main" id="{1FDC9D05-8724-F251-6727-B2E5E1F1319F}"/>
-              </a:ext>
-            </a:extLst>
-          </p:cNvPr>
-          <p:cNvSpPr/>
-          <p:nvPr/>
-        </p:nvSpPr>
-        <p:spPr>
-          <a:xfrm>
-            <a:off x="8254148" y="970734"/>
-            <a:ext cx="1006453" cy="4337110"/>
+            <a:off x="5040923" y="2692958"/>
+            <a:ext cx="1055077" cy="633046"/>
           </a:xfrm>
           <a:prstGeom prst="ellipse">
             <a:avLst/>
           </a:prstGeom>
           <a:noFill/>
-          <a:ln w="38100">
+          <a:ln>
             <a:solidFill>
-              <a:srgbClr val="FF0000"/>
+              <a:schemeClr val="bg2"/>
             </a:solidFill>
           </a:ln>
         </p:spPr>
@@ -28931,10 +28010,62 @@
       </p:sp>
       <p:sp>
         <p:nvSpPr>
-          <p:cNvPr id="9" name="文本框 20">
-            <a:extLst>
-              <a:ext uri="{FF2B5EF4-FFF2-40B4-BE49-F238E27FC236}">
-                <a16:creationId xmlns:a16="http://schemas.microsoft.com/office/drawing/2014/main" id="{D6FBBCA4-685D-3AF4-A322-E6DD3DA40908}"/>
+          <p:cNvPr id="3" name="Oval 2">
+            <a:extLst>
+              <a:ext uri="{FF2B5EF4-FFF2-40B4-BE49-F238E27FC236}">
+                <a16:creationId xmlns:a16="http://schemas.microsoft.com/office/drawing/2014/main" id="{77681BD6-1825-D623-35C7-6E5D7CC40BA4}"/>
+              </a:ext>
+            </a:extLst>
+          </p:cNvPr>
+          <p:cNvSpPr/>
+          <p:nvPr/>
+        </p:nvSpPr>
+        <p:spPr>
+          <a:xfrm>
+            <a:off x="2725754" y="4891607"/>
+            <a:ext cx="1055077" cy="745518"/>
+          </a:xfrm>
+          <a:prstGeom prst="ellipse">
+            <a:avLst/>
+          </a:prstGeom>
+          <a:noFill/>
+          <a:ln>
+            <a:solidFill>
+              <a:schemeClr val="bg2"/>
+            </a:solidFill>
+          </a:ln>
+        </p:spPr>
+        <p:style>
+          <a:lnRef idx="2">
+            <a:schemeClr val="accent1">
+              <a:shade val="15000"/>
+            </a:schemeClr>
+          </a:lnRef>
+          <a:fillRef idx="1">
+            <a:schemeClr val="accent1"/>
+          </a:fillRef>
+          <a:effectRef idx="0">
+            <a:schemeClr val="accent1"/>
+          </a:effectRef>
+          <a:fontRef idx="minor">
+            <a:schemeClr val="lt1"/>
+          </a:fontRef>
+        </p:style>
+        <p:txBody>
+          <a:bodyPr rtlCol="0" anchor="ctr"/>
+          <a:lstStyle/>
+          <a:p>
+            <a:pPr algn="ctr"/>
+            <a:endParaRPr lang="en-US"/>
+          </a:p>
+        </p:txBody>
+      </p:sp>
+      <p:sp>
+        <p:nvSpPr>
+          <p:cNvPr id="6" name="文本框 16">
+            <a:extLst>
+              <a:ext uri="{FF2B5EF4-FFF2-40B4-BE49-F238E27FC236}">
+                <a16:creationId xmlns:a16="http://schemas.microsoft.com/office/drawing/2014/main" id="{F7AAB60D-7E0E-275D-AFB9-F33AF1D6E7A9}"/>
               </a:ext>
             </a:extLst>
           </p:cNvPr>
@@ -28943,55 +28074,31 @@
         </p:nvSpPr>
         <p:spPr>
           <a:xfrm>
-            <a:off x="6145948" y="661331"/>
-            <a:ext cx="1564640" cy="461665"/>
+            <a:off x="8530213" y="1432211"/>
+            <a:ext cx="3551468" cy="1815882"/>
           </a:xfrm>
           <a:prstGeom prst="rect">
             <a:avLst/>
           </a:prstGeom>
-          <a:solidFill>
-            <a:schemeClr val="tx2">
-              <a:lumMod val="40000"/>
-              <a:lumOff val="60000"/>
-            </a:schemeClr>
-          </a:solidFill>
+          <a:noFill/>
         </p:spPr>
         <p:txBody>
           <a:bodyPr wrap="square" rtlCol="0">
             <a:spAutoFit/>
           </a:bodyPr>
-          <a:lstStyle>
-            <a:defPPr>
-              <a:defRPr lang="en-US"/>
-            </a:defPPr>
-            <a:lvl1pPr marR="0" lvl="0" indent="0" algn="ctr" defTabSz="457200" fontAlgn="auto">
-              <a:lnSpc>
-                <a:spcPct val="100000"/>
-              </a:lnSpc>
-              <a:spcBef>
-                <a:spcPts val="0"/>
-              </a:spcBef>
-              <a:spcAft>
-                <a:spcPts val="0"/>
-              </a:spcAft>
-              <a:buClrTx/>
-              <a:buSzTx/>
-              <a:buFontTx/>
-              <a:buNone/>
-              <a:tabLst/>
-              <a:defRPr sz="2400" b="1">
-                <a:solidFill>
-                  <a:srgbClr val="001A57"/>
-                </a:solidFill>
-                <a:latin typeface="Calibri" panose="020F0502020204030204"/>
-                <a:ea typeface="Cambria" panose="02040503050406030204" pitchFamily="18" charset="0"/>
-              </a:defRPr>
-            </a:lvl1pPr>
-          </a:lstStyle>
+          <a:lstStyle/>
           <a:p>
             <a:r>
-              <a:rPr lang="en-US" altLang="zh-CN" dirty="0"/>
-              <a:t>Schematic </a:t>
+              <a:rPr lang="en-US" altLang="zh-CN" sz="2800" dirty="0"/>
+              <a:t>To increase the slew rate, we decrease the Cc, and change W/L and </a:t>
+            </a:r>
+            <a:r>
+              <a:rPr lang="en-US" altLang="zh-CN" sz="2800" dirty="0" err="1"/>
+              <a:t>Vbias</a:t>
+            </a:r>
+            <a:r>
+              <a:rPr lang="en-US" altLang="zh-CN" sz="2800" dirty="0"/>
+              <a:t> of M5</a:t>
             </a:r>
           </a:p>
         </p:txBody>
@@ -28999,7 +28106,7 @@
     </p:spTree>
     <p:extLst>
       <p:ext uri="{BB962C8B-B14F-4D97-AF65-F5344CB8AC3E}">
-        <p14:creationId xmlns:p14="http://schemas.microsoft.com/office/powerpoint/2010/main" val="222934439"/>
+        <p14:creationId xmlns:p14="http://schemas.microsoft.com/office/powerpoint/2010/main" val="505455240"/>
       </p:ext>
     </p:extLst>
   </p:cSld>

--- a/Presentation/Final Project Presentation Bingyu-Jiahui 3.pptx
+++ b/Presentation/Final Project Presentation Bingyu-Jiahui 3.pptx
@@ -578,7 +578,7 @@
           <a:p>
             <a:fld id="{CCAEB7AD-9273-4B69-AFFF-2DCADD8F9761}" type="datetimeFigureOut">
               <a:rPr lang="zh-CN" altLang="en-US" smtClean="0"/>
-              <a:t>2025/4/28</a:t>
+              <a:t>2025/4/29</a:t>
             </a:fld>
             <a:endParaRPr lang="zh-CN" altLang="en-US"/>
           </a:p>
@@ -6397,7 +6397,7 @@
           <a:p>
             <a:fld id="{905A3E96-D80B-446B-AFC4-EFCCE8641260}" type="datetime1">
               <a:rPr lang="en-US" altLang="zh-CN" smtClean="0"/>
-              <a:t>4/28/2025</a:t>
+              <a:t>4/29/2025</a:t>
             </a:fld>
             <a:endParaRPr lang="en-US"/>
           </a:p>
@@ -6597,7 +6597,7 @@
           <a:p>
             <a:fld id="{7305523F-52DC-4430-9B04-955F5E71055B}" type="datetime1">
               <a:rPr lang="en-US" altLang="zh-CN" smtClean="0"/>
-              <a:t>4/28/2025</a:t>
+              <a:t>4/29/2025</a:t>
             </a:fld>
             <a:endParaRPr lang="en-US"/>
           </a:p>
@@ -6807,7 +6807,7 @@
           <a:p>
             <a:fld id="{542291C2-4D10-4EEA-998E-BBE8384A6E97}" type="datetime1">
               <a:rPr lang="en-US" altLang="zh-CN" smtClean="0"/>
-              <a:t>4/28/2025</a:t>
+              <a:t>4/29/2025</a:t>
             </a:fld>
             <a:endParaRPr lang="en-US"/>
           </a:p>
@@ -7029,7 +7029,7 @@
           <a:p>
             <a:fld id="{4517B249-2657-41A1-9D3E-A2F011803F1E}" type="datetime1">
               <a:rPr lang="en-US" altLang="zh-CN" smtClean="0"/>
-              <a:t>4/28/2025</a:t>
+              <a:t>4/29/2025</a:t>
             </a:fld>
             <a:endParaRPr lang="en-US"/>
           </a:p>
@@ -7229,7 +7229,7 @@
           <a:p>
             <a:fld id="{6723E27A-ABBF-4517-99ED-AC7C0843C084}" type="datetime1">
               <a:rPr lang="en-US" altLang="zh-CN" smtClean="0"/>
-              <a:t>4/28/2025</a:t>
+              <a:t>4/29/2025</a:t>
             </a:fld>
             <a:endParaRPr lang="en-US"/>
           </a:p>
@@ -7505,7 +7505,7 @@
           <a:p>
             <a:fld id="{422BA3A7-4EF7-4483-934A-F8F43F62C884}" type="datetime1">
               <a:rPr lang="en-US" altLang="zh-CN" smtClean="0"/>
-              <a:t>4/28/2025</a:t>
+              <a:t>4/29/2025</a:t>
             </a:fld>
             <a:endParaRPr lang="en-US"/>
           </a:p>
@@ -7773,7 +7773,7 @@
           <a:p>
             <a:fld id="{6593C9D6-8F9B-401C-809C-98A3989AD664}" type="datetime1">
               <a:rPr lang="en-US" altLang="zh-CN" smtClean="0"/>
-              <a:t>4/28/2025</a:t>
+              <a:t>4/29/2025</a:t>
             </a:fld>
             <a:endParaRPr lang="en-US"/>
           </a:p>
@@ -8188,7 +8188,7 @@
           <a:p>
             <a:fld id="{250C0703-21A3-446A-B1F5-92E1A5BCA5C2}" type="datetime1">
               <a:rPr lang="en-US" altLang="zh-CN" smtClean="0"/>
-              <a:t>4/28/2025</a:t>
+              <a:t>4/29/2025</a:t>
             </a:fld>
             <a:endParaRPr lang="en-US"/>
           </a:p>
@@ -8330,7 +8330,7 @@
           <a:p>
             <a:fld id="{D07D780F-C2F7-47F5-B4CA-AB3842423C6B}" type="datetime1">
               <a:rPr lang="en-US" altLang="zh-CN" smtClean="0"/>
-              <a:t>4/28/2025</a:t>
+              <a:t>4/29/2025</a:t>
             </a:fld>
             <a:endParaRPr lang="en-US"/>
           </a:p>
@@ -8443,7 +8443,7 @@
           <a:p>
             <a:fld id="{F1FAF1BE-752E-4D98-BCB7-381F7409635A}" type="datetime1">
               <a:rPr lang="en-US" altLang="zh-CN" smtClean="0"/>
-              <a:t>4/28/2025</a:t>
+              <a:t>4/29/2025</a:t>
             </a:fld>
             <a:endParaRPr lang="en-US"/>
           </a:p>
@@ -8756,7 +8756,7 @@
           <a:p>
             <a:fld id="{6AE50C24-BD16-4F99-8FE6-4AD5A05A0FFF}" type="datetime1">
               <a:rPr lang="en-US" altLang="zh-CN" smtClean="0"/>
-              <a:t>4/28/2025</a:t>
+              <a:t>4/29/2025</a:t>
             </a:fld>
             <a:endParaRPr lang="en-US"/>
           </a:p>
@@ -8956,7 +8956,7 @@
           <a:p>
             <a:fld id="{728238A5-BF39-4043-99C7-AB468EC1F2B8}" type="datetime1">
               <a:rPr lang="en-US" altLang="zh-CN" smtClean="0"/>
-              <a:t>4/28/2025</a:t>
+              <a:t>4/29/2025</a:t>
             </a:fld>
             <a:endParaRPr lang="en-US"/>
           </a:p>
@@ -9249,7 +9249,7 @@
           <a:p>
             <a:fld id="{DCBDD4CF-51CF-4995-A8A2-6BD941CCCC73}" type="datetime1">
               <a:rPr lang="en-US" altLang="zh-CN" smtClean="0"/>
-              <a:t>4/28/2025</a:t>
+              <a:t>4/29/2025</a:t>
             </a:fld>
             <a:endParaRPr lang="en-US"/>
           </a:p>
@@ -9449,7 +9449,7 @@
           <a:p>
             <a:fld id="{4C3EB475-F530-4498-905E-CDBA0CAD6F15}" type="datetime1">
               <a:rPr lang="en-US" altLang="zh-CN" smtClean="0"/>
-              <a:t>4/28/2025</a:t>
+              <a:t>4/29/2025</a:t>
             </a:fld>
             <a:endParaRPr lang="en-US"/>
           </a:p>
@@ -9659,7 +9659,7 @@
           <a:p>
             <a:fld id="{8B3DCA2F-A5BF-4FF9-ACD7-9C9EC2B184BE}" type="datetime1">
               <a:rPr lang="en-US" altLang="zh-CN" smtClean="0"/>
-              <a:t>4/28/2025</a:t>
+              <a:t>4/29/2025</a:t>
             </a:fld>
             <a:endParaRPr lang="en-US"/>
           </a:p>
@@ -9935,7 +9935,7 @@
           <a:p>
             <a:fld id="{D17A5129-D314-481F-A31E-209A42C8EAA6}" type="datetime1">
               <a:rPr lang="en-US" altLang="zh-CN" smtClean="0"/>
-              <a:t>4/28/2025</a:t>
+              <a:t>4/29/2025</a:t>
             </a:fld>
             <a:endParaRPr lang="en-US"/>
           </a:p>
@@ -10203,7 +10203,7 @@
           <a:p>
             <a:fld id="{A7CD654F-DBDC-4FE1-BB04-5916C730F602}" type="datetime1">
               <a:rPr lang="en-US" altLang="zh-CN" smtClean="0"/>
-              <a:t>4/28/2025</a:t>
+              <a:t>4/29/2025</a:t>
             </a:fld>
             <a:endParaRPr lang="en-US"/>
           </a:p>
@@ -10618,7 +10618,7 @@
           <a:p>
             <a:fld id="{ED92E7D0-3755-45F0-B594-A46FB0C96D04}" type="datetime1">
               <a:rPr lang="en-US" altLang="zh-CN" smtClean="0"/>
-              <a:t>4/28/2025</a:t>
+              <a:t>4/29/2025</a:t>
             </a:fld>
             <a:endParaRPr lang="en-US"/>
           </a:p>
@@ -10760,7 +10760,7 @@
           <a:p>
             <a:fld id="{04EFBAC5-DAB5-402E-B3A7-942B4879F09E}" type="datetime1">
               <a:rPr lang="en-US" altLang="zh-CN" smtClean="0"/>
-              <a:t>4/28/2025</a:t>
+              <a:t>4/29/2025</a:t>
             </a:fld>
             <a:endParaRPr lang="en-US"/>
           </a:p>
@@ -10873,7 +10873,7 @@
           <a:p>
             <a:fld id="{1AA24AFF-6570-48E4-949E-CD1D0B9EA9DF}" type="datetime1">
               <a:rPr lang="en-US" altLang="zh-CN" smtClean="0"/>
-              <a:t>4/28/2025</a:t>
+              <a:t>4/29/2025</a:t>
             </a:fld>
             <a:endParaRPr lang="en-US"/>
           </a:p>
@@ -11186,7 +11186,7 @@
           <a:p>
             <a:fld id="{A1001909-EE1B-4877-8D65-BD4B5502A5C6}" type="datetime1">
               <a:rPr lang="en-US" altLang="zh-CN" smtClean="0"/>
-              <a:t>4/28/2025</a:t>
+              <a:t>4/29/2025</a:t>
             </a:fld>
             <a:endParaRPr lang="en-US"/>
           </a:p>
@@ -11479,7 +11479,7 @@
           <a:p>
             <a:fld id="{33E035AF-2B53-4D11-AA1C-D846C566BAE5}" type="datetime1">
               <a:rPr lang="en-US" altLang="zh-CN" smtClean="0"/>
-              <a:t>4/28/2025</a:t>
+              <a:t>4/29/2025</a:t>
             </a:fld>
             <a:endParaRPr lang="en-US"/>
           </a:p>
@@ -11725,7 +11725,7 @@
           <a:p>
             <a:fld id="{9290A078-CB5F-4C9C-9C73-2B377B42B4DB}" type="datetime1">
               <a:rPr lang="en-US" altLang="zh-CN" smtClean="0"/>
-              <a:t>4/28/2025</a:t>
+              <a:t>4/29/2025</a:t>
             </a:fld>
             <a:endParaRPr lang="en-US"/>
           </a:p>
@@ -12299,7 +12299,7 @@
           <a:p>
             <a:fld id="{B5F27AF9-DDAF-4AE6-AD12-D09AA0276FBC}" type="datetime1">
               <a:rPr lang="en-US" altLang="zh-CN" smtClean="0"/>
-              <a:t>4/28/2025</a:t>
+              <a:t>4/29/2025</a:t>
             </a:fld>
             <a:endParaRPr lang="en-US"/>
           </a:p>
